--- a/IBM_Z_HMC_Log_Forwarder.pptx
+++ b/IBM_Z_HMC_Log_Forwarder.pptx
@@ -3023,7 +3023,7 @@
             </a:pPr>
             <a:r>
               <a:rPr lang="en-US" spc="-1" dirty="0"/>
-              <a:t>Available as </a:t>
+              <a:t>Future: Available as </a:t>
             </a:r>
             <a:r>
               <a:rPr lang="en-US" sz="2000" spc="-1" dirty="0"/>
@@ -4381,8 +4381,8 @@
         </p:nvSpPr>
         <p:spPr>
           <a:xfrm>
-            <a:off x="457200" y="1043801"/>
-            <a:ext cx="8329749" cy="4355514"/>
+            <a:off x="457200" y="930442"/>
+            <a:ext cx="8329749" cy="4468873"/>
           </a:xfrm>
         </p:spPr>
         <p:txBody>
@@ -4428,11 +4428,6 @@
                 <a:latin typeface="Courier" pitchFamily="2" charset="0"/>
               </a:rPr>
             </a:br>
-            <a:br>
-              <a:rPr lang="de-DE" sz="1100" dirty="0">
-                <a:latin typeface="Courier" pitchFamily="2" charset="0"/>
-              </a:rPr>
-            </a:br>
             <a:r>
               <a:rPr lang="de-DE" sz="1100" dirty="0">
                 <a:latin typeface="Courier" pitchFamily="2" charset="0"/>
@@ -4467,7 +4462,248 @@
               <a:rPr lang="de-DE" sz="1100" dirty="0" err="1">
                 <a:latin typeface="Courier" pitchFamily="2" charset="0"/>
               </a:rPr>
-              <a:t>talk</a:t>
+              <a:t>collect</a:t>
+            </a:r>
+            <a:r>
+              <a:rPr lang="de-DE" sz="1100" dirty="0">
+                <a:latin typeface="Courier" pitchFamily="2" charset="0"/>
+              </a:rPr>
+              <a:t> </a:t>
+            </a:r>
+            <a:r>
+              <a:rPr lang="de-DE" sz="1100" dirty="0" err="1">
+                <a:latin typeface="Courier" pitchFamily="2" charset="0"/>
+              </a:rPr>
+              <a:t>the</a:t>
+            </a:r>
+            <a:r>
+              <a:rPr lang="de-DE" sz="1100" dirty="0">
+                <a:latin typeface="Courier" pitchFamily="2" charset="0"/>
+              </a:rPr>
+              <a:t> log </a:t>
+            </a:r>
+            <a:r>
+              <a:rPr lang="de-DE" sz="1100" dirty="0" err="1">
+                <a:latin typeface="Courier" pitchFamily="2" charset="0"/>
+              </a:rPr>
+              <a:t>entries</a:t>
+            </a:r>
+            <a:r>
+              <a:rPr lang="de-DE" sz="1100" dirty="0">
+                <a:latin typeface="Courier" pitchFamily="2" charset="0"/>
+              </a:rPr>
+              <a:t> </a:t>
+            </a:r>
+            <a:r>
+              <a:rPr lang="de-DE" sz="1100" dirty="0" err="1">
+                <a:latin typeface="Courier" pitchFamily="2" charset="0"/>
+              </a:rPr>
+              <a:t>from</a:t>
+            </a:r>
+            <a:r>
+              <a:rPr lang="de-DE" sz="1100" dirty="0">
+                <a:latin typeface="Courier" pitchFamily="2" charset="0"/>
+              </a:rPr>
+              <a:t>:</a:t>
+            </a:r>
+            <a:br>
+              <a:rPr lang="de-DE" sz="1100" dirty="0">
+                <a:latin typeface="Courier" pitchFamily="2" charset="0"/>
+              </a:rPr>
+            </a:br>
+            <a:br>
+              <a:rPr lang="de-DE" sz="1100" dirty="0">
+                <a:latin typeface="Courier" pitchFamily="2" charset="0"/>
+              </a:rPr>
+            </a:br>
+            <a:r>
+              <a:rPr lang="de-DE" sz="1100" dirty="0" err="1">
+                <a:latin typeface="Courier" pitchFamily="2" charset="0"/>
+              </a:rPr>
+              <a:t>hmc_host</a:t>
+            </a:r>
+            <a:r>
+              <a:rPr lang="de-DE" sz="1100" dirty="0">
+                <a:latin typeface="Courier" pitchFamily="2" charset="0"/>
+              </a:rPr>
+              <a:t>: 10.11.12.13.     # IP </a:t>
+            </a:r>
+            <a:r>
+              <a:rPr lang="de-DE" sz="1100" dirty="0" err="1">
+                <a:latin typeface="Courier" pitchFamily="2" charset="0"/>
+              </a:rPr>
+              <a:t>address</a:t>
+            </a:r>
+            <a:r>
+              <a:rPr lang="de-DE" sz="1100" dirty="0">
+                <a:latin typeface="Courier" pitchFamily="2" charset="0"/>
+              </a:rPr>
+              <a:t> </a:t>
+            </a:r>
+            <a:r>
+              <a:rPr lang="de-DE" sz="1100" dirty="0" err="1">
+                <a:latin typeface="Courier" pitchFamily="2" charset="0"/>
+              </a:rPr>
+              <a:t>or</a:t>
+            </a:r>
+            <a:r>
+              <a:rPr lang="de-DE" sz="1100" dirty="0">
+                <a:latin typeface="Courier" pitchFamily="2" charset="0"/>
+              </a:rPr>
+              <a:t> </a:t>
+            </a:r>
+            <a:r>
+              <a:rPr lang="de-DE" sz="1100" dirty="0" err="1">
+                <a:latin typeface="Courier" pitchFamily="2" charset="0"/>
+              </a:rPr>
+              <a:t>hostname</a:t>
+            </a:r>
+            <a:r>
+              <a:rPr lang="de-DE" sz="1100" dirty="0">
+                <a:latin typeface="Courier" pitchFamily="2" charset="0"/>
+              </a:rPr>
+              <a:t> </a:t>
+            </a:r>
+            <a:r>
+              <a:rPr lang="de-DE" sz="1100" dirty="0" err="1">
+                <a:latin typeface="Courier" pitchFamily="2" charset="0"/>
+              </a:rPr>
+              <a:t>of</a:t>
+            </a:r>
+            <a:r>
+              <a:rPr lang="de-DE" sz="1100" dirty="0">
+                <a:latin typeface="Courier" pitchFamily="2" charset="0"/>
+              </a:rPr>
+              <a:t> </a:t>
+            </a:r>
+            <a:r>
+              <a:rPr lang="de-DE" sz="1100" dirty="0" err="1">
+                <a:latin typeface="Courier" pitchFamily="2" charset="0"/>
+              </a:rPr>
+              <a:t>the</a:t>
+            </a:r>
+            <a:r>
+              <a:rPr lang="de-DE" sz="1100" dirty="0">
+                <a:latin typeface="Courier" pitchFamily="2" charset="0"/>
+              </a:rPr>
+              <a:t> HMC</a:t>
+            </a:r>
+            <a:br>
+              <a:rPr lang="de-DE" sz="1100" dirty="0">
+                <a:latin typeface="Courier" pitchFamily="2" charset="0"/>
+              </a:rPr>
+            </a:br>
+            <a:r>
+              <a:rPr lang="de-DE" sz="1100" dirty="0" err="1">
+                <a:latin typeface="Courier" pitchFamily="2" charset="0"/>
+              </a:rPr>
+              <a:t>hmc_user</a:t>
+            </a:r>
+            <a:r>
+              <a:rPr lang="de-DE" sz="1100" dirty="0">
+                <a:latin typeface="Courier" pitchFamily="2" charset="0"/>
+              </a:rPr>
+              <a:t>: </a:t>
+            </a:r>
+            <a:r>
+              <a:rPr lang="de-DE" sz="1100" dirty="0" err="1">
+                <a:latin typeface="Courier" pitchFamily="2" charset="0"/>
+              </a:rPr>
+              <a:t>myuser</a:t>
+            </a:r>
+            <a:r>
+              <a:rPr lang="de-DE" sz="1100" dirty="0">
+                <a:latin typeface="Courier" pitchFamily="2" charset="0"/>
+              </a:rPr>
+              <a:t>           # HMC </a:t>
+            </a:r>
+            <a:r>
+              <a:rPr lang="de-DE" sz="1100" dirty="0" err="1">
+                <a:latin typeface="Courier" pitchFamily="2" charset="0"/>
+              </a:rPr>
+              <a:t>userid</a:t>
+            </a:r>
+            <a:br>
+              <a:rPr lang="de-DE" sz="1100" dirty="0">
+                <a:latin typeface="Courier" pitchFamily="2" charset="0"/>
+              </a:rPr>
+            </a:br>
+            <a:r>
+              <a:rPr lang="de-DE" sz="1100" dirty="0" err="1">
+                <a:latin typeface="Courier" pitchFamily="2" charset="0"/>
+              </a:rPr>
+              <a:t>hmc_password</a:t>
+            </a:r>
+            <a:r>
+              <a:rPr lang="de-DE" sz="1100" dirty="0">
+                <a:latin typeface="Courier" pitchFamily="2" charset="0"/>
+              </a:rPr>
+              <a:t>: </a:t>
+            </a:r>
+            <a:r>
+              <a:rPr lang="de-DE" sz="1100" dirty="0" err="1">
+                <a:latin typeface="Courier" pitchFamily="2" charset="0"/>
+              </a:rPr>
+              <a:t>mypassword</a:t>
+            </a:r>
+            <a:r>
+              <a:rPr lang="de-DE" sz="1100" dirty="0">
+                <a:latin typeface="Courier" pitchFamily="2" charset="0"/>
+              </a:rPr>
+              <a:t>   # HMC </a:t>
+            </a:r>
+            <a:r>
+              <a:rPr lang="de-DE" sz="1100" dirty="0" err="1">
+                <a:latin typeface="Courier" pitchFamily="2" charset="0"/>
+              </a:rPr>
+              <a:t>password</a:t>
+            </a:r>
+            <a:br>
+              <a:rPr lang="de-DE" sz="1100" dirty="0">
+                <a:latin typeface="Courier" pitchFamily="2" charset="0"/>
+              </a:rPr>
+            </a:br>
+            <a:r>
+              <a:rPr lang="de-DE" sz="1100" dirty="0" err="1">
+                <a:latin typeface="Courier" pitchFamily="2" charset="0"/>
+              </a:rPr>
+              <a:t>label</a:t>
+            </a:r>
+            <a:r>
+              <a:rPr lang="de-DE" sz="1100" dirty="0">
+                <a:latin typeface="Courier" pitchFamily="2" charset="0"/>
+              </a:rPr>
+              <a:t>: region1-zone2-hmc1  # Label </a:t>
+            </a:r>
+            <a:r>
+              <a:rPr lang="de-DE" sz="1100" dirty="0" err="1">
+                <a:latin typeface="Courier" pitchFamily="2" charset="0"/>
+              </a:rPr>
+              <a:t>for</a:t>
+            </a:r>
+            <a:r>
+              <a:rPr lang="de-DE" sz="1100" dirty="0">
+                <a:latin typeface="Courier" pitchFamily="2" charset="0"/>
+              </a:rPr>
+              <a:t> </a:t>
+            </a:r>
+            <a:r>
+              <a:rPr lang="de-DE" sz="1100" dirty="0" err="1">
+                <a:latin typeface="Courier" pitchFamily="2" charset="0"/>
+              </a:rPr>
+              <a:t>use</a:t>
+            </a:r>
+            <a:r>
+              <a:rPr lang="de-DE" sz="1100" dirty="0">
+                <a:latin typeface="Courier" pitchFamily="2" charset="0"/>
+              </a:rPr>
+              <a:t> in log </a:t>
+            </a:r>
+            <a:r>
+              <a:rPr lang="de-DE" sz="1100" dirty="0" err="1">
+                <a:latin typeface="Courier" pitchFamily="2" charset="0"/>
+              </a:rPr>
+              <a:t>output</a:t>
             </a:r>
             <a:r>
               <a:rPr lang="de-DE" sz="1100" dirty="0">
@@ -4485,6 +4721,100 @@
               <a:rPr lang="de-DE" sz="1100" dirty="0">
                 <a:latin typeface="Courier" pitchFamily="2" charset="0"/>
               </a:rPr>
+              <a:t> </a:t>
+            </a:r>
+            <a:r>
+              <a:rPr lang="de-DE" sz="1100" dirty="0" err="1">
+                <a:latin typeface="Courier" pitchFamily="2" charset="0"/>
+              </a:rPr>
+              <a:t>identify</a:t>
+            </a:r>
+            <a:r>
+              <a:rPr lang="de-DE" sz="1100" dirty="0">
+                <a:latin typeface="Courier" pitchFamily="2" charset="0"/>
+              </a:rPr>
+              <a:t> </a:t>
+            </a:r>
+            <a:r>
+              <a:rPr lang="de-DE" sz="1100" dirty="0" err="1">
+                <a:latin typeface="Courier" pitchFamily="2" charset="0"/>
+              </a:rPr>
+              <a:t>the</a:t>
+            </a:r>
+            <a:r>
+              <a:rPr lang="de-DE" sz="1100" dirty="0">
+                <a:latin typeface="Courier" pitchFamily="2" charset="0"/>
+              </a:rPr>
+              <a:t> </a:t>
+            </a:r>
+            <a:r>
+              <a:rPr lang="de-DE" sz="1100" dirty="0" err="1">
+                <a:latin typeface="Courier" pitchFamily="2" charset="0"/>
+              </a:rPr>
+              <a:t>source</a:t>
+            </a:r>
+            <a:br>
+              <a:rPr lang="de-DE" sz="1100" dirty="0">
+                <a:latin typeface="Courier" pitchFamily="2" charset="0"/>
+              </a:rPr>
+            </a:br>
+            <a:br>
+              <a:rPr lang="de-DE" sz="1100" dirty="0">
+                <a:latin typeface="Courier" pitchFamily="2" charset="0"/>
+              </a:rPr>
+            </a:br>
+            <a:r>
+              <a:rPr lang="de-DE" sz="1100" dirty="0">
+                <a:latin typeface="Courier" pitchFamily="2" charset="0"/>
+              </a:rPr>
+              <a:t># </a:t>
+            </a:r>
+            <a:r>
+              <a:rPr lang="de-DE" sz="1100" dirty="0" err="1">
+                <a:latin typeface="Courier" pitchFamily="2" charset="0"/>
+              </a:rPr>
+              <a:t>Which</a:t>
+            </a:r>
+            <a:r>
+              <a:rPr lang="de-DE" sz="1100" dirty="0">
+                <a:latin typeface="Courier" pitchFamily="2" charset="0"/>
+              </a:rPr>
+              <a:t> log </a:t>
+            </a:r>
+            <a:r>
+              <a:rPr lang="de-DE" sz="1100" dirty="0" err="1">
+                <a:latin typeface="Courier" pitchFamily="2" charset="0"/>
+              </a:rPr>
+              <a:t>entries</a:t>
+            </a:r>
+            <a:r>
+              <a:rPr lang="de-DE" sz="1100" dirty="0">
+                <a:latin typeface="Courier" pitchFamily="2" charset="0"/>
+              </a:rPr>
+              <a:t> </a:t>
+            </a:r>
+            <a:r>
+              <a:rPr lang="de-DE" sz="1100" dirty="0" err="1">
+                <a:latin typeface="Courier" pitchFamily="2" charset="0"/>
+              </a:rPr>
+              <a:t>to</a:t>
+            </a:r>
+            <a:r>
+              <a:rPr lang="de-DE" sz="1100" dirty="0">
+                <a:latin typeface="Courier" pitchFamily="2" charset="0"/>
+              </a:rPr>
+              <a:t> </a:t>
+            </a:r>
+            <a:r>
+              <a:rPr lang="de-DE" sz="1100" dirty="0" err="1">
+                <a:latin typeface="Courier" pitchFamily="2" charset="0"/>
+              </a:rPr>
+              <a:t>collect</a:t>
+            </a:r>
+            <a:r>
+              <a:rPr lang="de-DE" sz="1100" dirty="0">
+                <a:latin typeface="Courier" pitchFamily="2" charset="0"/>
+              </a:rPr>
               <a:t>:</a:t>
             </a:r>
             <a:br>
@@ -4501,13 +4831,462 @@
               <a:rPr lang="de-DE" sz="1100" dirty="0" err="1">
                 <a:latin typeface="Courier" pitchFamily="2" charset="0"/>
               </a:rPr>
-              <a:t>hmc_host</a:t>
-            </a:r>
-            <a:r>
-              <a:rPr lang="de-DE" sz="1100" dirty="0">
-                <a:latin typeface="Courier" pitchFamily="2" charset="0"/>
-              </a:rPr>
-              <a:t>: 10.11.12.13.     # IP </a:t>
+              <a:t>logs</a:t>
+            </a:r>
+            <a:r>
+              <a:rPr lang="de-DE" sz="1100" dirty="0">
+                <a:latin typeface="Courier" pitchFamily="2" charset="0"/>
+              </a:rPr>
+              <a:t>: [</a:t>
+            </a:r>
+            <a:r>
+              <a:rPr lang="de-DE" sz="1100" dirty="0" err="1">
+                <a:latin typeface="Courier" pitchFamily="2" charset="0"/>
+              </a:rPr>
+              <a:t>security</a:t>
+            </a:r>
+            <a:r>
+              <a:rPr lang="de-DE" sz="1100" dirty="0">
+                <a:latin typeface="Courier" pitchFamily="2" charset="0"/>
+              </a:rPr>
+              <a:t>, </a:t>
+            </a:r>
+            <a:r>
+              <a:rPr lang="de-DE" sz="1100" dirty="0" err="1">
+                <a:latin typeface="Courier" pitchFamily="2" charset="0"/>
+              </a:rPr>
+              <a:t>audit</a:t>
+            </a:r>
+            <a:r>
+              <a:rPr lang="de-DE" sz="1100" dirty="0">
+                <a:latin typeface="Courier" pitchFamily="2" charset="0"/>
+              </a:rPr>
+              <a:t>]    # List </a:t>
+            </a:r>
+            <a:r>
+              <a:rPr lang="de-DE" sz="1100" dirty="0" err="1">
+                <a:latin typeface="Courier" pitchFamily="2" charset="0"/>
+              </a:rPr>
+              <a:t>of</a:t>
+            </a:r>
+            <a:r>
+              <a:rPr lang="de-DE" sz="1100" dirty="0">
+                <a:latin typeface="Courier" pitchFamily="2" charset="0"/>
+              </a:rPr>
+              <a:t> log </a:t>
+            </a:r>
+            <a:r>
+              <a:rPr lang="de-DE" sz="1100" dirty="0" err="1">
+                <a:latin typeface="Courier" pitchFamily="2" charset="0"/>
+              </a:rPr>
+              <a:t>types</a:t>
+            </a:r>
+            <a:r>
+              <a:rPr lang="de-DE" sz="1100" dirty="0">
+                <a:latin typeface="Courier" pitchFamily="2" charset="0"/>
+              </a:rPr>
+              <a:t> </a:t>
+            </a:r>
+            <a:r>
+              <a:rPr lang="de-DE" sz="1100" dirty="0" err="1">
+                <a:latin typeface="Courier" pitchFamily="2" charset="0"/>
+              </a:rPr>
+              <a:t>to</a:t>
+            </a:r>
+            <a:r>
+              <a:rPr lang="de-DE" sz="1100" dirty="0">
+                <a:latin typeface="Courier" pitchFamily="2" charset="0"/>
+              </a:rPr>
+              <a:t> </a:t>
+            </a:r>
+            <a:r>
+              <a:rPr lang="de-DE" sz="1100" dirty="0" err="1">
+                <a:latin typeface="Courier" pitchFamily="2" charset="0"/>
+              </a:rPr>
+              <a:t>include</a:t>
+            </a:r>
+            <a:br>
+              <a:rPr lang="de-DE" sz="1100" dirty="0">
+                <a:latin typeface="Courier" pitchFamily="2" charset="0"/>
+              </a:rPr>
+            </a:br>
+            <a:r>
+              <a:rPr lang="de-DE" sz="1100" dirty="0" err="1">
+                <a:latin typeface="Courier" pitchFamily="2" charset="0"/>
+              </a:rPr>
+              <a:t>since</a:t>
+            </a:r>
+            <a:r>
+              <a:rPr lang="de-DE" sz="1100" dirty="0">
+                <a:latin typeface="Courier" pitchFamily="2" charset="0"/>
+              </a:rPr>
+              <a:t>: </a:t>
+            </a:r>
+            <a:r>
+              <a:rPr lang="de-DE" sz="1100" dirty="0" err="1">
+                <a:latin typeface="Courier" pitchFamily="2" charset="0"/>
+              </a:rPr>
+              <a:t>now</a:t>
+            </a:r>
+            <a:r>
+              <a:rPr lang="de-DE" sz="1100" dirty="0">
+                <a:latin typeface="Courier" pitchFamily="2" charset="0"/>
+              </a:rPr>
+              <a:t>                 # </a:t>
+            </a:r>
+            <a:r>
+              <a:rPr lang="de-DE" sz="1100" dirty="0" err="1">
+                <a:latin typeface="Courier" pitchFamily="2" charset="0"/>
+              </a:rPr>
+              <a:t>Include</a:t>
+            </a:r>
+            <a:r>
+              <a:rPr lang="de-DE" sz="1100" dirty="0">
+                <a:latin typeface="Courier" pitchFamily="2" charset="0"/>
+              </a:rPr>
+              <a:t> </a:t>
+            </a:r>
+            <a:r>
+              <a:rPr lang="de-DE" sz="1100" dirty="0" err="1">
+                <a:latin typeface="Courier" pitchFamily="2" charset="0"/>
+              </a:rPr>
+              <a:t>past</a:t>
+            </a:r>
+            <a:r>
+              <a:rPr lang="de-DE" sz="1100" dirty="0">
+                <a:latin typeface="Courier" pitchFamily="2" charset="0"/>
+              </a:rPr>
+              <a:t> log </a:t>
+            </a:r>
+            <a:r>
+              <a:rPr lang="de-DE" sz="1100" dirty="0" err="1">
+                <a:latin typeface="Courier" pitchFamily="2" charset="0"/>
+              </a:rPr>
+              <a:t>entries</a:t>
+            </a:r>
+            <a:r>
+              <a:rPr lang="de-DE" sz="1100" dirty="0">
+                <a:latin typeface="Courier" pitchFamily="2" charset="0"/>
+              </a:rPr>
+              <a:t> </a:t>
+            </a:r>
+            <a:r>
+              <a:rPr lang="de-DE" sz="1100" dirty="0" err="1">
+                <a:latin typeface="Courier" pitchFamily="2" charset="0"/>
+              </a:rPr>
+              <a:t>since</a:t>
+            </a:r>
+            <a:r>
+              <a:rPr lang="de-DE" sz="1100" dirty="0">
+                <a:latin typeface="Courier" pitchFamily="2" charset="0"/>
+              </a:rPr>
+              <a:t> </a:t>
+            </a:r>
+            <a:r>
+              <a:rPr lang="de-DE" sz="1100" dirty="0" err="1">
+                <a:latin typeface="Courier" pitchFamily="2" charset="0"/>
+              </a:rPr>
+              <a:t>when</a:t>
+            </a:r>
+            <a:r>
+              <a:rPr lang="de-DE" sz="1100" dirty="0">
+                <a:latin typeface="Courier" pitchFamily="2" charset="0"/>
+              </a:rPr>
+              <a:t>: all, </a:t>
+            </a:r>
+            <a:r>
+              <a:rPr lang="de-DE" sz="1100" dirty="0" err="1">
+                <a:latin typeface="Courier" pitchFamily="2" charset="0"/>
+              </a:rPr>
+              <a:t>now</a:t>
+            </a:r>
+            <a:r>
+              <a:rPr lang="de-DE" sz="1100" dirty="0">
+                <a:latin typeface="Courier" pitchFamily="2" charset="0"/>
+              </a:rPr>
+              <a:t>, </a:t>
+            </a:r>
+            <a:r>
+              <a:rPr lang="de-DE" sz="1100" dirty="0" err="1">
+                <a:latin typeface="Courier" pitchFamily="2" charset="0"/>
+              </a:rPr>
+              <a:t>date&amp;time</a:t>
+            </a:r>
+            <a:r>
+              <a:rPr lang="de-DE" sz="1100" dirty="0">
+                <a:latin typeface="Courier" pitchFamily="2" charset="0"/>
+              </a:rPr>
+              <a:t> </a:t>
+            </a:r>
+            <a:r>
+              <a:rPr lang="de-DE" sz="1100" dirty="0" err="1">
+                <a:latin typeface="Courier" pitchFamily="2" charset="0"/>
+              </a:rPr>
+              <a:t>string</a:t>
+            </a:r>
+            <a:br>
+              <a:rPr lang="de-DE" sz="1100" dirty="0">
+                <a:latin typeface="Courier" pitchFamily="2" charset="0"/>
+              </a:rPr>
+            </a:br>
+            <a:r>
+              <a:rPr lang="de-DE" sz="1100" dirty="0" err="1">
+                <a:latin typeface="Courier" pitchFamily="2" charset="0"/>
+              </a:rPr>
+              <a:t>future</a:t>
+            </a:r>
+            <a:r>
+              <a:rPr lang="de-DE" sz="1100" dirty="0">
+                <a:latin typeface="Courier" pitchFamily="2" charset="0"/>
+              </a:rPr>
+              <a:t>: </a:t>
+            </a:r>
+            <a:r>
+              <a:rPr lang="de-DE" sz="1100" dirty="0" err="1">
+                <a:latin typeface="Courier" pitchFamily="2" charset="0"/>
+              </a:rPr>
+              <a:t>true</a:t>
+            </a:r>
+            <a:r>
+              <a:rPr lang="de-DE" sz="1100" dirty="0">
+                <a:latin typeface="Courier" pitchFamily="2" charset="0"/>
+              </a:rPr>
+              <a:t>               # </a:t>
+            </a:r>
+            <a:r>
+              <a:rPr lang="de-DE" sz="1100" dirty="0" err="1">
+                <a:latin typeface="Courier" pitchFamily="2" charset="0"/>
+              </a:rPr>
+              <a:t>Wait</a:t>
+            </a:r>
+            <a:r>
+              <a:rPr lang="de-DE" sz="1100" dirty="0">
+                <a:latin typeface="Courier" pitchFamily="2" charset="0"/>
+              </a:rPr>
+              <a:t> </a:t>
+            </a:r>
+            <a:r>
+              <a:rPr lang="de-DE" sz="1100" dirty="0" err="1">
+                <a:latin typeface="Courier" pitchFamily="2" charset="0"/>
+              </a:rPr>
+              <a:t>for</a:t>
+            </a:r>
+            <a:r>
+              <a:rPr lang="de-DE" sz="1100" dirty="0">
+                <a:latin typeface="Courier" pitchFamily="2" charset="0"/>
+              </a:rPr>
+              <a:t> </a:t>
+            </a:r>
+            <a:r>
+              <a:rPr lang="de-DE" sz="1100" dirty="0" err="1">
+                <a:latin typeface="Courier" pitchFamily="2" charset="0"/>
+              </a:rPr>
+              <a:t>future</a:t>
+            </a:r>
+            <a:r>
+              <a:rPr lang="de-DE" sz="1100" dirty="0">
+                <a:latin typeface="Courier" pitchFamily="2" charset="0"/>
+              </a:rPr>
+              <a:t> log </a:t>
+            </a:r>
+            <a:r>
+              <a:rPr lang="de-DE" sz="1100" dirty="0" err="1">
+                <a:latin typeface="Courier" pitchFamily="2" charset="0"/>
+              </a:rPr>
+              <a:t>entries</a:t>
+            </a:r>
+            <a:br>
+              <a:rPr lang="de-DE" sz="1100" dirty="0">
+                <a:latin typeface="Courier" pitchFamily="2" charset="0"/>
+              </a:rPr>
+            </a:br>
+            <a:br>
+              <a:rPr lang="de-DE" sz="1100" dirty="0">
+                <a:latin typeface="Courier" pitchFamily="2" charset="0"/>
+              </a:rPr>
+            </a:br>
+            <a:r>
+              <a:rPr lang="de-DE" sz="1100" dirty="0">
+                <a:latin typeface="Courier" pitchFamily="2" charset="0"/>
+              </a:rPr>
+              <a:t># </a:t>
+            </a:r>
+            <a:r>
+              <a:rPr lang="de-DE" sz="1100" dirty="0" err="1">
+                <a:latin typeface="Courier" pitchFamily="2" charset="0"/>
+              </a:rPr>
+              <a:t>Where</a:t>
+            </a:r>
+            <a:r>
+              <a:rPr lang="de-DE" sz="1100" dirty="0">
+                <a:latin typeface="Courier" pitchFamily="2" charset="0"/>
+              </a:rPr>
+              <a:t> </a:t>
+            </a:r>
+            <a:r>
+              <a:rPr lang="de-DE" sz="1100" dirty="0" err="1">
+                <a:latin typeface="Courier" pitchFamily="2" charset="0"/>
+              </a:rPr>
+              <a:t>to</a:t>
+            </a:r>
+            <a:r>
+              <a:rPr lang="de-DE" sz="1100" dirty="0">
+                <a:latin typeface="Courier" pitchFamily="2" charset="0"/>
+              </a:rPr>
+              <a:t> </a:t>
+            </a:r>
+            <a:r>
+              <a:rPr lang="de-DE" sz="1100" dirty="0" err="1">
+                <a:latin typeface="Courier" pitchFamily="2" charset="0"/>
+              </a:rPr>
+              <a:t>forward</a:t>
+            </a:r>
+            <a:r>
+              <a:rPr lang="de-DE" sz="1100" dirty="0">
+                <a:latin typeface="Courier" pitchFamily="2" charset="0"/>
+              </a:rPr>
+              <a:t> </a:t>
+            </a:r>
+            <a:r>
+              <a:rPr lang="de-DE" sz="1100" dirty="0" err="1">
+                <a:latin typeface="Courier" pitchFamily="2" charset="0"/>
+              </a:rPr>
+              <a:t>the</a:t>
+            </a:r>
+            <a:r>
+              <a:rPr lang="de-DE" sz="1100" dirty="0">
+                <a:latin typeface="Courier" pitchFamily="2" charset="0"/>
+              </a:rPr>
+              <a:t> log </a:t>
+            </a:r>
+            <a:r>
+              <a:rPr lang="de-DE" sz="1100" dirty="0" err="1">
+                <a:latin typeface="Courier" pitchFamily="2" charset="0"/>
+              </a:rPr>
+              <a:t>entries</a:t>
+            </a:r>
+            <a:r>
+              <a:rPr lang="de-DE" sz="1100" dirty="0">
+                <a:latin typeface="Courier" pitchFamily="2" charset="0"/>
+              </a:rPr>
+              <a:t> </a:t>
+            </a:r>
+            <a:r>
+              <a:rPr lang="de-DE" sz="1100" dirty="0" err="1">
+                <a:latin typeface="Courier" pitchFamily="2" charset="0"/>
+              </a:rPr>
+              <a:t>to</a:t>
+            </a:r>
+            <a:r>
+              <a:rPr lang="de-DE" sz="1100" dirty="0">
+                <a:latin typeface="Courier" pitchFamily="2" charset="0"/>
+              </a:rPr>
+              <a:t>:</a:t>
+            </a:r>
+            <a:br>
+              <a:rPr lang="de-DE" sz="1100" dirty="0">
+                <a:latin typeface="Courier" pitchFamily="2" charset="0"/>
+              </a:rPr>
+            </a:br>
+            <a:br>
+              <a:rPr lang="de-DE" sz="1100" dirty="0">
+                <a:latin typeface="Courier" pitchFamily="2" charset="0"/>
+              </a:rPr>
+            </a:br>
+            <a:r>
+              <a:rPr lang="de-DE" sz="1100" dirty="0" err="1">
+                <a:latin typeface="Courier" pitchFamily="2" charset="0"/>
+              </a:rPr>
+              <a:t>dest</a:t>
+            </a:r>
+            <a:r>
+              <a:rPr lang="de-DE" sz="1100" dirty="0">
+                <a:latin typeface="Courier" pitchFamily="2" charset="0"/>
+              </a:rPr>
+              <a:t>: </a:t>
+            </a:r>
+            <a:r>
+              <a:rPr lang="de-DE" sz="1100" dirty="0" err="1">
+                <a:latin typeface="Courier" pitchFamily="2" charset="0"/>
+              </a:rPr>
+              <a:t>syslog</a:t>
+            </a:r>
+            <a:r>
+              <a:rPr lang="de-DE" sz="1100" dirty="0">
+                <a:latin typeface="Courier" pitchFamily="2" charset="0"/>
+              </a:rPr>
+              <a:t>               # Destination </a:t>
+            </a:r>
+            <a:r>
+              <a:rPr lang="de-DE" sz="1100" dirty="0" err="1">
+                <a:latin typeface="Courier" pitchFamily="2" charset="0"/>
+              </a:rPr>
+              <a:t>for</a:t>
+            </a:r>
+            <a:r>
+              <a:rPr lang="de-DE" sz="1100" dirty="0">
+                <a:latin typeface="Courier" pitchFamily="2" charset="0"/>
+              </a:rPr>
+              <a:t> </a:t>
+            </a:r>
+            <a:r>
+              <a:rPr lang="de-DE" sz="1100" dirty="0" err="1">
+                <a:latin typeface="Courier" pitchFamily="2" charset="0"/>
+              </a:rPr>
+              <a:t>the</a:t>
+            </a:r>
+            <a:r>
+              <a:rPr lang="de-DE" sz="1100" dirty="0">
+                <a:latin typeface="Courier" pitchFamily="2" charset="0"/>
+              </a:rPr>
+              <a:t> log </a:t>
+            </a:r>
+            <a:r>
+              <a:rPr lang="de-DE" sz="1100" dirty="0" err="1">
+                <a:latin typeface="Courier" pitchFamily="2" charset="0"/>
+              </a:rPr>
+              <a:t>entries</a:t>
+            </a:r>
+            <a:r>
+              <a:rPr lang="de-DE" sz="1100" dirty="0">
+                <a:latin typeface="Courier" pitchFamily="2" charset="0"/>
+              </a:rPr>
+              <a:t>: </a:t>
+            </a:r>
+            <a:r>
+              <a:rPr lang="de-DE" sz="1100" dirty="0" err="1">
+                <a:latin typeface="Courier" pitchFamily="2" charset="0"/>
+              </a:rPr>
+              <a:t>stdout</a:t>
+            </a:r>
+            <a:r>
+              <a:rPr lang="de-DE" sz="1100" dirty="0">
+                <a:latin typeface="Courier" pitchFamily="2" charset="0"/>
+              </a:rPr>
+              <a:t>, </a:t>
+            </a:r>
+            <a:r>
+              <a:rPr lang="de-DE" sz="1100" dirty="0" err="1">
+                <a:latin typeface="Courier" pitchFamily="2" charset="0"/>
+              </a:rPr>
+              <a:t>syslog</a:t>
+            </a:r>
+            <a:br>
+              <a:rPr lang="de-DE" sz="1100" dirty="0">
+                <a:latin typeface="Courier" pitchFamily="2" charset="0"/>
+              </a:rPr>
+            </a:br>
+            <a:r>
+              <a:rPr lang="de-DE" sz="1100" dirty="0" err="1">
+                <a:latin typeface="Courier" pitchFamily="2" charset="0"/>
+              </a:rPr>
+              <a:t>syslog_host</a:t>
+            </a:r>
+            <a:r>
+              <a:rPr lang="de-DE" sz="1100" dirty="0">
+                <a:latin typeface="Courier" pitchFamily="2" charset="0"/>
+              </a:rPr>
+              <a:t>: 10.11.12.14   # IP </a:t>
             </a:r>
             <a:r>
               <a:rPr lang="de-DE" sz="1100" dirty="0" err="1">
@@ -4555,30 +5334,95 @@
               <a:rPr lang="de-DE" sz="1100" dirty="0">
                 <a:latin typeface="Courier" pitchFamily="2" charset="0"/>
               </a:rPr>
-              <a:t> </a:t>
-            </a:r>
-            <a:r>
-              <a:rPr lang="de-DE" sz="1100" dirty="0" err="1">
-                <a:latin typeface="Courier" pitchFamily="2" charset="0"/>
-              </a:rPr>
-              <a:t>the</a:t>
-            </a:r>
-            <a:r>
-              <a:rPr lang="de-DE" sz="1100" dirty="0">
-                <a:latin typeface="Courier" pitchFamily="2" charset="0"/>
-              </a:rPr>
-              <a:t> HMC</a:t>
-            </a:r>
-            <a:br>
-              <a:rPr lang="de-DE" sz="1100" dirty="0">
-                <a:latin typeface="Courier" pitchFamily="2" charset="0"/>
-              </a:rPr>
-            </a:br>
-            <a:r>
-              <a:rPr lang="de-DE" sz="1100" dirty="0" err="1">
-                <a:latin typeface="Courier" pitchFamily="2" charset="0"/>
-              </a:rPr>
-              <a:t>hmc_user</a:t>
+              <a:t> remote </a:t>
+            </a:r>
+            <a:r>
+              <a:rPr lang="de-DE" sz="1100" dirty="0" err="1">
+                <a:latin typeface="Courier" pitchFamily="2" charset="0"/>
+              </a:rPr>
+              <a:t>syslog</a:t>
+            </a:r>
+            <a:r>
+              <a:rPr lang="de-DE" sz="1100" dirty="0">
+                <a:latin typeface="Courier" pitchFamily="2" charset="0"/>
+              </a:rPr>
+              <a:t> </a:t>
+            </a:r>
+            <a:r>
+              <a:rPr lang="de-DE" sz="1100" dirty="0" err="1">
+                <a:latin typeface="Courier" pitchFamily="2" charset="0"/>
+              </a:rPr>
+              <a:t>server</a:t>
+            </a:r>
+            <a:br>
+              <a:rPr lang="de-DE" sz="1100" dirty="0">
+                <a:latin typeface="Courier" pitchFamily="2" charset="0"/>
+              </a:rPr>
+            </a:br>
+            <a:r>
+              <a:rPr lang="de-DE" sz="1100" dirty="0" err="1">
+                <a:latin typeface="Courier" pitchFamily="2" charset="0"/>
+              </a:rPr>
+              <a:t>syslog_port</a:t>
+            </a:r>
+            <a:r>
+              <a:rPr lang="de-DE" sz="1100" dirty="0">
+                <a:latin typeface="Courier" pitchFamily="2" charset="0"/>
+              </a:rPr>
+              <a:t>: 514           # Port </a:t>
+            </a:r>
+            <a:r>
+              <a:rPr lang="de-DE" sz="1100" dirty="0" err="1">
+                <a:latin typeface="Courier" pitchFamily="2" charset="0"/>
+              </a:rPr>
+              <a:t>number</a:t>
+            </a:r>
+            <a:r>
+              <a:rPr lang="de-DE" sz="1100" dirty="0">
+                <a:latin typeface="Courier" pitchFamily="2" charset="0"/>
+              </a:rPr>
+              <a:t> </a:t>
+            </a:r>
+            <a:r>
+              <a:rPr lang="de-DE" sz="1100" dirty="0" err="1">
+                <a:latin typeface="Courier" pitchFamily="2" charset="0"/>
+              </a:rPr>
+              <a:t>of</a:t>
+            </a:r>
+            <a:r>
+              <a:rPr lang="de-DE" sz="1100" dirty="0">
+                <a:latin typeface="Courier" pitchFamily="2" charset="0"/>
+              </a:rPr>
+              <a:t> remote </a:t>
+            </a:r>
+            <a:r>
+              <a:rPr lang="de-DE" sz="1100" dirty="0" err="1">
+                <a:latin typeface="Courier" pitchFamily="2" charset="0"/>
+              </a:rPr>
+              <a:t>syslog</a:t>
+            </a:r>
+            <a:r>
+              <a:rPr lang="de-DE" sz="1100" dirty="0">
+                <a:latin typeface="Courier" pitchFamily="2" charset="0"/>
+              </a:rPr>
+              <a:t> </a:t>
+            </a:r>
+            <a:r>
+              <a:rPr lang="de-DE" sz="1100" dirty="0" err="1">
+                <a:latin typeface="Courier" pitchFamily="2" charset="0"/>
+              </a:rPr>
+              <a:t>server</a:t>
+            </a:r>
+            <a:br>
+              <a:rPr lang="de-DE" sz="1100" dirty="0">
+                <a:latin typeface="Courier" pitchFamily="2" charset="0"/>
+              </a:rPr>
+            </a:br>
+            <a:r>
+              <a:rPr lang="de-DE" sz="1100" dirty="0" err="1">
+                <a:latin typeface="Courier" pitchFamily="2" charset="0"/>
+              </a:rPr>
+              <a:t>syslog_porttype</a:t>
             </a:r>
             <a:r>
               <a:rPr lang="de-DE" sz="1100" dirty="0">
@@ -4590,30 +5434,54 @@
               <a:rPr lang="de-DE" sz="1100" dirty="0" err="1">
                 <a:latin typeface="Courier" pitchFamily="2" charset="0"/>
               </a:rPr>
-              <a:t>myuser</a:t>
-            </a:r>
-            <a:r>
-              <a:rPr lang="de-DE" sz="1100" dirty="0">
-                <a:latin typeface="Courier" pitchFamily="2" charset="0"/>
-              </a:rPr>
-              <a:t>           # HMC </a:t>
-            </a:r>
-            <a:r>
-              <a:rPr lang="de-DE" sz="1100" dirty="0" err="1">
-                <a:latin typeface="Courier" pitchFamily="2" charset="0"/>
-              </a:rPr>
-              <a:t>userid</a:t>
-            </a:r>
-            <a:br>
-              <a:rPr lang="de-DE" sz="1100" dirty="0">
-                <a:latin typeface="Courier" pitchFamily="2" charset="0"/>
-              </a:rPr>
-            </a:br>
-            <a:r>
-              <a:rPr lang="de-DE" sz="1100" dirty="0" err="1">
-                <a:latin typeface="Courier" pitchFamily="2" charset="0"/>
-              </a:rPr>
-              <a:t>hmc_password</a:t>
+              <a:t>udp</a:t>
+            </a:r>
+            <a:r>
+              <a:rPr lang="de-DE" sz="1100" dirty="0">
+                <a:latin typeface="Courier" pitchFamily="2" charset="0"/>
+              </a:rPr>
+              <a:t>       # Port type </a:t>
+            </a:r>
+            <a:r>
+              <a:rPr lang="de-DE" sz="1100" dirty="0" err="1">
+                <a:latin typeface="Courier" pitchFamily="2" charset="0"/>
+              </a:rPr>
+              <a:t>of</a:t>
+            </a:r>
+            <a:r>
+              <a:rPr lang="de-DE" sz="1100" dirty="0">
+                <a:latin typeface="Courier" pitchFamily="2" charset="0"/>
+              </a:rPr>
+              <a:t> remote </a:t>
+            </a:r>
+            <a:r>
+              <a:rPr lang="de-DE" sz="1100" dirty="0" err="1">
+                <a:latin typeface="Courier" pitchFamily="2" charset="0"/>
+              </a:rPr>
+              <a:t>syslog</a:t>
+            </a:r>
+            <a:r>
+              <a:rPr lang="de-DE" sz="1100" dirty="0">
+                <a:latin typeface="Courier" pitchFamily="2" charset="0"/>
+              </a:rPr>
+              <a:t> </a:t>
+            </a:r>
+            <a:r>
+              <a:rPr lang="de-DE" sz="1100" dirty="0" err="1">
+                <a:latin typeface="Courier" pitchFamily="2" charset="0"/>
+              </a:rPr>
+              <a:t>server</a:t>
+            </a:r>
+            <a:br>
+              <a:rPr lang="de-DE" sz="1100" dirty="0">
+                <a:latin typeface="Courier" pitchFamily="2" charset="0"/>
+              </a:rPr>
+            </a:br>
+            <a:r>
+              <a:rPr lang="de-DE" sz="1100" dirty="0" err="1">
+                <a:latin typeface="Courier" pitchFamily="2" charset="0"/>
+              </a:rPr>
+              <a:t>syslog_facility</a:t>
             </a:r>
             <a:r>
               <a:rPr lang="de-DE" sz="1100" dirty="0">
@@ -4625,578 +5493,43 @@
               <a:rPr lang="de-DE" sz="1100" dirty="0" err="1">
                 <a:latin typeface="Courier" pitchFamily="2" charset="0"/>
               </a:rPr>
-              <a:t>mypassword</a:t>
-            </a:r>
-            <a:r>
-              <a:rPr lang="de-DE" sz="1100" dirty="0">
-                <a:latin typeface="Courier" pitchFamily="2" charset="0"/>
-              </a:rPr>
-              <a:t>   # HMC </a:t>
-            </a:r>
-            <a:r>
-              <a:rPr lang="de-DE" sz="1100" dirty="0" err="1">
-                <a:latin typeface="Courier" pitchFamily="2" charset="0"/>
-              </a:rPr>
-              <a:t>password</a:t>
-            </a:r>
-            <a:br>
-              <a:rPr lang="de-DE" sz="1100" dirty="0">
-                <a:latin typeface="Courier" pitchFamily="2" charset="0"/>
-              </a:rPr>
-            </a:br>
-            <a:br>
-              <a:rPr lang="de-DE" sz="1100" dirty="0">
-                <a:latin typeface="Courier" pitchFamily="2" charset="0"/>
-              </a:rPr>
-            </a:br>
-            <a:r>
-              <a:rPr lang="de-DE" sz="1100" dirty="0">
-                <a:latin typeface="Courier" pitchFamily="2" charset="0"/>
-              </a:rPr>
-              <a:t># </a:t>
-            </a:r>
-            <a:r>
-              <a:rPr lang="de-DE" sz="1100" dirty="0" err="1">
-                <a:latin typeface="Courier" pitchFamily="2" charset="0"/>
-              </a:rPr>
-              <a:t>Which</a:t>
-            </a:r>
-            <a:r>
-              <a:rPr lang="de-DE" sz="1100" dirty="0">
-                <a:latin typeface="Courier" pitchFamily="2" charset="0"/>
-              </a:rPr>
-              <a:t> log </a:t>
-            </a:r>
-            <a:r>
-              <a:rPr lang="de-DE" sz="1100" dirty="0" err="1">
-                <a:latin typeface="Courier" pitchFamily="2" charset="0"/>
-              </a:rPr>
-              <a:t>entries</a:t>
-            </a:r>
-            <a:r>
-              <a:rPr lang="de-DE" sz="1100" dirty="0">
-                <a:latin typeface="Courier" pitchFamily="2" charset="0"/>
-              </a:rPr>
-              <a:t> </a:t>
-            </a:r>
-            <a:r>
-              <a:rPr lang="de-DE" sz="1100" dirty="0" err="1">
-                <a:latin typeface="Courier" pitchFamily="2" charset="0"/>
-              </a:rPr>
-              <a:t>to</a:t>
-            </a:r>
-            <a:r>
-              <a:rPr lang="de-DE" sz="1100" dirty="0">
-                <a:latin typeface="Courier" pitchFamily="2" charset="0"/>
-              </a:rPr>
-              <a:t> </a:t>
-            </a:r>
-            <a:r>
-              <a:rPr lang="de-DE" sz="1100" dirty="0" err="1">
-                <a:latin typeface="Courier" pitchFamily="2" charset="0"/>
-              </a:rPr>
-              <a:t>collect</a:t>
-            </a:r>
-            <a:r>
-              <a:rPr lang="de-DE" sz="1100" dirty="0">
-                <a:latin typeface="Courier" pitchFamily="2" charset="0"/>
-              </a:rPr>
-              <a:t>:</a:t>
-            </a:r>
-            <a:br>
-              <a:rPr lang="de-DE" sz="1100" dirty="0">
-                <a:latin typeface="Courier" pitchFamily="2" charset="0"/>
-              </a:rPr>
-            </a:br>
-            <a:br>
-              <a:rPr lang="de-DE" sz="1100" dirty="0">
-                <a:latin typeface="Courier" pitchFamily="2" charset="0"/>
-              </a:rPr>
-            </a:br>
-            <a:r>
-              <a:rPr lang="de-DE" sz="1100" dirty="0" err="1">
-                <a:latin typeface="Courier" pitchFamily="2" charset="0"/>
-              </a:rPr>
-              <a:t>logs</a:t>
-            </a:r>
-            <a:r>
-              <a:rPr lang="de-DE" sz="1100" dirty="0">
-                <a:latin typeface="Courier" pitchFamily="2" charset="0"/>
-              </a:rPr>
-              <a:t>: [</a:t>
-            </a:r>
-            <a:r>
-              <a:rPr lang="de-DE" sz="1100" dirty="0" err="1">
-                <a:latin typeface="Courier" pitchFamily="2" charset="0"/>
-              </a:rPr>
-              <a:t>security</a:t>
-            </a:r>
-            <a:r>
-              <a:rPr lang="de-DE" sz="1100" dirty="0">
-                <a:latin typeface="Courier" pitchFamily="2" charset="0"/>
-              </a:rPr>
-              <a:t>, </a:t>
-            </a:r>
-            <a:r>
-              <a:rPr lang="de-DE" sz="1100" dirty="0" err="1">
-                <a:latin typeface="Courier" pitchFamily="2" charset="0"/>
-              </a:rPr>
-              <a:t>audit</a:t>
-            </a:r>
-            <a:r>
-              <a:rPr lang="de-DE" sz="1100" dirty="0">
-                <a:latin typeface="Courier" pitchFamily="2" charset="0"/>
-              </a:rPr>
-              <a:t>]    # List </a:t>
-            </a:r>
-            <a:r>
-              <a:rPr lang="de-DE" sz="1100" dirty="0" err="1">
-                <a:latin typeface="Courier" pitchFamily="2" charset="0"/>
-              </a:rPr>
-              <a:t>of</a:t>
-            </a:r>
-            <a:r>
-              <a:rPr lang="de-DE" sz="1100" dirty="0">
-                <a:latin typeface="Courier" pitchFamily="2" charset="0"/>
-              </a:rPr>
-              <a:t> log </a:t>
-            </a:r>
-            <a:r>
-              <a:rPr lang="de-DE" sz="1100" dirty="0" err="1">
-                <a:latin typeface="Courier" pitchFamily="2" charset="0"/>
-              </a:rPr>
-              <a:t>types</a:t>
-            </a:r>
-            <a:r>
-              <a:rPr lang="de-DE" sz="1100" dirty="0">
-                <a:latin typeface="Courier" pitchFamily="2" charset="0"/>
-              </a:rPr>
-              <a:t> </a:t>
-            </a:r>
-            <a:r>
-              <a:rPr lang="de-DE" sz="1100" dirty="0" err="1">
-                <a:latin typeface="Courier" pitchFamily="2" charset="0"/>
-              </a:rPr>
-              <a:t>to</a:t>
-            </a:r>
-            <a:r>
-              <a:rPr lang="de-DE" sz="1100" dirty="0">
-                <a:latin typeface="Courier" pitchFamily="2" charset="0"/>
-              </a:rPr>
-              <a:t> </a:t>
-            </a:r>
-            <a:r>
-              <a:rPr lang="de-DE" sz="1100" dirty="0" err="1">
-                <a:latin typeface="Courier" pitchFamily="2" charset="0"/>
-              </a:rPr>
-              <a:t>include</a:t>
-            </a:r>
-            <a:br>
-              <a:rPr lang="de-DE" sz="1100" dirty="0">
-                <a:latin typeface="Courier" pitchFamily="2" charset="0"/>
-              </a:rPr>
-            </a:br>
-            <a:r>
-              <a:rPr lang="de-DE" sz="1100" dirty="0" err="1">
-                <a:latin typeface="Courier" pitchFamily="2" charset="0"/>
-              </a:rPr>
-              <a:t>since</a:t>
-            </a:r>
-            <a:r>
-              <a:rPr lang="de-DE" sz="1100" dirty="0">
-                <a:latin typeface="Courier" pitchFamily="2" charset="0"/>
-              </a:rPr>
-              <a:t>: </a:t>
-            </a:r>
-            <a:r>
-              <a:rPr lang="de-DE" sz="1100" dirty="0" err="1">
-                <a:latin typeface="Courier" pitchFamily="2" charset="0"/>
-              </a:rPr>
-              <a:t>now</a:t>
-            </a:r>
-            <a:r>
-              <a:rPr lang="de-DE" sz="1100" dirty="0">
-                <a:latin typeface="Courier" pitchFamily="2" charset="0"/>
-              </a:rPr>
-              <a:t>                 # </a:t>
-            </a:r>
-            <a:r>
-              <a:rPr lang="de-DE" sz="1100" dirty="0" err="1">
-                <a:latin typeface="Courier" pitchFamily="2" charset="0"/>
-              </a:rPr>
-              <a:t>Include</a:t>
-            </a:r>
-            <a:r>
-              <a:rPr lang="de-DE" sz="1100" dirty="0">
-                <a:latin typeface="Courier" pitchFamily="2" charset="0"/>
-              </a:rPr>
-              <a:t> </a:t>
-            </a:r>
-            <a:r>
-              <a:rPr lang="de-DE" sz="1100" dirty="0" err="1">
-                <a:latin typeface="Courier" pitchFamily="2" charset="0"/>
-              </a:rPr>
-              <a:t>past</a:t>
-            </a:r>
-            <a:r>
-              <a:rPr lang="de-DE" sz="1100" dirty="0">
-                <a:latin typeface="Courier" pitchFamily="2" charset="0"/>
-              </a:rPr>
-              <a:t> log </a:t>
-            </a:r>
-            <a:r>
-              <a:rPr lang="de-DE" sz="1100" dirty="0" err="1">
-                <a:latin typeface="Courier" pitchFamily="2" charset="0"/>
-              </a:rPr>
-              <a:t>entries</a:t>
-            </a:r>
-            <a:r>
-              <a:rPr lang="de-DE" sz="1100" dirty="0">
-                <a:latin typeface="Courier" pitchFamily="2" charset="0"/>
-              </a:rPr>
-              <a:t> </a:t>
-            </a:r>
-            <a:r>
-              <a:rPr lang="de-DE" sz="1100" dirty="0" err="1">
-                <a:latin typeface="Courier" pitchFamily="2" charset="0"/>
-              </a:rPr>
-              <a:t>since</a:t>
-            </a:r>
-            <a:r>
-              <a:rPr lang="de-DE" sz="1100" dirty="0">
-                <a:latin typeface="Courier" pitchFamily="2" charset="0"/>
-              </a:rPr>
-              <a:t> </a:t>
-            </a:r>
-            <a:r>
-              <a:rPr lang="de-DE" sz="1100" dirty="0" err="1">
-                <a:latin typeface="Courier" pitchFamily="2" charset="0"/>
-              </a:rPr>
-              <a:t>when</a:t>
-            </a:r>
-            <a:r>
-              <a:rPr lang="de-DE" sz="1100" dirty="0">
-                <a:latin typeface="Courier" pitchFamily="2" charset="0"/>
-              </a:rPr>
-              <a:t>: all, </a:t>
-            </a:r>
-            <a:r>
-              <a:rPr lang="de-DE" sz="1100" dirty="0" err="1">
-                <a:latin typeface="Courier" pitchFamily="2" charset="0"/>
-              </a:rPr>
-              <a:t>now</a:t>
-            </a:r>
-            <a:r>
-              <a:rPr lang="de-DE" sz="1100" dirty="0">
-                <a:latin typeface="Courier" pitchFamily="2" charset="0"/>
-              </a:rPr>
-              <a:t>, </a:t>
-            </a:r>
-            <a:r>
-              <a:rPr lang="de-DE" sz="1100" dirty="0" err="1">
-                <a:latin typeface="Courier" pitchFamily="2" charset="0"/>
-              </a:rPr>
-              <a:t>date&amp;time</a:t>
-            </a:r>
-            <a:r>
-              <a:rPr lang="de-DE" sz="1100" dirty="0">
-                <a:latin typeface="Courier" pitchFamily="2" charset="0"/>
-              </a:rPr>
-              <a:t> </a:t>
-            </a:r>
-            <a:r>
-              <a:rPr lang="de-DE" sz="1100" dirty="0" err="1">
-                <a:latin typeface="Courier" pitchFamily="2" charset="0"/>
-              </a:rPr>
-              <a:t>string</a:t>
-            </a:r>
-            <a:br>
-              <a:rPr lang="de-DE" sz="1100" dirty="0">
-                <a:latin typeface="Courier" pitchFamily="2" charset="0"/>
-              </a:rPr>
-            </a:br>
-            <a:r>
-              <a:rPr lang="de-DE" sz="1100" dirty="0" err="1">
-                <a:latin typeface="Courier" pitchFamily="2" charset="0"/>
-              </a:rPr>
-              <a:t>future</a:t>
-            </a:r>
-            <a:r>
-              <a:rPr lang="de-DE" sz="1100" dirty="0">
-                <a:latin typeface="Courier" pitchFamily="2" charset="0"/>
-              </a:rPr>
-              <a:t>: </a:t>
-            </a:r>
-            <a:r>
-              <a:rPr lang="de-DE" sz="1100" dirty="0" err="1">
-                <a:latin typeface="Courier" pitchFamily="2" charset="0"/>
-              </a:rPr>
-              <a:t>true</a:t>
-            </a:r>
-            <a:r>
-              <a:rPr lang="de-DE" sz="1100" dirty="0">
-                <a:latin typeface="Courier" pitchFamily="2" charset="0"/>
-              </a:rPr>
-              <a:t>               # </a:t>
-            </a:r>
-            <a:r>
-              <a:rPr lang="de-DE" sz="1100" dirty="0" err="1">
-                <a:latin typeface="Courier" pitchFamily="2" charset="0"/>
-              </a:rPr>
-              <a:t>Wait</a:t>
-            </a:r>
-            <a:r>
-              <a:rPr lang="de-DE" sz="1100" dirty="0">
-                <a:latin typeface="Courier" pitchFamily="2" charset="0"/>
-              </a:rPr>
-              <a:t> </a:t>
-            </a:r>
-            <a:r>
-              <a:rPr lang="de-DE" sz="1100" dirty="0" err="1">
-                <a:latin typeface="Courier" pitchFamily="2" charset="0"/>
-              </a:rPr>
-              <a:t>for</a:t>
-            </a:r>
-            <a:r>
-              <a:rPr lang="de-DE" sz="1100" dirty="0">
-                <a:latin typeface="Courier" pitchFamily="2" charset="0"/>
-              </a:rPr>
-              <a:t> </a:t>
-            </a:r>
-            <a:r>
-              <a:rPr lang="de-DE" sz="1100" dirty="0" err="1">
-                <a:latin typeface="Courier" pitchFamily="2" charset="0"/>
-              </a:rPr>
-              <a:t>future</a:t>
-            </a:r>
-            <a:r>
-              <a:rPr lang="de-DE" sz="1100" dirty="0">
-                <a:latin typeface="Courier" pitchFamily="2" charset="0"/>
-              </a:rPr>
-              <a:t> log </a:t>
-            </a:r>
-            <a:r>
-              <a:rPr lang="de-DE" sz="1100" dirty="0" err="1">
-                <a:latin typeface="Courier" pitchFamily="2" charset="0"/>
-              </a:rPr>
-              <a:t>entries</a:t>
-            </a:r>
-            <a:br>
-              <a:rPr lang="de-DE" sz="1100" dirty="0">
-                <a:latin typeface="Courier" pitchFamily="2" charset="0"/>
-              </a:rPr>
-            </a:br>
-            <a:br>
-              <a:rPr lang="de-DE" sz="1100" dirty="0">
-                <a:latin typeface="Courier" pitchFamily="2" charset="0"/>
-              </a:rPr>
-            </a:br>
-            <a:r>
-              <a:rPr lang="de-DE" sz="1100" dirty="0">
-                <a:latin typeface="Courier" pitchFamily="2" charset="0"/>
-              </a:rPr>
-              <a:t># </a:t>
-            </a:r>
-            <a:r>
-              <a:rPr lang="de-DE" sz="1100" dirty="0" err="1">
-                <a:latin typeface="Courier" pitchFamily="2" charset="0"/>
-              </a:rPr>
-              <a:t>What</a:t>
-            </a:r>
-            <a:r>
-              <a:rPr lang="de-DE" sz="1100" dirty="0">
-                <a:latin typeface="Courier" pitchFamily="2" charset="0"/>
-              </a:rPr>
-              <a:t> </a:t>
-            </a:r>
-            <a:r>
-              <a:rPr lang="de-DE" sz="1100" dirty="0" err="1">
-                <a:latin typeface="Courier" pitchFamily="2" charset="0"/>
-              </a:rPr>
-              <a:t>to</a:t>
-            </a:r>
-            <a:r>
-              <a:rPr lang="de-DE" sz="1100" dirty="0">
-                <a:latin typeface="Courier" pitchFamily="2" charset="0"/>
-              </a:rPr>
-              <a:t> do </a:t>
-            </a:r>
-            <a:r>
-              <a:rPr lang="de-DE" sz="1100" dirty="0" err="1">
-                <a:latin typeface="Courier" pitchFamily="2" charset="0"/>
-              </a:rPr>
-              <a:t>with</a:t>
-            </a:r>
-            <a:r>
-              <a:rPr lang="de-DE" sz="1100" dirty="0">
-                <a:latin typeface="Courier" pitchFamily="2" charset="0"/>
-              </a:rPr>
-              <a:t> </a:t>
-            </a:r>
-            <a:r>
-              <a:rPr lang="de-DE" sz="1100" dirty="0" err="1">
-                <a:latin typeface="Courier" pitchFamily="2" charset="0"/>
-              </a:rPr>
-              <a:t>the</a:t>
-            </a:r>
-            <a:r>
-              <a:rPr lang="de-DE" sz="1100" dirty="0">
-                <a:latin typeface="Courier" pitchFamily="2" charset="0"/>
-              </a:rPr>
-              <a:t> log </a:t>
-            </a:r>
-            <a:r>
-              <a:rPr lang="de-DE" sz="1100" dirty="0" err="1">
-                <a:latin typeface="Courier" pitchFamily="2" charset="0"/>
-              </a:rPr>
-              <a:t>entries</a:t>
-            </a:r>
-            <a:r>
-              <a:rPr lang="de-DE" sz="1100" dirty="0">
-                <a:latin typeface="Courier" pitchFamily="2" charset="0"/>
-              </a:rPr>
-              <a:t>:</a:t>
-            </a:r>
-            <a:br>
-              <a:rPr lang="de-DE" sz="1100" dirty="0">
-                <a:latin typeface="Courier" pitchFamily="2" charset="0"/>
-              </a:rPr>
-            </a:br>
-            <a:br>
-              <a:rPr lang="de-DE" sz="1100" dirty="0">
-                <a:latin typeface="Courier" pitchFamily="2" charset="0"/>
-              </a:rPr>
-            </a:br>
-            <a:r>
-              <a:rPr lang="de-DE" sz="1100" dirty="0" err="1">
-                <a:latin typeface="Courier" pitchFamily="2" charset="0"/>
-              </a:rPr>
-              <a:t>dest</a:t>
-            </a:r>
-            <a:r>
-              <a:rPr lang="de-DE" sz="1100" dirty="0">
-                <a:latin typeface="Courier" pitchFamily="2" charset="0"/>
-              </a:rPr>
-              <a:t>: </a:t>
-            </a:r>
-            <a:r>
-              <a:rPr lang="de-DE" sz="1100" dirty="0" err="1">
-                <a:latin typeface="Courier" pitchFamily="2" charset="0"/>
-              </a:rPr>
-              <a:t>stdout</a:t>
-            </a:r>
-            <a:r>
-              <a:rPr lang="de-DE" sz="1100" dirty="0">
-                <a:latin typeface="Courier" pitchFamily="2" charset="0"/>
-              </a:rPr>
-              <a:t>               # Destination </a:t>
-            </a:r>
-            <a:r>
-              <a:rPr lang="de-DE" sz="1100" dirty="0" err="1">
-                <a:latin typeface="Courier" pitchFamily="2" charset="0"/>
-              </a:rPr>
-              <a:t>for</a:t>
-            </a:r>
-            <a:r>
-              <a:rPr lang="de-DE" sz="1100" dirty="0">
-                <a:latin typeface="Courier" pitchFamily="2" charset="0"/>
-              </a:rPr>
-              <a:t> </a:t>
-            </a:r>
-            <a:r>
-              <a:rPr lang="de-DE" sz="1100" dirty="0" err="1">
-                <a:latin typeface="Courier" pitchFamily="2" charset="0"/>
-              </a:rPr>
-              <a:t>the</a:t>
-            </a:r>
-            <a:r>
-              <a:rPr lang="de-DE" sz="1100" dirty="0">
-                <a:latin typeface="Courier" pitchFamily="2" charset="0"/>
-              </a:rPr>
-              <a:t> log </a:t>
-            </a:r>
-            <a:r>
-              <a:rPr lang="de-DE" sz="1100" dirty="0" err="1">
-                <a:latin typeface="Courier" pitchFamily="2" charset="0"/>
-              </a:rPr>
-              <a:t>entries</a:t>
-            </a:r>
-            <a:r>
-              <a:rPr lang="de-DE" sz="1100" dirty="0">
-                <a:latin typeface="Courier" pitchFamily="2" charset="0"/>
-              </a:rPr>
-              <a:t>: </a:t>
-            </a:r>
-            <a:r>
-              <a:rPr lang="de-DE" sz="1100" dirty="0" err="1">
-                <a:latin typeface="Courier" pitchFamily="2" charset="0"/>
-              </a:rPr>
-              <a:t>stdout</a:t>
-            </a:r>
-            <a:r>
-              <a:rPr lang="de-DE" sz="1100" dirty="0">
-                <a:latin typeface="Courier" pitchFamily="2" charset="0"/>
-              </a:rPr>
-              <a:t>, </a:t>
-            </a:r>
-            <a:r>
-              <a:rPr lang="de-DE" sz="1100" dirty="0" err="1">
-                <a:latin typeface="Courier" pitchFamily="2" charset="0"/>
-              </a:rPr>
-              <a:t>syslog</a:t>
-            </a:r>
-            <a:br>
-              <a:rPr lang="de-DE" sz="1100" dirty="0">
-                <a:latin typeface="Courier" pitchFamily="2" charset="0"/>
-              </a:rPr>
-            </a:br>
-            <a:r>
-              <a:rPr lang="de-DE" sz="1100" dirty="0">
-                <a:latin typeface="Courier" pitchFamily="2" charset="0"/>
-              </a:rPr>
-              <a:t># TBD: </a:t>
-            </a:r>
-            <a:r>
-              <a:rPr lang="de-DE" sz="1100" dirty="0" err="1">
-                <a:latin typeface="Courier" pitchFamily="2" charset="0"/>
-              </a:rPr>
-              <a:t>parameters</a:t>
-            </a:r>
-            <a:r>
-              <a:rPr lang="de-DE" sz="1100" dirty="0">
-                <a:latin typeface="Courier" pitchFamily="2" charset="0"/>
-              </a:rPr>
-              <a:t> </a:t>
-            </a:r>
-            <a:r>
-              <a:rPr lang="de-DE" sz="1100" dirty="0" err="1">
-                <a:latin typeface="Courier" pitchFamily="2" charset="0"/>
-              </a:rPr>
-              <a:t>for</a:t>
-            </a:r>
-            <a:r>
-              <a:rPr lang="de-DE" sz="1100" dirty="0">
-                <a:latin typeface="Courier" pitchFamily="2" charset="0"/>
-              </a:rPr>
-              <a:t> </a:t>
-            </a:r>
-            <a:r>
-              <a:rPr lang="de-DE" sz="1100" dirty="0" err="1">
-                <a:latin typeface="Courier" pitchFamily="2" charset="0"/>
-              </a:rPr>
-              <a:t>syslog</a:t>
-            </a:r>
-            <a:r>
-              <a:rPr lang="de-DE" sz="1100" dirty="0">
-                <a:latin typeface="Courier" pitchFamily="2" charset="0"/>
-              </a:rPr>
-              <a:t> / remote </a:t>
-            </a:r>
-            <a:r>
-              <a:rPr lang="de-DE" sz="1100" dirty="0" err="1">
-                <a:latin typeface="Courier" pitchFamily="2" charset="0"/>
-              </a:rPr>
-              <a:t>syslog</a:t>
+              <a:t>user</a:t>
+            </a:r>
+            <a:r>
+              <a:rPr lang="de-DE" sz="1100" dirty="0">
+                <a:latin typeface="Courier" pitchFamily="2" charset="0"/>
+              </a:rPr>
+              <a:t>      # </a:t>
+            </a:r>
+            <a:r>
+              <a:rPr lang="de-DE" sz="1100" dirty="0" err="1">
+                <a:latin typeface="Courier" pitchFamily="2" charset="0"/>
+              </a:rPr>
+              <a:t>Syslog</a:t>
+            </a:r>
+            <a:r>
+              <a:rPr lang="de-DE" sz="1100" dirty="0">
+                <a:latin typeface="Courier" pitchFamily="2" charset="0"/>
+              </a:rPr>
+              <a:t> </a:t>
+            </a:r>
+            <a:r>
+              <a:rPr lang="de-DE" sz="1100" dirty="0" err="1">
+                <a:latin typeface="Courier" pitchFamily="2" charset="0"/>
+              </a:rPr>
+              <a:t>facility</a:t>
+            </a:r>
+            <a:r>
+              <a:rPr lang="de-DE" sz="1100" dirty="0">
+                <a:latin typeface="Courier" pitchFamily="2" charset="0"/>
+              </a:rPr>
+              <a:t> </a:t>
+            </a:r>
+            <a:r>
+              <a:rPr lang="de-DE" sz="1100" dirty="0" err="1">
+                <a:latin typeface="Courier" pitchFamily="2" charset="0"/>
+              </a:rPr>
+              <a:t>name</a:t>
             </a:r>
             <a:br>
               <a:rPr lang="de-DE" sz="1100" dirty="0">
@@ -5409,7 +5742,19 @@
               <a:rPr lang="de-DE" sz="1100" dirty="0">
                 <a:latin typeface="Courier" pitchFamily="2" charset="0"/>
               </a:rPr>
-              <a:t>: '{time:32} {type:8}  {name:12}  {</a:t>
+              <a:t>: '{time:32} {</a:t>
+            </a:r>
+            <a:r>
+              <a:rPr lang="de-DE" sz="1100" dirty="0" err="1">
+                <a:latin typeface="Courier" pitchFamily="2" charset="0"/>
+              </a:rPr>
+              <a:t>label</a:t>
+            </a:r>
+            <a:r>
+              <a:rPr lang="de-DE" sz="1100" dirty="0">
+                <a:latin typeface="Courier" pitchFamily="2" charset="0"/>
+              </a:rPr>
+              <a:t>} {type:8} {name:12} {</a:t>
             </a:r>
             <a:r>
               <a:rPr lang="de-DE" sz="1100" dirty="0" err="1">
@@ -5421,7 +5766,7 @@
               <a:rPr lang="de-DE" sz="1100" dirty="0">
                 <a:latin typeface="Courier" pitchFamily="2" charset="0"/>
               </a:rPr>
-              <a:t>:&gt;4}  {user:20}  {</a:t>
+              <a:t>:&gt;4} {user:20} {</a:t>
             </a:r>
             <a:r>
               <a:rPr lang="de-DE" sz="1100" dirty="0" err="1">
@@ -5475,7 +5820,7 @@
             </a:r>
             <a:r>
               <a:rPr lang="de-DE" sz="1200" dirty="0"/>
-              <a:t>: The time </a:t>
+              <a:t>:   The time </a:t>
             </a:r>
             <a:r>
               <a:rPr lang="de-DE" sz="1200" dirty="0" err="1"/>
@@ -5513,23 +5858,10 @@
               <a:rPr lang="de-DE" sz="1200" dirty="0"/>
             </a:br>
             <a:r>
-              <a:rPr lang="de-DE" sz="1200" dirty="0">
-                <a:latin typeface="Courier" pitchFamily="2" charset="0"/>
-              </a:rPr>
-              <a:t>type</a:t>
-            </a:r>
-            <a:r>
-              <a:rPr lang="de-DE" sz="1200" dirty="0"/>
-              <a:t>: The log type: Security, Audit.</a:t>
-            </a:r>
-            <a:br>
-              <a:rPr lang="de-DE" sz="1200" dirty="0"/>
-            </a:br>
-            <a:r>
               <a:rPr lang="de-DE" sz="1200" dirty="0" err="1">
                 <a:latin typeface="Courier" pitchFamily="2" charset="0"/>
               </a:rPr>
-              <a:t>name</a:t>
+              <a:t>label</a:t>
             </a:r>
             <a:r>
               <a:rPr lang="de-DE" sz="1200" dirty="0"/>
@@ -5537,6 +5869,88 @@
             </a:r>
             <a:r>
               <a:rPr lang="de-DE" sz="1200" dirty="0" err="1"/>
+              <a:t>label</a:t>
+            </a:r>
+            <a:r>
+              <a:rPr lang="de-DE" sz="1200" dirty="0"/>
+              <a:t> </a:t>
+            </a:r>
+            <a:r>
+              <a:rPr lang="de-DE" sz="1200" dirty="0" err="1"/>
+              <a:t>identifying</a:t>
+            </a:r>
+            <a:r>
+              <a:rPr lang="de-DE" sz="1200" dirty="0"/>
+              <a:t> </a:t>
+            </a:r>
+            <a:r>
+              <a:rPr lang="de-DE" sz="1200" dirty="0" err="1"/>
+              <a:t>the</a:t>
+            </a:r>
+            <a:r>
+              <a:rPr lang="de-DE" sz="1200" dirty="0"/>
+              <a:t> HMC </a:t>
+            </a:r>
+            <a:r>
+              <a:rPr lang="de-DE" sz="1200" dirty="0" err="1"/>
+              <a:t>the</a:t>
+            </a:r>
+            <a:r>
+              <a:rPr lang="de-DE" sz="1200" dirty="0"/>
+              <a:t> </a:t>
+            </a:r>
+            <a:r>
+              <a:rPr lang="de-DE" sz="1200" dirty="0" err="1"/>
+              <a:t>logs</a:t>
+            </a:r>
+            <a:r>
+              <a:rPr lang="de-DE" sz="1200" dirty="0"/>
+              <a:t> </a:t>
+            </a:r>
+            <a:r>
+              <a:rPr lang="de-DE" sz="1200" dirty="0" err="1"/>
+              <a:t>came</a:t>
+            </a:r>
+            <a:r>
+              <a:rPr lang="de-DE" sz="1200" dirty="0"/>
+              <a:t> </a:t>
+            </a:r>
+            <a:r>
+              <a:rPr lang="de-DE" sz="1200" dirty="0" err="1"/>
+              <a:t>from</a:t>
+            </a:r>
+            <a:r>
+              <a:rPr lang="de-DE" sz="1200" dirty="0"/>
+              <a:t>.</a:t>
+            </a:r>
+            <a:br>
+              <a:rPr lang="de-DE" sz="1200" dirty="0"/>
+            </a:br>
+            <a:r>
+              <a:rPr lang="de-DE" sz="1200" dirty="0">
+                <a:latin typeface="Courier" pitchFamily="2" charset="0"/>
+              </a:rPr>
+              <a:t>type</a:t>
+            </a:r>
+            <a:r>
+              <a:rPr lang="de-DE" sz="1200" dirty="0"/>
+              <a:t>:   The log type: Security, Audit.</a:t>
+            </a:r>
+            <a:br>
+              <a:rPr lang="de-DE" sz="1200" dirty="0"/>
+            </a:br>
+            <a:r>
+              <a:rPr lang="de-DE" sz="1200" dirty="0" err="1">
+                <a:latin typeface="Courier" pitchFamily="2" charset="0"/>
+              </a:rPr>
+              <a:t>name</a:t>
+            </a:r>
+            <a:r>
+              <a:rPr lang="de-DE" sz="1200" dirty="0"/>
+              <a:t>:   The </a:t>
+            </a:r>
+            <a:r>
+              <a:rPr lang="de-DE" sz="1200" dirty="0" err="1"/>
               <a:t>name</a:t>
             </a:r>
             <a:r>
@@ -5578,7 +5992,7 @@
             </a:r>
             <a:r>
               <a:rPr lang="de-DE" sz="1200" dirty="0"/>
-              <a:t>: The ID </a:t>
+              <a:t>:       The ID </a:t>
             </a:r>
             <a:r>
               <a:rPr lang="de-DE" sz="1200" dirty="0" err="1"/>
@@ -5615,7 +6029,7 @@
             </a:r>
             <a:r>
               <a:rPr lang="de-DE" sz="1200" dirty="0"/>
-              <a:t>: The HMC </a:t>
+              <a:t>:   The HMC </a:t>
             </a:r>
             <a:r>
               <a:rPr lang="de-DE" sz="1200" dirty="0" err="1"/>
@@ -5671,7 +6085,7 @@
             </a:r>
             <a:r>
               <a:rPr lang="de-DE" sz="1200" dirty="0"/>
-              <a:t>: The </a:t>
+              <a:t>:     The </a:t>
             </a:r>
             <a:r>
               <a:rPr lang="de-DE" sz="1200" dirty="0" err="1"/>
@@ -5708,7 +6122,7 @@
             </a:r>
             <a:r>
               <a:rPr lang="de-DE" sz="1200" dirty="0"/>
-              <a:t>: The </a:t>
+              <a:t>:  The </a:t>
             </a:r>
             <a:r>
               <a:rPr lang="de-DE" sz="1200" dirty="0" err="1"/>
@@ -5752,7 +6166,7 @@
             </a:r>
             <a:r>
               <a:rPr lang="de-DE" sz="1200" dirty="0"/>
-              <a:t>: The </a:t>
+              <a:t>:   The </a:t>
             </a:r>
             <a:r>
               <a:rPr lang="de-DE" sz="1200" dirty="0" err="1"/>
@@ -5813,7 +6227,7 @@
             </a:r>
             <a:r>
               <a:rPr lang="de-DE" sz="1200" dirty="0"/>
-              <a:t>: The </a:t>
+              <a:t>:  The </a:t>
             </a:r>
             <a:r>
               <a:rPr lang="de-DE" sz="1200" dirty="0" err="1"/>
@@ -5996,12 +6410,35 @@
               <a:rPr lang="de-DE" sz="1000" dirty="0">
                 <a:latin typeface="Courier" pitchFamily="2" charset="0"/>
               </a:rPr>
-              <a:t> - a log </a:t>
+              <a:t> </a:t>
             </a:r>
             <a:r>
               <a:rPr lang="de-DE" sz="1000" dirty="0" err="1">
                 <a:latin typeface="Courier" pitchFamily="2" charset="0"/>
               </a:rPr>
+              <a:t>version</a:t>
+            </a:r>
+            <a:r>
+              <a:rPr lang="de-DE" sz="1000" dirty="0">
+                <a:latin typeface="Courier" pitchFamily="2" charset="0"/>
+              </a:rPr>
+              <a:t> 0.5.1.dev3</a:t>
+            </a:r>
+            <a:br>
+              <a:rPr lang="de-DE" sz="1000" dirty="0">
+                <a:latin typeface="Courier" pitchFamily="2" charset="0"/>
+              </a:rPr>
+            </a:br>
+            <a:r>
+              <a:rPr lang="de-DE" sz="1000" dirty="0">
+                <a:latin typeface="Courier" pitchFamily="2" charset="0"/>
+              </a:rPr>
+              <a:t>Log </a:t>
+            </a:r>
+            <a:r>
+              <a:rPr lang="de-DE" sz="1000" dirty="0" err="1">
+                <a:latin typeface="Courier" pitchFamily="2" charset="0"/>
+              </a:rPr>
               <a:t>forwarder</a:t>
             </a:r>
             <a:r>
@@ -6100,19 +6537,315 @@
               <a:rPr lang="de-DE" sz="1000" dirty="0">
                 <a:latin typeface="Courier" pitchFamily="2" charset="0"/>
               </a:rPr>
-              <a:t>Log </a:t>
+              <a:t>Label </a:t>
             </a:r>
             <a:r>
               <a:rPr lang="de-DE" sz="1000" dirty="0" err="1">
                 <a:latin typeface="Courier" pitchFamily="2" charset="0"/>
               </a:rPr>
+              <a:t>for</a:t>
+            </a:r>
+            <a:r>
+              <a:rPr lang="de-DE" sz="1000" dirty="0">
+                <a:latin typeface="Courier" pitchFamily="2" charset="0"/>
+              </a:rPr>
+              <a:t> </a:t>
+            </a:r>
+            <a:r>
+              <a:rPr lang="de-DE" sz="1000" dirty="0" err="1">
+                <a:latin typeface="Courier" pitchFamily="2" charset="0"/>
+              </a:rPr>
+              <a:t>this</a:t>
+            </a:r>
+            <a:r>
+              <a:rPr lang="de-DE" sz="1000" dirty="0">
+                <a:latin typeface="Courier" pitchFamily="2" charset="0"/>
+              </a:rPr>
+              <a:t> HMC:              wdc04-05_hmc1</a:t>
+            </a:r>
+            <a:br>
+              <a:rPr lang="de-DE" sz="1000" dirty="0">
+                <a:latin typeface="Courier" pitchFamily="2" charset="0"/>
+              </a:rPr>
+            </a:br>
+            <a:r>
+              <a:rPr lang="de-DE" sz="1000" dirty="0" err="1">
+                <a:latin typeface="Courier" pitchFamily="2" charset="0"/>
+              </a:rPr>
+              <a:t>Including</a:t>
+            </a:r>
+            <a:r>
+              <a:rPr lang="de-DE" sz="1000" dirty="0">
+                <a:latin typeface="Courier" pitchFamily="2" charset="0"/>
+              </a:rPr>
+              <a:t> </a:t>
+            </a:r>
+            <a:r>
+              <a:rPr lang="de-DE" sz="1000" dirty="0" err="1">
+                <a:latin typeface="Courier" pitchFamily="2" charset="0"/>
+              </a:rPr>
+              <a:t>these</a:t>
+            </a:r>
+            <a:r>
+              <a:rPr lang="de-DE" sz="1000" dirty="0">
+                <a:latin typeface="Courier" pitchFamily="2" charset="0"/>
+              </a:rPr>
+              <a:t> HMC </a:t>
+            </a:r>
+            <a:r>
+              <a:rPr lang="de-DE" sz="1000" dirty="0" err="1">
+                <a:latin typeface="Courier" pitchFamily="2" charset="0"/>
+              </a:rPr>
+              <a:t>logs</a:t>
+            </a:r>
+            <a:r>
+              <a:rPr lang="de-DE" sz="1000" dirty="0">
+                <a:latin typeface="Courier" pitchFamily="2" charset="0"/>
+              </a:rPr>
+              <a:t>:        </a:t>
+            </a:r>
+            <a:r>
+              <a:rPr lang="de-DE" sz="1000" dirty="0" err="1">
+                <a:latin typeface="Courier" pitchFamily="2" charset="0"/>
+              </a:rPr>
+              <a:t>security</a:t>
+            </a:r>
+            <a:r>
+              <a:rPr lang="de-DE" sz="1000" dirty="0">
+                <a:latin typeface="Courier" pitchFamily="2" charset="0"/>
+              </a:rPr>
+              <a:t>, </a:t>
+            </a:r>
+            <a:r>
+              <a:rPr lang="de-DE" sz="1000" dirty="0" err="1">
+                <a:latin typeface="Courier" pitchFamily="2" charset="0"/>
+              </a:rPr>
+              <a:t>audit</a:t>
+            </a:r>
+            <a:br>
+              <a:rPr lang="de-DE" sz="1000" dirty="0">
+                <a:latin typeface="Courier" pitchFamily="2" charset="0"/>
+              </a:rPr>
+            </a:br>
+            <a:r>
+              <a:rPr lang="de-DE" sz="1000" dirty="0" err="1">
+                <a:latin typeface="Courier" pitchFamily="2" charset="0"/>
+              </a:rPr>
+              <a:t>Including</a:t>
+            </a:r>
+            <a:r>
+              <a:rPr lang="de-DE" sz="1000" dirty="0">
+                <a:latin typeface="Courier" pitchFamily="2" charset="0"/>
+              </a:rPr>
+              <a:t> log </a:t>
+            </a:r>
+            <a:r>
+              <a:rPr lang="de-DE" sz="1000" dirty="0" err="1">
+                <a:latin typeface="Courier" pitchFamily="2" charset="0"/>
+              </a:rPr>
+              <a:t>entries</a:t>
+            </a:r>
+            <a:r>
+              <a:rPr lang="de-DE" sz="1000" dirty="0">
+                <a:latin typeface="Courier" pitchFamily="2" charset="0"/>
+              </a:rPr>
+              <a:t> </a:t>
+            </a:r>
+            <a:r>
+              <a:rPr lang="de-DE" sz="1000" dirty="0" err="1">
+                <a:latin typeface="Courier" pitchFamily="2" charset="0"/>
+              </a:rPr>
+              <a:t>since</a:t>
+            </a:r>
+            <a:r>
+              <a:rPr lang="de-DE" sz="1000" dirty="0">
+                <a:latin typeface="Courier" pitchFamily="2" charset="0"/>
+              </a:rPr>
+              <a:t>:     </a:t>
+            </a:r>
+            <a:r>
+              <a:rPr lang="de-DE" sz="1000" dirty="0" err="1">
+                <a:latin typeface="Courier" pitchFamily="2" charset="0"/>
+              </a:rPr>
+              <a:t>now</a:t>
+            </a:r>
+            <a:r>
+              <a:rPr lang="de-DE" sz="1000" dirty="0">
+                <a:latin typeface="Courier" pitchFamily="2" charset="0"/>
+              </a:rPr>
+              <a:t> (2019-08-08 17:13:10.161984+02:00)</a:t>
+            </a:r>
+            <a:br>
+              <a:rPr lang="de-DE" sz="1000" dirty="0">
+                <a:latin typeface="Courier" pitchFamily="2" charset="0"/>
+              </a:rPr>
+            </a:br>
+            <a:r>
+              <a:rPr lang="de-DE" sz="1000" dirty="0">
+                <a:latin typeface="Courier" pitchFamily="2" charset="0"/>
+              </a:rPr>
+              <a:t>Waiting </a:t>
+            </a:r>
+            <a:r>
+              <a:rPr lang="de-DE" sz="1000" dirty="0" err="1">
+                <a:latin typeface="Courier" pitchFamily="2" charset="0"/>
+              </a:rPr>
+              <a:t>for</a:t>
+            </a:r>
+            <a:r>
+              <a:rPr lang="de-DE" sz="1000" dirty="0">
+                <a:latin typeface="Courier" pitchFamily="2" charset="0"/>
+              </a:rPr>
+              <a:t> </a:t>
+            </a:r>
+            <a:r>
+              <a:rPr lang="de-DE" sz="1000" dirty="0" err="1">
+                <a:latin typeface="Courier" pitchFamily="2" charset="0"/>
+              </a:rPr>
+              <a:t>future</a:t>
+            </a:r>
+            <a:r>
+              <a:rPr lang="de-DE" sz="1000" dirty="0">
+                <a:latin typeface="Courier" pitchFamily="2" charset="0"/>
+              </a:rPr>
+              <a:t> log </a:t>
+            </a:r>
+            <a:r>
+              <a:rPr lang="de-DE" sz="1000" dirty="0" err="1">
+                <a:latin typeface="Courier" pitchFamily="2" charset="0"/>
+              </a:rPr>
+              <a:t>entries</a:t>
+            </a:r>
+            <a:r>
+              <a:rPr lang="de-DE" sz="1000" dirty="0">
+                <a:latin typeface="Courier" pitchFamily="2" charset="0"/>
+              </a:rPr>
+              <a:t>:  </a:t>
+            </a:r>
+            <a:r>
+              <a:rPr lang="de-DE" sz="1000" dirty="0" err="1">
+                <a:latin typeface="Courier" pitchFamily="2" charset="0"/>
+              </a:rPr>
+              <a:t>yes</a:t>
+            </a:r>
+            <a:r>
+              <a:rPr lang="de-DE" sz="1000" dirty="0">
+                <a:latin typeface="Courier" pitchFamily="2" charset="0"/>
+              </a:rPr>
+              <a:t> (</a:t>
+            </a:r>
+            <a:r>
+              <a:rPr lang="de-DE" sz="1000" dirty="0" err="1">
+                <a:latin typeface="Courier" pitchFamily="2" charset="0"/>
+              </a:rPr>
+              <a:t>use</a:t>
+            </a:r>
+            <a:r>
+              <a:rPr lang="de-DE" sz="1000" dirty="0">
+                <a:latin typeface="Courier" pitchFamily="2" charset="0"/>
+              </a:rPr>
+              <a:t> </a:t>
+            </a:r>
+            <a:r>
+              <a:rPr lang="de-DE" sz="1000" dirty="0" err="1">
+                <a:latin typeface="Courier" pitchFamily="2" charset="0"/>
+              </a:rPr>
+              <a:t>keyboard</a:t>
+            </a:r>
+            <a:r>
+              <a:rPr lang="de-DE" sz="1000" dirty="0">
+                <a:latin typeface="Courier" pitchFamily="2" charset="0"/>
+              </a:rPr>
+              <a:t> </a:t>
+            </a:r>
+            <a:r>
+              <a:rPr lang="de-DE" sz="1000" dirty="0" err="1">
+                <a:latin typeface="Courier" pitchFamily="2" charset="0"/>
+              </a:rPr>
+              <a:t>interrupt</a:t>
+            </a:r>
+            <a:r>
+              <a:rPr lang="de-DE" sz="1000" dirty="0">
+                <a:latin typeface="Courier" pitchFamily="2" charset="0"/>
+              </a:rPr>
+              <a:t> </a:t>
+            </a:r>
+            <a:r>
+              <a:rPr lang="de-DE" sz="1000" dirty="0" err="1">
+                <a:latin typeface="Courier" pitchFamily="2" charset="0"/>
+              </a:rPr>
+              <a:t>to</a:t>
+            </a:r>
+            <a:r>
+              <a:rPr lang="de-DE" sz="1000" dirty="0">
+                <a:latin typeface="Courier" pitchFamily="2" charset="0"/>
+              </a:rPr>
+              <a:t> </a:t>
+            </a:r>
+            <a:r>
+              <a:rPr lang="de-DE" sz="1000" dirty="0" err="1">
+                <a:latin typeface="Courier" pitchFamily="2" charset="0"/>
+              </a:rPr>
+              <a:t>stop</a:t>
+            </a:r>
+            <a:r>
+              <a:rPr lang="de-DE" sz="1000" dirty="0">
+                <a:latin typeface="Courier" pitchFamily="2" charset="0"/>
+              </a:rPr>
+              <a:t>, e.g. </a:t>
+            </a:r>
+            <a:r>
+              <a:rPr lang="de-DE" sz="1000" dirty="0" err="1">
+                <a:latin typeface="Courier" pitchFamily="2" charset="0"/>
+              </a:rPr>
+              <a:t>Ctrl</a:t>
+            </a:r>
+            <a:r>
+              <a:rPr lang="de-DE" sz="1000" dirty="0">
+                <a:latin typeface="Courier" pitchFamily="2" charset="0"/>
+              </a:rPr>
+              <a:t>-C)</a:t>
+            </a:r>
+            <a:br>
+              <a:rPr lang="de-DE" sz="1000" dirty="0">
+                <a:latin typeface="Courier" pitchFamily="2" charset="0"/>
+              </a:rPr>
+            </a:br>
+            <a:r>
+              <a:rPr lang="de-DE" sz="1000" dirty="0" err="1">
+                <a:latin typeface="Courier" pitchFamily="2" charset="0"/>
+              </a:rPr>
+              <a:t>Forwarding</a:t>
+            </a:r>
+            <a:r>
+              <a:rPr lang="de-DE" sz="1000" dirty="0">
+                <a:latin typeface="Courier" pitchFamily="2" charset="0"/>
+              </a:rPr>
+              <a:t> </a:t>
+            </a:r>
+            <a:r>
+              <a:rPr lang="de-DE" sz="1000" dirty="0" err="1">
+                <a:latin typeface="Courier" pitchFamily="2" charset="0"/>
+              </a:rPr>
+              <a:t>to</a:t>
+            </a:r>
+            <a:r>
+              <a:rPr lang="de-DE" sz="1000" dirty="0">
+                <a:latin typeface="Courier" pitchFamily="2" charset="0"/>
+              </a:rPr>
+              <a:t> </a:t>
+            </a:r>
+            <a:r>
+              <a:rPr lang="de-DE" sz="1000" dirty="0" err="1">
+                <a:latin typeface="Courier" pitchFamily="2" charset="0"/>
+              </a:rPr>
               <a:t>destination</a:t>
             </a:r>
             <a:r>
               <a:rPr lang="de-DE" sz="1000" dirty="0">
                 <a:latin typeface="Courier" pitchFamily="2" charset="0"/>
               </a:rPr>
-              <a:t>:                 </a:t>
+              <a:t>:       </a:t>
             </a:r>
             <a:r>
               <a:rPr lang="de-DE" sz="1000" dirty="0" err="1">
@@ -6125,70 +6858,193 @@
                 <a:latin typeface="Courier" pitchFamily="2" charset="0"/>
               </a:rPr>
             </a:br>
+            <a:br>
+              <a:rPr lang="de-DE" sz="1000" dirty="0">
+                <a:latin typeface="Courier" pitchFamily="2" charset="0"/>
+              </a:rPr>
+            </a:br>
+            <a:r>
+              <a:rPr lang="de-DE" sz="1000" dirty="0">
+                <a:latin typeface="Courier" pitchFamily="2" charset="0"/>
+              </a:rPr>
+              <a:t>Time                              Type      Name         ID  </a:t>
+            </a:r>
             <a:r>
               <a:rPr lang="de-DE" sz="1000" dirty="0" err="1">
                 <a:latin typeface="Courier" pitchFamily="2" charset="0"/>
               </a:rPr>
-              <a:t>Gathering</a:t>
-            </a:r>
-            <a:r>
-              <a:rPr lang="de-DE" sz="1000" dirty="0">
-                <a:latin typeface="Courier" pitchFamily="2" charset="0"/>
-              </a:rPr>
-              <a:t> </a:t>
+              <a:t>Userid</a:t>
+            </a:r>
+            <a:r>
+              <a:rPr lang="de-DE" sz="1000" dirty="0">
+                <a:latin typeface="Courier" pitchFamily="2" charset="0"/>
+              </a:rPr>
+              <a:t>      Message</a:t>
+            </a:r>
+            <a:br>
+              <a:rPr lang="de-DE" sz="1000" dirty="0">
+                <a:latin typeface="Courier" pitchFamily="2" charset="0"/>
+              </a:rPr>
+            </a:br>
+            <a:r>
+              <a:rPr lang="de-DE" sz="1000" dirty="0">
+                <a:latin typeface="Courier" pitchFamily="2" charset="0"/>
+              </a:rPr>
+              <a:t>-----------------------------------------------------------------------------------------------------------------…</a:t>
+            </a:r>
+            <a:br>
+              <a:rPr lang="de-DE" sz="1000" dirty="0">
+                <a:latin typeface="Courier" pitchFamily="2" charset="0"/>
+              </a:rPr>
+            </a:br>
+            <a:r>
+              <a:rPr lang="de-DE" sz="1000" dirty="0">
+                <a:latin typeface="Courier" pitchFamily="2" charset="0"/>
+              </a:rPr>
+              <a:t>2019-08-08 17:13:21.060000+02:00  Security  WSA </a:t>
             </a:r>
             <a:r>
               <a:rPr lang="de-DE" sz="1000" dirty="0" err="1">
                 <a:latin typeface="Courier" pitchFamily="2" charset="0"/>
               </a:rPr>
-              <a:t>these</a:t>
-            </a:r>
-            <a:r>
-              <a:rPr lang="de-DE" sz="1000" dirty="0">
-                <a:latin typeface="Courier" pitchFamily="2" charset="0"/>
-              </a:rPr>
-              <a:t> HMC </a:t>
+              <a:t>Logon</a:t>
+            </a:r>
+            <a:r>
+              <a:rPr lang="de-DE" sz="1000" dirty="0">
+                <a:latin typeface="Courier" pitchFamily="2" charset="0"/>
+              </a:rPr>
+              <a:t>  1941  </a:t>
             </a:r>
             <a:r>
               <a:rPr lang="de-DE" sz="1000" dirty="0" err="1">
                 <a:latin typeface="Courier" pitchFamily="2" charset="0"/>
               </a:rPr>
-              <a:t>logs</a:t>
-            </a:r>
-            <a:r>
-              <a:rPr lang="de-DE" sz="1000" dirty="0">
-                <a:latin typeface="Courier" pitchFamily="2" charset="0"/>
-              </a:rPr>
-              <a:t>:        </a:t>
+              <a:t>zbcInstall</a:t>
+            </a:r>
+            <a:r>
+              <a:rPr lang="de-DE" sz="1000" dirty="0">
+                <a:latin typeface="Courier" pitchFamily="2" charset="0"/>
+              </a:rPr>
+              <a:t>  User </a:t>
             </a:r>
             <a:r>
               <a:rPr lang="de-DE" sz="1000" dirty="0" err="1">
                 <a:latin typeface="Courier" pitchFamily="2" charset="0"/>
               </a:rPr>
-              <a:t>security</a:t>
-            </a:r>
-            <a:r>
-              <a:rPr lang="de-DE" sz="1000" dirty="0">
-                <a:latin typeface="Courier" pitchFamily="2" charset="0"/>
-              </a:rPr>
-              <a:t>, </a:t>
+              <a:t>zbcInstall</a:t>
+            </a:r>
+            <a:r>
+              <a:rPr lang="de-DE" sz="1000" dirty="0">
+                <a:latin typeface="Courier" pitchFamily="2" charset="0"/>
+              </a:rPr>
+              <a:t> </a:t>
             </a:r>
             <a:r>
               <a:rPr lang="de-DE" sz="1000" dirty="0" err="1">
                 <a:latin typeface="Courier" pitchFamily="2" charset="0"/>
               </a:rPr>
-              <a:t>audit</a:t>
-            </a:r>
-            <a:br>
-              <a:rPr lang="de-DE" sz="1000" dirty="0">
-                <a:latin typeface="Courier" pitchFamily="2" charset="0"/>
-              </a:rPr>
-            </a:br>
+              <a:t>has</a:t>
+            </a:r>
+            <a:r>
+              <a:rPr lang="de-DE" sz="1000" dirty="0">
+                <a:latin typeface="Courier" pitchFamily="2" charset="0"/>
+              </a:rPr>
+              <a:t> </a:t>
+            </a:r>
             <a:r>
               <a:rPr lang="de-DE" sz="1000" dirty="0" err="1">
                 <a:latin typeface="Courier" pitchFamily="2" charset="0"/>
               </a:rPr>
-              <a:t>Include</a:t>
+              <a:t>logged</a:t>
+            </a:r>
+            <a:r>
+              <a:rPr lang="de-DE" sz="1000" dirty="0">
+                <a:latin typeface="Courier" pitchFamily="2" charset="0"/>
+              </a:rPr>
+              <a:t> on </a:t>
+            </a:r>
+            <a:r>
+              <a:rPr lang="de-DE" sz="1000" dirty="0" err="1">
+                <a:latin typeface="Courier" pitchFamily="2" charset="0"/>
+              </a:rPr>
+              <a:t>to</a:t>
+            </a:r>
+            <a:r>
+              <a:rPr lang="de-DE" sz="1000" dirty="0">
+                <a:latin typeface="Courier" pitchFamily="2" charset="0"/>
+              </a:rPr>
+              <a:t> Web </a:t>
+            </a:r>
+            <a:r>
+              <a:rPr lang="de-DE" sz="1000" dirty="0" err="1">
+                <a:latin typeface="Courier" pitchFamily="2" charset="0"/>
+              </a:rPr>
+              <a:t>Ser</a:t>
+            </a:r>
+            <a:r>
+              <a:rPr lang="de-DE" sz="1000" dirty="0">
+                <a:latin typeface="Courier" pitchFamily="2" charset="0"/>
+              </a:rPr>
+              <a:t>…</a:t>
+            </a:r>
+            <a:br>
+              <a:rPr lang="de-DE" sz="1000" dirty="0">
+                <a:latin typeface="Courier" pitchFamily="2" charset="0"/>
+              </a:rPr>
+            </a:br>
+            <a:r>
+              <a:rPr lang="de-DE" sz="1000" dirty="0" err="1">
+                <a:latin typeface="Courier" pitchFamily="2" charset="0"/>
+              </a:rPr>
+              <a:t>Starting</a:t>
+            </a:r>
+            <a:r>
+              <a:rPr lang="de-DE" sz="1000" dirty="0">
+                <a:latin typeface="Courier" pitchFamily="2" charset="0"/>
+              </a:rPr>
+              <a:t> </a:t>
+            </a:r>
+            <a:r>
+              <a:rPr lang="de-DE" sz="1000" dirty="0" err="1">
+                <a:latin typeface="Courier" pitchFamily="2" charset="0"/>
+              </a:rPr>
+              <a:t>to</a:t>
+            </a:r>
+            <a:r>
+              <a:rPr lang="de-DE" sz="1000" dirty="0">
+                <a:latin typeface="Courier" pitchFamily="2" charset="0"/>
+              </a:rPr>
+              <a:t> </a:t>
+            </a:r>
+            <a:r>
+              <a:rPr lang="de-DE" sz="1000" dirty="0" err="1">
+                <a:latin typeface="Courier" pitchFamily="2" charset="0"/>
+              </a:rPr>
+              <a:t>wait</a:t>
+            </a:r>
+            <a:r>
+              <a:rPr lang="de-DE" sz="1000" dirty="0">
+                <a:latin typeface="Courier" pitchFamily="2" charset="0"/>
+              </a:rPr>
+              <a:t> </a:t>
+            </a:r>
+            <a:r>
+              <a:rPr lang="de-DE" sz="1000" dirty="0" err="1">
+                <a:latin typeface="Courier" pitchFamily="2" charset="0"/>
+              </a:rPr>
+              <a:t>for</a:t>
+            </a:r>
+            <a:r>
+              <a:rPr lang="de-DE" sz="1000" dirty="0">
+                <a:latin typeface="Courier" pitchFamily="2" charset="0"/>
+              </a:rPr>
+              <a:t> </a:t>
+            </a:r>
+            <a:r>
+              <a:rPr lang="de-DE" sz="1000" dirty="0" err="1">
+                <a:latin typeface="Courier" pitchFamily="2" charset="0"/>
+              </a:rPr>
+              <a:t>future</a:t>
             </a:r>
             <a:r>
               <a:rPr lang="de-DE" sz="1000" dirty="0">
@@ -6202,46 +7058,57 @@
               </a:rPr>
               <a:t>entries</a:t>
             </a:r>
-            <a:r>
-              <a:rPr lang="de-DE" sz="1000" dirty="0">
-                <a:latin typeface="Courier" pitchFamily="2" charset="0"/>
-              </a:rPr>
-              <a:t> </a:t>
+            <a:br>
+              <a:rPr lang="de-DE" sz="1000" dirty="0">
+                <a:latin typeface="Courier" pitchFamily="2" charset="0"/>
+              </a:rPr>
+            </a:br>
+            <a:r>
+              <a:rPr lang="de-DE" sz="1000" dirty="0">
+                <a:latin typeface="Courier" pitchFamily="2" charset="0"/>
+              </a:rPr>
+              <a:t>2019-08-08 17:14:05.590000+02:00  Audit     WSAPI      6055              A web </a:t>
             </a:r>
             <a:r>
               <a:rPr lang="de-DE" sz="1000" dirty="0" err="1">
                 <a:latin typeface="Courier" pitchFamily="2" charset="0"/>
               </a:rPr>
-              <a:t>since</a:t>
-            </a:r>
-            <a:r>
-              <a:rPr lang="de-DE" sz="1000" dirty="0">
-                <a:latin typeface="Courier" pitchFamily="2" charset="0"/>
-              </a:rPr>
-              <a:t>:       </a:t>
+              <a:t>services</a:t>
+            </a:r>
+            <a:r>
+              <a:rPr lang="de-DE" sz="1000" dirty="0">
+                <a:latin typeface="Courier" pitchFamily="2" charset="0"/>
+              </a:rPr>
+              <a:t> </a:t>
             </a:r>
             <a:r>
               <a:rPr lang="de-DE" sz="1000" dirty="0" err="1">
                 <a:latin typeface="Courier" pitchFamily="2" charset="0"/>
               </a:rPr>
-              <a:t>now</a:t>
-            </a:r>
-            <a:r>
-              <a:rPr lang="de-DE" sz="1000" dirty="0">
-                <a:latin typeface="Courier" pitchFamily="2" charset="0"/>
-              </a:rPr>
-              <a:t> (2019-08-08 08:52:05.399237+02:00)</a:t>
-            </a:r>
-            <a:br>
-              <a:rPr lang="de-DE" sz="1000" dirty="0">
-                <a:latin typeface="Courier" pitchFamily="2" charset="0"/>
-              </a:rPr>
-            </a:br>
+              <a:t>client</a:t>
+            </a:r>
+            <a:r>
+              <a:rPr lang="de-DE" sz="1000" dirty="0">
+                <a:latin typeface="Courier" pitchFamily="2" charset="0"/>
+              </a:rPr>
+              <a:t> on 10.183.204.141 …</a:t>
+            </a:r>
+            <a:br>
+              <a:rPr lang="de-DE" sz="1000" dirty="0">
+                <a:latin typeface="Courier" pitchFamily="2" charset="0"/>
+              </a:rPr>
+            </a:br>
+            <a:r>
+              <a:rPr lang="de-DE" sz="1000" dirty="0">
+                <a:latin typeface="Courier" pitchFamily="2" charset="0"/>
+              </a:rPr>
+              <a:t>2019-08-08 17:15:45+02:00         Audit     RSFERROR    151              A remote </a:t>
+            </a:r>
             <a:r>
               <a:rPr lang="de-DE" sz="1000" dirty="0" err="1">
                 <a:latin typeface="Courier" pitchFamily="2" charset="0"/>
               </a:rPr>
-              <a:t>Wait</a:t>
+              <a:t>connection</a:t>
             </a:r>
             <a:r>
               <a:rPr lang="de-DE" sz="1000" dirty="0">
@@ -6253,6 +7120,307 @@
               <a:rPr lang="de-DE" sz="1000" dirty="0" err="1">
                 <a:latin typeface="Courier" pitchFamily="2" charset="0"/>
               </a:rPr>
+              <a:t>failed</a:t>
+            </a:r>
+            <a:r>
+              <a:rPr lang="de-DE" sz="1000" dirty="0">
+                <a:latin typeface="Courier" pitchFamily="2" charset="0"/>
+              </a:rPr>
+              <a:t>.</a:t>
+            </a:r>
+            <a:br>
+              <a:rPr lang="de-DE" sz="1000" dirty="0">
+                <a:latin typeface="Courier" pitchFamily="2" charset="0"/>
+              </a:rPr>
+            </a:br>
+            <a:r>
+              <a:rPr lang="de-DE" sz="1000" dirty="0">
+                <a:latin typeface="Courier" pitchFamily="2" charset="0"/>
+              </a:rPr>
+              <a:t>2019-08-08 17:15:46.270000+02:00  Audit     TRSF_FAIL   678              Remote </a:t>
+            </a:r>
+            <a:r>
+              <a:rPr lang="de-DE" sz="1000" dirty="0" err="1">
+                <a:latin typeface="Courier" pitchFamily="2" charset="0"/>
+              </a:rPr>
+              <a:t>support</a:t>
+            </a:r>
+            <a:r>
+              <a:rPr lang="de-DE" sz="1000" dirty="0">
+                <a:latin typeface="Courier" pitchFamily="2" charset="0"/>
+              </a:rPr>
+              <a:t> </a:t>
+            </a:r>
+            <a:r>
+              <a:rPr lang="de-DE" sz="1000" dirty="0" err="1">
+                <a:latin typeface="Courier" pitchFamily="2" charset="0"/>
+              </a:rPr>
+              <a:t>call</a:t>
+            </a:r>
+            <a:r>
+              <a:rPr lang="de-DE" sz="1000" dirty="0">
+                <a:latin typeface="Courier" pitchFamily="2" charset="0"/>
+              </a:rPr>
+              <a:t> </a:t>
+            </a:r>
+            <a:r>
+              <a:rPr lang="de-DE" sz="1000" dirty="0" err="1">
+                <a:latin typeface="Courier" pitchFamily="2" charset="0"/>
+              </a:rPr>
+              <a:t>generated</a:t>
+            </a:r>
+            <a:r>
+              <a:rPr lang="de-DE" sz="1000" dirty="0">
+                <a:latin typeface="Courier" pitchFamily="2" charset="0"/>
+              </a:rPr>
+              <a:t> on HMC1 </a:t>
+            </a:r>
+            <a:r>
+              <a:rPr lang="de-DE" sz="1000" dirty="0" err="1">
+                <a:latin typeface="Courier" pitchFamily="2" charset="0"/>
+              </a:rPr>
+              <a:t>fa</a:t>
+            </a:r>
+            <a:r>
+              <a:rPr lang="de-DE" sz="1000" dirty="0">
+                <a:latin typeface="Courier" pitchFamily="2" charset="0"/>
+              </a:rPr>
+              <a:t>…</a:t>
+            </a:r>
+            <a:br>
+              <a:rPr lang="de-DE" sz="1000" dirty="0">
+                <a:latin typeface="Courier" pitchFamily="2" charset="0"/>
+              </a:rPr>
+            </a:br>
+            <a:r>
+              <a:rPr lang="de-DE" sz="1000" dirty="0">
+                <a:latin typeface="Courier" pitchFamily="2" charset="0"/>
+              </a:rPr>
+              <a:t>2019-08-08 17:15:56.550000+02:00  Security  WSA </a:t>
+            </a:r>
+            <a:r>
+              <a:rPr lang="de-DE" sz="1000" dirty="0" err="1">
+                <a:latin typeface="Courier" pitchFamily="2" charset="0"/>
+              </a:rPr>
+              <a:t>Logon</a:t>
+            </a:r>
+            <a:r>
+              <a:rPr lang="de-DE" sz="1000" dirty="0">
+                <a:latin typeface="Courier" pitchFamily="2" charset="0"/>
+              </a:rPr>
+              <a:t>  1941  </a:t>
+            </a:r>
+            <a:r>
+              <a:rPr lang="de-DE" sz="1000" dirty="0" err="1">
+                <a:latin typeface="Courier" pitchFamily="2" charset="0"/>
+              </a:rPr>
+              <a:t>zbcInstall</a:t>
+            </a:r>
+            <a:r>
+              <a:rPr lang="de-DE" sz="1000" dirty="0">
+                <a:latin typeface="Courier" pitchFamily="2" charset="0"/>
+              </a:rPr>
+              <a:t>  User </a:t>
+            </a:r>
+            <a:r>
+              <a:rPr lang="de-DE" sz="1000" dirty="0" err="1">
+                <a:latin typeface="Courier" pitchFamily="2" charset="0"/>
+              </a:rPr>
+              <a:t>zbcInstall</a:t>
+            </a:r>
+            <a:r>
+              <a:rPr lang="de-DE" sz="1000" dirty="0">
+                <a:latin typeface="Courier" pitchFamily="2" charset="0"/>
+              </a:rPr>
+              <a:t> </a:t>
+            </a:r>
+            <a:r>
+              <a:rPr lang="de-DE" sz="1000" dirty="0" err="1">
+                <a:latin typeface="Courier" pitchFamily="2" charset="0"/>
+              </a:rPr>
+              <a:t>has</a:t>
+            </a:r>
+            <a:r>
+              <a:rPr lang="de-DE" sz="1000" dirty="0">
+                <a:latin typeface="Courier" pitchFamily="2" charset="0"/>
+              </a:rPr>
+              <a:t> </a:t>
+            </a:r>
+            <a:r>
+              <a:rPr lang="de-DE" sz="1000" dirty="0" err="1">
+                <a:latin typeface="Courier" pitchFamily="2" charset="0"/>
+              </a:rPr>
+              <a:t>logged</a:t>
+            </a:r>
+            <a:r>
+              <a:rPr lang="de-DE" sz="1000" dirty="0">
+                <a:latin typeface="Courier" pitchFamily="2" charset="0"/>
+              </a:rPr>
+              <a:t> on </a:t>
+            </a:r>
+            <a:r>
+              <a:rPr lang="de-DE" sz="1000" dirty="0" err="1">
+                <a:latin typeface="Courier" pitchFamily="2" charset="0"/>
+              </a:rPr>
+              <a:t>to</a:t>
+            </a:r>
+            <a:r>
+              <a:rPr lang="de-DE" sz="1000" dirty="0">
+                <a:latin typeface="Courier" pitchFamily="2" charset="0"/>
+              </a:rPr>
+              <a:t> Web </a:t>
+            </a:r>
+            <a:r>
+              <a:rPr lang="de-DE" sz="1000" dirty="0" err="1">
+                <a:latin typeface="Courier" pitchFamily="2" charset="0"/>
+              </a:rPr>
+              <a:t>Ser</a:t>
+            </a:r>
+            <a:r>
+              <a:rPr lang="de-DE" sz="1000" dirty="0">
+                <a:latin typeface="Courier" pitchFamily="2" charset="0"/>
+              </a:rPr>
+              <a:t>…</a:t>
+            </a:r>
+            <a:br>
+              <a:rPr lang="de-DE" sz="1000" dirty="0">
+                <a:latin typeface="Courier" pitchFamily="2" charset="0"/>
+              </a:rPr>
+            </a:br>
+            <a:r>
+              <a:rPr lang="de-DE" sz="1000" dirty="0">
+                <a:latin typeface="Courier" pitchFamily="2" charset="0"/>
+              </a:rPr>
+              <a:t>2019-08-08 17:15:56.840000+02:00  Security  WSA </a:t>
+            </a:r>
+            <a:r>
+              <a:rPr lang="de-DE" sz="1000" dirty="0" err="1">
+                <a:latin typeface="Courier" pitchFamily="2" charset="0"/>
+              </a:rPr>
+              <a:t>Logoff</a:t>
+            </a:r>
+            <a:r>
+              <a:rPr lang="de-DE" sz="1000" dirty="0">
+                <a:latin typeface="Courier" pitchFamily="2" charset="0"/>
+              </a:rPr>
+              <a:t> 1942  </a:t>
+            </a:r>
+            <a:r>
+              <a:rPr lang="de-DE" sz="1000" dirty="0" err="1">
+                <a:latin typeface="Courier" pitchFamily="2" charset="0"/>
+              </a:rPr>
+              <a:t>zbcInstall</a:t>
+            </a:r>
+            <a:r>
+              <a:rPr lang="de-DE" sz="1000" dirty="0">
+                <a:latin typeface="Courier" pitchFamily="2" charset="0"/>
+              </a:rPr>
+              <a:t>  User </a:t>
+            </a:r>
+            <a:r>
+              <a:rPr lang="de-DE" sz="1000" dirty="0" err="1">
+                <a:latin typeface="Courier" pitchFamily="2" charset="0"/>
+              </a:rPr>
+              <a:t>zbcInstall</a:t>
+            </a:r>
+            <a:r>
+              <a:rPr lang="de-DE" sz="1000" dirty="0">
+                <a:latin typeface="Courier" pitchFamily="2" charset="0"/>
+              </a:rPr>
+              <a:t> </a:t>
+            </a:r>
+            <a:r>
+              <a:rPr lang="de-DE" sz="1000" dirty="0" err="1">
+                <a:latin typeface="Courier" pitchFamily="2" charset="0"/>
+              </a:rPr>
+              <a:t>has</a:t>
+            </a:r>
+            <a:r>
+              <a:rPr lang="de-DE" sz="1000" dirty="0">
+                <a:latin typeface="Courier" pitchFamily="2" charset="0"/>
+              </a:rPr>
+              <a:t> </a:t>
+            </a:r>
+            <a:r>
+              <a:rPr lang="de-DE" sz="1000" dirty="0" err="1">
+                <a:latin typeface="Courier" pitchFamily="2" charset="0"/>
+              </a:rPr>
+              <a:t>logged</a:t>
+            </a:r>
+            <a:r>
+              <a:rPr lang="de-DE" sz="1000" dirty="0">
+                <a:latin typeface="Courier" pitchFamily="2" charset="0"/>
+              </a:rPr>
+              <a:t> off </a:t>
+            </a:r>
+            <a:r>
+              <a:rPr lang="de-DE" sz="1000" dirty="0" err="1">
+                <a:latin typeface="Courier" pitchFamily="2" charset="0"/>
+              </a:rPr>
+              <a:t>from</a:t>
+            </a:r>
+            <a:r>
+              <a:rPr lang="de-DE" sz="1000" dirty="0">
+                <a:latin typeface="Courier" pitchFamily="2" charset="0"/>
+              </a:rPr>
+              <a:t> Web …</a:t>
+            </a:r>
+            <a:br>
+              <a:rPr lang="de-DE" sz="1000" dirty="0">
+                <a:latin typeface="Courier" pitchFamily="2" charset="0"/>
+              </a:rPr>
+            </a:br>
+            <a:r>
+              <a:rPr lang="de-DE" sz="1000" dirty="0">
+                <a:latin typeface="Courier" pitchFamily="2" charset="0"/>
+              </a:rPr>
+              <a:t>^C---------------------------------------------------------------------------------------------------------------…</a:t>
+            </a:r>
+            <a:br>
+              <a:rPr lang="de-DE" sz="1000" dirty="0">
+                <a:latin typeface="Courier" pitchFamily="2" charset="0"/>
+              </a:rPr>
+            </a:br>
+            <a:r>
+              <a:rPr lang="de-DE" sz="1000" dirty="0" err="1">
+                <a:latin typeface="Courier" pitchFamily="2" charset="0"/>
+              </a:rPr>
+              <a:t>Stopping</a:t>
+            </a:r>
+            <a:r>
+              <a:rPr lang="de-DE" sz="1000" dirty="0">
+                <a:latin typeface="Courier" pitchFamily="2" charset="0"/>
+              </a:rPr>
+              <a:t> </a:t>
+            </a:r>
+            <a:r>
+              <a:rPr lang="de-DE" sz="1000" dirty="0" err="1">
+                <a:latin typeface="Courier" pitchFamily="2" charset="0"/>
+              </a:rPr>
+              <a:t>to</a:t>
+            </a:r>
+            <a:r>
+              <a:rPr lang="de-DE" sz="1000" dirty="0">
+                <a:latin typeface="Courier" pitchFamily="2" charset="0"/>
+              </a:rPr>
+              <a:t> </a:t>
+            </a:r>
+            <a:r>
+              <a:rPr lang="de-DE" sz="1000" dirty="0" err="1">
+                <a:latin typeface="Courier" pitchFamily="2" charset="0"/>
+              </a:rPr>
+              <a:t>wait</a:t>
+            </a:r>
+            <a:r>
+              <a:rPr lang="de-DE" sz="1000" dirty="0">
+                <a:latin typeface="Courier" pitchFamily="2" charset="0"/>
+              </a:rPr>
+              <a:t> </a:t>
+            </a:r>
+            <a:r>
+              <a:rPr lang="de-DE" sz="1000" dirty="0" err="1">
+                <a:latin typeface="Courier" pitchFamily="2" charset="0"/>
+              </a:rPr>
               <a:t>for</a:t>
             </a:r>
             <a:r>
@@ -6279,29 +7447,28 @@
               </a:rPr>
               <a:t>entries</a:t>
             </a:r>
-            <a:r>
-              <a:rPr lang="de-DE" sz="1000" dirty="0">
-                <a:latin typeface="Courier" pitchFamily="2" charset="0"/>
-              </a:rPr>
-              <a:t>:     </a:t>
-            </a:r>
+            <a:br>
+              <a:rPr lang="de-DE" sz="1000" dirty="0">
+                <a:latin typeface="Courier" pitchFamily="2" charset="0"/>
+              </a:rPr>
+            </a:br>
             <a:r>
               <a:rPr lang="de-DE" sz="1000" dirty="0" err="1">
                 <a:latin typeface="Courier" pitchFamily="2" charset="0"/>
               </a:rPr>
-              <a:t>yes</a:t>
-            </a:r>
-            <a:r>
-              <a:rPr lang="de-DE" sz="1000" dirty="0">
-                <a:latin typeface="Courier" pitchFamily="2" charset="0"/>
-              </a:rPr>
-              <a:t> (</a:t>
+              <a:t>Closing</a:t>
+            </a:r>
+            <a:r>
+              <a:rPr lang="de-DE" sz="1000" dirty="0">
+                <a:latin typeface="Courier" pitchFamily="2" charset="0"/>
+              </a:rPr>
+              <a:t> </a:t>
             </a:r>
             <a:r>
               <a:rPr lang="de-DE" sz="1000" dirty="0" err="1">
                 <a:latin typeface="Courier" pitchFamily="2" charset="0"/>
               </a:rPr>
-              <a:t>use</a:t>
+              <a:t>notification</a:t>
             </a:r>
             <a:r>
               <a:rPr lang="de-DE" sz="1000" dirty="0">
@@ -6313,463 +7480,17 @@
               <a:rPr lang="de-DE" sz="1000" dirty="0" err="1">
                 <a:latin typeface="Courier" pitchFamily="2" charset="0"/>
               </a:rPr>
-              <a:t>keyboard</a:t>
-            </a:r>
-            <a:r>
-              <a:rPr lang="de-DE" sz="1000" dirty="0">
-                <a:latin typeface="Courier" pitchFamily="2" charset="0"/>
-              </a:rPr>
-              <a:t> </a:t>
-            </a:r>
+              <a:t>receiver</a:t>
+            </a:r>
+            <a:br>
+              <a:rPr lang="de-DE" sz="1000" dirty="0">
+                <a:latin typeface="Courier" pitchFamily="2" charset="0"/>
+              </a:rPr>
+            </a:br>
             <a:r>
               <a:rPr lang="de-DE" sz="1000" dirty="0" err="1">
                 <a:latin typeface="Courier" pitchFamily="2" charset="0"/>
               </a:rPr>
-              <a:t>interrupt</a:t>
-            </a:r>
-            <a:r>
-              <a:rPr lang="de-DE" sz="1000" dirty="0">
-                <a:latin typeface="Courier" pitchFamily="2" charset="0"/>
-              </a:rPr>
-              <a:t> </a:t>
-            </a:r>
-            <a:r>
-              <a:rPr lang="de-DE" sz="1000" dirty="0" err="1">
-                <a:latin typeface="Courier" pitchFamily="2" charset="0"/>
-              </a:rPr>
-              <a:t>to</a:t>
-            </a:r>
-            <a:r>
-              <a:rPr lang="de-DE" sz="1000" dirty="0">
-                <a:latin typeface="Courier" pitchFamily="2" charset="0"/>
-              </a:rPr>
-              <a:t> </a:t>
-            </a:r>
-            <a:r>
-              <a:rPr lang="de-DE" sz="1000" dirty="0" err="1">
-                <a:latin typeface="Courier" pitchFamily="2" charset="0"/>
-              </a:rPr>
-              <a:t>stop</a:t>
-            </a:r>
-            <a:r>
-              <a:rPr lang="de-DE" sz="1000" dirty="0">
-                <a:latin typeface="Courier" pitchFamily="2" charset="0"/>
-              </a:rPr>
-              <a:t>, e.g. </a:t>
-            </a:r>
-            <a:r>
-              <a:rPr lang="de-DE" sz="1000" dirty="0" err="1">
-                <a:latin typeface="Courier" pitchFamily="2" charset="0"/>
-              </a:rPr>
-              <a:t>Ctrl</a:t>
-            </a:r>
-            <a:r>
-              <a:rPr lang="de-DE" sz="1000" dirty="0">
-                <a:latin typeface="Courier" pitchFamily="2" charset="0"/>
-              </a:rPr>
-              <a:t>-C)</a:t>
-            </a:r>
-            <a:br>
-              <a:rPr lang="de-DE" sz="1000" dirty="0">
-                <a:latin typeface="Courier" pitchFamily="2" charset="0"/>
-              </a:rPr>
-            </a:br>
-            <a:br>
-              <a:rPr lang="de-DE" sz="1000" dirty="0">
-                <a:latin typeface="Courier" pitchFamily="2" charset="0"/>
-              </a:rPr>
-            </a:br>
-            <a:r>
-              <a:rPr lang="de-DE" sz="1000" dirty="0">
-                <a:latin typeface="Courier" pitchFamily="2" charset="0"/>
-              </a:rPr>
-              <a:t>Time                              Type      Name         ID  </a:t>
-            </a:r>
-            <a:r>
-              <a:rPr lang="de-DE" sz="1000" dirty="0" err="1">
-                <a:latin typeface="Courier" pitchFamily="2" charset="0"/>
-              </a:rPr>
-              <a:t>Userid</a:t>
-            </a:r>
-            <a:r>
-              <a:rPr lang="de-DE" sz="1000" dirty="0">
-                <a:latin typeface="Courier" pitchFamily="2" charset="0"/>
-              </a:rPr>
-              <a:t>      Message</a:t>
-            </a:r>
-            <a:br>
-              <a:rPr lang="de-DE" sz="1000" dirty="0">
-                <a:latin typeface="Courier" pitchFamily="2" charset="0"/>
-              </a:rPr>
-            </a:br>
-            <a:r>
-              <a:rPr lang="de-DE" sz="1000" dirty="0">
-                <a:latin typeface="Courier" pitchFamily="2" charset="0"/>
-              </a:rPr>
-              <a:t>----------------------------------------------------------------------------------------------------------------…</a:t>
-            </a:r>
-            <a:br>
-              <a:rPr lang="de-DE" sz="1000" dirty="0">
-                <a:latin typeface="Courier" pitchFamily="2" charset="0"/>
-              </a:rPr>
-            </a:br>
-            <a:r>
-              <a:rPr lang="de-DE" sz="1000" dirty="0">
-                <a:latin typeface="Courier" pitchFamily="2" charset="0"/>
-              </a:rPr>
-              <a:t>2019-08-08 08:52:16.340000+02:00  Security  WSA </a:t>
-            </a:r>
-            <a:r>
-              <a:rPr lang="de-DE" sz="1000" dirty="0" err="1">
-                <a:latin typeface="Courier" pitchFamily="2" charset="0"/>
-              </a:rPr>
-              <a:t>Logon</a:t>
-            </a:r>
-            <a:r>
-              <a:rPr lang="de-DE" sz="1000" dirty="0">
-                <a:latin typeface="Courier" pitchFamily="2" charset="0"/>
-              </a:rPr>
-              <a:t>  1941  </a:t>
-            </a:r>
-            <a:r>
-              <a:rPr lang="de-DE" sz="1000" dirty="0" err="1">
-                <a:latin typeface="Courier" pitchFamily="2" charset="0"/>
-              </a:rPr>
-              <a:t>zbcInstall</a:t>
-            </a:r>
-            <a:r>
-              <a:rPr lang="de-DE" sz="1000" dirty="0">
-                <a:latin typeface="Courier" pitchFamily="2" charset="0"/>
-              </a:rPr>
-              <a:t>  User </a:t>
-            </a:r>
-            <a:r>
-              <a:rPr lang="de-DE" sz="1000" dirty="0" err="1">
-                <a:latin typeface="Courier" pitchFamily="2" charset="0"/>
-              </a:rPr>
-              <a:t>zbcInstall</a:t>
-            </a:r>
-            <a:r>
-              <a:rPr lang="de-DE" sz="1000" dirty="0">
-                <a:latin typeface="Courier" pitchFamily="2" charset="0"/>
-              </a:rPr>
-              <a:t> </a:t>
-            </a:r>
-            <a:r>
-              <a:rPr lang="de-DE" sz="1000" dirty="0" err="1">
-                <a:latin typeface="Courier" pitchFamily="2" charset="0"/>
-              </a:rPr>
-              <a:t>has</a:t>
-            </a:r>
-            <a:r>
-              <a:rPr lang="de-DE" sz="1000" dirty="0">
-                <a:latin typeface="Courier" pitchFamily="2" charset="0"/>
-              </a:rPr>
-              <a:t> </a:t>
-            </a:r>
-            <a:r>
-              <a:rPr lang="de-DE" sz="1000" dirty="0" err="1">
-                <a:latin typeface="Courier" pitchFamily="2" charset="0"/>
-              </a:rPr>
-              <a:t>logged</a:t>
-            </a:r>
-            <a:r>
-              <a:rPr lang="de-DE" sz="1000" dirty="0">
-                <a:latin typeface="Courier" pitchFamily="2" charset="0"/>
-              </a:rPr>
-              <a:t> on </a:t>
-            </a:r>
-            <a:r>
-              <a:rPr lang="de-DE" sz="1000" dirty="0" err="1">
-                <a:latin typeface="Courier" pitchFamily="2" charset="0"/>
-              </a:rPr>
-              <a:t>to</a:t>
-            </a:r>
-            <a:r>
-              <a:rPr lang="de-DE" sz="1000" dirty="0">
-                <a:latin typeface="Courier" pitchFamily="2" charset="0"/>
-              </a:rPr>
-              <a:t> Web Se…</a:t>
-            </a:r>
-            <a:br>
-              <a:rPr lang="de-DE" sz="1000" dirty="0">
-                <a:latin typeface="Courier" pitchFamily="2" charset="0"/>
-              </a:rPr>
-            </a:br>
-            <a:r>
-              <a:rPr lang="de-DE" sz="1000" dirty="0" err="1">
-                <a:latin typeface="Courier" pitchFamily="2" charset="0"/>
-              </a:rPr>
-              <a:t>Starting</a:t>
-            </a:r>
-            <a:r>
-              <a:rPr lang="de-DE" sz="1000" dirty="0">
-                <a:latin typeface="Courier" pitchFamily="2" charset="0"/>
-              </a:rPr>
-              <a:t> </a:t>
-            </a:r>
-            <a:r>
-              <a:rPr lang="de-DE" sz="1000" dirty="0" err="1">
-                <a:latin typeface="Courier" pitchFamily="2" charset="0"/>
-              </a:rPr>
-              <a:t>to</a:t>
-            </a:r>
-            <a:r>
-              <a:rPr lang="de-DE" sz="1000" dirty="0">
-                <a:latin typeface="Courier" pitchFamily="2" charset="0"/>
-              </a:rPr>
-              <a:t> </a:t>
-            </a:r>
-            <a:r>
-              <a:rPr lang="de-DE" sz="1000" dirty="0" err="1">
-                <a:latin typeface="Courier" pitchFamily="2" charset="0"/>
-              </a:rPr>
-              <a:t>wait</a:t>
-            </a:r>
-            <a:r>
-              <a:rPr lang="de-DE" sz="1000" dirty="0">
-                <a:latin typeface="Courier" pitchFamily="2" charset="0"/>
-              </a:rPr>
-              <a:t> </a:t>
-            </a:r>
-            <a:r>
-              <a:rPr lang="de-DE" sz="1000" dirty="0" err="1">
-                <a:latin typeface="Courier" pitchFamily="2" charset="0"/>
-              </a:rPr>
-              <a:t>for</a:t>
-            </a:r>
-            <a:r>
-              <a:rPr lang="de-DE" sz="1000" dirty="0">
-                <a:latin typeface="Courier" pitchFamily="2" charset="0"/>
-              </a:rPr>
-              <a:t> </a:t>
-            </a:r>
-            <a:r>
-              <a:rPr lang="de-DE" sz="1000" dirty="0" err="1">
-                <a:latin typeface="Courier" pitchFamily="2" charset="0"/>
-              </a:rPr>
-              <a:t>future</a:t>
-            </a:r>
-            <a:r>
-              <a:rPr lang="de-DE" sz="1000" dirty="0">
-                <a:latin typeface="Courier" pitchFamily="2" charset="0"/>
-              </a:rPr>
-              <a:t> log </a:t>
-            </a:r>
-            <a:r>
-              <a:rPr lang="de-DE" sz="1000" dirty="0" err="1">
-                <a:latin typeface="Courier" pitchFamily="2" charset="0"/>
-              </a:rPr>
-              <a:t>entries</a:t>
-            </a:r>
-            <a:br>
-              <a:rPr lang="de-DE" sz="1000" dirty="0">
-                <a:latin typeface="Courier" pitchFamily="2" charset="0"/>
-              </a:rPr>
-            </a:br>
-            <a:r>
-              <a:rPr lang="de-DE" sz="1000" dirty="0">
-                <a:latin typeface="Courier" pitchFamily="2" charset="0"/>
-              </a:rPr>
-              <a:t>2019-08-08 08:52:37.050000+02:00  Audit     WSAPI      6055  </a:t>
-            </a:r>
-            <a:r>
-              <a:rPr lang="de-DE" sz="1000" dirty="0" err="1">
-                <a:latin typeface="Courier" pitchFamily="2" charset="0"/>
-              </a:rPr>
-              <a:t>zbcInstall</a:t>
-            </a:r>
-            <a:r>
-              <a:rPr lang="de-DE" sz="1000" dirty="0">
-                <a:latin typeface="Courier" pitchFamily="2" charset="0"/>
-              </a:rPr>
-              <a:t>  A web </a:t>
-            </a:r>
-            <a:r>
-              <a:rPr lang="de-DE" sz="1000" dirty="0" err="1">
-                <a:latin typeface="Courier" pitchFamily="2" charset="0"/>
-              </a:rPr>
-              <a:t>services</a:t>
-            </a:r>
-            <a:r>
-              <a:rPr lang="de-DE" sz="1000" dirty="0">
-                <a:latin typeface="Courier" pitchFamily="2" charset="0"/>
-              </a:rPr>
-              <a:t> </a:t>
-            </a:r>
-            <a:r>
-              <a:rPr lang="de-DE" sz="1000" dirty="0" err="1">
-                <a:latin typeface="Courier" pitchFamily="2" charset="0"/>
-              </a:rPr>
-              <a:t>client</a:t>
-            </a:r>
-            <a:r>
-              <a:rPr lang="de-DE" sz="1000" dirty="0">
-                <a:latin typeface="Courier" pitchFamily="2" charset="0"/>
-              </a:rPr>
-              <a:t> on 10.183.204.141…</a:t>
-            </a:r>
-            <a:br>
-              <a:rPr lang="de-DE" sz="1000" dirty="0">
-                <a:latin typeface="Courier" pitchFamily="2" charset="0"/>
-              </a:rPr>
-            </a:br>
-            <a:r>
-              <a:rPr lang="de-DE" sz="1000" dirty="0">
-                <a:latin typeface="Courier" pitchFamily="2" charset="0"/>
-              </a:rPr>
-              <a:t>2019-08-08 08:52:37.530000+02:00  Audit     WSAPI      6055              A web </a:t>
-            </a:r>
-            <a:r>
-              <a:rPr lang="de-DE" sz="1000" dirty="0" err="1">
-                <a:latin typeface="Courier" pitchFamily="2" charset="0"/>
-              </a:rPr>
-              <a:t>services</a:t>
-            </a:r>
-            <a:r>
-              <a:rPr lang="de-DE" sz="1000" dirty="0">
-                <a:latin typeface="Courier" pitchFamily="2" charset="0"/>
-              </a:rPr>
-              <a:t> </a:t>
-            </a:r>
-            <a:r>
-              <a:rPr lang="de-DE" sz="1000" dirty="0" err="1">
-                <a:latin typeface="Courier" pitchFamily="2" charset="0"/>
-              </a:rPr>
-              <a:t>client</a:t>
-            </a:r>
-            <a:r>
-              <a:rPr lang="de-DE" sz="1000" dirty="0">
-                <a:latin typeface="Courier" pitchFamily="2" charset="0"/>
-              </a:rPr>
-              <a:t> on 10.183.204.141…</a:t>
-            </a:r>
-            <a:br>
-              <a:rPr lang="de-DE" sz="1000" dirty="0">
-                <a:latin typeface="Courier" pitchFamily="2" charset="0"/>
-              </a:rPr>
-            </a:br>
-            <a:r>
-              <a:rPr lang="de-DE" sz="1000" dirty="0">
-                <a:latin typeface="Courier" pitchFamily="2" charset="0"/>
-              </a:rPr>
-              <a:t>^C--------------------------------------------------------------------------------------------------------------…</a:t>
-            </a:r>
-            <a:br>
-              <a:rPr lang="de-DE" sz="1000" dirty="0">
-                <a:latin typeface="Courier" pitchFamily="2" charset="0"/>
-              </a:rPr>
-            </a:br>
-            <a:r>
-              <a:rPr lang="de-DE" sz="1000" dirty="0" err="1">
-                <a:latin typeface="Courier" pitchFamily="2" charset="0"/>
-              </a:rPr>
-              <a:t>Stopping</a:t>
-            </a:r>
-            <a:r>
-              <a:rPr lang="de-DE" sz="1000" dirty="0">
-                <a:latin typeface="Courier" pitchFamily="2" charset="0"/>
-              </a:rPr>
-              <a:t> </a:t>
-            </a:r>
-            <a:r>
-              <a:rPr lang="de-DE" sz="1000" dirty="0" err="1">
-                <a:latin typeface="Courier" pitchFamily="2" charset="0"/>
-              </a:rPr>
-              <a:t>to</a:t>
-            </a:r>
-            <a:r>
-              <a:rPr lang="de-DE" sz="1000" dirty="0">
-                <a:latin typeface="Courier" pitchFamily="2" charset="0"/>
-              </a:rPr>
-              <a:t> </a:t>
-            </a:r>
-            <a:r>
-              <a:rPr lang="de-DE" sz="1000" dirty="0" err="1">
-                <a:latin typeface="Courier" pitchFamily="2" charset="0"/>
-              </a:rPr>
-              <a:t>wait</a:t>
-            </a:r>
-            <a:r>
-              <a:rPr lang="de-DE" sz="1000" dirty="0">
-                <a:latin typeface="Courier" pitchFamily="2" charset="0"/>
-              </a:rPr>
-              <a:t> </a:t>
-            </a:r>
-            <a:r>
-              <a:rPr lang="de-DE" sz="1000" dirty="0" err="1">
-                <a:latin typeface="Courier" pitchFamily="2" charset="0"/>
-              </a:rPr>
-              <a:t>for</a:t>
-            </a:r>
-            <a:r>
-              <a:rPr lang="de-DE" sz="1000" dirty="0">
-                <a:latin typeface="Courier" pitchFamily="2" charset="0"/>
-              </a:rPr>
-              <a:t> </a:t>
-            </a:r>
-            <a:r>
-              <a:rPr lang="de-DE" sz="1000" dirty="0" err="1">
-                <a:latin typeface="Courier" pitchFamily="2" charset="0"/>
-              </a:rPr>
-              <a:t>future</a:t>
-            </a:r>
-            <a:r>
-              <a:rPr lang="de-DE" sz="1000" dirty="0">
-                <a:latin typeface="Courier" pitchFamily="2" charset="0"/>
-              </a:rPr>
-              <a:t> log </a:t>
-            </a:r>
-            <a:r>
-              <a:rPr lang="de-DE" sz="1000" dirty="0" err="1">
-                <a:latin typeface="Courier" pitchFamily="2" charset="0"/>
-              </a:rPr>
-              <a:t>entries</a:t>
-            </a:r>
-            <a:br>
-              <a:rPr lang="de-DE" sz="1000" dirty="0">
-                <a:latin typeface="Courier" pitchFamily="2" charset="0"/>
-              </a:rPr>
-            </a:br>
-            <a:r>
-              <a:rPr lang="de-DE" sz="1000" dirty="0" err="1">
-                <a:latin typeface="Courier" pitchFamily="2" charset="0"/>
-              </a:rPr>
-              <a:t>Closing</a:t>
-            </a:r>
-            <a:r>
-              <a:rPr lang="de-DE" sz="1000" dirty="0">
-                <a:latin typeface="Courier" pitchFamily="2" charset="0"/>
-              </a:rPr>
-              <a:t> </a:t>
-            </a:r>
-            <a:r>
-              <a:rPr lang="de-DE" sz="1000" dirty="0" err="1">
-                <a:latin typeface="Courier" pitchFamily="2" charset="0"/>
-              </a:rPr>
-              <a:t>notification</a:t>
-            </a:r>
-            <a:r>
-              <a:rPr lang="de-DE" sz="1000" dirty="0">
-                <a:latin typeface="Courier" pitchFamily="2" charset="0"/>
-              </a:rPr>
-              <a:t> </a:t>
-            </a:r>
-            <a:r>
-              <a:rPr lang="de-DE" sz="1000" dirty="0" err="1">
-                <a:latin typeface="Courier" pitchFamily="2" charset="0"/>
-              </a:rPr>
-              <a:t>receiver</a:t>
-            </a:r>
-            <a:br>
-              <a:rPr lang="de-DE" sz="1000" dirty="0">
-                <a:latin typeface="Courier" pitchFamily="2" charset="0"/>
-              </a:rPr>
-            </a:br>
-            <a:r>
-              <a:rPr lang="de-DE" sz="1000" dirty="0" err="1">
-                <a:latin typeface="Courier" pitchFamily="2" charset="0"/>
-              </a:rPr>
               <a:t>Logging</a:t>
             </a:r>
             <a:r>
@@ -6778,6 +7499,14 @@
               </a:rPr>
               <a:t> off</a:t>
             </a:r>
+            <a:br>
+              <a:rPr lang="de-DE" sz="1000" dirty="0">
+                <a:latin typeface="Courier" pitchFamily="2" charset="0"/>
+              </a:rPr>
+            </a:br>
+            <a:endParaRPr lang="de-DE" sz="1000" dirty="0">
+              <a:latin typeface="Courier" pitchFamily="2" charset="0"/>
+            </a:endParaRPr>
           </a:p>
         </p:txBody>
       </p:sp>

--- a/IBM_Z_HMC_Log_Forwarder.pptx
+++ b/IBM_Z_HMC_Log_Forwarder.pptx
@@ -1630,7 +1630,7 @@
             </a:br>
             <a:r>
               <a:rPr lang="de-DE" sz="1300" dirty="0"/>
-              <a:t>2019-08-07</a:t>
+              <a:t>2019-08-09</a:t>
             </a:r>
           </a:p>
         </p:txBody>
@@ -2989,7 +2989,7 @@
         </p:spPr>
         <p:txBody>
           <a:bodyPr tIns="46800">
-            <a:normAutofit/>
+            <a:normAutofit lnSpcReduction="10000"/>
           </a:bodyPr>
           <a:lstStyle/>
           <a:p>
@@ -3188,9 +3188,26 @@
             </a:r>
             <a:r>
               <a:rPr lang="en-US" spc="-1" dirty="0" err="1"/>
-              <a:t>QRadar</a:t>
+              <a:t>Qradar</a:t>
             </a:r>
             <a:endParaRPr lang="en-US" spc="-1" dirty="0"/>
+          </a:p>
+          <a:p>
+            <a:pPr>
+              <a:spcAft>
+                <a:spcPts val="289"/>
+              </a:spcAft>
+              <a:buClr>
+                <a:srgbClr val="000000"/>
+              </a:buClr>
+              <a:buSzPct val="45000"/>
+              <a:buFont typeface="Wingdings" pitchFamily="2" charset="2"/>
+              <a:buChar char=""/>
+            </a:pPr>
+            <a:r>
+              <a:rPr lang="en-US" spc="-1" dirty="0"/>
+              <a:t>Supports custom formatting the output for log entries</a:t>
+            </a:r>
           </a:p>
           <a:p>
             <a:pPr marL="0" indent="0">
@@ -5546,7 +5563,19 @@
               <a:rPr lang="de-DE" sz="1100" dirty="0">
                 <a:latin typeface="Courier" pitchFamily="2" charset="0"/>
               </a:rPr>
-              <a:t>: '{time:32}  {type:8}  {name:12}  {</a:t>
+              <a:t>: '{time:32}  {</a:t>
+            </a:r>
+            <a:r>
+              <a:rPr lang="de-DE" sz="1100" dirty="0" err="1">
+                <a:latin typeface="Courier" pitchFamily="2" charset="0"/>
+              </a:rPr>
+              <a:t>label</a:t>
+            </a:r>
+            <a:r>
+              <a:rPr lang="de-DE" sz="1100" dirty="0">
+                <a:latin typeface="Courier" pitchFamily="2" charset="0"/>
+              </a:rPr>
+              <a:t>}  {type:8}  {name:12}  {</a:t>
             </a:r>
             <a:r>
               <a:rPr lang="de-DE" sz="1100" dirty="0" err="1">
@@ -5577,6 +5606,65 @@
                 <a:latin typeface="Courier" pitchFamily="2" charset="0"/>
               </a:rPr>
               <a:t>format</a:t>
+            </a:r>
+            <a:br>
+              <a:rPr lang="de-DE" sz="1100" dirty="0">
+                <a:latin typeface="Courier" pitchFamily="2" charset="0"/>
+              </a:rPr>
+            </a:br>
+            <a:r>
+              <a:rPr lang="de-DE" sz="1100" dirty="0" err="1">
+                <a:latin typeface="Courier" pitchFamily="2" charset="0"/>
+              </a:rPr>
+              <a:t>time_format</a:t>
+            </a:r>
+            <a:r>
+              <a:rPr lang="de-DE" sz="1100" dirty="0">
+                <a:latin typeface="Courier" pitchFamily="2" charset="0"/>
+              </a:rPr>
+              <a:t>: '%Y-%m-%d %H:%M:%S.%</a:t>
+            </a:r>
+            <a:r>
+              <a:rPr lang="de-DE" sz="1100" dirty="0" err="1">
+                <a:latin typeface="Courier" pitchFamily="2" charset="0"/>
+              </a:rPr>
+              <a:t>f%z</a:t>
+            </a:r>
+            <a:r>
+              <a:rPr lang="de-DE" sz="1100" dirty="0">
+                <a:latin typeface="Courier" pitchFamily="2" charset="0"/>
+              </a:rPr>
+              <a:t>‘   # Format </a:t>
+            </a:r>
+            <a:r>
+              <a:rPr lang="de-DE" sz="1100" dirty="0" err="1">
+                <a:latin typeface="Courier" pitchFamily="2" charset="0"/>
+              </a:rPr>
+              <a:t>for</a:t>
+            </a:r>
+            <a:r>
+              <a:rPr lang="de-DE" sz="1100" dirty="0">
+                <a:latin typeface="Courier" pitchFamily="2" charset="0"/>
+              </a:rPr>
+              <a:t> time </a:t>
+            </a:r>
+            <a:r>
+              <a:rPr lang="de-DE" sz="1100" dirty="0" err="1">
+                <a:latin typeface="Courier" pitchFamily="2" charset="0"/>
+              </a:rPr>
+              <a:t>field</a:t>
+            </a:r>
+            <a:r>
+              <a:rPr lang="de-DE" sz="1100" dirty="0">
+                <a:latin typeface="Courier" pitchFamily="2" charset="0"/>
+              </a:rPr>
+              <a:t> in </a:t>
+            </a:r>
+            <a:r>
+              <a:rPr lang="de-DE" sz="1100" dirty="0" err="1">
+                <a:latin typeface="Courier" pitchFamily="2" charset="0"/>
+              </a:rPr>
+              <a:t>output</a:t>
             </a:r>
             <a:endParaRPr lang="de-DE" sz="1100" dirty="0">
               <a:latin typeface="Courier" pitchFamily="2" charset="0"/>
@@ -5820,7 +5908,7 @@
             </a:r>
             <a:r>
               <a:rPr lang="de-DE" sz="1200" dirty="0"/>
-              <a:t>:   The time </a:t>
+              <a:t>:     Time </a:t>
             </a:r>
             <a:r>
               <a:rPr lang="de-DE" sz="1200" dirty="0" err="1"/>
@@ -5852,10 +5940,34 @@
             </a:r>
             <a:r>
               <a:rPr lang="de-DE" sz="1200" dirty="0"/>
-              <a:t>, e.g. 2019-08-07 05:56:37.177189+02:00.</a:t>
-            </a:r>
-            <a:br>
+              <a:t>. Format </a:t>
+            </a:r>
+            <a:r>
+              <a:rPr lang="de-DE" sz="1200" dirty="0" err="1"/>
+              <a:t>can</a:t>
+            </a:r>
+            <a:r>
               <a:rPr lang="de-DE" sz="1200" dirty="0"/>
+              <a:t> </a:t>
+            </a:r>
+            <a:r>
+              <a:rPr lang="de-DE" sz="1200" dirty="0" err="1"/>
+              <a:t>be</a:t>
+            </a:r>
+            <a:r>
+              <a:rPr lang="de-DE" sz="1200" dirty="0"/>
+              <a:t> </a:t>
+            </a:r>
+            <a:r>
+              <a:rPr lang="de-DE" sz="1200" dirty="0" err="1"/>
+              <a:t>customized</a:t>
+            </a:r>
+            <a:r>
+              <a:rPr lang="de-DE" sz="1200" dirty="0"/>
+              <a:t>.</a:t>
+            </a:r>
+            <a:br>
+              <a:rPr lang="de-DE" sz="1200" dirty="0"/>
             </a:br>
             <a:r>
               <a:rPr lang="de-DE" sz="1200" dirty="0" err="1">
@@ -5865,15 +5977,7 @@
             </a:r>
             <a:r>
               <a:rPr lang="de-DE" sz="1200" dirty="0"/>
-              <a:t>: The </a:t>
-            </a:r>
-            <a:r>
-              <a:rPr lang="de-DE" sz="1200" dirty="0" err="1"/>
-              <a:t>label</a:t>
-            </a:r>
-            <a:r>
-              <a:rPr lang="de-DE" sz="1200" dirty="0"/>
-              <a:t> </a:t>
+              <a:t>:   Label </a:t>
             </a:r>
             <a:r>
               <a:rPr lang="de-DE" sz="1200" dirty="0" err="1"/>
@@ -5934,7 +6038,7 @@
             </a:r>
             <a:r>
               <a:rPr lang="de-DE" sz="1200" dirty="0"/>
-              <a:t>:   The log type: Security, Audit.</a:t>
+              <a:t>:     Log type: Security, Audit.</a:t>
             </a:r>
             <a:br>
               <a:rPr lang="de-DE" sz="1200" dirty="0"/>
@@ -5947,15 +6051,7 @@
             </a:r>
             <a:r>
               <a:rPr lang="de-DE" sz="1200" dirty="0"/>
-              <a:t>:   The </a:t>
-            </a:r>
-            <a:r>
-              <a:rPr lang="de-DE" sz="1200" dirty="0" err="1"/>
-              <a:t>name</a:t>
-            </a:r>
-            <a:r>
-              <a:rPr lang="de-DE" sz="1200" dirty="0"/>
-              <a:t> </a:t>
+              <a:t>:     Name </a:t>
             </a:r>
             <a:r>
               <a:rPr lang="de-DE" sz="1200" dirty="0" err="1"/>
@@ -5992,7 +6088,7 @@
             </a:r>
             <a:r>
               <a:rPr lang="de-DE" sz="1200" dirty="0"/>
-              <a:t>:       The ID </a:t>
+              <a:t>:         ID </a:t>
             </a:r>
             <a:r>
               <a:rPr lang="de-DE" sz="1200" dirty="0" err="1"/>
@@ -6029,7 +6125,7 @@
             </a:r>
             <a:r>
               <a:rPr lang="de-DE" sz="1200" dirty="0"/>
-              <a:t>:   The HMC </a:t>
+              <a:t>:     HMC </a:t>
             </a:r>
             <a:r>
               <a:rPr lang="de-DE" sz="1200" dirty="0" err="1"/>
@@ -6085,7 +6181,88 @@
             </a:r>
             <a:r>
               <a:rPr lang="de-DE" sz="1200" dirty="0"/>
-              <a:t>:     The </a:t>
+              <a:t>:       </a:t>
+            </a:r>
+            <a:r>
+              <a:rPr lang="de-DE" sz="1200" dirty="0" err="1"/>
+              <a:t>Fully</a:t>
+            </a:r>
+            <a:r>
+              <a:rPr lang="de-DE" sz="1200" dirty="0"/>
+              <a:t> </a:t>
+            </a:r>
+            <a:r>
+              <a:rPr lang="de-DE" sz="1200" dirty="0" err="1"/>
+              <a:t>formatted</a:t>
+            </a:r>
+            <a:r>
+              <a:rPr lang="de-DE" sz="1200" dirty="0"/>
+              <a:t> log </a:t>
+            </a:r>
+            <a:r>
+              <a:rPr lang="de-DE" sz="1200" dirty="0" err="1"/>
+              <a:t>message</a:t>
+            </a:r>
+            <a:r>
+              <a:rPr lang="de-DE" sz="1200" dirty="0"/>
+              <a:t>, in English.</a:t>
+            </a:r>
+            <a:br>
+              <a:rPr lang="de-DE" sz="1200" dirty="0"/>
+            </a:br>
+            <a:r>
+              <a:rPr lang="de-DE" sz="1200" dirty="0" err="1">
+                <a:latin typeface="Courier" pitchFamily="2" charset="0"/>
+              </a:rPr>
+              <a:t>msg_vars</a:t>
+            </a:r>
+            <a:r>
+              <a:rPr lang="de-DE" sz="1200" dirty="0"/>
+              <a:t>:  Substitution variables </a:t>
+            </a:r>
+            <a:r>
+              <a:rPr lang="de-DE" sz="1200" dirty="0" err="1"/>
+              <a:t>used</a:t>
+            </a:r>
+            <a:r>
+              <a:rPr lang="de-DE" sz="1200" dirty="0"/>
+              <a:t> in </a:t>
+            </a:r>
+            <a:r>
+              <a:rPr lang="de-DE" sz="1200" dirty="0" err="1"/>
+              <a:t>the</a:t>
+            </a:r>
+            <a:r>
+              <a:rPr lang="de-DE" sz="1200" dirty="0"/>
+              <a:t> log </a:t>
+            </a:r>
+            <a:r>
+              <a:rPr lang="de-DE" sz="1200" dirty="0" err="1"/>
+              <a:t>message</a:t>
+            </a:r>
+            <a:br>
+              <a:rPr lang="de-DE" sz="1200" dirty="0"/>
+            </a:br>
+            <a:br>
+              <a:rPr lang="de-DE" sz="1200" dirty="0"/>
+            </a:br>
+            <a:r>
+              <a:rPr lang="de-DE" sz="1200" dirty="0" err="1">
+                <a:latin typeface="Courier" pitchFamily="2" charset="0"/>
+              </a:rPr>
+              <a:t>detail_msgs</a:t>
+            </a:r>
+            <a:r>
+              <a:rPr lang="de-DE" sz="1200" dirty="0"/>
+              <a:t>:   List </a:t>
+            </a:r>
+            <a:r>
+              <a:rPr lang="de-DE" sz="1200" dirty="0" err="1"/>
+              <a:t>of</a:t>
+            </a:r>
+            <a:r>
+              <a:rPr lang="de-DE" sz="1200" dirty="0"/>
+              <a:t> </a:t>
             </a:r>
             <a:r>
               <a:rPr lang="de-DE" sz="1200" dirty="0" err="1"/>
@@ -6101,11 +6278,19 @@
             </a:r>
             <a:r>
               <a:rPr lang="de-DE" sz="1200" dirty="0"/>
+              <a:t> </a:t>
+            </a:r>
+            <a:r>
+              <a:rPr lang="de-DE" sz="1200" dirty="0" err="1"/>
+              <a:t>detail</a:t>
+            </a:r>
+            <a:r>
+              <a:rPr lang="de-DE" sz="1200" dirty="0"/>
               <a:t> log </a:t>
             </a:r>
             <a:r>
               <a:rPr lang="de-DE" sz="1200" dirty="0" err="1"/>
-              <a:t>message</a:t>
+              <a:t>messages</a:t>
             </a:r>
             <a:r>
               <a:rPr lang="de-DE" sz="1200" dirty="0"/>
@@ -6118,124 +6303,11 @@
               <a:rPr lang="de-DE" sz="1200" dirty="0" err="1">
                 <a:latin typeface="Courier" pitchFamily="2" charset="0"/>
               </a:rPr>
-              <a:t>msg_vars</a:t>
+              <a:t>detail_msgs_vars</a:t>
             </a:r>
             <a:r>
               <a:rPr lang="de-DE" sz="1200" dirty="0"/>
-              <a:t>:  The </a:t>
-            </a:r>
-            <a:r>
-              <a:rPr lang="de-DE" sz="1200" dirty="0" err="1"/>
-              <a:t>substitution</a:t>
-            </a:r>
-            <a:r>
-              <a:rPr lang="de-DE" sz="1200" dirty="0"/>
-              <a:t> variables </a:t>
-            </a:r>
-            <a:r>
-              <a:rPr lang="de-DE" sz="1200" dirty="0" err="1"/>
-              <a:t>used</a:t>
-            </a:r>
-            <a:r>
-              <a:rPr lang="de-DE" sz="1200" dirty="0"/>
-              <a:t> in </a:t>
-            </a:r>
-            <a:r>
-              <a:rPr lang="de-DE" sz="1200" dirty="0" err="1"/>
-              <a:t>the</a:t>
-            </a:r>
-            <a:r>
-              <a:rPr lang="de-DE" sz="1200" dirty="0"/>
-              <a:t> log </a:t>
-            </a:r>
-            <a:r>
-              <a:rPr lang="de-DE" sz="1200" dirty="0" err="1"/>
-              <a:t>message</a:t>
-            </a:r>
-            <a:br>
-              <a:rPr lang="de-DE" sz="1200" dirty="0"/>
-            </a:br>
-            <a:br>
-              <a:rPr lang="de-DE" sz="1200" dirty="0"/>
-            </a:br>
-            <a:r>
-              <a:rPr lang="de-DE" sz="1200" dirty="0" err="1">
-                <a:latin typeface="Courier" pitchFamily="2" charset="0"/>
-              </a:rPr>
-              <a:t>detail_msgs</a:t>
-            </a:r>
-            <a:r>
-              <a:rPr lang="de-DE" sz="1200" dirty="0"/>
-              <a:t>:   The </a:t>
-            </a:r>
-            <a:r>
-              <a:rPr lang="de-DE" sz="1200" dirty="0" err="1"/>
-              <a:t>list</a:t>
-            </a:r>
-            <a:r>
-              <a:rPr lang="de-DE" sz="1200" dirty="0"/>
-              <a:t> </a:t>
-            </a:r>
-            <a:r>
-              <a:rPr lang="de-DE" sz="1200" dirty="0" err="1"/>
-              <a:t>of</a:t>
-            </a:r>
-            <a:r>
-              <a:rPr lang="de-DE" sz="1200" dirty="0"/>
-              <a:t> </a:t>
-            </a:r>
-            <a:r>
-              <a:rPr lang="de-DE" sz="1200" dirty="0" err="1"/>
-              <a:t>fully</a:t>
-            </a:r>
-            <a:r>
-              <a:rPr lang="de-DE" sz="1200" dirty="0"/>
-              <a:t> </a:t>
-            </a:r>
-            <a:r>
-              <a:rPr lang="de-DE" sz="1200" dirty="0" err="1"/>
-              <a:t>formatted</a:t>
-            </a:r>
-            <a:r>
-              <a:rPr lang="de-DE" sz="1200" dirty="0"/>
-              <a:t> </a:t>
-            </a:r>
-            <a:r>
-              <a:rPr lang="de-DE" sz="1200" dirty="0" err="1"/>
-              <a:t>detail</a:t>
-            </a:r>
-            <a:r>
-              <a:rPr lang="de-DE" sz="1200" dirty="0"/>
-              <a:t> log </a:t>
-            </a:r>
-            <a:r>
-              <a:rPr lang="de-DE" sz="1200" dirty="0" err="1"/>
-              <a:t>messages</a:t>
-            </a:r>
-            <a:r>
-              <a:rPr lang="de-DE" sz="1200" dirty="0"/>
-              <a:t>, in English.</a:t>
-            </a:r>
-            <a:br>
-              <a:rPr lang="de-DE" sz="1200" dirty="0"/>
-            </a:br>
-            <a:r>
-              <a:rPr lang="de-DE" sz="1200" dirty="0" err="1">
-                <a:latin typeface="Courier" pitchFamily="2" charset="0"/>
-              </a:rPr>
-              <a:t>detail_msgs_vars</a:t>
-            </a:r>
-            <a:r>
-              <a:rPr lang="de-DE" sz="1200" dirty="0"/>
-              <a:t>:  The </a:t>
-            </a:r>
-            <a:r>
-              <a:rPr lang="de-DE" sz="1200" dirty="0" err="1"/>
-              <a:t>substitution</a:t>
-            </a:r>
-            <a:r>
-              <a:rPr lang="de-DE" sz="1200" dirty="0"/>
-              <a:t> variables </a:t>
+              <a:t>:  Substitution variables </a:t>
             </a:r>
             <a:r>
               <a:rPr lang="de-DE" sz="1200" dirty="0" err="1"/>
@@ -6422,7 +6494,13 @@
               <a:rPr lang="de-DE" sz="1000" dirty="0">
                 <a:latin typeface="Courier" pitchFamily="2" charset="0"/>
               </a:rPr>
-              <a:t> 0.5.1.dev3</a:t>
+              <a:t> 0.5.1</a:t>
+            </a:r>
+            <a:r>
+              <a:rPr lang="de-DE" sz="1000">
+                <a:latin typeface="Courier" pitchFamily="2" charset="0"/>
+              </a:rPr>
+              <a:t>.dev6</a:t>
             </a:r>
             <a:br>
               <a:rPr lang="de-DE" sz="1000" dirty="0">
@@ -6561,7 +6639,7 @@
               <a:rPr lang="de-DE" sz="1000" dirty="0">
                 <a:latin typeface="Courier" pitchFamily="2" charset="0"/>
               </a:rPr>
-              <a:t> HMC:              wdc04-05_hmc1</a:t>
+              <a:t> HMC:              wdc04-05.HMC1</a:t>
             </a:r>
             <a:br>
               <a:rPr lang="de-DE" sz="1000" dirty="0">
@@ -6867,7 +6945,7 @@
               <a:rPr lang="de-DE" sz="1000" dirty="0">
                 <a:latin typeface="Courier" pitchFamily="2" charset="0"/>
               </a:rPr>
-              <a:t>Time                              Type      Name         ID  </a:t>
+              <a:t>Time                              Label          Type      Name         ID  </a:t>
             </a:r>
             <a:r>
               <a:rPr lang="de-DE" sz="1000" dirty="0" err="1">
@@ -6901,7 +6979,7 @@
               <a:rPr lang="de-DE" sz="1000" dirty="0">
                 <a:latin typeface="Courier" pitchFamily="2" charset="0"/>
               </a:rPr>
-              <a:t>2019-08-08 17:13:21.060000+02:00  Security  WSA </a:t>
+              <a:t>2019-08-08 17:13:21.060000+02:00  wdc04-05.HMC1  Security  WSA </a:t>
             </a:r>
             <a:r>
               <a:rPr lang="de-DE" sz="1000" dirty="0" err="1">
@@ -6949,19 +7027,24 @@
               <a:rPr lang="de-DE" sz="1000" dirty="0">
                 <a:latin typeface="Courier" pitchFamily="2" charset="0"/>
               </a:rPr>
-              <a:t> </a:t>
-            </a:r>
+              <a:t> logge…</a:t>
+            </a:r>
+            <a:br>
+              <a:rPr lang="de-DE" sz="1000" dirty="0">
+                <a:latin typeface="Courier" pitchFamily="2" charset="0"/>
+              </a:rPr>
+            </a:br>
             <a:r>
               <a:rPr lang="de-DE" sz="1000" dirty="0" err="1">
                 <a:latin typeface="Courier" pitchFamily="2" charset="0"/>
               </a:rPr>
-              <a:t>logged</a:t>
-            </a:r>
-            <a:r>
-              <a:rPr lang="de-DE" sz="1000" dirty="0">
-                <a:latin typeface="Courier" pitchFamily="2" charset="0"/>
-              </a:rPr>
-              <a:t> on </a:t>
+              <a:t>Starting</a:t>
+            </a:r>
+            <a:r>
+              <a:rPr lang="de-DE" sz="1000" dirty="0">
+                <a:latin typeface="Courier" pitchFamily="2" charset="0"/>
+              </a:rPr>
+              <a:t> </a:t>
             </a:r>
             <a:r>
               <a:rPr lang="de-DE" sz="1000" dirty="0" err="1">
@@ -6973,13 +7056,113 @@
               <a:rPr lang="de-DE" sz="1000" dirty="0">
                 <a:latin typeface="Courier" pitchFamily="2" charset="0"/>
               </a:rPr>
-              <a:t> Web </a:t>
+              <a:t> </a:t>
             </a:r>
             <a:r>
               <a:rPr lang="de-DE" sz="1000" dirty="0" err="1">
                 <a:latin typeface="Courier" pitchFamily="2" charset="0"/>
               </a:rPr>
-              <a:t>Ser</a:t>
+              <a:t>wait</a:t>
+            </a:r>
+            <a:r>
+              <a:rPr lang="de-DE" sz="1000" dirty="0">
+                <a:latin typeface="Courier" pitchFamily="2" charset="0"/>
+              </a:rPr>
+              <a:t> </a:t>
+            </a:r>
+            <a:r>
+              <a:rPr lang="de-DE" sz="1000" dirty="0" err="1">
+                <a:latin typeface="Courier" pitchFamily="2" charset="0"/>
+              </a:rPr>
+              <a:t>for</a:t>
+            </a:r>
+            <a:r>
+              <a:rPr lang="de-DE" sz="1000" dirty="0">
+                <a:latin typeface="Courier" pitchFamily="2" charset="0"/>
+              </a:rPr>
+              <a:t> </a:t>
+            </a:r>
+            <a:r>
+              <a:rPr lang="de-DE" sz="1000" dirty="0" err="1">
+                <a:latin typeface="Courier" pitchFamily="2" charset="0"/>
+              </a:rPr>
+              <a:t>future</a:t>
+            </a:r>
+            <a:r>
+              <a:rPr lang="de-DE" sz="1000" dirty="0">
+                <a:latin typeface="Courier" pitchFamily="2" charset="0"/>
+              </a:rPr>
+              <a:t> log </a:t>
+            </a:r>
+            <a:r>
+              <a:rPr lang="de-DE" sz="1000" dirty="0" err="1">
+                <a:latin typeface="Courier" pitchFamily="2" charset="0"/>
+              </a:rPr>
+              <a:t>entries</a:t>
+            </a:r>
+            <a:br>
+              <a:rPr lang="de-DE" sz="1000" dirty="0">
+                <a:latin typeface="Courier" pitchFamily="2" charset="0"/>
+              </a:rPr>
+            </a:br>
+            <a:r>
+              <a:rPr lang="de-DE" sz="1000" dirty="0">
+                <a:latin typeface="Courier" pitchFamily="2" charset="0"/>
+              </a:rPr>
+              <a:t>2019-08-08 17:14:05.590000+02:00  wdc04-05.HMC1  Audit     WSAPI      6055              A web </a:t>
+            </a:r>
+            <a:r>
+              <a:rPr lang="de-DE" sz="1000" dirty="0" err="1">
+                <a:latin typeface="Courier" pitchFamily="2" charset="0"/>
+              </a:rPr>
+              <a:t>services</a:t>
+            </a:r>
+            <a:r>
+              <a:rPr lang="de-DE" sz="1000" dirty="0">
+                <a:latin typeface="Courier" pitchFamily="2" charset="0"/>
+              </a:rPr>
+              <a:t> </a:t>
+            </a:r>
+            <a:r>
+              <a:rPr lang="de-DE" sz="1000" dirty="0" err="1">
+                <a:latin typeface="Courier" pitchFamily="2" charset="0"/>
+              </a:rPr>
+              <a:t>client</a:t>
+            </a:r>
+            <a:r>
+              <a:rPr lang="de-DE" sz="1000" dirty="0">
+                <a:latin typeface="Courier" pitchFamily="2" charset="0"/>
+              </a:rPr>
+              <a:t> on …</a:t>
+            </a:r>
+            <a:br>
+              <a:rPr lang="de-DE" sz="1000" dirty="0">
+                <a:latin typeface="Courier" pitchFamily="2" charset="0"/>
+              </a:rPr>
+            </a:br>
+            <a:r>
+              <a:rPr lang="de-DE" sz="1000" dirty="0">
+                <a:latin typeface="Courier" pitchFamily="2" charset="0"/>
+              </a:rPr>
+              <a:t>2019-08-08 17:15:45+02:00         wdc04-05.HMC1  Audit     RSFERROR    151              A remote </a:t>
+            </a:r>
+            <a:r>
+              <a:rPr lang="de-DE" sz="1000" dirty="0" err="1">
+                <a:latin typeface="Courier" pitchFamily="2" charset="0"/>
+              </a:rPr>
+              <a:t>connection</a:t>
+            </a:r>
+            <a:r>
+              <a:rPr lang="de-DE" sz="1000" dirty="0">
+                <a:latin typeface="Courier" pitchFamily="2" charset="0"/>
+              </a:rPr>
+              <a:t> </a:t>
+            </a:r>
+            <a:r>
+              <a:rPr lang="de-DE" sz="1000" dirty="0" err="1">
+                <a:latin typeface="Courier" pitchFamily="2" charset="0"/>
+              </a:rPr>
+              <a:t>faile</a:t>
             </a:r>
             <a:r>
               <a:rPr lang="de-DE" sz="1000" dirty="0">
@@ -6993,10 +7176,16 @@
               </a:rPr>
             </a:br>
             <a:r>
+              <a:rPr lang="de-DE" sz="1000" dirty="0">
+                <a:latin typeface="Courier" pitchFamily="2" charset="0"/>
+              </a:rPr>
+              <a:t>2019-08-08 17:15:46.270000+02:00  wdc04-05.HMC1  Audit     TRSF_FAIL   678              Remote </a:t>
+            </a:r>
+            <a:r>
               <a:rPr lang="de-DE" sz="1000" dirty="0" err="1">
                 <a:latin typeface="Courier" pitchFamily="2" charset="0"/>
               </a:rPr>
-              <a:t>Starting</a:t>
+              <a:t>support</a:t>
             </a:r>
             <a:r>
               <a:rPr lang="de-DE" sz="1000" dirty="0">
@@ -7008,7 +7197,7 @@
               <a:rPr lang="de-DE" sz="1000" dirty="0" err="1">
                 <a:latin typeface="Courier" pitchFamily="2" charset="0"/>
               </a:rPr>
-              <a:t>to</a:t>
+              <a:t>call</a:t>
             </a:r>
             <a:r>
               <a:rPr lang="de-DE" sz="1000" dirty="0">
@@ -7020,350 +7209,131 @@
               <a:rPr lang="de-DE" sz="1000" dirty="0" err="1">
                 <a:latin typeface="Courier" pitchFamily="2" charset="0"/>
               </a:rPr>
-              <a:t>wait</a:t>
-            </a:r>
-            <a:r>
-              <a:rPr lang="de-DE" sz="1000" dirty="0">
-                <a:latin typeface="Courier" pitchFamily="2" charset="0"/>
-              </a:rPr>
-              <a:t> </a:t>
+              <a:t>gener</a:t>
+            </a:r>
+            <a:r>
+              <a:rPr lang="de-DE" sz="1000" dirty="0">
+                <a:latin typeface="Courier" pitchFamily="2" charset="0"/>
+              </a:rPr>
+              <a:t>…</a:t>
+            </a:r>
+            <a:br>
+              <a:rPr lang="de-DE" sz="1000" dirty="0">
+                <a:latin typeface="Courier" pitchFamily="2" charset="0"/>
+              </a:rPr>
+            </a:br>
+            <a:r>
+              <a:rPr lang="de-DE" sz="1000" dirty="0">
+                <a:latin typeface="Courier" pitchFamily="2" charset="0"/>
+              </a:rPr>
+              <a:t>2019-08-08 17:15:56.550000+02:00  wdc04-05.HMC1  Security  WSA </a:t>
             </a:r>
             <a:r>
               <a:rPr lang="de-DE" sz="1000" dirty="0" err="1">
                 <a:latin typeface="Courier" pitchFamily="2" charset="0"/>
               </a:rPr>
-              <a:t>for</a:t>
-            </a:r>
-            <a:r>
-              <a:rPr lang="de-DE" sz="1000" dirty="0">
-                <a:latin typeface="Courier" pitchFamily="2" charset="0"/>
-              </a:rPr>
-              <a:t> </a:t>
+              <a:t>Logon</a:t>
+            </a:r>
+            <a:r>
+              <a:rPr lang="de-DE" sz="1000" dirty="0">
+                <a:latin typeface="Courier" pitchFamily="2" charset="0"/>
+              </a:rPr>
+              <a:t>  1941  </a:t>
             </a:r>
             <a:r>
               <a:rPr lang="de-DE" sz="1000" dirty="0" err="1">
                 <a:latin typeface="Courier" pitchFamily="2" charset="0"/>
               </a:rPr>
-              <a:t>future</a:t>
-            </a:r>
-            <a:r>
-              <a:rPr lang="de-DE" sz="1000" dirty="0">
-                <a:latin typeface="Courier" pitchFamily="2" charset="0"/>
-              </a:rPr>
-              <a:t> log </a:t>
+              <a:t>zbcInstall</a:t>
+            </a:r>
+            <a:r>
+              <a:rPr lang="de-DE" sz="1000" dirty="0">
+                <a:latin typeface="Courier" pitchFamily="2" charset="0"/>
+              </a:rPr>
+              <a:t>  User </a:t>
             </a:r>
             <a:r>
               <a:rPr lang="de-DE" sz="1000" dirty="0" err="1">
                 <a:latin typeface="Courier" pitchFamily="2" charset="0"/>
               </a:rPr>
-              <a:t>entries</a:t>
-            </a:r>
-            <a:br>
-              <a:rPr lang="de-DE" sz="1000" dirty="0">
-                <a:latin typeface="Courier" pitchFamily="2" charset="0"/>
-              </a:rPr>
-            </a:br>
-            <a:r>
-              <a:rPr lang="de-DE" sz="1000" dirty="0">
-                <a:latin typeface="Courier" pitchFamily="2" charset="0"/>
-              </a:rPr>
-              <a:t>2019-08-08 17:14:05.590000+02:00  Audit     WSAPI      6055              A web </a:t>
+              <a:t>zbcInstall</a:t>
+            </a:r>
+            <a:r>
+              <a:rPr lang="de-DE" sz="1000" dirty="0">
+                <a:latin typeface="Courier" pitchFamily="2" charset="0"/>
+              </a:rPr>
+              <a:t> </a:t>
             </a:r>
             <a:r>
               <a:rPr lang="de-DE" sz="1000" dirty="0" err="1">
                 <a:latin typeface="Courier" pitchFamily="2" charset="0"/>
               </a:rPr>
-              <a:t>services</a:t>
-            </a:r>
-            <a:r>
-              <a:rPr lang="de-DE" sz="1000" dirty="0">
-                <a:latin typeface="Courier" pitchFamily="2" charset="0"/>
-              </a:rPr>
-              <a:t> </a:t>
+              <a:t>has</a:t>
+            </a:r>
+            <a:r>
+              <a:rPr lang="de-DE" sz="1000" dirty="0">
+                <a:latin typeface="Courier" pitchFamily="2" charset="0"/>
+              </a:rPr>
+              <a:t> logge…</a:t>
+            </a:r>
+            <a:br>
+              <a:rPr lang="de-DE" sz="1000" dirty="0">
+                <a:latin typeface="Courier" pitchFamily="2" charset="0"/>
+              </a:rPr>
+            </a:br>
+            <a:r>
+              <a:rPr lang="de-DE" sz="1000" dirty="0">
+                <a:latin typeface="Courier" pitchFamily="2" charset="0"/>
+              </a:rPr>
+              <a:t>2019-08-08 17:15:56.840000+02:00  wdc04-05.HMC1  Security  WSA </a:t>
             </a:r>
             <a:r>
               <a:rPr lang="de-DE" sz="1000" dirty="0" err="1">
                 <a:latin typeface="Courier" pitchFamily="2" charset="0"/>
               </a:rPr>
-              <a:t>client</a:t>
-            </a:r>
-            <a:r>
-              <a:rPr lang="de-DE" sz="1000" dirty="0">
-                <a:latin typeface="Courier" pitchFamily="2" charset="0"/>
-              </a:rPr>
-              <a:t> on 10.183.204.141 …</a:t>
-            </a:r>
-            <a:br>
-              <a:rPr lang="de-DE" sz="1000" dirty="0">
-                <a:latin typeface="Courier" pitchFamily="2" charset="0"/>
-              </a:rPr>
-            </a:br>
-            <a:r>
-              <a:rPr lang="de-DE" sz="1000" dirty="0">
-                <a:latin typeface="Courier" pitchFamily="2" charset="0"/>
-              </a:rPr>
-              <a:t>2019-08-08 17:15:45+02:00         Audit     RSFERROR    151              A remote </a:t>
+              <a:t>Logoff</a:t>
+            </a:r>
+            <a:r>
+              <a:rPr lang="de-DE" sz="1000" dirty="0">
+                <a:latin typeface="Courier" pitchFamily="2" charset="0"/>
+              </a:rPr>
+              <a:t> 1942  </a:t>
             </a:r>
             <a:r>
               <a:rPr lang="de-DE" sz="1000" dirty="0" err="1">
                 <a:latin typeface="Courier" pitchFamily="2" charset="0"/>
               </a:rPr>
-              <a:t>connection</a:t>
-            </a:r>
-            <a:r>
-              <a:rPr lang="de-DE" sz="1000" dirty="0">
-                <a:latin typeface="Courier" pitchFamily="2" charset="0"/>
-              </a:rPr>
-              <a:t> </a:t>
+              <a:t>zbcInstall</a:t>
+            </a:r>
+            <a:r>
+              <a:rPr lang="de-DE" sz="1000" dirty="0">
+                <a:latin typeface="Courier" pitchFamily="2" charset="0"/>
+              </a:rPr>
+              <a:t>  User </a:t>
             </a:r>
             <a:r>
               <a:rPr lang="de-DE" sz="1000" dirty="0" err="1">
                 <a:latin typeface="Courier" pitchFamily="2" charset="0"/>
               </a:rPr>
-              <a:t>failed</a:t>
-            </a:r>
-            <a:r>
-              <a:rPr lang="de-DE" sz="1000" dirty="0">
-                <a:latin typeface="Courier" pitchFamily="2" charset="0"/>
-              </a:rPr>
-              <a:t>.</a:t>
-            </a:r>
-            <a:br>
-              <a:rPr lang="de-DE" sz="1000" dirty="0">
-                <a:latin typeface="Courier" pitchFamily="2" charset="0"/>
-              </a:rPr>
-            </a:br>
-            <a:r>
-              <a:rPr lang="de-DE" sz="1000" dirty="0">
-                <a:latin typeface="Courier" pitchFamily="2" charset="0"/>
-              </a:rPr>
-              <a:t>2019-08-08 17:15:46.270000+02:00  Audit     TRSF_FAIL   678              Remote </a:t>
+              <a:t>zbcInstall</a:t>
+            </a:r>
+            <a:r>
+              <a:rPr lang="de-DE" sz="1000" dirty="0">
+                <a:latin typeface="Courier" pitchFamily="2" charset="0"/>
+              </a:rPr>
+              <a:t> </a:t>
             </a:r>
             <a:r>
               <a:rPr lang="de-DE" sz="1000" dirty="0" err="1">
                 <a:latin typeface="Courier" pitchFamily="2" charset="0"/>
               </a:rPr>
-              <a:t>support</a:t>
-            </a:r>
-            <a:r>
-              <a:rPr lang="de-DE" sz="1000" dirty="0">
-                <a:latin typeface="Courier" pitchFamily="2" charset="0"/>
-              </a:rPr>
-              <a:t> </a:t>
-            </a:r>
-            <a:r>
-              <a:rPr lang="de-DE" sz="1000" dirty="0" err="1">
-                <a:latin typeface="Courier" pitchFamily="2" charset="0"/>
-              </a:rPr>
-              <a:t>call</a:t>
-            </a:r>
-            <a:r>
-              <a:rPr lang="de-DE" sz="1000" dirty="0">
-                <a:latin typeface="Courier" pitchFamily="2" charset="0"/>
-              </a:rPr>
-              <a:t> </a:t>
-            </a:r>
-            <a:r>
-              <a:rPr lang="de-DE" sz="1000" dirty="0" err="1">
-                <a:latin typeface="Courier" pitchFamily="2" charset="0"/>
-              </a:rPr>
-              <a:t>generated</a:t>
-            </a:r>
-            <a:r>
-              <a:rPr lang="de-DE" sz="1000" dirty="0">
-                <a:latin typeface="Courier" pitchFamily="2" charset="0"/>
-              </a:rPr>
-              <a:t> on HMC1 </a:t>
-            </a:r>
-            <a:r>
-              <a:rPr lang="de-DE" sz="1000" dirty="0" err="1">
-                <a:latin typeface="Courier" pitchFamily="2" charset="0"/>
-              </a:rPr>
-              <a:t>fa</a:t>
-            </a:r>
-            <a:r>
-              <a:rPr lang="de-DE" sz="1000" dirty="0">
-                <a:latin typeface="Courier" pitchFamily="2" charset="0"/>
-              </a:rPr>
-              <a:t>…</a:t>
-            </a:r>
-            <a:br>
-              <a:rPr lang="de-DE" sz="1000" dirty="0">
-                <a:latin typeface="Courier" pitchFamily="2" charset="0"/>
-              </a:rPr>
-            </a:br>
-            <a:r>
-              <a:rPr lang="de-DE" sz="1000" dirty="0">
-                <a:latin typeface="Courier" pitchFamily="2" charset="0"/>
-              </a:rPr>
-              <a:t>2019-08-08 17:15:56.550000+02:00  Security  WSA </a:t>
-            </a:r>
-            <a:r>
-              <a:rPr lang="de-DE" sz="1000" dirty="0" err="1">
-                <a:latin typeface="Courier" pitchFamily="2" charset="0"/>
-              </a:rPr>
-              <a:t>Logon</a:t>
-            </a:r>
-            <a:r>
-              <a:rPr lang="de-DE" sz="1000" dirty="0">
-                <a:latin typeface="Courier" pitchFamily="2" charset="0"/>
-              </a:rPr>
-              <a:t>  1941  </a:t>
-            </a:r>
-            <a:r>
-              <a:rPr lang="de-DE" sz="1000" dirty="0" err="1">
-                <a:latin typeface="Courier" pitchFamily="2" charset="0"/>
-              </a:rPr>
-              <a:t>zbcInstall</a:t>
-            </a:r>
-            <a:r>
-              <a:rPr lang="de-DE" sz="1000" dirty="0">
-                <a:latin typeface="Courier" pitchFamily="2" charset="0"/>
-              </a:rPr>
-              <a:t>  User </a:t>
-            </a:r>
-            <a:r>
-              <a:rPr lang="de-DE" sz="1000" dirty="0" err="1">
-                <a:latin typeface="Courier" pitchFamily="2" charset="0"/>
-              </a:rPr>
-              <a:t>zbcInstall</a:t>
-            </a:r>
-            <a:r>
-              <a:rPr lang="de-DE" sz="1000" dirty="0">
-                <a:latin typeface="Courier" pitchFamily="2" charset="0"/>
-              </a:rPr>
-              <a:t> </a:t>
-            </a:r>
-            <a:r>
-              <a:rPr lang="de-DE" sz="1000" dirty="0" err="1">
-                <a:latin typeface="Courier" pitchFamily="2" charset="0"/>
-              </a:rPr>
               <a:t>has</a:t>
             </a:r>
             <a:r>
               <a:rPr lang="de-DE" sz="1000" dirty="0">
                 <a:latin typeface="Courier" pitchFamily="2" charset="0"/>
               </a:rPr>
-              <a:t> </a:t>
-            </a:r>
-            <a:r>
-              <a:rPr lang="de-DE" sz="1000" dirty="0" err="1">
-                <a:latin typeface="Courier" pitchFamily="2" charset="0"/>
-              </a:rPr>
-              <a:t>logged</a:t>
-            </a:r>
-            <a:r>
-              <a:rPr lang="de-DE" sz="1000" dirty="0">
-                <a:latin typeface="Courier" pitchFamily="2" charset="0"/>
-              </a:rPr>
-              <a:t> on </a:t>
-            </a:r>
-            <a:r>
-              <a:rPr lang="de-DE" sz="1000" dirty="0" err="1">
-                <a:latin typeface="Courier" pitchFamily="2" charset="0"/>
-              </a:rPr>
-              <a:t>to</a:t>
-            </a:r>
-            <a:r>
-              <a:rPr lang="de-DE" sz="1000" dirty="0">
-                <a:latin typeface="Courier" pitchFamily="2" charset="0"/>
-              </a:rPr>
-              <a:t> Web </a:t>
-            </a:r>
-            <a:r>
-              <a:rPr lang="de-DE" sz="1000" dirty="0" err="1">
-                <a:latin typeface="Courier" pitchFamily="2" charset="0"/>
-              </a:rPr>
-              <a:t>Ser</a:t>
-            </a:r>
-            <a:r>
-              <a:rPr lang="de-DE" sz="1000" dirty="0">
-                <a:latin typeface="Courier" pitchFamily="2" charset="0"/>
-              </a:rPr>
-              <a:t>…</a:t>
-            </a:r>
-            <a:br>
-              <a:rPr lang="de-DE" sz="1000" dirty="0">
-                <a:latin typeface="Courier" pitchFamily="2" charset="0"/>
-              </a:rPr>
-            </a:br>
-            <a:r>
-              <a:rPr lang="de-DE" sz="1000" dirty="0">
-                <a:latin typeface="Courier" pitchFamily="2" charset="0"/>
-              </a:rPr>
-              <a:t>2019-08-08 17:15:56.840000+02:00  Security  WSA </a:t>
-            </a:r>
-            <a:r>
-              <a:rPr lang="de-DE" sz="1000" dirty="0" err="1">
-                <a:latin typeface="Courier" pitchFamily="2" charset="0"/>
-              </a:rPr>
-              <a:t>Logoff</a:t>
-            </a:r>
-            <a:r>
-              <a:rPr lang="de-DE" sz="1000" dirty="0">
-                <a:latin typeface="Courier" pitchFamily="2" charset="0"/>
-              </a:rPr>
-              <a:t> 1942  </a:t>
-            </a:r>
-            <a:r>
-              <a:rPr lang="de-DE" sz="1000" dirty="0" err="1">
-                <a:latin typeface="Courier" pitchFamily="2" charset="0"/>
-              </a:rPr>
-              <a:t>zbcInstall</a:t>
-            </a:r>
-            <a:r>
-              <a:rPr lang="de-DE" sz="1000" dirty="0">
-                <a:latin typeface="Courier" pitchFamily="2" charset="0"/>
-              </a:rPr>
-              <a:t>  User </a:t>
-            </a:r>
-            <a:r>
-              <a:rPr lang="de-DE" sz="1000" dirty="0" err="1">
-                <a:latin typeface="Courier" pitchFamily="2" charset="0"/>
-              </a:rPr>
-              <a:t>zbcInstall</a:t>
-            </a:r>
-            <a:r>
-              <a:rPr lang="de-DE" sz="1000" dirty="0">
-                <a:latin typeface="Courier" pitchFamily="2" charset="0"/>
-              </a:rPr>
-              <a:t> </a:t>
-            </a:r>
-            <a:r>
-              <a:rPr lang="de-DE" sz="1000" dirty="0" err="1">
-                <a:latin typeface="Courier" pitchFamily="2" charset="0"/>
-              </a:rPr>
-              <a:t>has</a:t>
-            </a:r>
-            <a:r>
-              <a:rPr lang="de-DE" sz="1000" dirty="0">
-                <a:latin typeface="Courier" pitchFamily="2" charset="0"/>
-              </a:rPr>
-              <a:t> </a:t>
-            </a:r>
-            <a:r>
-              <a:rPr lang="de-DE" sz="1000" dirty="0" err="1">
-                <a:latin typeface="Courier" pitchFamily="2" charset="0"/>
-              </a:rPr>
-              <a:t>logged</a:t>
-            </a:r>
-            <a:r>
-              <a:rPr lang="de-DE" sz="1000" dirty="0">
-                <a:latin typeface="Courier" pitchFamily="2" charset="0"/>
-              </a:rPr>
-              <a:t> off </a:t>
-            </a:r>
-            <a:r>
-              <a:rPr lang="de-DE" sz="1000" dirty="0" err="1">
-                <a:latin typeface="Courier" pitchFamily="2" charset="0"/>
-              </a:rPr>
-              <a:t>from</a:t>
-            </a:r>
-            <a:r>
-              <a:rPr lang="de-DE" sz="1000" dirty="0">
-                <a:latin typeface="Courier" pitchFamily="2" charset="0"/>
-              </a:rPr>
-              <a:t> Web …</a:t>
+              <a:t> logge…</a:t>
             </a:r>
             <a:br>
               <a:rPr lang="de-DE" sz="1000" dirty="0">

--- a/IBM_Z_HMC_Log_Forwarder.pptx
+++ b/IBM_Z_HMC_Log_Forwarder.pptx
@@ -5,7 +5,7 @@
     <p:sldMasterId id="2147483669" r:id="rId1"/>
   </p:sldMasterIdLst>
   <p:notesMasterIdLst>
-    <p:notesMasterId r:id="rId10"/>
+    <p:notesMasterId r:id="rId11"/>
   </p:notesMasterIdLst>
   <p:sldIdLst>
     <p:sldId id="256" r:id="rId2"/>
@@ -14,8 +14,9 @@
     <p:sldId id="981" r:id="rId5"/>
     <p:sldId id="983" r:id="rId6"/>
     <p:sldId id="982" r:id="rId7"/>
-    <p:sldId id="984" r:id="rId8"/>
-    <p:sldId id="985" r:id="rId9"/>
+    <p:sldId id="986" r:id="rId8"/>
+    <p:sldId id="984" r:id="rId9"/>
+    <p:sldId id="985" r:id="rId10"/>
   </p:sldIdLst>
   <p:sldSz cx="9144000" cy="5715000" type="screen16x10"/>
   <p:notesSz cx="6858000" cy="9144000"/>
@@ -1630,7 +1631,7 @@
             </a:br>
             <a:r>
               <a:rPr lang="de-DE" sz="1300" dirty="0"/>
-              <a:t>2019-08-09</a:t>
+              <a:t>2019-08-13</a:t>
             </a:r>
           </a:p>
         </p:txBody>
@@ -5548,124 +5549,6 @@
               </a:rPr>
               <a:t>name</a:t>
             </a:r>
-            <a:br>
-              <a:rPr lang="de-DE" sz="1100" dirty="0">
-                <a:latin typeface="Courier" pitchFamily="2" charset="0"/>
-              </a:rPr>
-            </a:br>
-            <a:r>
-              <a:rPr lang="de-DE" sz="1100" dirty="0" err="1">
-                <a:latin typeface="Courier" pitchFamily="2" charset="0"/>
-              </a:rPr>
-              <a:t>format</a:t>
-            </a:r>
-            <a:r>
-              <a:rPr lang="de-DE" sz="1100" dirty="0">
-                <a:latin typeface="Courier" pitchFamily="2" charset="0"/>
-              </a:rPr>
-              <a:t>: '{time:32}  {</a:t>
-            </a:r>
-            <a:r>
-              <a:rPr lang="de-DE" sz="1100" dirty="0" err="1">
-                <a:latin typeface="Courier" pitchFamily="2" charset="0"/>
-              </a:rPr>
-              <a:t>label</a:t>
-            </a:r>
-            <a:r>
-              <a:rPr lang="de-DE" sz="1100" dirty="0">
-                <a:latin typeface="Courier" pitchFamily="2" charset="0"/>
-              </a:rPr>
-              <a:t>}  {type:8}  {name:12}  {</a:t>
-            </a:r>
-            <a:r>
-              <a:rPr lang="de-DE" sz="1100" dirty="0" err="1">
-                <a:latin typeface="Courier" pitchFamily="2" charset="0"/>
-              </a:rPr>
-              <a:t>id</a:t>
-            </a:r>
-            <a:r>
-              <a:rPr lang="de-DE" sz="1100" dirty="0">
-                <a:latin typeface="Courier" pitchFamily="2" charset="0"/>
-              </a:rPr>
-              <a:t>:&gt;4}  {user:20}  {</a:t>
-            </a:r>
-            <a:r>
-              <a:rPr lang="de-DE" sz="1100" dirty="0" err="1">
-                <a:latin typeface="Courier" pitchFamily="2" charset="0"/>
-              </a:rPr>
-              <a:t>msg</a:t>
-            </a:r>
-            <a:r>
-              <a:rPr lang="de-DE" sz="1100" dirty="0">
-                <a:latin typeface="Courier" pitchFamily="2" charset="0"/>
-              </a:rPr>
-              <a:t>}'  # Output </a:t>
-            </a:r>
-            <a:r>
-              <a:rPr lang="de-DE" sz="1100" dirty="0" err="1">
-                <a:latin typeface="Courier" pitchFamily="2" charset="0"/>
-              </a:rPr>
-              <a:t>format</a:t>
-            </a:r>
-            <a:br>
-              <a:rPr lang="de-DE" sz="1100" dirty="0">
-                <a:latin typeface="Courier" pitchFamily="2" charset="0"/>
-              </a:rPr>
-            </a:br>
-            <a:r>
-              <a:rPr lang="de-DE" sz="1100" dirty="0" err="1">
-                <a:latin typeface="Courier" pitchFamily="2" charset="0"/>
-              </a:rPr>
-              <a:t>time_format</a:t>
-            </a:r>
-            <a:r>
-              <a:rPr lang="de-DE" sz="1100" dirty="0">
-                <a:latin typeface="Courier" pitchFamily="2" charset="0"/>
-              </a:rPr>
-              <a:t>: '%Y-%m-%d %H:%M:%S.%</a:t>
-            </a:r>
-            <a:r>
-              <a:rPr lang="de-DE" sz="1100" dirty="0" err="1">
-                <a:latin typeface="Courier" pitchFamily="2" charset="0"/>
-              </a:rPr>
-              <a:t>f%z</a:t>
-            </a:r>
-            <a:r>
-              <a:rPr lang="de-DE" sz="1100" dirty="0">
-                <a:latin typeface="Courier" pitchFamily="2" charset="0"/>
-              </a:rPr>
-              <a:t>‘   # Format </a:t>
-            </a:r>
-            <a:r>
-              <a:rPr lang="de-DE" sz="1100" dirty="0" err="1">
-                <a:latin typeface="Courier" pitchFamily="2" charset="0"/>
-              </a:rPr>
-              <a:t>for</a:t>
-            </a:r>
-            <a:r>
-              <a:rPr lang="de-DE" sz="1100" dirty="0">
-                <a:latin typeface="Courier" pitchFamily="2" charset="0"/>
-              </a:rPr>
-              <a:t> time </a:t>
-            </a:r>
-            <a:r>
-              <a:rPr lang="de-DE" sz="1100" dirty="0" err="1">
-                <a:latin typeface="Courier" pitchFamily="2" charset="0"/>
-              </a:rPr>
-              <a:t>field</a:t>
-            </a:r>
-            <a:r>
-              <a:rPr lang="de-DE" sz="1100" dirty="0">
-                <a:latin typeface="Courier" pitchFamily="2" charset="0"/>
-              </a:rPr>
-              <a:t> in </a:t>
-            </a:r>
-            <a:r>
-              <a:rPr lang="de-DE" sz="1100" dirty="0" err="1">
-                <a:latin typeface="Courier" pitchFamily="2" charset="0"/>
-              </a:rPr>
-              <a:t>output</a:t>
-            </a:r>
             <a:endParaRPr lang="de-DE" sz="1100" dirty="0">
               <a:latin typeface="Courier" pitchFamily="2" charset="0"/>
             </a:endParaRPr>
@@ -5732,7 +5615,7 @@
                   <a:srgbClr val="000099"/>
                 </a:solidFill>
               </a:rPr>
-              <a:t>Output fields</a:t>
+              <a:t>Config file (2)</a:t>
             </a:r>
             <a:endParaRPr lang="de-DE" sz="2400" b="1" dirty="0"/>
           </a:p>
@@ -5756,8 +5639,8 @@
         </p:nvSpPr>
         <p:spPr>
           <a:xfrm>
-            <a:off x="457200" y="1043801"/>
-            <a:ext cx="8329749" cy="4355514"/>
+            <a:off x="457200" y="930442"/>
+            <a:ext cx="8329749" cy="4468873"/>
           </a:xfrm>
         </p:spPr>
         <p:txBody>
@@ -5773,35 +5656,262 @@
               <a:buNone/>
             </a:pPr>
             <a:r>
-              <a:rPr lang="de-DE" sz="1200" dirty="0" err="1"/>
-              <a:t>Example</a:t>
-            </a:r>
-            <a:r>
-              <a:rPr lang="de-DE" sz="1200" dirty="0"/>
-              <a:t> (</a:t>
-            </a:r>
-            <a:r>
-              <a:rPr lang="de-DE" sz="1200" dirty="0" err="1"/>
-              <a:t>config</a:t>
-            </a:r>
-            <a:r>
-              <a:rPr lang="de-DE" sz="1200" dirty="0"/>
-              <a:t> </a:t>
-            </a:r>
-            <a:r>
-              <a:rPr lang="de-DE" sz="1200" dirty="0" err="1"/>
-              <a:t>file</a:t>
-            </a:r>
-            <a:r>
-              <a:rPr lang="de-DE" sz="1200" dirty="0"/>
-              <a:t> </a:t>
-            </a:r>
-            <a:r>
-              <a:rPr lang="de-DE" sz="1200" dirty="0" err="1"/>
-              <a:t>syntax</a:t>
-            </a:r>
-            <a:r>
-              <a:rPr lang="de-DE" sz="1200" dirty="0"/>
+              <a:rPr lang="de-DE" sz="1100" dirty="0">
+                <a:latin typeface="Courier" pitchFamily="2" charset="0"/>
+              </a:rPr>
+              <a:t># Format </a:t>
+            </a:r>
+            <a:r>
+              <a:rPr lang="de-DE" sz="1100" dirty="0" err="1">
+                <a:latin typeface="Courier" pitchFamily="2" charset="0"/>
+              </a:rPr>
+              <a:t>of</a:t>
+            </a:r>
+            <a:r>
+              <a:rPr lang="de-DE" sz="1100" dirty="0">
+                <a:latin typeface="Courier" pitchFamily="2" charset="0"/>
+              </a:rPr>
+              <a:t> log </a:t>
+            </a:r>
+            <a:r>
+              <a:rPr lang="de-DE" sz="1100" dirty="0" err="1">
+                <a:latin typeface="Courier" pitchFamily="2" charset="0"/>
+              </a:rPr>
+              <a:t>entries</a:t>
+            </a:r>
+            <a:r>
+              <a:rPr lang="de-DE" sz="1100" dirty="0">
+                <a:latin typeface="Courier" pitchFamily="2" charset="0"/>
+              </a:rPr>
+              <a:t> in </a:t>
+            </a:r>
+            <a:r>
+              <a:rPr lang="de-DE" sz="1100" dirty="0" err="1">
+                <a:latin typeface="Courier" pitchFamily="2" charset="0"/>
+              </a:rPr>
+              <a:t>output</a:t>
+            </a:r>
+            <a:r>
+              <a:rPr lang="de-DE" sz="1100" dirty="0">
+                <a:latin typeface="Courier" pitchFamily="2" charset="0"/>
+              </a:rPr>
+              <a:t>:</a:t>
+            </a:r>
+            <a:br>
+              <a:rPr lang="de-DE" sz="1100" dirty="0">
+                <a:latin typeface="Courier" pitchFamily="2" charset="0"/>
+              </a:rPr>
+            </a:br>
+            <a:br>
+              <a:rPr lang="de-DE" sz="1100" dirty="0">
+                <a:latin typeface="Courier" pitchFamily="2" charset="0"/>
+              </a:rPr>
+            </a:br>
+            <a:r>
+              <a:rPr lang="de-DE" sz="1100" dirty="0" err="1">
+                <a:latin typeface="Courier" pitchFamily="2" charset="0"/>
+              </a:rPr>
+              <a:t>format</a:t>
+            </a:r>
+            <a:r>
+              <a:rPr lang="de-DE" sz="1100" dirty="0">
+                <a:latin typeface="Courier" pitchFamily="2" charset="0"/>
+              </a:rPr>
+              <a:t>: '{time:32} {</a:t>
+            </a:r>
+            <a:r>
+              <a:rPr lang="de-DE" sz="1100" dirty="0" err="1">
+                <a:latin typeface="Courier" pitchFamily="2" charset="0"/>
+              </a:rPr>
+              <a:t>label</a:t>
+            </a:r>
+            <a:r>
+              <a:rPr lang="de-DE" sz="1100" dirty="0">
+                <a:latin typeface="Courier" pitchFamily="2" charset="0"/>
+              </a:rPr>
+              <a:t>} {type:8} {name:12} {</a:t>
+            </a:r>
+            <a:r>
+              <a:rPr lang="de-DE" sz="1100" dirty="0" err="1">
+                <a:latin typeface="Courier" pitchFamily="2" charset="0"/>
+              </a:rPr>
+              <a:t>id</a:t>
+            </a:r>
+            <a:r>
+              <a:rPr lang="de-DE" sz="1100" dirty="0">
+                <a:latin typeface="Courier" pitchFamily="2" charset="0"/>
+              </a:rPr>
+              <a:t>:&gt;4} {user:20} {</a:t>
+            </a:r>
+            <a:r>
+              <a:rPr lang="de-DE" sz="1100" dirty="0" err="1">
+                <a:latin typeface="Courier" pitchFamily="2" charset="0"/>
+              </a:rPr>
+              <a:t>msg</a:t>
+            </a:r>
+            <a:r>
+              <a:rPr lang="de-DE" sz="1100" dirty="0">
+                <a:latin typeface="Courier" pitchFamily="2" charset="0"/>
+              </a:rPr>
+              <a:t>}'</a:t>
+            </a:r>
+            <a:br>
+              <a:rPr lang="de-DE" sz="1100" dirty="0">
+                <a:latin typeface="Courier" pitchFamily="2" charset="0"/>
+              </a:rPr>
+            </a:br>
+            <a:r>
+              <a:rPr lang="de-DE" sz="1100" dirty="0" err="1">
+                <a:latin typeface="Courier" pitchFamily="2" charset="0"/>
+              </a:rPr>
+              <a:t>time_format</a:t>
+            </a:r>
+            <a:r>
+              <a:rPr lang="de-DE" sz="1100" dirty="0">
+                <a:latin typeface="Courier" pitchFamily="2" charset="0"/>
+              </a:rPr>
+              <a:t>: '%Y-%m-%d %H:%M:%S.%</a:t>
+            </a:r>
+            <a:r>
+              <a:rPr lang="de-DE" sz="1100" dirty="0" err="1">
+                <a:latin typeface="Courier" pitchFamily="2" charset="0"/>
+              </a:rPr>
+              <a:t>f%z</a:t>
+            </a:r>
+            <a:r>
+              <a:rPr lang="de-DE" sz="1100" dirty="0">
+                <a:latin typeface="Courier" pitchFamily="2" charset="0"/>
+              </a:rPr>
+              <a:t>‘    # Format </a:t>
+            </a:r>
+            <a:r>
+              <a:rPr lang="de-DE" sz="1100" dirty="0" err="1">
+                <a:latin typeface="Courier" pitchFamily="2" charset="0"/>
+              </a:rPr>
+              <a:t>for</a:t>
+            </a:r>
+            <a:r>
+              <a:rPr lang="de-DE" sz="1100" dirty="0">
+                <a:latin typeface="Courier" pitchFamily="2" charset="0"/>
+              </a:rPr>
+              <a:t> 'time' </a:t>
+            </a:r>
+            <a:r>
+              <a:rPr lang="de-DE" sz="1100" dirty="0" err="1">
+                <a:latin typeface="Courier" pitchFamily="2" charset="0"/>
+              </a:rPr>
+              <a:t>output</a:t>
+            </a:r>
+            <a:r>
+              <a:rPr lang="de-DE" sz="1100" dirty="0">
+                <a:latin typeface="Courier" pitchFamily="2" charset="0"/>
+              </a:rPr>
+              <a:t> </a:t>
+            </a:r>
+            <a:r>
+              <a:rPr lang="de-DE" sz="1100" dirty="0" err="1">
+                <a:latin typeface="Courier" pitchFamily="2" charset="0"/>
+              </a:rPr>
+              <a:t>field</a:t>
+            </a:r>
+            <a:br>
+              <a:rPr lang="de-DE" sz="1100" dirty="0">
+                <a:latin typeface="Courier" pitchFamily="2" charset="0"/>
+              </a:rPr>
+            </a:br>
+            <a:br>
+              <a:rPr lang="de-DE" sz="1100" dirty="0">
+                <a:latin typeface="Courier" pitchFamily="2" charset="0"/>
+              </a:rPr>
+            </a:br>
+            <a:r>
+              <a:rPr lang="de-DE" sz="1100" dirty="0">
+                <a:latin typeface="Courier" pitchFamily="2" charset="0"/>
+              </a:rPr>
+              <a:t># </a:t>
+            </a:r>
+            <a:r>
+              <a:rPr lang="de-DE" sz="1100" dirty="0" err="1">
+                <a:latin typeface="Courier" pitchFamily="2" charset="0"/>
+              </a:rPr>
+              <a:t>Self-logging</a:t>
+            </a:r>
+            <a:r>
+              <a:rPr lang="de-DE" sz="1100" dirty="0">
+                <a:latin typeface="Courier" pitchFamily="2" charset="0"/>
+              </a:rPr>
+              <a:t> (log </a:t>
+            </a:r>
+            <a:r>
+              <a:rPr lang="de-DE" sz="1100" dirty="0" err="1">
+                <a:latin typeface="Courier" pitchFamily="2" charset="0"/>
+              </a:rPr>
+              <a:t>messages</a:t>
+            </a:r>
+            <a:r>
+              <a:rPr lang="de-DE" sz="1100" dirty="0">
+                <a:latin typeface="Courier" pitchFamily="2" charset="0"/>
+              </a:rPr>
+              <a:t> </a:t>
+            </a:r>
+            <a:r>
+              <a:rPr lang="de-DE" sz="1100" dirty="0" err="1">
+                <a:latin typeface="Courier" pitchFamily="2" charset="0"/>
+              </a:rPr>
+              <a:t>produced</a:t>
+            </a:r>
+            <a:r>
+              <a:rPr lang="de-DE" sz="1100" dirty="0">
+                <a:latin typeface="Courier" pitchFamily="2" charset="0"/>
+              </a:rPr>
+              <a:t> </a:t>
+            </a:r>
+            <a:r>
+              <a:rPr lang="de-DE" sz="1100" dirty="0" err="1">
+                <a:latin typeface="Courier" pitchFamily="2" charset="0"/>
+              </a:rPr>
+              <a:t>by</a:t>
+            </a:r>
+            <a:r>
+              <a:rPr lang="de-DE" sz="1100" dirty="0">
+                <a:latin typeface="Courier" pitchFamily="2" charset="0"/>
+              </a:rPr>
+              <a:t> </a:t>
+            </a:r>
+            <a:r>
+              <a:rPr lang="de-DE" sz="1100" dirty="0" err="1">
+                <a:latin typeface="Courier" pitchFamily="2" charset="0"/>
+              </a:rPr>
+              <a:t>the</a:t>
+            </a:r>
+            <a:r>
+              <a:rPr lang="de-DE" sz="1100" dirty="0">
+                <a:latin typeface="Courier" pitchFamily="2" charset="0"/>
+              </a:rPr>
+              <a:t> </a:t>
+            </a:r>
+            <a:r>
+              <a:rPr lang="de-DE" sz="1100" dirty="0" err="1">
+                <a:latin typeface="Courier" pitchFamily="2" charset="0"/>
+              </a:rPr>
+              <a:t>program</a:t>
+            </a:r>
+            <a:r>
+              <a:rPr lang="de-DE" sz="1100" dirty="0">
+                <a:latin typeface="Courier" pitchFamily="2" charset="0"/>
+              </a:rPr>
+              <a:t> </a:t>
+            </a:r>
+            <a:r>
+              <a:rPr lang="de-DE" sz="1100" dirty="0" err="1">
+                <a:latin typeface="Courier" pitchFamily="2" charset="0"/>
+              </a:rPr>
+              <a:t>itself</a:t>
+            </a:r>
+            <a:r>
+              <a:rPr lang="de-DE" sz="1100" dirty="0">
+                <a:latin typeface="Courier" pitchFamily="2" charset="0"/>
+              </a:rPr>
               <a:t>):</a:t>
             </a:r>
             <a:br>
@@ -5815,10 +5925,105 @@
               </a:rPr>
             </a:br>
             <a:r>
-              <a:rPr lang="de-DE" sz="1100" dirty="0">
-                <a:latin typeface="Courier" pitchFamily="2" charset="0"/>
-              </a:rPr>
-              <a:t>    </a:t>
+              <a:rPr lang="de-DE" sz="1100" dirty="0" err="1">
+                <a:latin typeface="Courier" pitchFamily="2" charset="0"/>
+              </a:rPr>
+              <a:t>selflog_dest</a:t>
+            </a:r>
+            <a:r>
+              <a:rPr lang="de-DE" sz="1100" dirty="0">
+                <a:latin typeface="Courier" pitchFamily="2" charset="0"/>
+              </a:rPr>
+              <a:t>: </a:t>
+            </a:r>
+            <a:r>
+              <a:rPr lang="de-DE" sz="1100" dirty="0" err="1">
+                <a:latin typeface="Courier" pitchFamily="2" charset="0"/>
+              </a:rPr>
+              <a:t>stdout</a:t>
+            </a:r>
+            <a:r>
+              <a:rPr lang="de-DE" sz="1100" dirty="0">
+                <a:latin typeface="Courier" pitchFamily="2" charset="0"/>
+              </a:rPr>
+              <a:t>                           # Destination (</a:t>
+            </a:r>
+            <a:r>
+              <a:rPr lang="de-DE" sz="1100" dirty="0" err="1">
+                <a:latin typeface="Courier" pitchFamily="2" charset="0"/>
+              </a:rPr>
+              <a:t>stdout</a:t>
+            </a:r>
+            <a:r>
+              <a:rPr lang="de-DE" sz="1100" dirty="0">
+                <a:latin typeface="Courier" pitchFamily="2" charset="0"/>
+              </a:rPr>
+              <a:t>, </a:t>
+            </a:r>
+            <a:r>
+              <a:rPr lang="de-DE" sz="1100" dirty="0" err="1">
+                <a:latin typeface="Courier" pitchFamily="2" charset="0"/>
+              </a:rPr>
+              <a:t>stderr</a:t>
+            </a:r>
+            <a:r>
+              <a:rPr lang="de-DE" sz="1100" dirty="0">
+                <a:latin typeface="Courier" pitchFamily="2" charset="0"/>
+              </a:rPr>
+              <a:t>)</a:t>
+            </a:r>
+            <a:br>
+              <a:rPr lang="de-DE" sz="1100" dirty="0">
+                <a:latin typeface="Courier" pitchFamily="2" charset="0"/>
+              </a:rPr>
+            </a:br>
+            <a:r>
+              <a:rPr lang="de-DE" sz="1100" dirty="0" err="1">
+                <a:latin typeface="Courier" pitchFamily="2" charset="0"/>
+              </a:rPr>
+              <a:t>selflog_format</a:t>
+            </a:r>
+            <a:r>
+              <a:rPr lang="de-DE" sz="1100" dirty="0">
+                <a:latin typeface="Courier" pitchFamily="2" charset="0"/>
+              </a:rPr>
+              <a:t>: '%(</a:t>
+            </a:r>
+            <a:r>
+              <a:rPr lang="de-DE" sz="1100" dirty="0" err="1">
+                <a:latin typeface="Courier" pitchFamily="2" charset="0"/>
+              </a:rPr>
+              <a:t>levelname</a:t>
+            </a:r>
+            <a:r>
+              <a:rPr lang="de-DE" sz="1100" dirty="0">
+                <a:latin typeface="Courier" pitchFamily="2" charset="0"/>
+              </a:rPr>
+              <a:t>)s: %(</a:t>
+            </a:r>
+            <a:r>
+              <a:rPr lang="de-DE" sz="1100" dirty="0" err="1">
+                <a:latin typeface="Courier" pitchFamily="2" charset="0"/>
+              </a:rPr>
+              <a:t>message</a:t>
+            </a:r>
+            <a:r>
+              <a:rPr lang="de-DE" sz="1100" dirty="0">
+                <a:latin typeface="Courier" pitchFamily="2" charset="0"/>
+              </a:rPr>
+              <a:t>)</a:t>
+            </a:r>
+            <a:r>
+              <a:rPr lang="de-DE" sz="1100" dirty="0" err="1">
+                <a:latin typeface="Courier" pitchFamily="2" charset="0"/>
+              </a:rPr>
+              <a:t>s'</a:t>
+            </a:r>
+            <a:r>
+              <a:rPr lang="de-DE" sz="1100" dirty="0">
+                <a:latin typeface="Courier" pitchFamily="2" charset="0"/>
+              </a:rPr>
+              <a:t>   # Message </a:t>
             </a:r>
             <a:r>
               <a:rPr lang="de-DE" sz="1100" dirty="0" err="1">
@@ -5830,524 +6035,106 @@
               <a:rPr lang="de-DE" sz="1100" dirty="0">
                 <a:latin typeface="Courier" pitchFamily="2" charset="0"/>
               </a:rPr>
-              <a:t>: '{time:32} {</a:t>
-            </a:r>
-            <a:r>
-              <a:rPr lang="de-DE" sz="1100" dirty="0" err="1">
-                <a:latin typeface="Courier" pitchFamily="2" charset="0"/>
-              </a:rPr>
-              <a:t>label</a:t>
-            </a:r>
-            <a:r>
-              <a:rPr lang="de-DE" sz="1100" dirty="0">
-                <a:latin typeface="Courier" pitchFamily="2" charset="0"/>
-              </a:rPr>
-              <a:t>} {type:8} {name:12} {</a:t>
-            </a:r>
-            <a:r>
-              <a:rPr lang="de-DE" sz="1100" dirty="0" err="1">
-                <a:latin typeface="Courier" pitchFamily="2" charset="0"/>
-              </a:rPr>
-              <a:t>id</a:t>
-            </a:r>
-            <a:r>
-              <a:rPr lang="de-DE" sz="1100" dirty="0">
-                <a:latin typeface="Courier" pitchFamily="2" charset="0"/>
-              </a:rPr>
-              <a:t>:&gt;4} {user:20} {</a:t>
-            </a:r>
-            <a:r>
-              <a:rPr lang="de-DE" sz="1100" dirty="0" err="1">
-                <a:latin typeface="Courier" pitchFamily="2" charset="0"/>
-              </a:rPr>
-              <a:t>msg</a:t>
-            </a:r>
-            <a:r>
-              <a:rPr lang="de-DE" sz="1100" dirty="0">
-                <a:latin typeface="Courier" pitchFamily="2" charset="0"/>
-              </a:rPr>
-              <a:t>}'</a:t>
-            </a:r>
-            <a:br>
-              <a:rPr lang="de-DE" sz="1100" dirty="0">
-                <a:latin typeface="Courier" pitchFamily="2" charset="0"/>
-              </a:rPr>
-            </a:br>
-            <a:br>
-              <a:rPr lang="de-DE" sz="1100" dirty="0">
-                <a:latin typeface="Courier" pitchFamily="2" charset="0"/>
-              </a:rPr>
-            </a:br>
-            <a:r>
-              <a:rPr lang="de-DE" sz="1200" dirty="0" err="1"/>
-              <a:t>Supported</a:t>
-            </a:r>
-            <a:r>
-              <a:rPr lang="de-DE" sz="1200" dirty="0"/>
-              <a:t> </a:t>
-            </a:r>
-            <a:r>
-              <a:rPr lang="de-DE" sz="1200" dirty="0" err="1"/>
-              <a:t>fields</a:t>
-            </a:r>
-            <a:r>
-              <a:rPr lang="de-DE" sz="1200" dirty="0"/>
-              <a:t>:</a:t>
-            </a:r>
-            <a:br>
-              <a:rPr lang="de-DE" sz="1200" dirty="0"/>
-            </a:br>
-            <a:br>
-              <a:rPr lang="de-DE" sz="1200" dirty="0"/>
-            </a:br>
-            <a:r>
-              <a:rPr lang="de-DE" sz="1200" dirty="0">
-                <a:latin typeface="Courier" pitchFamily="2" charset="0"/>
-              </a:rPr>
-              <a:t>time</a:t>
-            </a:r>
-            <a:r>
-              <a:rPr lang="de-DE" sz="1200" dirty="0"/>
-              <a:t>:     Time </a:t>
-            </a:r>
-            <a:r>
-              <a:rPr lang="de-DE" sz="1200" dirty="0" err="1"/>
-              <a:t>stamp</a:t>
-            </a:r>
-            <a:r>
-              <a:rPr lang="de-DE" sz="1200" dirty="0"/>
-              <a:t> </a:t>
-            </a:r>
-            <a:r>
-              <a:rPr lang="de-DE" sz="1200" dirty="0" err="1"/>
-              <a:t>of</a:t>
-            </a:r>
-            <a:r>
-              <a:rPr lang="de-DE" sz="1200" dirty="0"/>
-              <a:t> </a:t>
-            </a:r>
-            <a:r>
-              <a:rPr lang="de-DE" sz="1200" dirty="0" err="1"/>
-              <a:t>the</a:t>
-            </a:r>
-            <a:r>
-              <a:rPr lang="de-DE" sz="1200" dirty="0"/>
-              <a:t> log </a:t>
-            </a:r>
-            <a:r>
-              <a:rPr lang="de-DE" sz="1200" dirty="0" err="1"/>
-              <a:t>entry</a:t>
-            </a:r>
-            <a:r>
-              <a:rPr lang="de-DE" sz="1200" dirty="0"/>
-              <a:t>. Format </a:t>
-            </a:r>
-            <a:r>
-              <a:rPr lang="de-DE" sz="1200" dirty="0" err="1"/>
-              <a:t>can</a:t>
-            </a:r>
-            <a:r>
-              <a:rPr lang="de-DE" sz="1200" dirty="0"/>
-              <a:t> </a:t>
-            </a:r>
-            <a:r>
-              <a:rPr lang="de-DE" sz="1200" dirty="0" err="1"/>
-              <a:t>be</a:t>
-            </a:r>
-            <a:r>
-              <a:rPr lang="de-DE" sz="1200" dirty="0"/>
-              <a:t> </a:t>
-            </a:r>
-            <a:r>
-              <a:rPr lang="de-DE" sz="1200" dirty="0" err="1"/>
-              <a:t>customized</a:t>
-            </a:r>
-            <a:r>
-              <a:rPr lang="de-DE" sz="1200" dirty="0"/>
-              <a:t>.</a:t>
-            </a:r>
-            <a:br>
-              <a:rPr lang="de-DE" sz="1200" dirty="0"/>
-            </a:br>
-            <a:r>
-              <a:rPr lang="de-DE" sz="1200" dirty="0" err="1">
-                <a:latin typeface="Courier" pitchFamily="2" charset="0"/>
-              </a:rPr>
-              <a:t>label</a:t>
-            </a:r>
-            <a:r>
-              <a:rPr lang="de-DE" sz="1200" dirty="0"/>
-              <a:t>:   Label </a:t>
-            </a:r>
-            <a:r>
-              <a:rPr lang="de-DE" sz="1200" dirty="0" err="1"/>
-              <a:t>identifying</a:t>
-            </a:r>
-            <a:r>
-              <a:rPr lang="de-DE" sz="1200" dirty="0"/>
-              <a:t> </a:t>
-            </a:r>
-            <a:r>
-              <a:rPr lang="de-DE" sz="1200" dirty="0" err="1"/>
-              <a:t>the</a:t>
-            </a:r>
-            <a:r>
-              <a:rPr lang="de-DE" sz="1200" dirty="0"/>
-              <a:t> HMC </a:t>
-            </a:r>
-            <a:r>
-              <a:rPr lang="de-DE" sz="1200" dirty="0" err="1"/>
-              <a:t>the</a:t>
-            </a:r>
-            <a:r>
-              <a:rPr lang="de-DE" sz="1200" dirty="0"/>
-              <a:t> </a:t>
-            </a:r>
-            <a:r>
-              <a:rPr lang="de-DE" sz="1200" dirty="0" err="1"/>
-              <a:t>logs</a:t>
-            </a:r>
-            <a:r>
-              <a:rPr lang="de-DE" sz="1200" dirty="0"/>
-              <a:t> </a:t>
-            </a:r>
-            <a:r>
-              <a:rPr lang="de-DE" sz="1200" dirty="0" err="1"/>
-              <a:t>came</a:t>
-            </a:r>
-            <a:r>
-              <a:rPr lang="de-DE" sz="1200" dirty="0"/>
-              <a:t> </a:t>
-            </a:r>
-            <a:r>
-              <a:rPr lang="de-DE" sz="1200" dirty="0" err="1"/>
-              <a:t>from</a:t>
-            </a:r>
-            <a:r>
-              <a:rPr lang="de-DE" sz="1200" dirty="0"/>
-              <a:t>.</a:t>
-            </a:r>
-            <a:br>
-              <a:rPr lang="de-DE" sz="1200" dirty="0"/>
-            </a:br>
-            <a:r>
-              <a:rPr lang="de-DE" sz="1200" dirty="0">
-                <a:latin typeface="Courier" pitchFamily="2" charset="0"/>
-              </a:rPr>
-              <a:t>type</a:t>
-            </a:r>
-            <a:r>
-              <a:rPr lang="de-DE" sz="1200" dirty="0"/>
-              <a:t>:     Log type: Security, Audit.</a:t>
-            </a:r>
-            <a:br>
-              <a:rPr lang="de-DE" sz="1200" dirty="0"/>
-            </a:br>
-            <a:r>
-              <a:rPr lang="de-DE" sz="1200" dirty="0" err="1">
-                <a:latin typeface="Courier" pitchFamily="2" charset="0"/>
-              </a:rPr>
-              <a:t>name</a:t>
-            </a:r>
-            <a:r>
-              <a:rPr lang="de-DE" sz="1200" dirty="0"/>
-              <a:t>:     Name </a:t>
-            </a:r>
-            <a:r>
-              <a:rPr lang="de-DE" sz="1200" dirty="0" err="1"/>
-              <a:t>of</a:t>
-            </a:r>
-            <a:r>
-              <a:rPr lang="de-DE" sz="1200" dirty="0"/>
-              <a:t> </a:t>
-            </a:r>
-            <a:r>
-              <a:rPr lang="de-DE" sz="1200" dirty="0" err="1"/>
-              <a:t>the</a:t>
-            </a:r>
-            <a:r>
-              <a:rPr lang="de-DE" sz="1200" dirty="0"/>
-              <a:t> log </a:t>
-            </a:r>
-            <a:r>
-              <a:rPr lang="de-DE" sz="1200" dirty="0" err="1"/>
-              <a:t>entry</a:t>
-            </a:r>
-            <a:r>
-              <a:rPr lang="de-DE" sz="1200" dirty="0"/>
-              <a:t>.</a:t>
-            </a:r>
-            <a:br>
-              <a:rPr lang="de-DE" sz="1200" dirty="0"/>
-            </a:br>
-            <a:r>
-              <a:rPr lang="de-DE" sz="1200" dirty="0" err="1">
-                <a:latin typeface="Courier" pitchFamily="2" charset="0"/>
-              </a:rPr>
-              <a:t>id</a:t>
-            </a:r>
-            <a:r>
-              <a:rPr lang="de-DE" sz="1200" dirty="0"/>
-              <a:t>:         ID </a:t>
-            </a:r>
-            <a:r>
-              <a:rPr lang="de-DE" sz="1200" dirty="0" err="1"/>
-              <a:t>of</a:t>
-            </a:r>
-            <a:r>
-              <a:rPr lang="de-DE" sz="1200" dirty="0"/>
-              <a:t> </a:t>
-            </a:r>
-            <a:r>
-              <a:rPr lang="de-DE" sz="1200" dirty="0" err="1"/>
-              <a:t>the</a:t>
-            </a:r>
-            <a:r>
-              <a:rPr lang="de-DE" sz="1200" dirty="0"/>
-              <a:t> log </a:t>
-            </a:r>
-            <a:r>
-              <a:rPr lang="de-DE" sz="1200" dirty="0" err="1"/>
-              <a:t>entry</a:t>
-            </a:r>
-            <a:r>
-              <a:rPr lang="de-DE" sz="1200" dirty="0"/>
-              <a:t>.</a:t>
-            </a:r>
-            <a:br>
-              <a:rPr lang="de-DE" sz="1200" dirty="0"/>
-            </a:br>
-            <a:r>
-              <a:rPr lang="de-DE" sz="1200" dirty="0" err="1">
-                <a:latin typeface="Courier" pitchFamily="2" charset="0"/>
-              </a:rPr>
-              <a:t>user</a:t>
-            </a:r>
-            <a:r>
-              <a:rPr lang="de-DE" sz="1200" dirty="0"/>
-              <a:t>:     HMC </a:t>
-            </a:r>
-            <a:r>
-              <a:rPr lang="de-DE" sz="1200" dirty="0" err="1"/>
-              <a:t>userid</a:t>
-            </a:r>
-            <a:r>
-              <a:rPr lang="de-DE" sz="1200" dirty="0"/>
-              <a:t> </a:t>
-            </a:r>
-            <a:r>
-              <a:rPr lang="de-DE" sz="1200" dirty="0" err="1"/>
-              <a:t>associated</a:t>
-            </a:r>
-            <a:r>
-              <a:rPr lang="de-DE" sz="1200" dirty="0"/>
-              <a:t> </a:t>
-            </a:r>
-            <a:r>
-              <a:rPr lang="de-DE" sz="1200" dirty="0" err="1"/>
-              <a:t>with</a:t>
-            </a:r>
-            <a:r>
-              <a:rPr lang="de-DE" sz="1200" dirty="0"/>
-              <a:t> </a:t>
-            </a:r>
-            <a:r>
-              <a:rPr lang="de-DE" sz="1200" dirty="0" err="1"/>
-              <a:t>the</a:t>
-            </a:r>
-            <a:r>
-              <a:rPr lang="de-DE" sz="1200" dirty="0"/>
-              <a:t> log </a:t>
-            </a:r>
-            <a:r>
-              <a:rPr lang="de-DE" sz="1200" dirty="0" err="1"/>
-              <a:t>entry</a:t>
-            </a:r>
-            <a:r>
-              <a:rPr lang="de-DE" sz="1200" dirty="0"/>
-              <a:t>.</a:t>
-            </a:r>
-            <a:br>
-              <a:rPr lang="de-DE" sz="1200" dirty="0"/>
-            </a:br>
-            <a:br>
-              <a:rPr lang="de-DE" sz="1200" dirty="0"/>
-            </a:br>
-            <a:r>
-              <a:rPr lang="de-DE" sz="1200" dirty="0" err="1">
-                <a:latin typeface="Courier" pitchFamily="2" charset="0"/>
-              </a:rPr>
-              <a:t>msg</a:t>
-            </a:r>
-            <a:r>
-              <a:rPr lang="de-DE" sz="1200" dirty="0"/>
-              <a:t>:       </a:t>
-            </a:r>
-            <a:r>
-              <a:rPr lang="de-DE" sz="1200" dirty="0" err="1"/>
-              <a:t>Fully</a:t>
-            </a:r>
-            <a:r>
-              <a:rPr lang="de-DE" sz="1200" dirty="0"/>
-              <a:t> </a:t>
-            </a:r>
-            <a:r>
-              <a:rPr lang="de-DE" sz="1200" dirty="0" err="1"/>
-              <a:t>formatted</a:t>
-            </a:r>
-            <a:r>
-              <a:rPr lang="de-DE" sz="1200" dirty="0"/>
-              <a:t> log </a:t>
-            </a:r>
-            <a:r>
-              <a:rPr lang="de-DE" sz="1200" dirty="0" err="1"/>
-              <a:t>message</a:t>
-            </a:r>
-            <a:r>
-              <a:rPr lang="de-DE" sz="1200" dirty="0"/>
-              <a:t>, in English.</a:t>
-            </a:r>
-            <a:br>
-              <a:rPr lang="de-DE" sz="1200" dirty="0"/>
-            </a:br>
-            <a:r>
-              <a:rPr lang="de-DE" sz="1200" dirty="0" err="1">
-                <a:latin typeface="Courier" pitchFamily="2" charset="0"/>
-              </a:rPr>
-              <a:t>msg_vars</a:t>
-            </a:r>
-            <a:r>
-              <a:rPr lang="de-DE" sz="1200" dirty="0"/>
-              <a:t>:  Substitution variables </a:t>
-            </a:r>
-            <a:r>
-              <a:rPr lang="de-DE" sz="1200" dirty="0" err="1"/>
-              <a:t>used</a:t>
-            </a:r>
-            <a:r>
-              <a:rPr lang="de-DE" sz="1200" dirty="0"/>
-              <a:t> in </a:t>
-            </a:r>
-            <a:r>
-              <a:rPr lang="de-DE" sz="1200" dirty="0" err="1"/>
-              <a:t>the</a:t>
-            </a:r>
-            <a:r>
-              <a:rPr lang="de-DE" sz="1200" dirty="0"/>
-              <a:t> log </a:t>
-            </a:r>
-            <a:r>
-              <a:rPr lang="de-DE" sz="1200" dirty="0" err="1"/>
-              <a:t>message</a:t>
-            </a:r>
-            <a:br>
-              <a:rPr lang="de-DE" sz="1200" dirty="0"/>
-            </a:br>
-            <a:br>
-              <a:rPr lang="de-DE" sz="1200" dirty="0"/>
-            </a:br>
-            <a:r>
-              <a:rPr lang="de-DE" sz="1200" dirty="0" err="1">
-                <a:latin typeface="Courier" pitchFamily="2" charset="0"/>
-              </a:rPr>
-              <a:t>detail_msgs</a:t>
-            </a:r>
-            <a:r>
-              <a:rPr lang="de-DE" sz="1200" dirty="0"/>
-              <a:t>:   List </a:t>
-            </a:r>
-            <a:r>
-              <a:rPr lang="de-DE" sz="1200" dirty="0" err="1"/>
-              <a:t>of</a:t>
-            </a:r>
-            <a:r>
-              <a:rPr lang="de-DE" sz="1200" dirty="0"/>
-              <a:t> </a:t>
-            </a:r>
-            <a:r>
-              <a:rPr lang="de-DE" sz="1200" dirty="0" err="1"/>
-              <a:t>fully</a:t>
-            </a:r>
-            <a:r>
-              <a:rPr lang="de-DE" sz="1200" dirty="0"/>
-              <a:t> </a:t>
-            </a:r>
-            <a:r>
-              <a:rPr lang="de-DE" sz="1200" dirty="0" err="1"/>
-              <a:t>formatted</a:t>
-            </a:r>
-            <a:r>
-              <a:rPr lang="de-DE" sz="1200" dirty="0"/>
-              <a:t> </a:t>
-            </a:r>
-            <a:r>
-              <a:rPr lang="de-DE" sz="1200" dirty="0" err="1"/>
-              <a:t>detail</a:t>
-            </a:r>
-            <a:r>
-              <a:rPr lang="de-DE" sz="1200" dirty="0"/>
-              <a:t> log </a:t>
-            </a:r>
-            <a:r>
-              <a:rPr lang="de-DE" sz="1200" dirty="0" err="1"/>
-              <a:t>messages</a:t>
-            </a:r>
-            <a:r>
-              <a:rPr lang="de-DE" sz="1200" dirty="0"/>
-              <a:t>, in English.</a:t>
-            </a:r>
-            <a:br>
-              <a:rPr lang="de-DE" sz="1200" dirty="0"/>
-            </a:br>
-            <a:r>
-              <a:rPr lang="de-DE" sz="1200" dirty="0" err="1">
-                <a:latin typeface="Courier" pitchFamily="2" charset="0"/>
-              </a:rPr>
-              <a:t>detail_msgs_vars</a:t>
-            </a:r>
-            <a:r>
-              <a:rPr lang="de-DE" sz="1200" dirty="0"/>
-              <a:t>:  Substitution variables </a:t>
-            </a:r>
-            <a:r>
-              <a:rPr lang="de-DE" sz="1200" dirty="0" err="1"/>
-              <a:t>used</a:t>
-            </a:r>
-            <a:r>
-              <a:rPr lang="de-DE" sz="1200" dirty="0"/>
-              <a:t> in </a:t>
-            </a:r>
-            <a:r>
-              <a:rPr lang="de-DE" sz="1200" dirty="0" err="1"/>
-              <a:t>the</a:t>
-            </a:r>
-            <a:r>
-              <a:rPr lang="de-DE" sz="1200" dirty="0"/>
-              <a:t> </a:t>
-            </a:r>
-            <a:r>
-              <a:rPr lang="de-DE" sz="1200" dirty="0" err="1"/>
-              <a:t>detail</a:t>
-            </a:r>
-            <a:r>
-              <a:rPr lang="de-DE" sz="1200" dirty="0"/>
-              <a:t> log </a:t>
-            </a:r>
-            <a:r>
-              <a:rPr lang="de-DE" sz="1200" dirty="0" err="1"/>
-              <a:t>messages</a:t>
-            </a:r>
-            <a:r>
-              <a:rPr lang="de-DE" sz="1200" dirty="0"/>
-              <a:t>.</a:t>
-            </a:r>
+              <a:t> (Python </a:t>
+            </a:r>
+            <a:r>
+              <a:rPr lang="de-DE" sz="1100" dirty="0" err="1">
+                <a:latin typeface="Courier" pitchFamily="2" charset="0"/>
+              </a:rPr>
+              <a:t>logging</a:t>
+            </a:r>
+            <a:r>
+              <a:rPr lang="de-DE" sz="1100" dirty="0">
+                <a:latin typeface="Courier" pitchFamily="2" charset="0"/>
+              </a:rPr>
+              <a:t> </a:t>
+            </a:r>
+            <a:r>
+              <a:rPr lang="de-DE" sz="1100" dirty="0" err="1">
+                <a:latin typeface="Courier" pitchFamily="2" charset="0"/>
+              </a:rPr>
+              <a:t>placeholders</a:t>
+            </a:r>
+            <a:r>
+              <a:rPr lang="de-DE" sz="1100" dirty="0">
+                <a:latin typeface="Courier" pitchFamily="2" charset="0"/>
+              </a:rPr>
+              <a:t>)</a:t>
+            </a:r>
+            <a:br>
+              <a:rPr lang="de-DE" sz="1100" dirty="0">
+                <a:latin typeface="Courier" pitchFamily="2" charset="0"/>
+              </a:rPr>
+            </a:br>
+            <a:r>
+              <a:rPr lang="de-DE" sz="1100" dirty="0" err="1">
+                <a:latin typeface="Courier" pitchFamily="2" charset="0"/>
+              </a:rPr>
+              <a:t>selflog_time_format</a:t>
+            </a:r>
+            <a:r>
+              <a:rPr lang="de-DE" sz="1100" dirty="0">
+                <a:latin typeface="Courier" pitchFamily="2" charset="0"/>
+              </a:rPr>
+              <a:t>: '%Y-%m-%d %H:%M:%S.%</a:t>
+            </a:r>
+            <a:r>
+              <a:rPr lang="de-DE" sz="1100" dirty="0" err="1">
+                <a:latin typeface="Courier" pitchFamily="2" charset="0"/>
+              </a:rPr>
+              <a:t>f%z</a:t>
+            </a:r>
+            <a:r>
+              <a:rPr lang="de-DE" sz="1100" dirty="0">
+                <a:latin typeface="Courier" pitchFamily="2" charset="0"/>
+              </a:rPr>
+              <a:t>'  # Format </a:t>
+            </a:r>
+            <a:r>
+              <a:rPr lang="de-DE" sz="1100" dirty="0" err="1">
+                <a:latin typeface="Courier" pitchFamily="2" charset="0"/>
+              </a:rPr>
+              <a:t>for</a:t>
+            </a:r>
+            <a:r>
+              <a:rPr lang="de-DE" sz="1100" dirty="0">
+                <a:latin typeface="Courier" pitchFamily="2" charset="0"/>
+              </a:rPr>
+              <a:t> '</a:t>
+            </a:r>
+            <a:r>
+              <a:rPr lang="de-DE" sz="1100" dirty="0" err="1">
+                <a:latin typeface="Courier" pitchFamily="2" charset="0"/>
+              </a:rPr>
+              <a:t>asctime</a:t>
+            </a:r>
+            <a:r>
+              <a:rPr lang="de-DE" sz="1100" dirty="0">
+                <a:latin typeface="Courier" pitchFamily="2" charset="0"/>
+              </a:rPr>
+              <a:t>' </a:t>
+            </a:r>
+            <a:r>
+              <a:rPr lang="de-DE" sz="1100" dirty="0" err="1">
+                <a:latin typeface="Courier" pitchFamily="2" charset="0"/>
+              </a:rPr>
+              <a:t>field</a:t>
+            </a:r>
+            <a:br>
+              <a:rPr lang="de-DE" sz="1100" dirty="0">
+                <a:latin typeface="Courier" pitchFamily="2" charset="0"/>
+              </a:rPr>
+            </a:br>
+            <a:endParaRPr lang="de-DE" sz="1100" dirty="0">
+              <a:latin typeface="Courier" pitchFamily="2" charset="0"/>
+            </a:endParaRPr>
           </a:p>
         </p:txBody>
       </p:sp>
     </p:spTree>
     <p:extLst>
       <p:ext uri="{BB962C8B-B14F-4D97-AF65-F5344CB8AC3E}">
-        <p14:creationId xmlns:p14="http://schemas.microsoft.com/office/powerpoint/2010/main" val="638328827"/>
+        <p14:creationId xmlns:p14="http://schemas.microsoft.com/office/powerpoint/2010/main" val="3028739633"/>
       </p:ext>
     </p:extLst>
   </p:cSld>
@@ -6404,7 +6191,7 @@
                   <a:srgbClr val="000099"/>
                 </a:solidFill>
               </a:rPr>
-              <a:t>Example output</a:t>
+              <a:t>Output fields</a:t>
             </a:r>
             <a:endParaRPr lang="de-DE" sz="2400" b="1" dirty="0"/>
           </a:p>
@@ -6428,8 +6215,8 @@
         </p:nvSpPr>
         <p:spPr>
           <a:xfrm>
-            <a:off x="121920" y="1043801"/>
-            <a:ext cx="8874034" cy="4355514"/>
+            <a:off x="457200" y="1043801"/>
+            <a:ext cx="8329749" cy="4355514"/>
           </a:xfrm>
         </p:spPr>
         <p:txBody>
@@ -6445,6 +6232,678 @@
               <a:buNone/>
             </a:pPr>
             <a:r>
+              <a:rPr lang="de-DE" sz="1200" dirty="0" err="1"/>
+              <a:t>Example</a:t>
+            </a:r>
+            <a:r>
+              <a:rPr lang="de-DE" sz="1200" dirty="0"/>
+              <a:t> (</a:t>
+            </a:r>
+            <a:r>
+              <a:rPr lang="de-DE" sz="1200" dirty="0" err="1"/>
+              <a:t>config</a:t>
+            </a:r>
+            <a:r>
+              <a:rPr lang="de-DE" sz="1200" dirty="0"/>
+              <a:t> </a:t>
+            </a:r>
+            <a:r>
+              <a:rPr lang="de-DE" sz="1200" dirty="0" err="1"/>
+              <a:t>file</a:t>
+            </a:r>
+            <a:r>
+              <a:rPr lang="de-DE" sz="1200" dirty="0"/>
+              <a:t> </a:t>
+            </a:r>
+            <a:r>
+              <a:rPr lang="de-DE" sz="1200" dirty="0" err="1"/>
+              <a:t>syntax</a:t>
+            </a:r>
+            <a:r>
+              <a:rPr lang="de-DE" sz="1200" dirty="0"/>
+              <a:t>):</a:t>
+            </a:r>
+            <a:br>
+              <a:rPr lang="de-DE" sz="1100" dirty="0">
+                <a:latin typeface="Courier" pitchFamily="2" charset="0"/>
+              </a:rPr>
+            </a:br>
+            <a:br>
+              <a:rPr lang="de-DE" sz="1100" dirty="0">
+                <a:latin typeface="Courier" pitchFamily="2" charset="0"/>
+              </a:rPr>
+            </a:br>
+            <a:r>
+              <a:rPr lang="de-DE" sz="1100" dirty="0">
+                <a:latin typeface="Courier" pitchFamily="2" charset="0"/>
+              </a:rPr>
+              <a:t>    </a:t>
+            </a:r>
+            <a:r>
+              <a:rPr lang="de-DE" sz="1100" dirty="0" err="1">
+                <a:latin typeface="Courier" pitchFamily="2" charset="0"/>
+              </a:rPr>
+              <a:t>format</a:t>
+            </a:r>
+            <a:r>
+              <a:rPr lang="de-DE" sz="1100" dirty="0">
+                <a:latin typeface="Courier" pitchFamily="2" charset="0"/>
+              </a:rPr>
+              <a:t>: '{time:32} {</a:t>
+            </a:r>
+            <a:r>
+              <a:rPr lang="de-DE" sz="1100" dirty="0" err="1">
+                <a:latin typeface="Courier" pitchFamily="2" charset="0"/>
+              </a:rPr>
+              <a:t>label</a:t>
+            </a:r>
+            <a:r>
+              <a:rPr lang="de-DE" sz="1100" dirty="0">
+                <a:latin typeface="Courier" pitchFamily="2" charset="0"/>
+              </a:rPr>
+              <a:t>} {type:8} {name:12} {</a:t>
+            </a:r>
+            <a:r>
+              <a:rPr lang="de-DE" sz="1100" dirty="0" err="1">
+                <a:latin typeface="Courier" pitchFamily="2" charset="0"/>
+              </a:rPr>
+              <a:t>id</a:t>
+            </a:r>
+            <a:r>
+              <a:rPr lang="de-DE" sz="1100" dirty="0">
+                <a:latin typeface="Courier" pitchFamily="2" charset="0"/>
+              </a:rPr>
+              <a:t>:&gt;4} {user:20} {</a:t>
+            </a:r>
+            <a:r>
+              <a:rPr lang="de-DE" sz="1100" dirty="0" err="1">
+                <a:latin typeface="Courier" pitchFamily="2" charset="0"/>
+              </a:rPr>
+              <a:t>msg</a:t>
+            </a:r>
+            <a:r>
+              <a:rPr lang="de-DE" sz="1100" dirty="0">
+                <a:latin typeface="Courier" pitchFamily="2" charset="0"/>
+              </a:rPr>
+              <a:t>}'</a:t>
+            </a:r>
+            <a:br>
+              <a:rPr lang="de-DE" sz="1100" dirty="0">
+                <a:latin typeface="Courier" pitchFamily="2" charset="0"/>
+              </a:rPr>
+            </a:br>
+            <a:br>
+              <a:rPr lang="de-DE" sz="1100" dirty="0">
+                <a:latin typeface="Courier" pitchFamily="2" charset="0"/>
+              </a:rPr>
+            </a:br>
+            <a:r>
+              <a:rPr lang="de-DE" sz="1200" dirty="0" err="1"/>
+              <a:t>Supported</a:t>
+            </a:r>
+            <a:r>
+              <a:rPr lang="de-DE" sz="1200" dirty="0"/>
+              <a:t> </a:t>
+            </a:r>
+            <a:r>
+              <a:rPr lang="de-DE" sz="1200" dirty="0" err="1"/>
+              <a:t>fields</a:t>
+            </a:r>
+            <a:r>
+              <a:rPr lang="de-DE" sz="1200" dirty="0"/>
+              <a:t>:</a:t>
+            </a:r>
+            <a:br>
+              <a:rPr lang="de-DE" sz="1200" dirty="0"/>
+            </a:br>
+            <a:br>
+              <a:rPr lang="de-DE" sz="1200" dirty="0"/>
+            </a:br>
+            <a:r>
+              <a:rPr lang="de-DE" sz="1200" dirty="0">
+                <a:latin typeface="Courier" pitchFamily="2" charset="0"/>
+              </a:rPr>
+              <a:t>time</a:t>
+            </a:r>
+            <a:r>
+              <a:rPr lang="de-DE" sz="1200" dirty="0"/>
+              <a:t>:     Time </a:t>
+            </a:r>
+            <a:r>
+              <a:rPr lang="de-DE" sz="1200" dirty="0" err="1"/>
+              <a:t>stamp</a:t>
+            </a:r>
+            <a:r>
+              <a:rPr lang="de-DE" sz="1200" dirty="0"/>
+              <a:t> </a:t>
+            </a:r>
+            <a:r>
+              <a:rPr lang="de-DE" sz="1200" dirty="0" err="1"/>
+              <a:t>of</a:t>
+            </a:r>
+            <a:r>
+              <a:rPr lang="de-DE" sz="1200" dirty="0"/>
+              <a:t> </a:t>
+            </a:r>
+            <a:r>
+              <a:rPr lang="de-DE" sz="1200" dirty="0" err="1"/>
+              <a:t>the</a:t>
+            </a:r>
+            <a:r>
+              <a:rPr lang="de-DE" sz="1200" dirty="0"/>
+              <a:t> log </a:t>
+            </a:r>
+            <a:r>
+              <a:rPr lang="de-DE" sz="1200" dirty="0" err="1"/>
+              <a:t>entry</a:t>
+            </a:r>
+            <a:r>
+              <a:rPr lang="de-DE" sz="1200" dirty="0"/>
+              <a:t>. Format </a:t>
+            </a:r>
+            <a:r>
+              <a:rPr lang="de-DE" sz="1200" dirty="0" err="1"/>
+              <a:t>can</a:t>
+            </a:r>
+            <a:r>
+              <a:rPr lang="de-DE" sz="1200" dirty="0"/>
+              <a:t> </a:t>
+            </a:r>
+            <a:r>
+              <a:rPr lang="de-DE" sz="1200" dirty="0" err="1"/>
+              <a:t>be</a:t>
+            </a:r>
+            <a:r>
+              <a:rPr lang="de-DE" sz="1200" dirty="0"/>
+              <a:t> </a:t>
+            </a:r>
+            <a:r>
+              <a:rPr lang="de-DE" sz="1200" dirty="0" err="1"/>
+              <a:t>customized</a:t>
+            </a:r>
+            <a:r>
+              <a:rPr lang="de-DE" sz="1200" dirty="0"/>
+              <a:t>.</a:t>
+            </a:r>
+            <a:br>
+              <a:rPr lang="de-DE" sz="1200" dirty="0"/>
+            </a:br>
+            <a:r>
+              <a:rPr lang="de-DE" sz="1200" dirty="0" err="1">
+                <a:latin typeface="Courier" pitchFamily="2" charset="0"/>
+              </a:rPr>
+              <a:t>label</a:t>
+            </a:r>
+            <a:r>
+              <a:rPr lang="de-DE" sz="1200" dirty="0"/>
+              <a:t>:   Label </a:t>
+            </a:r>
+            <a:r>
+              <a:rPr lang="de-DE" sz="1200" dirty="0" err="1"/>
+              <a:t>identifying</a:t>
+            </a:r>
+            <a:r>
+              <a:rPr lang="de-DE" sz="1200" dirty="0"/>
+              <a:t> </a:t>
+            </a:r>
+            <a:r>
+              <a:rPr lang="de-DE" sz="1200" dirty="0" err="1"/>
+              <a:t>the</a:t>
+            </a:r>
+            <a:r>
+              <a:rPr lang="de-DE" sz="1200" dirty="0"/>
+              <a:t> HMC </a:t>
+            </a:r>
+            <a:r>
+              <a:rPr lang="de-DE" sz="1200" dirty="0" err="1"/>
+              <a:t>the</a:t>
+            </a:r>
+            <a:r>
+              <a:rPr lang="de-DE" sz="1200" dirty="0"/>
+              <a:t> </a:t>
+            </a:r>
+            <a:r>
+              <a:rPr lang="de-DE" sz="1200" dirty="0" err="1"/>
+              <a:t>logs</a:t>
+            </a:r>
+            <a:r>
+              <a:rPr lang="de-DE" sz="1200" dirty="0"/>
+              <a:t> </a:t>
+            </a:r>
+            <a:r>
+              <a:rPr lang="de-DE" sz="1200" dirty="0" err="1"/>
+              <a:t>came</a:t>
+            </a:r>
+            <a:r>
+              <a:rPr lang="de-DE" sz="1200" dirty="0"/>
+              <a:t> </a:t>
+            </a:r>
+            <a:r>
+              <a:rPr lang="de-DE" sz="1200" dirty="0" err="1"/>
+              <a:t>from</a:t>
+            </a:r>
+            <a:r>
+              <a:rPr lang="de-DE" sz="1200" dirty="0"/>
+              <a:t>.</a:t>
+            </a:r>
+            <a:br>
+              <a:rPr lang="de-DE" sz="1200" dirty="0"/>
+            </a:br>
+            <a:r>
+              <a:rPr lang="de-DE" sz="1200" dirty="0">
+                <a:latin typeface="Courier" pitchFamily="2" charset="0"/>
+              </a:rPr>
+              <a:t>type</a:t>
+            </a:r>
+            <a:r>
+              <a:rPr lang="de-DE" sz="1200" dirty="0"/>
+              <a:t>:     Log type: Security, Audit.</a:t>
+            </a:r>
+            <a:br>
+              <a:rPr lang="de-DE" sz="1200" dirty="0"/>
+            </a:br>
+            <a:r>
+              <a:rPr lang="de-DE" sz="1200" dirty="0" err="1">
+                <a:latin typeface="Courier" pitchFamily="2" charset="0"/>
+              </a:rPr>
+              <a:t>name</a:t>
+            </a:r>
+            <a:r>
+              <a:rPr lang="de-DE" sz="1200" dirty="0"/>
+              <a:t>:     Name </a:t>
+            </a:r>
+            <a:r>
+              <a:rPr lang="de-DE" sz="1200" dirty="0" err="1"/>
+              <a:t>of</a:t>
+            </a:r>
+            <a:r>
+              <a:rPr lang="de-DE" sz="1200" dirty="0"/>
+              <a:t> </a:t>
+            </a:r>
+            <a:r>
+              <a:rPr lang="de-DE" sz="1200" dirty="0" err="1"/>
+              <a:t>the</a:t>
+            </a:r>
+            <a:r>
+              <a:rPr lang="de-DE" sz="1200" dirty="0"/>
+              <a:t> log </a:t>
+            </a:r>
+            <a:r>
+              <a:rPr lang="de-DE" sz="1200" dirty="0" err="1"/>
+              <a:t>entry</a:t>
+            </a:r>
+            <a:r>
+              <a:rPr lang="de-DE" sz="1200" dirty="0"/>
+              <a:t>.</a:t>
+            </a:r>
+            <a:br>
+              <a:rPr lang="de-DE" sz="1200" dirty="0"/>
+            </a:br>
+            <a:r>
+              <a:rPr lang="de-DE" sz="1200" dirty="0" err="1">
+                <a:latin typeface="Courier" pitchFamily="2" charset="0"/>
+              </a:rPr>
+              <a:t>id</a:t>
+            </a:r>
+            <a:r>
+              <a:rPr lang="de-DE" sz="1200" dirty="0"/>
+              <a:t>:         ID </a:t>
+            </a:r>
+            <a:r>
+              <a:rPr lang="de-DE" sz="1200" dirty="0" err="1"/>
+              <a:t>of</a:t>
+            </a:r>
+            <a:r>
+              <a:rPr lang="de-DE" sz="1200" dirty="0"/>
+              <a:t> </a:t>
+            </a:r>
+            <a:r>
+              <a:rPr lang="de-DE" sz="1200" dirty="0" err="1"/>
+              <a:t>the</a:t>
+            </a:r>
+            <a:r>
+              <a:rPr lang="de-DE" sz="1200" dirty="0"/>
+              <a:t> log </a:t>
+            </a:r>
+            <a:r>
+              <a:rPr lang="de-DE" sz="1200" dirty="0" err="1"/>
+              <a:t>entry</a:t>
+            </a:r>
+            <a:r>
+              <a:rPr lang="de-DE" sz="1200" dirty="0"/>
+              <a:t>.</a:t>
+            </a:r>
+            <a:br>
+              <a:rPr lang="de-DE" sz="1200" dirty="0"/>
+            </a:br>
+            <a:r>
+              <a:rPr lang="de-DE" sz="1200" dirty="0" err="1">
+                <a:latin typeface="Courier" pitchFamily="2" charset="0"/>
+              </a:rPr>
+              <a:t>user</a:t>
+            </a:r>
+            <a:r>
+              <a:rPr lang="de-DE" sz="1200" dirty="0"/>
+              <a:t>:     HMC </a:t>
+            </a:r>
+            <a:r>
+              <a:rPr lang="de-DE" sz="1200" dirty="0" err="1"/>
+              <a:t>userid</a:t>
+            </a:r>
+            <a:r>
+              <a:rPr lang="de-DE" sz="1200" dirty="0"/>
+              <a:t> </a:t>
+            </a:r>
+            <a:r>
+              <a:rPr lang="de-DE" sz="1200" dirty="0" err="1"/>
+              <a:t>associated</a:t>
+            </a:r>
+            <a:r>
+              <a:rPr lang="de-DE" sz="1200" dirty="0"/>
+              <a:t> </a:t>
+            </a:r>
+            <a:r>
+              <a:rPr lang="de-DE" sz="1200" dirty="0" err="1"/>
+              <a:t>with</a:t>
+            </a:r>
+            <a:r>
+              <a:rPr lang="de-DE" sz="1200" dirty="0"/>
+              <a:t> </a:t>
+            </a:r>
+            <a:r>
+              <a:rPr lang="de-DE" sz="1200" dirty="0" err="1"/>
+              <a:t>the</a:t>
+            </a:r>
+            <a:r>
+              <a:rPr lang="de-DE" sz="1200" dirty="0"/>
+              <a:t> log </a:t>
+            </a:r>
+            <a:r>
+              <a:rPr lang="de-DE" sz="1200" dirty="0" err="1"/>
+              <a:t>entry</a:t>
+            </a:r>
+            <a:r>
+              <a:rPr lang="de-DE" sz="1200" dirty="0"/>
+              <a:t>.</a:t>
+            </a:r>
+            <a:br>
+              <a:rPr lang="de-DE" sz="1200" dirty="0"/>
+            </a:br>
+            <a:br>
+              <a:rPr lang="de-DE" sz="1200" dirty="0"/>
+            </a:br>
+            <a:r>
+              <a:rPr lang="de-DE" sz="1200" dirty="0" err="1">
+                <a:latin typeface="Courier" pitchFamily="2" charset="0"/>
+              </a:rPr>
+              <a:t>msg</a:t>
+            </a:r>
+            <a:r>
+              <a:rPr lang="de-DE" sz="1200" dirty="0"/>
+              <a:t>:       </a:t>
+            </a:r>
+            <a:r>
+              <a:rPr lang="de-DE" sz="1200" dirty="0" err="1"/>
+              <a:t>Fully</a:t>
+            </a:r>
+            <a:r>
+              <a:rPr lang="de-DE" sz="1200" dirty="0"/>
+              <a:t> </a:t>
+            </a:r>
+            <a:r>
+              <a:rPr lang="de-DE" sz="1200" dirty="0" err="1"/>
+              <a:t>formatted</a:t>
+            </a:r>
+            <a:r>
+              <a:rPr lang="de-DE" sz="1200" dirty="0"/>
+              <a:t> log </a:t>
+            </a:r>
+            <a:r>
+              <a:rPr lang="de-DE" sz="1200" dirty="0" err="1"/>
+              <a:t>message</a:t>
+            </a:r>
+            <a:r>
+              <a:rPr lang="de-DE" sz="1200" dirty="0"/>
+              <a:t>, in English.</a:t>
+            </a:r>
+            <a:br>
+              <a:rPr lang="de-DE" sz="1200" dirty="0"/>
+            </a:br>
+            <a:r>
+              <a:rPr lang="de-DE" sz="1200" dirty="0" err="1">
+                <a:latin typeface="Courier" pitchFamily="2" charset="0"/>
+              </a:rPr>
+              <a:t>msg_vars</a:t>
+            </a:r>
+            <a:r>
+              <a:rPr lang="de-DE" sz="1200" dirty="0"/>
+              <a:t>:  Substitution variables </a:t>
+            </a:r>
+            <a:r>
+              <a:rPr lang="de-DE" sz="1200" dirty="0" err="1"/>
+              <a:t>used</a:t>
+            </a:r>
+            <a:r>
+              <a:rPr lang="de-DE" sz="1200" dirty="0"/>
+              <a:t> in </a:t>
+            </a:r>
+            <a:r>
+              <a:rPr lang="de-DE" sz="1200" dirty="0" err="1"/>
+              <a:t>the</a:t>
+            </a:r>
+            <a:r>
+              <a:rPr lang="de-DE" sz="1200" dirty="0"/>
+              <a:t> log </a:t>
+            </a:r>
+            <a:r>
+              <a:rPr lang="de-DE" sz="1200" dirty="0" err="1"/>
+              <a:t>message</a:t>
+            </a:r>
+            <a:br>
+              <a:rPr lang="de-DE" sz="1200" dirty="0"/>
+            </a:br>
+            <a:br>
+              <a:rPr lang="de-DE" sz="1200" dirty="0"/>
+            </a:br>
+            <a:r>
+              <a:rPr lang="de-DE" sz="1200" dirty="0" err="1">
+                <a:latin typeface="Courier" pitchFamily="2" charset="0"/>
+              </a:rPr>
+              <a:t>detail_msgs</a:t>
+            </a:r>
+            <a:r>
+              <a:rPr lang="de-DE" sz="1200" dirty="0"/>
+              <a:t>:   List </a:t>
+            </a:r>
+            <a:r>
+              <a:rPr lang="de-DE" sz="1200" dirty="0" err="1"/>
+              <a:t>of</a:t>
+            </a:r>
+            <a:r>
+              <a:rPr lang="de-DE" sz="1200" dirty="0"/>
+              <a:t> </a:t>
+            </a:r>
+            <a:r>
+              <a:rPr lang="de-DE" sz="1200" dirty="0" err="1"/>
+              <a:t>fully</a:t>
+            </a:r>
+            <a:r>
+              <a:rPr lang="de-DE" sz="1200" dirty="0"/>
+              <a:t> </a:t>
+            </a:r>
+            <a:r>
+              <a:rPr lang="de-DE" sz="1200" dirty="0" err="1"/>
+              <a:t>formatted</a:t>
+            </a:r>
+            <a:r>
+              <a:rPr lang="de-DE" sz="1200" dirty="0"/>
+              <a:t> </a:t>
+            </a:r>
+            <a:r>
+              <a:rPr lang="de-DE" sz="1200" dirty="0" err="1"/>
+              <a:t>detail</a:t>
+            </a:r>
+            <a:r>
+              <a:rPr lang="de-DE" sz="1200" dirty="0"/>
+              <a:t> log </a:t>
+            </a:r>
+            <a:r>
+              <a:rPr lang="de-DE" sz="1200" dirty="0" err="1"/>
+              <a:t>messages</a:t>
+            </a:r>
+            <a:r>
+              <a:rPr lang="de-DE" sz="1200" dirty="0"/>
+              <a:t>, in English.</a:t>
+            </a:r>
+            <a:br>
+              <a:rPr lang="de-DE" sz="1200" dirty="0"/>
+            </a:br>
+            <a:r>
+              <a:rPr lang="de-DE" sz="1200" dirty="0" err="1">
+                <a:latin typeface="Courier" pitchFamily="2" charset="0"/>
+              </a:rPr>
+              <a:t>detail_msgs_vars</a:t>
+            </a:r>
+            <a:r>
+              <a:rPr lang="de-DE" sz="1200" dirty="0"/>
+              <a:t>:  Substitution variables </a:t>
+            </a:r>
+            <a:r>
+              <a:rPr lang="de-DE" sz="1200" dirty="0" err="1"/>
+              <a:t>used</a:t>
+            </a:r>
+            <a:r>
+              <a:rPr lang="de-DE" sz="1200" dirty="0"/>
+              <a:t> in </a:t>
+            </a:r>
+            <a:r>
+              <a:rPr lang="de-DE" sz="1200" dirty="0" err="1"/>
+              <a:t>the</a:t>
+            </a:r>
+            <a:r>
+              <a:rPr lang="de-DE" sz="1200" dirty="0"/>
+              <a:t> </a:t>
+            </a:r>
+            <a:r>
+              <a:rPr lang="de-DE" sz="1200" dirty="0" err="1"/>
+              <a:t>detail</a:t>
+            </a:r>
+            <a:r>
+              <a:rPr lang="de-DE" sz="1200" dirty="0"/>
+              <a:t> log </a:t>
+            </a:r>
+            <a:r>
+              <a:rPr lang="de-DE" sz="1200" dirty="0" err="1"/>
+              <a:t>messages</a:t>
+            </a:r>
+            <a:r>
+              <a:rPr lang="de-DE" sz="1200" dirty="0"/>
+              <a:t>.</a:t>
+            </a:r>
+          </a:p>
+        </p:txBody>
+      </p:sp>
+    </p:spTree>
+    <p:extLst>
+      <p:ext uri="{BB962C8B-B14F-4D97-AF65-F5344CB8AC3E}">
+        <p14:creationId xmlns:p14="http://schemas.microsoft.com/office/powerpoint/2010/main" val="638328827"/>
+      </p:ext>
+    </p:extLst>
+  </p:cSld>
+  <p:clrMapOvr>
+    <a:masterClrMapping/>
+  </p:clrMapOvr>
+</p:sld>
+</file>
+
+<file path=ppt/slides/slide9.xml><?xml version="1.0" encoding="utf-8"?>
+<p:sld xmlns:a="http://schemas.openxmlformats.org/drawingml/2006/main" xmlns:r="http://schemas.openxmlformats.org/officeDocument/2006/relationships" xmlns:p="http://schemas.openxmlformats.org/presentationml/2006/main">
+  <p:cSld>
+    <p:spTree>
+      <p:nvGrpSpPr>
+        <p:cNvPr id="1" name=""/>
+        <p:cNvGrpSpPr/>
+        <p:nvPr/>
+      </p:nvGrpSpPr>
+      <p:grpSpPr>
+        <a:xfrm>
+          <a:off x="0" y="0"/>
+          <a:ext cx="0" cy="0"/>
+          <a:chOff x="0" y="0"/>
+          <a:chExt cx="0" cy="0"/>
+        </a:xfrm>
+      </p:grpSpPr>
+      <p:sp>
+        <p:nvSpPr>
+          <p:cNvPr id="2" name="Title 1">
+            <a:extLst>
+              <a:ext uri="{FF2B5EF4-FFF2-40B4-BE49-F238E27FC236}">
+                <a16:creationId xmlns:a16="http://schemas.microsoft.com/office/drawing/2014/main" id="{53FCEA50-75E5-6740-A1DB-5AC3A2BB12F2}"/>
+              </a:ext>
+            </a:extLst>
+          </p:cNvPr>
+          <p:cNvSpPr>
+            <a:spLocks noGrp="1"/>
+          </p:cNvSpPr>
+          <p:nvPr>
+            <p:ph type="title"/>
+          </p:nvPr>
+        </p:nvSpPr>
+        <p:spPr/>
+        <p:txBody>
+          <a:bodyPr>
+            <a:normAutofit fontScale="90000"/>
+          </a:bodyPr>
+          <a:lstStyle/>
+          <a:p>
+            <a:pPr algn="ctr"/>
+            <a:r>
+              <a:rPr lang="en-US" spc="-1" dirty="0">
+                <a:solidFill>
+                  <a:srgbClr val="000099"/>
+                </a:solidFill>
+              </a:rPr>
+              <a:t>Example output</a:t>
+            </a:r>
+            <a:endParaRPr lang="de-DE" sz="2400" b="1" dirty="0"/>
+          </a:p>
+        </p:txBody>
+      </p:sp>
+      <p:sp>
+        <p:nvSpPr>
+          <p:cNvPr id="3" name="Text Placeholder 2">
+            <a:extLst>
+              <a:ext uri="{FF2B5EF4-FFF2-40B4-BE49-F238E27FC236}">
+                <a16:creationId xmlns:a16="http://schemas.microsoft.com/office/drawing/2014/main" id="{8D2DC10C-EC13-E244-8A8A-3271E75E2BF0}"/>
+              </a:ext>
+            </a:extLst>
+          </p:cNvPr>
+          <p:cNvSpPr>
+            <a:spLocks noGrp="1"/>
+          </p:cNvSpPr>
+          <p:nvPr>
+            <p:ph type="body" sz="quarter" idx="10"/>
+          </p:nvPr>
+        </p:nvSpPr>
+        <p:spPr>
+          <a:xfrm>
+            <a:off x="128187" y="1043801"/>
+            <a:ext cx="8844896" cy="4355514"/>
+          </a:xfrm>
+        </p:spPr>
+        <p:txBody>
+          <a:bodyPr wrap="none" tIns="46800">
+            <a:noAutofit/>
+          </a:bodyPr>
+          <a:lstStyle/>
+          <a:p>
+            <a:pPr marL="0" indent="0">
+              <a:lnSpc>
+                <a:spcPct val="100000"/>
+              </a:lnSpc>
+              <a:buNone/>
+            </a:pPr>
+            <a:r>
               <a:rPr lang="de-DE" sz="1000" dirty="0">
                 <a:latin typeface="Courier" pitchFamily="2" charset="0"/>
               </a:rPr>
@@ -6460,18 +6919,19 @@
               <a:rPr lang="de-DE" sz="1000" dirty="0">
                 <a:latin typeface="Courier" pitchFamily="2" charset="0"/>
               </a:rPr>
-              <a:t> -c wdc04-05.config.yml</a:t>
-            </a:r>
-            <a:br>
-              <a:rPr lang="de-DE" sz="1000" dirty="0">
-                <a:latin typeface="Courier" pitchFamily="2" charset="0"/>
-              </a:rPr>
-            </a:br>
-            <a:br>
-              <a:rPr lang="de-DE" sz="1000" dirty="0">
-                <a:latin typeface="Courier" pitchFamily="2" charset="0"/>
-              </a:rPr>
-            </a:br>
+              <a:t> -c dal13-01.config.yml</a:t>
+            </a:r>
+            <a:br>
+              <a:rPr lang="de-DE" sz="1000" dirty="0">
+                <a:latin typeface="Courier" pitchFamily="2" charset="0"/>
+              </a:rPr>
+            </a:br>
+            <a:r>
+              <a:rPr lang="de-DE" sz="1000" dirty="0">
+                <a:latin typeface="Courier" pitchFamily="2" charset="0"/>
+              </a:rPr>
+              <a:t>2019-08-13 09:28:37 </a:t>
+            </a:r>
             <a:r>
               <a:rPr lang="de-DE" sz="1000" dirty="0" err="1">
                 <a:latin typeface="Courier" pitchFamily="2" charset="0"/>
@@ -6482,146 +6942,896 @@
               <a:rPr lang="de-DE" sz="1000" dirty="0">
                 <a:latin typeface="Courier" pitchFamily="2" charset="0"/>
               </a:rPr>
-              <a:t> </a:t>
+              <a:t> INFO </a:t>
             </a:r>
             <a:r>
               <a:rPr lang="de-DE" sz="1000" dirty="0" err="1">
                 <a:latin typeface="Courier" pitchFamily="2" charset="0"/>
               </a:rPr>
+              <a:t>zhmc_log_forwarder</a:t>
+            </a:r>
+            <a:r>
+              <a:rPr lang="de-DE" sz="1000" dirty="0">
+                <a:latin typeface="Courier" pitchFamily="2" charset="0"/>
+              </a:rPr>
+              <a:t> </a:t>
+            </a:r>
+            <a:r>
+              <a:rPr lang="de-DE" sz="1000" dirty="0" err="1">
+                <a:latin typeface="Courier" pitchFamily="2" charset="0"/>
+              </a:rPr>
+              <a:t>starting</a:t>
+            </a:r>
+            <a:br>
+              <a:rPr lang="de-DE" sz="1000" dirty="0">
+                <a:latin typeface="Courier" pitchFamily="2" charset="0"/>
+              </a:rPr>
+            </a:br>
+            <a:r>
+              <a:rPr lang="de-DE" sz="1000" dirty="0">
+                <a:latin typeface="Courier" pitchFamily="2" charset="0"/>
+              </a:rPr>
+              <a:t>2019-08-13 09:28:37 </a:t>
+            </a:r>
+            <a:r>
+              <a:rPr lang="de-DE" sz="1000" dirty="0" err="1">
+                <a:latin typeface="Courier" pitchFamily="2" charset="0"/>
+              </a:rPr>
+              <a:t>zhmc_log_forwarder</a:t>
+            </a:r>
+            <a:r>
+              <a:rPr lang="de-DE" sz="1000" dirty="0">
+                <a:latin typeface="Courier" pitchFamily="2" charset="0"/>
+              </a:rPr>
+              <a:t> INFO </a:t>
+            </a:r>
+            <a:r>
+              <a:rPr lang="de-DE" sz="1000" dirty="0" err="1">
+                <a:latin typeface="Courier" pitchFamily="2" charset="0"/>
+              </a:rPr>
+              <a:t>zhmc_log_forwarder</a:t>
+            </a:r>
+            <a:r>
+              <a:rPr lang="de-DE" sz="1000" dirty="0">
+                <a:latin typeface="Courier" pitchFamily="2" charset="0"/>
+              </a:rPr>
+              <a:t> </a:t>
+            </a:r>
+            <a:r>
+              <a:rPr lang="de-DE" sz="1000" dirty="0" err="1">
+                <a:latin typeface="Courier" pitchFamily="2" charset="0"/>
+              </a:rPr>
               <a:t>version</a:t>
             </a:r>
             <a:r>
               <a:rPr lang="de-DE" sz="1000" dirty="0">
                 <a:latin typeface="Courier" pitchFamily="2" charset="0"/>
               </a:rPr>
-              <a:t> 0.5.1</a:t>
-            </a:r>
-            <a:r>
-              <a:rPr lang="de-DE" sz="1000">
-                <a:latin typeface="Courier" pitchFamily="2" charset="0"/>
-              </a:rPr>
-              <a:t>.dev6</a:t>
-            </a:r>
-            <a:br>
-              <a:rPr lang="de-DE" sz="1000" dirty="0">
-                <a:latin typeface="Courier" pitchFamily="2" charset="0"/>
-              </a:rPr>
-            </a:br>
-            <a:r>
-              <a:rPr lang="de-DE" sz="1000" dirty="0">
-                <a:latin typeface="Courier" pitchFamily="2" charset="0"/>
-              </a:rPr>
+              <a:t>: 0.5.1.dev7</a:t>
+            </a:r>
+            <a:br>
+              <a:rPr lang="de-DE" sz="1000" dirty="0">
+                <a:latin typeface="Courier" pitchFamily="2" charset="0"/>
+              </a:rPr>
+            </a:br>
+            <a:r>
+              <a:rPr lang="de-DE" sz="1000" dirty="0">
+                <a:latin typeface="Courier" pitchFamily="2" charset="0"/>
+              </a:rPr>
+              <a:t>2019-08-13 09:28:37 </a:t>
+            </a:r>
+            <a:r>
+              <a:rPr lang="de-DE" sz="1000" dirty="0" err="1">
+                <a:latin typeface="Courier" pitchFamily="2" charset="0"/>
+              </a:rPr>
+              <a:t>zhmc_log_forwarder</a:t>
+            </a:r>
+            <a:r>
+              <a:rPr lang="de-DE" sz="1000" dirty="0">
+                <a:latin typeface="Courier" pitchFamily="2" charset="0"/>
+              </a:rPr>
+              <a:t> INFO HMC: 172.18.0.15, </a:t>
+            </a:r>
+            <a:r>
+              <a:rPr lang="de-DE" sz="1000" dirty="0" err="1">
+                <a:latin typeface="Courier" pitchFamily="2" charset="0"/>
+              </a:rPr>
+              <a:t>Userid</a:t>
+            </a:r>
+            <a:r>
+              <a:rPr lang="de-DE" sz="1000" dirty="0">
+                <a:latin typeface="Courier" pitchFamily="2" charset="0"/>
+              </a:rPr>
+              <a:t>: </a:t>
+            </a:r>
+            <a:r>
+              <a:rPr lang="de-DE" sz="1000" dirty="0" err="1">
+                <a:latin typeface="Courier" pitchFamily="2" charset="0"/>
+              </a:rPr>
+              <a:t>zbcInstall</a:t>
+            </a:r>
+            <a:r>
+              <a:rPr lang="de-DE" sz="1000" dirty="0">
+                <a:latin typeface="Courier" pitchFamily="2" charset="0"/>
+              </a:rPr>
+              <a:t>, Label: dal13-01-hmc1</a:t>
+            </a:r>
+            <a:br>
+              <a:rPr lang="de-DE" sz="1000" dirty="0">
+                <a:latin typeface="Courier" pitchFamily="2" charset="0"/>
+              </a:rPr>
+            </a:br>
+            <a:r>
+              <a:rPr lang="de-DE" sz="1000" dirty="0">
+                <a:latin typeface="Courier" pitchFamily="2" charset="0"/>
+              </a:rPr>
+              <a:t>2019-08-13 09:28:37 </a:t>
+            </a:r>
+            <a:r>
+              <a:rPr lang="de-DE" sz="1000" dirty="0" err="1">
+                <a:latin typeface="Courier" pitchFamily="2" charset="0"/>
+              </a:rPr>
+              <a:t>zhmc_log_forwarder</a:t>
+            </a:r>
+            <a:r>
+              <a:rPr lang="de-DE" sz="1000" dirty="0">
+                <a:latin typeface="Courier" pitchFamily="2" charset="0"/>
+              </a:rPr>
+              <a:t> INFO Logs: </a:t>
+            </a:r>
+            <a:r>
+              <a:rPr lang="de-DE" sz="1000" dirty="0" err="1">
+                <a:latin typeface="Courier" pitchFamily="2" charset="0"/>
+              </a:rPr>
+              <a:t>security</a:t>
+            </a:r>
+            <a:r>
+              <a:rPr lang="de-DE" sz="1000" dirty="0">
+                <a:latin typeface="Courier" pitchFamily="2" charset="0"/>
+              </a:rPr>
+              <a:t>, </a:t>
+            </a:r>
+            <a:r>
+              <a:rPr lang="de-DE" sz="1000" dirty="0" err="1">
+                <a:latin typeface="Courier" pitchFamily="2" charset="0"/>
+              </a:rPr>
+              <a:t>audit</a:t>
+            </a:r>
+            <a:r>
+              <a:rPr lang="de-DE" sz="1000" dirty="0">
+                <a:latin typeface="Courier" pitchFamily="2" charset="0"/>
+              </a:rPr>
+              <a:t>, </a:t>
+            </a:r>
+            <a:r>
+              <a:rPr lang="de-DE" sz="1000" dirty="0" err="1">
+                <a:latin typeface="Courier" pitchFamily="2" charset="0"/>
+              </a:rPr>
+              <a:t>Since</a:t>
+            </a:r>
+            <a:r>
+              <a:rPr lang="de-DE" sz="1000" dirty="0">
+                <a:latin typeface="Courier" pitchFamily="2" charset="0"/>
+              </a:rPr>
+              <a:t>: </a:t>
+            </a:r>
+            <a:r>
+              <a:rPr lang="de-DE" sz="1000" dirty="0" err="1">
+                <a:latin typeface="Courier" pitchFamily="2" charset="0"/>
+              </a:rPr>
+              <a:t>now</a:t>
+            </a:r>
+            <a:r>
+              <a:rPr lang="de-DE" sz="1000" dirty="0">
+                <a:latin typeface="Courier" pitchFamily="2" charset="0"/>
+              </a:rPr>
+              <a:t> (2019-08-13 …), Future: True</a:t>
+            </a:r>
+            <a:br>
+              <a:rPr lang="de-DE" sz="1000" dirty="0">
+                <a:latin typeface="Courier" pitchFamily="2" charset="0"/>
+              </a:rPr>
+            </a:br>
+            <a:r>
+              <a:rPr lang="de-DE" sz="1000" dirty="0">
+                <a:latin typeface="Courier" pitchFamily="2" charset="0"/>
+              </a:rPr>
+              <a:t>2019-08-13 09:28:37 </a:t>
+            </a:r>
+            <a:r>
+              <a:rPr lang="de-DE" sz="1000" dirty="0" err="1">
+                <a:latin typeface="Courier" pitchFamily="2" charset="0"/>
+              </a:rPr>
+              <a:t>zhmc_log_forwarder</a:t>
+            </a:r>
+            <a:r>
+              <a:rPr lang="de-DE" sz="1000" dirty="0">
+                <a:latin typeface="Courier" pitchFamily="2" charset="0"/>
+              </a:rPr>
+              <a:t> INFO Destination: </a:t>
+            </a:r>
+            <a:r>
+              <a:rPr lang="de-DE" sz="1000" dirty="0" err="1">
+                <a:latin typeface="Courier" pitchFamily="2" charset="0"/>
+              </a:rPr>
+              <a:t>syslog</a:t>
+            </a:r>
+            <a:r>
+              <a:rPr lang="de-DE" sz="1000" dirty="0">
+                <a:latin typeface="Courier" pitchFamily="2" charset="0"/>
+              </a:rPr>
+              <a:t> (</a:t>
+            </a:r>
+            <a:r>
+              <a:rPr lang="de-DE" sz="1000" dirty="0" err="1">
+                <a:latin typeface="Courier" pitchFamily="2" charset="0"/>
+              </a:rPr>
+              <a:t>server</a:t>
+            </a:r>
+            <a:r>
+              <a:rPr lang="de-DE" sz="1000" dirty="0">
+                <a:latin typeface="Courier" pitchFamily="2" charset="0"/>
+              </a:rPr>
+              <a:t> 10.74.145.195, </a:t>
+            </a:r>
+            <a:r>
+              <a:rPr lang="de-DE" sz="1000" dirty="0" err="1">
+                <a:latin typeface="Courier" pitchFamily="2" charset="0"/>
+              </a:rPr>
+              <a:t>port</a:t>
+            </a:r>
+            <a:r>
+              <a:rPr lang="de-DE" sz="1000" dirty="0">
+                <a:latin typeface="Courier" pitchFamily="2" charset="0"/>
+              </a:rPr>
+              <a:t> 514/</a:t>
+            </a:r>
+            <a:r>
+              <a:rPr lang="de-DE" sz="1000" dirty="0" err="1">
+                <a:latin typeface="Courier" pitchFamily="2" charset="0"/>
+              </a:rPr>
+              <a:t>tcp</a:t>
+            </a:r>
+            <a:r>
+              <a:rPr lang="de-DE" sz="1000" dirty="0">
+                <a:latin typeface="Courier" pitchFamily="2" charset="0"/>
+              </a:rPr>
+              <a:t>, </a:t>
+            </a:r>
+            <a:r>
+              <a:rPr lang="de-DE" sz="1000" dirty="0" err="1">
+                <a:latin typeface="Courier" pitchFamily="2" charset="0"/>
+              </a:rPr>
+              <a:t>facility</a:t>
+            </a:r>
+            <a:r>
+              <a:rPr lang="de-DE" sz="1000" dirty="0">
+                <a:latin typeface="Courier" pitchFamily="2" charset="0"/>
+              </a:rPr>
+              <a:t> </a:t>
+            </a:r>
+            <a:r>
+              <a:rPr lang="de-DE" sz="1000" dirty="0" err="1">
+                <a:latin typeface="Courier" pitchFamily="2" charset="0"/>
+              </a:rPr>
+              <a:t>user</a:t>
+            </a:r>
+            <a:r>
+              <a:rPr lang="de-DE" sz="1000" dirty="0">
+                <a:latin typeface="Courier" pitchFamily="2" charset="0"/>
+              </a:rPr>
+              <a:t>)</a:t>
+            </a:r>
+            <a:br>
+              <a:rPr lang="de-DE" sz="1000" dirty="0">
+                <a:latin typeface="Courier" pitchFamily="2" charset="0"/>
+              </a:rPr>
+            </a:br>
+            <a:r>
+              <a:rPr lang="de-DE" sz="1000" dirty="0">
+                <a:latin typeface="Courier" pitchFamily="2" charset="0"/>
+              </a:rPr>
+              <a:t>2019-08-13 09:28:39 </a:t>
+            </a:r>
+            <a:r>
+              <a:rPr lang="de-DE" sz="1000" dirty="0" err="1">
+                <a:latin typeface="Courier" pitchFamily="2" charset="0"/>
+              </a:rPr>
+              <a:t>zhmc_log_forwarder</a:t>
+            </a:r>
+            <a:r>
+              <a:rPr lang="de-DE" sz="1000" dirty="0">
+                <a:latin typeface="Courier" pitchFamily="2" charset="0"/>
+              </a:rPr>
+              <a:t> INFO </a:t>
+            </a:r>
+            <a:r>
+              <a:rPr lang="de-DE" sz="1000" dirty="0" err="1">
+                <a:latin typeface="Courier" pitchFamily="2" charset="0"/>
+              </a:rPr>
+              <a:t>Starting</a:t>
+            </a:r>
+            <a:r>
+              <a:rPr lang="de-DE" sz="1000" dirty="0">
+                <a:latin typeface="Courier" pitchFamily="2" charset="0"/>
+              </a:rPr>
+              <a:t> </a:t>
+            </a:r>
+            <a:r>
+              <a:rPr lang="de-DE" sz="1000" dirty="0" err="1">
+                <a:latin typeface="Courier" pitchFamily="2" charset="0"/>
+              </a:rPr>
+              <a:t>to</a:t>
+            </a:r>
+            <a:r>
+              <a:rPr lang="de-DE" sz="1000" dirty="0">
+                <a:latin typeface="Courier" pitchFamily="2" charset="0"/>
+              </a:rPr>
+              <a:t> </a:t>
+            </a:r>
+            <a:r>
+              <a:rPr lang="de-DE" sz="1000" dirty="0" err="1">
+                <a:latin typeface="Courier" pitchFamily="2" charset="0"/>
+              </a:rPr>
+              <a:t>wait</a:t>
+            </a:r>
+            <a:r>
+              <a:rPr lang="de-DE" sz="1000" dirty="0">
+                <a:latin typeface="Courier" pitchFamily="2" charset="0"/>
+              </a:rPr>
+              <a:t> </a:t>
+            </a:r>
+            <a:r>
+              <a:rPr lang="de-DE" sz="1000" dirty="0" err="1">
+                <a:latin typeface="Courier" pitchFamily="2" charset="0"/>
+              </a:rPr>
+              <a:t>for</a:t>
+            </a:r>
+            <a:r>
+              <a:rPr lang="de-DE" sz="1000" dirty="0">
+                <a:latin typeface="Courier" pitchFamily="2" charset="0"/>
+              </a:rPr>
+              <a:t> </a:t>
+            </a:r>
+            <a:r>
+              <a:rPr lang="de-DE" sz="1000" dirty="0" err="1">
+                <a:latin typeface="Courier" pitchFamily="2" charset="0"/>
+              </a:rPr>
+              <a:t>future</a:t>
+            </a:r>
+            <a:r>
+              <a:rPr lang="de-DE" sz="1000" dirty="0">
+                <a:latin typeface="Courier" pitchFamily="2" charset="0"/>
+              </a:rPr>
+              <a:t> log </a:t>
+            </a:r>
+            <a:r>
+              <a:rPr lang="de-DE" sz="1000" dirty="0" err="1">
+                <a:latin typeface="Courier" pitchFamily="2" charset="0"/>
+              </a:rPr>
+              <a:t>entries</a:t>
+            </a:r>
+            <a:br>
+              <a:rPr lang="de-DE" sz="1000" dirty="0">
+                <a:latin typeface="Courier" pitchFamily="2" charset="0"/>
+              </a:rPr>
+            </a:br>
+            <a:r>
+              <a:rPr lang="de-DE" sz="1000" dirty="0">
+                <a:latin typeface="Courier" pitchFamily="2" charset="0"/>
+              </a:rPr>
+              <a:t>^C</a:t>
+            </a:r>
+            <a:br>
+              <a:rPr lang="de-DE" sz="1000" dirty="0">
+                <a:latin typeface="Courier" pitchFamily="2" charset="0"/>
+              </a:rPr>
+            </a:br>
+            <a:r>
+              <a:rPr lang="de-DE" sz="1000" dirty="0">
+                <a:latin typeface="Courier" pitchFamily="2" charset="0"/>
+              </a:rPr>
+              <a:t>2019-08-13 09:29:11 </a:t>
+            </a:r>
+            <a:r>
+              <a:rPr lang="de-DE" sz="1000" dirty="0" err="1">
+                <a:latin typeface="Courier" pitchFamily="2" charset="0"/>
+              </a:rPr>
+              <a:t>zhmc_log_forwarder</a:t>
+            </a:r>
+            <a:r>
+              <a:rPr lang="de-DE" sz="1000" dirty="0">
+                <a:latin typeface="Courier" pitchFamily="2" charset="0"/>
+              </a:rPr>
+              <a:t> INFO Keyboard </a:t>
+            </a:r>
+            <a:r>
+              <a:rPr lang="de-DE" sz="1000" dirty="0" err="1">
+                <a:latin typeface="Courier" pitchFamily="2" charset="0"/>
+              </a:rPr>
+              <a:t>interrupt</a:t>
+            </a:r>
+            <a:r>
+              <a:rPr lang="de-DE" sz="1000" dirty="0">
+                <a:latin typeface="Courier" pitchFamily="2" charset="0"/>
+              </a:rPr>
+              <a:t> - </a:t>
+            </a:r>
+            <a:r>
+              <a:rPr lang="de-DE" sz="1000" dirty="0" err="1">
+                <a:latin typeface="Courier" pitchFamily="2" charset="0"/>
+              </a:rPr>
+              <a:t>stopping</a:t>
+            </a:r>
+            <a:r>
+              <a:rPr lang="de-DE" sz="1000" dirty="0">
+                <a:latin typeface="Courier" pitchFamily="2" charset="0"/>
+              </a:rPr>
+              <a:t> </a:t>
+            </a:r>
+            <a:r>
+              <a:rPr lang="de-DE" sz="1000" dirty="0" err="1">
+                <a:latin typeface="Courier" pitchFamily="2" charset="0"/>
+              </a:rPr>
+              <a:t>to</a:t>
+            </a:r>
+            <a:r>
+              <a:rPr lang="de-DE" sz="1000" dirty="0">
+                <a:latin typeface="Courier" pitchFamily="2" charset="0"/>
+              </a:rPr>
+              <a:t> </a:t>
+            </a:r>
+            <a:r>
+              <a:rPr lang="de-DE" sz="1000" dirty="0" err="1">
+                <a:latin typeface="Courier" pitchFamily="2" charset="0"/>
+              </a:rPr>
+              <a:t>wait</a:t>
+            </a:r>
+            <a:r>
+              <a:rPr lang="de-DE" sz="1000" dirty="0">
+                <a:latin typeface="Courier" pitchFamily="2" charset="0"/>
+              </a:rPr>
+              <a:t> </a:t>
+            </a:r>
+            <a:r>
+              <a:rPr lang="de-DE" sz="1000" dirty="0" err="1">
+                <a:latin typeface="Courier" pitchFamily="2" charset="0"/>
+              </a:rPr>
+              <a:t>for</a:t>
+            </a:r>
+            <a:r>
+              <a:rPr lang="de-DE" sz="1000" dirty="0">
+                <a:latin typeface="Courier" pitchFamily="2" charset="0"/>
+              </a:rPr>
+              <a:t> </a:t>
+            </a:r>
+            <a:r>
+              <a:rPr lang="de-DE" sz="1000" dirty="0" err="1">
+                <a:latin typeface="Courier" pitchFamily="2" charset="0"/>
+              </a:rPr>
+              <a:t>future</a:t>
+            </a:r>
+            <a:r>
+              <a:rPr lang="de-DE" sz="1000" dirty="0">
+                <a:latin typeface="Courier" pitchFamily="2" charset="0"/>
+              </a:rPr>
+              <a:t> log </a:t>
+            </a:r>
+            <a:r>
+              <a:rPr lang="de-DE" sz="1000" dirty="0" err="1">
+                <a:latin typeface="Courier" pitchFamily="2" charset="0"/>
+              </a:rPr>
+              <a:t>entries</a:t>
+            </a:r>
+            <a:br>
+              <a:rPr lang="de-DE" sz="1000" dirty="0">
+                <a:latin typeface="Courier" pitchFamily="2" charset="0"/>
+              </a:rPr>
+            </a:br>
+            <a:r>
+              <a:rPr lang="de-DE" sz="1000" dirty="0">
+                <a:latin typeface="Courier" pitchFamily="2" charset="0"/>
+              </a:rPr>
+              <a:t>2019-08-13 09:29:11 </a:t>
+            </a:r>
+            <a:r>
+              <a:rPr lang="de-DE" sz="1000" dirty="0" err="1">
+                <a:latin typeface="Courier" pitchFamily="2" charset="0"/>
+              </a:rPr>
+              <a:t>zhmc_log_forwarder</a:t>
+            </a:r>
+            <a:r>
+              <a:rPr lang="de-DE" sz="1000" dirty="0">
+                <a:latin typeface="Courier" pitchFamily="2" charset="0"/>
+              </a:rPr>
+              <a:t> INFO </a:t>
+            </a:r>
+            <a:r>
+              <a:rPr lang="de-DE" sz="1000" dirty="0" err="1">
+                <a:latin typeface="Courier" pitchFamily="2" charset="0"/>
+              </a:rPr>
+              <a:t>Closing</a:t>
+            </a:r>
+            <a:r>
+              <a:rPr lang="de-DE" sz="1000" dirty="0">
+                <a:latin typeface="Courier" pitchFamily="2" charset="0"/>
+              </a:rPr>
+              <a:t> </a:t>
+            </a:r>
+            <a:r>
+              <a:rPr lang="de-DE" sz="1000" dirty="0" err="1">
+                <a:latin typeface="Courier" pitchFamily="2" charset="0"/>
+              </a:rPr>
+              <a:t>notification</a:t>
+            </a:r>
+            <a:r>
+              <a:rPr lang="de-DE" sz="1000" dirty="0">
+                <a:latin typeface="Courier" pitchFamily="2" charset="0"/>
+              </a:rPr>
+              <a:t> </a:t>
+            </a:r>
+            <a:r>
+              <a:rPr lang="de-DE" sz="1000" dirty="0" err="1">
+                <a:latin typeface="Courier" pitchFamily="2" charset="0"/>
+              </a:rPr>
+              <a:t>receiver</a:t>
+            </a:r>
+            <a:br>
+              <a:rPr lang="de-DE" sz="1000" dirty="0">
+                <a:latin typeface="Courier" pitchFamily="2" charset="0"/>
+              </a:rPr>
+            </a:br>
+            <a:r>
+              <a:rPr lang="de-DE" sz="1000" dirty="0">
+                <a:latin typeface="Courier" pitchFamily="2" charset="0"/>
+              </a:rPr>
+              <a:t>2019-08-13 09:29:11 </a:t>
+            </a:r>
+            <a:r>
+              <a:rPr lang="de-DE" sz="1000" dirty="0" err="1">
+                <a:latin typeface="Courier" pitchFamily="2" charset="0"/>
+              </a:rPr>
+              <a:t>zhmc_log_forwarder</a:t>
+            </a:r>
+            <a:r>
+              <a:rPr lang="de-DE" sz="1000" dirty="0">
+                <a:latin typeface="Courier" pitchFamily="2" charset="0"/>
+              </a:rPr>
+              <a:t> INFO </a:t>
+            </a:r>
+            <a:r>
+              <a:rPr lang="de-DE" sz="1000" dirty="0" err="1">
+                <a:latin typeface="Courier" pitchFamily="2" charset="0"/>
+              </a:rPr>
+              <a:t>Logging</a:t>
+            </a:r>
+            <a:r>
+              <a:rPr lang="de-DE" sz="1000" dirty="0">
+                <a:latin typeface="Courier" pitchFamily="2" charset="0"/>
+              </a:rPr>
+              <a:t> off </a:t>
+            </a:r>
+            <a:r>
+              <a:rPr lang="de-DE" sz="1000" dirty="0" err="1">
+                <a:latin typeface="Courier" pitchFamily="2" charset="0"/>
+              </a:rPr>
+              <a:t>from</a:t>
+            </a:r>
+            <a:r>
+              <a:rPr lang="de-DE" sz="1000" dirty="0">
+                <a:latin typeface="Courier" pitchFamily="2" charset="0"/>
+              </a:rPr>
+              <a:t> HMC</a:t>
+            </a:r>
+            <a:br>
+              <a:rPr lang="de-DE" sz="1000" dirty="0">
+                <a:latin typeface="Courier" pitchFamily="2" charset="0"/>
+              </a:rPr>
+            </a:br>
+            <a:r>
+              <a:rPr lang="de-DE" sz="1000" dirty="0">
+                <a:latin typeface="Courier" pitchFamily="2" charset="0"/>
+              </a:rPr>
+              <a:t>2019-08-13 09:29:11 </a:t>
+            </a:r>
+            <a:r>
+              <a:rPr lang="de-DE" sz="1000" dirty="0" err="1">
+                <a:latin typeface="Courier" pitchFamily="2" charset="0"/>
+              </a:rPr>
+              <a:t>zhmc_log_forwarder</a:t>
+            </a:r>
+            <a:r>
+              <a:rPr lang="de-DE" sz="1000" dirty="0">
+                <a:latin typeface="Courier" pitchFamily="2" charset="0"/>
+              </a:rPr>
+              <a:t> INFO </a:t>
+            </a:r>
+            <a:r>
+              <a:rPr lang="de-DE" sz="1000" dirty="0" err="1">
+                <a:latin typeface="Courier" pitchFamily="2" charset="0"/>
+              </a:rPr>
+              <a:t>zhmc_log_forwarder</a:t>
+            </a:r>
+            <a:r>
+              <a:rPr lang="de-DE" sz="1000" dirty="0">
+                <a:latin typeface="Courier" pitchFamily="2" charset="0"/>
+              </a:rPr>
+              <a:t> </a:t>
+            </a:r>
+            <a:r>
+              <a:rPr lang="de-DE" sz="1000" dirty="0" err="1">
+                <a:latin typeface="Courier" pitchFamily="2" charset="0"/>
+              </a:rPr>
+              <a:t>stopped</a:t>
+            </a:r>
+            <a:br>
+              <a:rPr lang="de-DE" sz="1000" dirty="0">
+                <a:latin typeface="Courier" pitchFamily="2" charset="0"/>
+              </a:rPr>
+            </a:br>
+            <a:br>
+              <a:rPr lang="de-DE" sz="1000" dirty="0">
+                <a:latin typeface="Courier" pitchFamily="2" charset="0"/>
+              </a:rPr>
+            </a:br>
+            <a:br>
+              <a:rPr lang="de-DE" sz="1200" dirty="0"/>
+            </a:br>
+            <a:r>
+              <a:rPr lang="de-DE" sz="1200" dirty="0"/>
               <a:t>Log </a:t>
             </a:r>
             <a:r>
+              <a:rPr lang="de-DE" sz="1200" dirty="0" err="1"/>
+              <a:t>entries</a:t>
+            </a:r>
+            <a:r>
+              <a:rPr lang="de-DE" sz="1200" dirty="0"/>
+              <a:t> in </a:t>
+            </a:r>
+            <a:r>
+              <a:rPr lang="de-DE" sz="1200" dirty="0" err="1"/>
+              <a:t>destination</a:t>
+            </a:r>
+            <a:r>
+              <a:rPr lang="de-DE" sz="1200" dirty="0"/>
+              <a:t> (e.g. RFC5424 </a:t>
+            </a:r>
+            <a:r>
+              <a:rPr lang="de-DE" sz="1200" dirty="0" err="1"/>
+              <a:t>syslog</a:t>
+            </a:r>
+            <a:r>
+              <a:rPr lang="de-DE" sz="1200" dirty="0"/>
+              <a:t> </a:t>
+            </a:r>
+            <a:r>
+              <a:rPr lang="de-DE" sz="1200" dirty="0" err="1"/>
+              <a:t>format</a:t>
+            </a:r>
+            <a:r>
+              <a:rPr lang="de-DE" sz="1200" dirty="0"/>
+              <a:t>):</a:t>
+            </a:r>
+            <a:br>
+              <a:rPr lang="de-DE" sz="1200" dirty="0"/>
+            </a:br>
+            <a:br>
+              <a:rPr lang="de-DE" sz="1200" dirty="0"/>
+            </a:br>
+            <a:r>
+              <a:rPr lang="de-DE" sz="1000" dirty="0">
+                <a:latin typeface="Courier" pitchFamily="2" charset="0"/>
+              </a:rPr>
+              <a:t>Aug 13 09:28:37 dal13-01-hmc1 [</a:t>
+            </a:r>
+            <a:r>
               <a:rPr lang="de-DE" sz="1000" dirty="0" err="1">
                 <a:latin typeface="Courier" pitchFamily="2" charset="0"/>
               </a:rPr>
-              <a:t>forwarder</a:t>
-            </a:r>
-            <a:r>
-              <a:rPr lang="de-DE" sz="1000" dirty="0">
-                <a:latin typeface="Courier" pitchFamily="2" charset="0"/>
-              </a:rPr>
-              <a:t> </a:t>
+              <a:t>id</a:t>
+            </a:r>
+            <a:r>
+              <a:rPr lang="de-DE" sz="1000" dirty="0">
+                <a:latin typeface="Courier" pitchFamily="2" charset="0"/>
+              </a:rPr>
+              <a:t>="1941" type="Security" </a:t>
             </a:r>
             <a:r>
               <a:rPr lang="de-DE" sz="1000" dirty="0" err="1">
                 <a:latin typeface="Courier" pitchFamily="2" charset="0"/>
               </a:rPr>
-              <a:t>for</a:t>
-            </a:r>
-            <a:r>
-              <a:rPr lang="de-DE" sz="1000" dirty="0">
-                <a:latin typeface="Courier" pitchFamily="2" charset="0"/>
-              </a:rPr>
-              <a:t> </a:t>
+              <a:t>user</a:t>
+            </a:r>
+            <a:r>
+              <a:rPr lang="de-DE" sz="1000" dirty="0">
+                <a:latin typeface="Courier" pitchFamily="2" charset="0"/>
+              </a:rPr>
+              <a:t>="</a:t>
             </a:r>
             <a:r>
               <a:rPr lang="de-DE" sz="1000" dirty="0" err="1">
                 <a:latin typeface="Courier" pitchFamily="2" charset="0"/>
               </a:rPr>
-              <a:t>the</a:t>
-            </a:r>
-            <a:r>
-              <a:rPr lang="de-DE" sz="1000" dirty="0">
-                <a:latin typeface="Courier" pitchFamily="2" charset="0"/>
-              </a:rPr>
-              <a:t> IBM Z HMC.</a:t>
-            </a:r>
-            <a:br>
-              <a:rPr lang="de-DE" sz="1000" dirty="0">
-                <a:latin typeface="Courier" pitchFamily="2" charset="0"/>
-              </a:rPr>
-            </a:br>
-            <a:br>
-              <a:rPr lang="de-DE" sz="1000" dirty="0">
-                <a:latin typeface="Courier" pitchFamily="2" charset="0"/>
-              </a:rPr>
-            </a:br>
-            <a:r>
-              <a:rPr lang="de-DE" sz="1000" dirty="0">
-                <a:latin typeface="Courier" pitchFamily="2" charset="0"/>
-              </a:rPr>
-              <a:t>HMC </a:t>
+              <a:t>zbcInstall</a:t>
+            </a:r>
+            <a:r>
+              <a:rPr lang="de-DE" sz="1000" dirty="0">
+                <a:latin typeface="Courier" pitchFamily="2" charset="0"/>
+              </a:rPr>
+              <a:t>"] User </a:t>
             </a:r>
             <a:r>
               <a:rPr lang="de-DE" sz="1000" dirty="0" err="1">
                 <a:latin typeface="Courier" pitchFamily="2" charset="0"/>
               </a:rPr>
-              <a:t>address</a:t>
-            </a:r>
-            <a:r>
-              <a:rPr lang="de-DE" sz="1000" dirty="0">
-                <a:latin typeface="Courier" pitchFamily="2" charset="0"/>
-              </a:rPr>
-              <a:t>:                     172.16.192.15</a:t>
-            </a:r>
-            <a:br>
-              <a:rPr lang="de-DE" sz="1000" dirty="0">
-                <a:latin typeface="Courier" pitchFamily="2" charset="0"/>
-              </a:rPr>
-            </a:br>
-            <a:r>
-              <a:rPr lang="de-DE" sz="1000" dirty="0">
-                <a:latin typeface="Courier" pitchFamily="2" charset="0"/>
-              </a:rPr>
-              <a:t>HMC </a:t>
+              <a:t>zbcInstall</a:t>
+            </a:r>
+            <a:r>
+              <a:rPr lang="de-DE" sz="1000" dirty="0">
+                <a:latin typeface="Courier" pitchFamily="2" charset="0"/>
+              </a:rPr>
+              <a:t> </a:t>
             </a:r>
             <a:r>
               <a:rPr lang="de-DE" sz="1000" dirty="0" err="1">
                 <a:latin typeface="Courier" pitchFamily="2" charset="0"/>
               </a:rPr>
-              <a:t>userid</a:t>
-            </a:r>
-            <a:r>
-              <a:rPr lang="de-DE" sz="1000" dirty="0">
-                <a:latin typeface="Courier" pitchFamily="2" charset="0"/>
-              </a:rPr>
-              <a:t>:                      </a:t>
+              <a:t>has</a:t>
+            </a:r>
+            <a:r>
+              <a:rPr lang="de-DE" sz="1000" dirty="0">
+                <a:latin typeface="Courier" pitchFamily="2" charset="0"/>
+              </a:rPr>
+              <a:t> </a:t>
             </a:r>
             <a:r>
               <a:rPr lang="de-DE" sz="1000" dirty="0" err="1">
                 <a:latin typeface="Courier" pitchFamily="2" charset="0"/>
               </a:rPr>
+              <a:t>logged</a:t>
+            </a:r>
+            <a:r>
+              <a:rPr lang="de-DE" sz="1000" dirty="0">
+                <a:latin typeface="Courier" pitchFamily="2" charset="0"/>
+              </a:rPr>
+              <a:t> on </a:t>
+            </a:r>
+            <a:r>
+              <a:rPr lang="de-DE" sz="1000" dirty="0" err="1">
+                <a:latin typeface="Courier" pitchFamily="2" charset="0"/>
+              </a:rPr>
+              <a:t>to</a:t>
+            </a:r>
+            <a:r>
+              <a:rPr lang="de-DE" sz="1000" dirty="0">
+                <a:latin typeface="Courier" pitchFamily="2" charset="0"/>
+              </a:rPr>
+              <a:t> W…</a:t>
+            </a:r>
+            <a:br>
+              <a:rPr lang="de-DE" sz="1000" dirty="0">
+                <a:latin typeface="Courier" pitchFamily="2" charset="0"/>
+              </a:rPr>
+            </a:br>
+            <a:r>
+              <a:rPr lang="de-DE" sz="1000" dirty="0">
+                <a:latin typeface="Courier" pitchFamily="2" charset="0"/>
+              </a:rPr>
+              <a:t>Aug 13 09:28:46 dal13-01-hmc1 [</a:t>
+            </a:r>
+            <a:r>
+              <a:rPr lang="de-DE" sz="1000" dirty="0" err="1">
+                <a:latin typeface="Courier" pitchFamily="2" charset="0"/>
+              </a:rPr>
+              <a:t>id</a:t>
+            </a:r>
+            <a:r>
+              <a:rPr lang="de-DE" sz="1000" dirty="0">
+                <a:latin typeface="Courier" pitchFamily="2" charset="0"/>
+              </a:rPr>
+              <a:t>="6055" type="Audit" </a:t>
+            </a:r>
+            <a:r>
+              <a:rPr lang="de-DE" sz="1000" dirty="0" err="1">
+                <a:latin typeface="Courier" pitchFamily="2" charset="0"/>
+              </a:rPr>
+              <a:t>user</a:t>
+            </a:r>
+            <a:r>
+              <a:rPr lang="de-DE" sz="1000" dirty="0">
+                <a:latin typeface="Courier" pitchFamily="2" charset="0"/>
+              </a:rPr>
+              <a:t>=""] A web </a:t>
+            </a:r>
+            <a:r>
+              <a:rPr lang="de-DE" sz="1000" dirty="0" err="1">
+                <a:latin typeface="Courier" pitchFamily="2" charset="0"/>
+              </a:rPr>
+              <a:t>services</a:t>
+            </a:r>
+            <a:r>
+              <a:rPr lang="de-DE" sz="1000" dirty="0">
+                <a:latin typeface="Courier" pitchFamily="2" charset="0"/>
+              </a:rPr>
+              <a:t> </a:t>
+            </a:r>
+            <a:r>
+              <a:rPr lang="de-DE" sz="1000" dirty="0" err="1">
+                <a:latin typeface="Courier" pitchFamily="2" charset="0"/>
+              </a:rPr>
+              <a:t>client</a:t>
+            </a:r>
+            <a:r>
+              <a:rPr lang="de-DE" sz="1000" dirty="0">
+                <a:latin typeface="Courier" pitchFamily="2" charset="0"/>
+              </a:rPr>
+              <a:t> on 10.74.103.97 </a:t>
+            </a:r>
+            <a:r>
+              <a:rPr lang="de-DE" sz="1000" dirty="0" err="1">
+                <a:latin typeface="Courier" pitchFamily="2" charset="0"/>
+              </a:rPr>
+              <a:t>attempted</a:t>
+            </a:r>
+            <a:r>
+              <a:rPr lang="de-DE" sz="1000" dirty="0">
+                <a:latin typeface="Courier" pitchFamily="2" charset="0"/>
+              </a:rPr>
+              <a:t>…</a:t>
+            </a:r>
+            <a:br>
+              <a:rPr lang="de-DE" sz="1000" dirty="0">
+                <a:latin typeface="Courier" pitchFamily="2" charset="0"/>
+              </a:rPr>
+            </a:br>
+            <a:r>
+              <a:rPr lang="de-DE" sz="1000" dirty="0">
+                <a:latin typeface="Courier" pitchFamily="2" charset="0"/>
+              </a:rPr>
+              <a:t>Aug 13 09:28:54 dal13-01-hmc1 [</a:t>
+            </a:r>
+            <a:r>
+              <a:rPr lang="de-DE" sz="1000" dirty="0" err="1">
+                <a:latin typeface="Courier" pitchFamily="2" charset="0"/>
+              </a:rPr>
+              <a:t>id</a:t>
+            </a:r>
+            <a:r>
+              <a:rPr lang="de-DE" sz="1000" dirty="0">
+                <a:latin typeface="Courier" pitchFamily="2" charset="0"/>
+              </a:rPr>
+              <a:t>="1691" type="Security" </a:t>
+            </a:r>
+            <a:r>
+              <a:rPr lang="de-DE" sz="1000" dirty="0" err="1">
+                <a:latin typeface="Courier" pitchFamily="2" charset="0"/>
+              </a:rPr>
+              <a:t>user</a:t>
+            </a:r>
+            <a:r>
+              <a:rPr lang="de-DE" sz="1000" dirty="0">
+                <a:latin typeface="Courier" pitchFamily="2" charset="0"/>
+              </a:rPr>
+              <a:t>=""] User </a:t>
+            </a:r>
+            <a:r>
+              <a:rPr lang="de-DE" sz="1000" dirty="0" err="1">
+                <a:latin typeface="Courier" pitchFamily="2" charset="0"/>
+              </a:rPr>
               <a:t>zbcInstall</a:t>
             </a:r>
-            <a:br>
-              <a:rPr lang="de-DE" sz="1000" dirty="0">
-                <a:latin typeface="Courier" pitchFamily="2" charset="0"/>
-              </a:rPr>
-            </a:br>
-            <a:r>
-              <a:rPr lang="de-DE" sz="1000" dirty="0">
-                <a:latin typeface="Courier" pitchFamily="2" charset="0"/>
-              </a:rPr>
-              <a:t>Label </a:t>
+            <a:r>
+              <a:rPr lang="de-DE" sz="1000" dirty="0">
+                <a:latin typeface="Courier" pitchFamily="2" charset="0"/>
+              </a:rPr>
+              <a:t> </a:t>
             </a:r>
             <a:r>
               <a:rPr lang="de-DE" sz="1000" dirty="0" err="1">
                 <a:latin typeface="Courier" pitchFamily="2" charset="0"/>
               </a:rPr>
-              <a:t>for</a:t>
+              <a:t>has</a:t>
             </a:r>
             <a:r>
               <a:rPr lang="de-DE" sz="1000" dirty="0">
@@ -6633,841 +7843,203 @@
               <a:rPr lang="de-DE" sz="1000" dirty="0" err="1">
                 <a:latin typeface="Courier" pitchFamily="2" charset="0"/>
               </a:rPr>
-              <a:t>this</a:t>
-            </a:r>
-            <a:r>
-              <a:rPr lang="de-DE" sz="1000" dirty="0">
-                <a:latin typeface="Courier" pitchFamily="2" charset="0"/>
-              </a:rPr>
-              <a:t> HMC:              wdc04-05.HMC1</a:t>
-            </a:r>
-            <a:br>
-              <a:rPr lang="de-DE" sz="1000" dirty="0">
-                <a:latin typeface="Courier" pitchFamily="2" charset="0"/>
-              </a:rPr>
-            </a:br>
+              <a:t>attempted</a:t>
+            </a:r>
+            <a:r>
+              <a:rPr lang="de-DE" sz="1000" dirty="0">
+                <a:latin typeface="Courier" pitchFamily="2" charset="0"/>
+              </a:rPr>
+              <a:t> </a:t>
+            </a:r>
             <a:r>
               <a:rPr lang="de-DE" sz="1000" dirty="0" err="1">
                 <a:latin typeface="Courier" pitchFamily="2" charset="0"/>
               </a:rPr>
-              <a:t>Including</a:t>
-            </a:r>
-            <a:r>
-              <a:rPr lang="de-DE" sz="1000" dirty="0">
-                <a:latin typeface="Courier" pitchFamily="2" charset="0"/>
-              </a:rPr>
-              <a:t> </a:t>
+              <a:t>to</a:t>
+            </a:r>
+            <a:r>
+              <a:rPr lang="de-DE" sz="1000" dirty="0">
+                <a:latin typeface="Courier" pitchFamily="2" charset="0"/>
+              </a:rPr>
+              <a:t> log on </a:t>
             </a:r>
             <a:r>
               <a:rPr lang="de-DE" sz="1000" dirty="0" err="1">
                 <a:latin typeface="Courier" pitchFamily="2" charset="0"/>
               </a:rPr>
-              <a:t>these</a:t>
-            </a:r>
-            <a:r>
-              <a:rPr lang="de-DE" sz="1000" dirty="0">
-                <a:latin typeface="Courier" pitchFamily="2" charset="0"/>
-              </a:rPr>
-              <a:t> HMC </a:t>
+              <a:t>from</a:t>
+            </a:r>
+            <a:r>
+              <a:rPr lang="de-DE" sz="1000" dirty="0">
+                <a:latin typeface="Courier" pitchFamily="2" charset="0"/>
+              </a:rPr>
+              <a:t>…</a:t>
+            </a:r>
+            <a:br>
+              <a:rPr lang="de-DE" sz="1000" dirty="0">
+                <a:latin typeface="Courier" pitchFamily="2" charset="0"/>
+              </a:rPr>
+            </a:br>
+            <a:r>
+              <a:rPr lang="de-DE" sz="1000" dirty="0">
+                <a:latin typeface="Courier" pitchFamily="2" charset="0"/>
+              </a:rPr>
+              <a:t>Aug 13 09:28:56 dal13-01-hmc1 [</a:t>
             </a:r>
             <a:r>
               <a:rPr lang="de-DE" sz="1000" dirty="0" err="1">
                 <a:latin typeface="Courier" pitchFamily="2" charset="0"/>
               </a:rPr>
-              <a:t>logs</a:t>
-            </a:r>
-            <a:r>
-              <a:rPr lang="de-DE" sz="1000" dirty="0">
-                <a:latin typeface="Courier" pitchFamily="2" charset="0"/>
-              </a:rPr>
-              <a:t>:        </a:t>
+              <a:t>id</a:t>
+            </a:r>
+            <a:r>
+              <a:rPr lang="de-DE" sz="1000" dirty="0">
+                <a:latin typeface="Courier" pitchFamily="2" charset="0"/>
+              </a:rPr>
+              <a:t>="6055" type="Audit" </a:t>
             </a:r>
             <a:r>
               <a:rPr lang="de-DE" sz="1000" dirty="0" err="1">
                 <a:latin typeface="Courier" pitchFamily="2" charset="0"/>
               </a:rPr>
-              <a:t>security</a:t>
-            </a:r>
-            <a:r>
-              <a:rPr lang="de-DE" sz="1000" dirty="0">
-                <a:latin typeface="Courier" pitchFamily="2" charset="0"/>
-              </a:rPr>
-              <a:t>, </a:t>
+              <a:t>user</a:t>
+            </a:r>
+            <a:r>
+              <a:rPr lang="de-DE" sz="1000" dirty="0">
+                <a:latin typeface="Courier" pitchFamily="2" charset="0"/>
+              </a:rPr>
+              <a:t>=""] A web </a:t>
             </a:r>
             <a:r>
               <a:rPr lang="de-DE" sz="1000" dirty="0" err="1">
                 <a:latin typeface="Courier" pitchFamily="2" charset="0"/>
               </a:rPr>
-              <a:t>audit</a:t>
-            </a:r>
-            <a:br>
-              <a:rPr lang="de-DE" sz="1000" dirty="0">
-                <a:latin typeface="Courier" pitchFamily="2" charset="0"/>
-              </a:rPr>
-            </a:br>
+              <a:t>services</a:t>
+            </a:r>
+            <a:r>
+              <a:rPr lang="de-DE" sz="1000" dirty="0">
+                <a:latin typeface="Courier" pitchFamily="2" charset="0"/>
+              </a:rPr>
+              <a:t> </a:t>
+            </a:r>
             <a:r>
               <a:rPr lang="de-DE" sz="1000" dirty="0" err="1">
                 <a:latin typeface="Courier" pitchFamily="2" charset="0"/>
               </a:rPr>
-              <a:t>Including</a:t>
-            </a:r>
-            <a:r>
-              <a:rPr lang="de-DE" sz="1000" dirty="0">
-                <a:latin typeface="Courier" pitchFamily="2" charset="0"/>
-              </a:rPr>
-              <a:t> log </a:t>
+              <a:t>client</a:t>
+            </a:r>
+            <a:r>
+              <a:rPr lang="de-DE" sz="1000" dirty="0">
+                <a:latin typeface="Courier" pitchFamily="2" charset="0"/>
+              </a:rPr>
+              <a:t> on 10.74.103.97 </a:t>
             </a:r>
             <a:r>
               <a:rPr lang="de-DE" sz="1000" dirty="0" err="1">
                 <a:latin typeface="Courier" pitchFamily="2" charset="0"/>
               </a:rPr>
-              <a:t>entries</a:t>
-            </a:r>
-            <a:r>
-              <a:rPr lang="de-DE" sz="1000" dirty="0">
-                <a:latin typeface="Courier" pitchFamily="2" charset="0"/>
-              </a:rPr>
-              <a:t> </a:t>
+              <a:t>attempted</a:t>
+            </a:r>
+            <a:r>
+              <a:rPr lang="de-DE" sz="1000" dirty="0">
+                <a:latin typeface="Courier" pitchFamily="2" charset="0"/>
+              </a:rPr>
+              <a:t>…</a:t>
+            </a:r>
+            <a:br>
+              <a:rPr lang="de-DE" sz="1000" dirty="0">
+                <a:latin typeface="Courier" pitchFamily="2" charset="0"/>
+              </a:rPr>
+            </a:br>
+            <a:r>
+              <a:rPr lang="de-DE" sz="1000" dirty="0">
+                <a:latin typeface="Courier" pitchFamily="2" charset="0"/>
+              </a:rPr>
+              <a:t>Aug 13 09:29:04 dal13-01-hmc1 [</a:t>
             </a:r>
             <a:r>
               <a:rPr lang="de-DE" sz="1000" dirty="0" err="1">
                 <a:latin typeface="Courier" pitchFamily="2" charset="0"/>
               </a:rPr>
-              <a:t>since</a:t>
-            </a:r>
-            <a:r>
-              <a:rPr lang="de-DE" sz="1000" dirty="0">
-                <a:latin typeface="Courier" pitchFamily="2" charset="0"/>
-              </a:rPr>
-              <a:t>:     </a:t>
+              <a:t>id</a:t>
+            </a:r>
+            <a:r>
+              <a:rPr lang="de-DE" sz="1000" dirty="0">
+                <a:latin typeface="Courier" pitchFamily="2" charset="0"/>
+              </a:rPr>
+              <a:t>="1941" type="Security" </a:t>
             </a:r>
             <a:r>
               <a:rPr lang="de-DE" sz="1000" dirty="0" err="1">
                 <a:latin typeface="Courier" pitchFamily="2" charset="0"/>
               </a:rPr>
-              <a:t>now</a:t>
-            </a:r>
-            <a:r>
-              <a:rPr lang="de-DE" sz="1000" dirty="0">
-                <a:latin typeface="Courier" pitchFamily="2" charset="0"/>
-              </a:rPr>
-              <a:t> (2019-08-08 17:13:10.161984+02:00)</a:t>
-            </a:r>
-            <a:br>
-              <a:rPr lang="de-DE" sz="1000" dirty="0">
-                <a:latin typeface="Courier" pitchFamily="2" charset="0"/>
-              </a:rPr>
-            </a:br>
-            <a:r>
-              <a:rPr lang="de-DE" sz="1000" dirty="0">
-                <a:latin typeface="Courier" pitchFamily="2" charset="0"/>
-              </a:rPr>
-              <a:t>Waiting </a:t>
+              <a:t>user</a:t>
+            </a:r>
+            <a:r>
+              <a:rPr lang="de-DE" sz="1000" dirty="0">
+                <a:latin typeface="Courier" pitchFamily="2" charset="0"/>
+              </a:rPr>
+              <a:t>="</a:t>
             </a:r>
             <a:r>
               <a:rPr lang="de-DE" sz="1000" dirty="0" err="1">
                 <a:latin typeface="Courier" pitchFamily="2" charset="0"/>
               </a:rPr>
-              <a:t>for</a:t>
-            </a:r>
-            <a:r>
-              <a:rPr lang="de-DE" sz="1000" dirty="0">
-                <a:latin typeface="Courier" pitchFamily="2" charset="0"/>
-              </a:rPr>
-              <a:t> </a:t>
+              <a:t>zbcInstall</a:t>
+            </a:r>
+            <a:r>
+              <a:rPr lang="de-DE" sz="1000" dirty="0">
+                <a:latin typeface="Courier" pitchFamily="2" charset="0"/>
+              </a:rPr>
+              <a:t>"] User </a:t>
             </a:r>
             <a:r>
               <a:rPr lang="de-DE" sz="1000" dirty="0" err="1">
                 <a:latin typeface="Courier" pitchFamily="2" charset="0"/>
               </a:rPr>
-              <a:t>future</a:t>
-            </a:r>
-            <a:r>
-              <a:rPr lang="de-DE" sz="1000" dirty="0">
-                <a:latin typeface="Courier" pitchFamily="2" charset="0"/>
-              </a:rPr>
-              <a:t> log </a:t>
+              <a:t>zbcInstall</a:t>
+            </a:r>
+            <a:r>
+              <a:rPr lang="de-DE" sz="1000" dirty="0">
+                <a:latin typeface="Courier" pitchFamily="2" charset="0"/>
+              </a:rPr>
+              <a:t> </a:t>
             </a:r>
             <a:r>
               <a:rPr lang="de-DE" sz="1000" dirty="0" err="1">
                 <a:latin typeface="Courier" pitchFamily="2" charset="0"/>
               </a:rPr>
-              <a:t>entries</a:t>
-            </a:r>
-            <a:r>
-              <a:rPr lang="de-DE" sz="1000" dirty="0">
-                <a:latin typeface="Courier" pitchFamily="2" charset="0"/>
-              </a:rPr>
-              <a:t>:  </a:t>
+              <a:t>has</a:t>
+            </a:r>
+            <a:r>
+              <a:rPr lang="de-DE" sz="1000" dirty="0">
+                <a:latin typeface="Courier" pitchFamily="2" charset="0"/>
+              </a:rPr>
+              <a:t> </a:t>
             </a:r>
             <a:r>
               <a:rPr lang="de-DE" sz="1000" dirty="0" err="1">
                 <a:latin typeface="Courier" pitchFamily="2" charset="0"/>
               </a:rPr>
-              <a:t>yes</a:t>
-            </a:r>
-            <a:r>
-              <a:rPr lang="de-DE" sz="1000" dirty="0">
-                <a:latin typeface="Courier" pitchFamily="2" charset="0"/>
-              </a:rPr>
-              <a:t> (</a:t>
+              <a:t>logged</a:t>
+            </a:r>
+            <a:r>
+              <a:rPr lang="de-DE" sz="1000" dirty="0">
+                <a:latin typeface="Courier" pitchFamily="2" charset="0"/>
+              </a:rPr>
+              <a:t> on </a:t>
             </a:r>
             <a:r>
               <a:rPr lang="de-DE" sz="1000" dirty="0" err="1">
                 <a:latin typeface="Courier" pitchFamily="2" charset="0"/>
               </a:rPr>
-              <a:t>use</a:t>
-            </a:r>
-            <a:r>
-              <a:rPr lang="de-DE" sz="1000" dirty="0">
-                <a:latin typeface="Courier" pitchFamily="2" charset="0"/>
-              </a:rPr>
-              <a:t> </a:t>
-            </a:r>
-            <a:r>
-              <a:rPr lang="de-DE" sz="1000" dirty="0" err="1">
-                <a:latin typeface="Courier" pitchFamily="2" charset="0"/>
-              </a:rPr>
-              <a:t>keyboard</a:t>
-            </a:r>
-            <a:r>
-              <a:rPr lang="de-DE" sz="1000" dirty="0">
-                <a:latin typeface="Courier" pitchFamily="2" charset="0"/>
-              </a:rPr>
-              <a:t> </a:t>
-            </a:r>
-            <a:r>
-              <a:rPr lang="de-DE" sz="1000" dirty="0" err="1">
-                <a:latin typeface="Courier" pitchFamily="2" charset="0"/>
-              </a:rPr>
-              <a:t>interrupt</a:t>
-            </a:r>
-            <a:r>
-              <a:rPr lang="de-DE" sz="1000" dirty="0">
-                <a:latin typeface="Courier" pitchFamily="2" charset="0"/>
-              </a:rPr>
-              <a:t> </a:t>
-            </a:r>
-            <a:r>
-              <a:rPr lang="de-DE" sz="1000" dirty="0" err="1">
-                <a:latin typeface="Courier" pitchFamily="2" charset="0"/>
-              </a:rPr>
               <a:t>to</a:t>
             </a:r>
             <a:r>
               <a:rPr lang="de-DE" sz="1000" dirty="0">
                 <a:latin typeface="Courier" pitchFamily="2" charset="0"/>
               </a:rPr>
-              <a:t> </a:t>
-            </a:r>
-            <a:r>
-              <a:rPr lang="de-DE" sz="1000" dirty="0" err="1">
-                <a:latin typeface="Courier" pitchFamily="2" charset="0"/>
-              </a:rPr>
-              <a:t>stop</a:t>
-            </a:r>
-            <a:r>
-              <a:rPr lang="de-DE" sz="1000" dirty="0">
-                <a:latin typeface="Courier" pitchFamily="2" charset="0"/>
-              </a:rPr>
-              <a:t>, e.g. </a:t>
-            </a:r>
-            <a:r>
-              <a:rPr lang="de-DE" sz="1000" dirty="0" err="1">
-                <a:latin typeface="Courier" pitchFamily="2" charset="0"/>
-              </a:rPr>
-              <a:t>Ctrl</a:t>
-            </a:r>
-            <a:r>
-              <a:rPr lang="de-DE" sz="1000" dirty="0">
-                <a:latin typeface="Courier" pitchFamily="2" charset="0"/>
-              </a:rPr>
-              <a:t>-C)</a:t>
-            </a:r>
-            <a:br>
-              <a:rPr lang="de-DE" sz="1000" dirty="0">
-                <a:latin typeface="Courier" pitchFamily="2" charset="0"/>
-              </a:rPr>
-            </a:br>
-            <a:r>
-              <a:rPr lang="de-DE" sz="1000" dirty="0" err="1">
-                <a:latin typeface="Courier" pitchFamily="2" charset="0"/>
-              </a:rPr>
-              <a:t>Forwarding</a:t>
-            </a:r>
-            <a:r>
-              <a:rPr lang="de-DE" sz="1000" dirty="0">
-                <a:latin typeface="Courier" pitchFamily="2" charset="0"/>
-              </a:rPr>
-              <a:t> </a:t>
-            </a:r>
-            <a:r>
-              <a:rPr lang="de-DE" sz="1000" dirty="0" err="1">
-                <a:latin typeface="Courier" pitchFamily="2" charset="0"/>
-              </a:rPr>
-              <a:t>to</a:t>
-            </a:r>
-            <a:r>
-              <a:rPr lang="de-DE" sz="1000" dirty="0">
-                <a:latin typeface="Courier" pitchFamily="2" charset="0"/>
-              </a:rPr>
-              <a:t> </a:t>
-            </a:r>
-            <a:r>
-              <a:rPr lang="de-DE" sz="1000" dirty="0" err="1">
-                <a:latin typeface="Courier" pitchFamily="2" charset="0"/>
-              </a:rPr>
-              <a:t>destination</a:t>
-            </a:r>
-            <a:r>
-              <a:rPr lang="de-DE" sz="1000" dirty="0">
-                <a:latin typeface="Courier" pitchFamily="2" charset="0"/>
-              </a:rPr>
-              <a:t>:       </a:t>
-            </a:r>
-            <a:r>
-              <a:rPr lang="de-DE" sz="1000" dirty="0" err="1">
-                <a:latin typeface="Courier" pitchFamily="2" charset="0"/>
-              </a:rPr>
-              <a:t>stdout</a:t>
-            </a:r>
-            <a:br>
-              <a:rPr lang="de-DE" sz="1000" dirty="0">
-                <a:latin typeface="Courier" pitchFamily="2" charset="0"/>
-              </a:rPr>
-            </a:br>
-            <a:br>
-              <a:rPr lang="de-DE" sz="1000" dirty="0">
-                <a:latin typeface="Courier" pitchFamily="2" charset="0"/>
-              </a:rPr>
-            </a:br>
-            <a:r>
-              <a:rPr lang="de-DE" sz="1000" dirty="0">
-                <a:latin typeface="Courier" pitchFamily="2" charset="0"/>
-              </a:rPr>
-              <a:t>Time                              Label          Type      Name         ID  </a:t>
-            </a:r>
-            <a:r>
-              <a:rPr lang="de-DE" sz="1000" dirty="0" err="1">
-                <a:latin typeface="Courier" pitchFamily="2" charset="0"/>
-              </a:rPr>
-              <a:t>Userid</a:t>
-            </a:r>
-            <a:r>
-              <a:rPr lang="de-DE" sz="1000" dirty="0">
-                <a:latin typeface="Courier" pitchFamily="2" charset="0"/>
-              </a:rPr>
-              <a:t>      Message</a:t>
-            </a:r>
-            <a:br>
-              <a:rPr lang="de-DE" sz="1000" dirty="0">
-                <a:latin typeface="Courier" pitchFamily="2" charset="0"/>
-              </a:rPr>
-            </a:br>
-            <a:r>
-              <a:rPr lang="de-DE" sz="1000" dirty="0">
-                <a:latin typeface="Courier" pitchFamily="2" charset="0"/>
-              </a:rPr>
-              <a:t>-----------------------------------------------------------------------------------------------------------------…</a:t>
-            </a:r>
-            <a:br>
-              <a:rPr lang="de-DE" sz="1000" dirty="0">
-                <a:latin typeface="Courier" pitchFamily="2" charset="0"/>
-              </a:rPr>
-            </a:br>
-            <a:r>
-              <a:rPr lang="de-DE" sz="1000" dirty="0">
-                <a:latin typeface="Courier" pitchFamily="2" charset="0"/>
-              </a:rPr>
-              <a:t>2019-08-08 17:13:21.060000+02:00  wdc04-05.HMC1  Security  WSA </a:t>
-            </a:r>
-            <a:r>
-              <a:rPr lang="de-DE" sz="1000" dirty="0" err="1">
-                <a:latin typeface="Courier" pitchFamily="2" charset="0"/>
-              </a:rPr>
-              <a:t>Logon</a:t>
-            </a:r>
-            <a:r>
-              <a:rPr lang="de-DE" sz="1000" dirty="0">
-                <a:latin typeface="Courier" pitchFamily="2" charset="0"/>
-              </a:rPr>
-              <a:t>  1941  </a:t>
-            </a:r>
-            <a:r>
-              <a:rPr lang="de-DE" sz="1000" dirty="0" err="1">
-                <a:latin typeface="Courier" pitchFamily="2" charset="0"/>
-              </a:rPr>
-              <a:t>zbcInstall</a:t>
-            </a:r>
-            <a:r>
-              <a:rPr lang="de-DE" sz="1000" dirty="0">
-                <a:latin typeface="Courier" pitchFamily="2" charset="0"/>
-              </a:rPr>
-              <a:t>  User </a:t>
-            </a:r>
-            <a:r>
-              <a:rPr lang="de-DE" sz="1000" dirty="0" err="1">
-                <a:latin typeface="Courier" pitchFamily="2" charset="0"/>
-              </a:rPr>
-              <a:t>zbcInstall</a:t>
-            </a:r>
-            <a:r>
-              <a:rPr lang="de-DE" sz="1000" dirty="0">
-                <a:latin typeface="Courier" pitchFamily="2" charset="0"/>
-              </a:rPr>
-              <a:t> </a:t>
-            </a:r>
-            <a:r>
-              <a:rPr lang="de-DE" sz="1000" dirty="0" err="1">
-                <a:latin typeface="Courier" pitchFamily="2" charset="0"/>
-              </a:rPr>
-              <a:t>has</a:t>
-            </a:r>
-            <a:r>
-              <a:rPr lang="de-DE" sz="1000" dirty="0">
-                <a:latin typeface="Courier" pitchFamily="2" charset="0"/>
-              </a:rPr>
-              <a:t> logge…</a:t>
-            </a:r>
-            <a:br>
-              <a:rPr lang="de-DE" sz="1000" dirty="0">
-                <a:latin typeface="Courier" pitchFamily="2" charset="0"/>
-              </a:rPr>
-            </a:br>
-            <a:r>
-              <a:rPr lang="de-DE" sz="1000" dirty="0" err="1">
-                <a:latin typeface="Courier" pitchFamily="2" charset="0"/>
-              </a:rPr>
-              <a:t>Starting</a:t>
-            </a:r>
-            <a:r>
-              <a:rPr lang="de-DE" sz="1000" dirty="0">
-                <a:latin typeface="Courier" pitchFamily="2" charset="0"/>
-              </a:rPr>
-              <a:t> </a:t>
-            </a:r>
-            <a:r>
-              <a:rPr lang="de-DE" sz="1000" dirty="0" err="1">
-                <a:latin typeface="Courier" pitchFamily="2" charset="0"/>
-              </a:rPr>
-              <a:t>to</a:t>
-            </a:r>
-            <a:r>
-              <a:rPr lang="de-DE" sz="1000" dirty="0">
-                <a:latin typeface="Courier" pitchFamily="2" charset="0"/>
-              </a:rPr>
-              <a:t> </a:t>
-            </a:r>
-            <a:r>
-              <a:rPr lang="de-DE" sz="1000" dirty="0" err="1">
-                <a:latin typeface="Courier" pitchFamily="2" charset="0"/>
-              </a:rPr>
-              <a:t>wait</a:t>
-            </a:r>
-            <a:r>
-              <a:rPr lang="de-DE" sz="1000" dirty="0">
-                <a:latin typeface="Courier" pitchFamily="2" charset="0"/>
-              </a:rPr>
-              <a:t> </a:t>
-            </a:r>
-            <a:r>
-              <a:rPr lang="de-DE" sz="1000" dirty="0" err="1">
-                <a:latin typeface="Courier" pitchFamily="2" charset="0"/>
-              </a:rPr>
-              <a:t>for</a:t>
-            </a:r>
-            <a:r>
-              <a:rPr lang="de-DE" sz="1000" dirty="0">
-                <a:latin typeface="Courier" pitchFamily="2" charset="0"/>
-              </a:rPr>
-              <a:t> </a:t>
-            </a:r>
-            <a:r>
-              <a:rPr lang="de-DE" sz="1000" dirty="0" err="1">
-                <a:latin typeface="Courier" pitchFamily="2" charset="0"/>
-              </a:rPr>
-              <a:t>future</a:t>
-            </a:r>
-            <a:r>
-              <a:rPr lang="de-DE" sz="1000" dirty="0">
-                <a:latin typeface="Courier" pitchFamily="2" charset="0"/>
-              </a:rPr>
-              <a:t> log </a:t>
-            </a:r>
-            <a:r>
-              <a:rPr lang="de-DE" sz="1000" dirty="0" err="1">
-                <a:latin typeface="Courier" pitchFamily="2" charset="0"/>
-              </a:rPr>
-              <a:t>entries</a:t>
-            </a:r>
-            <a:br>
-              <a:rPr lang="de-DE" sz="1000" dirty="0">
-                <a:latin typeface="Courier" pitchFamily="2" charset="0"/>
-              </a:rPr>
-            </a:br>
-            <a:r>
-              <a:rPr lang="de-DE" sz="1000" dirty="0">
-                <a:latin typeface="Courier" pitchFamily="2" charset="0"/>
-              </a:rPr>
-              <a:t>2019-08-08 17:14:05.590000+02:00  wdc04-05.HMC1  Audit     WSAPI      6055              A web </a:t>
-            </a:r>
-            <a:r>
-              <a:rPr lang="de-DE" sz="1000" dirty="0" err="1">
-                <a:latin typeface="Courier" pitchFamily="2" charset="0"/>
-              </a:rPr>
-              <a:t>services</a:t>
-            </a:r>
-            <a:r>
-              <a:rPr lang="de-DE" sz="1000" dirty="0">
-                <a:latin typeface="Courier" pitchFamily="2" charset="0"/>
-              </a:rPr>
-              <a:t> </a:t>
-            </a:r>
-            <a:r>
-              <a:rPr lang="de-DE" sz="1000" dirty="0" err="1">
-                <a:latin typeface="Courier" pitchFamily="2" charset="0"/>
-              </a:rPr>
-              <a:t>client</a:t>
-            </a:r>
-            <a:r>
-              <a:rPr lang="de-DE" sz="1000" dirty="0">
-                <a:latin typeface="Courier" pitchFamily="2" charset="0"/>
-              </a:rPr>
-              <a:t> on …</a:t>
-            </a:r>
-            <a:br>
-              <a:rPr lang="de-DE" sz="1000" dirty="0">
-                <a:latin typeface="Courier" pitchFamily="2" charset="0"/>
-              </a:rPr>
-            </a:br>
-            <a:r>
-              <a:rPr lang="de-DE" sz="1000" dirty="0">
-                <a:latin typeface="Courier" pitchFamily="2" charset="0"/>
-              </a:rPr>
-              <a:t>2019-08-08 17:15:45+02:00         wdc04-05.HMC1  Audit     RSFERROR    151              A remote </a:t>
-            </a:r>
-            <a:r>
-              <a:rPr lang="de-DE" sz="1000" dirty="0" err="1">
-                <a:latin typeface="Courier" pitchFamily="2" charset="0"/>
-              </a:rPr>
-              <a:t>connection</a:t>
-            </a:r>
-            <a:r>
-              <a:rPr lang="de-DE" sz="1000" dirty="0">
-                <a:latin typeface="Courier" pitchFamily="2" charset="0"/>
-              </a:rPr>
-              <a:t> </a:t>
-            </a:r>
-            <a:r>
-              <a:rPr lang="de-DE" sz="1000" dirty="0" err="1">
-                <a:latin typeface="Courier" pitchFamily="2" charset="0"/>
-              </a:rPr>
-              <a:t>faile</a:t>
-            </a:r>
-            <a:r>
-              <a:rPr lang="de-DE" sz="1000" dirty="0">
-                <a:latin typeface="Courier" pitchFamily="2" charset="0"/>
-              </a:rPr>
-              <a:t>…</a:t>
-            </a:r>
-            <a:br>
-              <a:rPr lang="de-DE" sz="1000" dirty="0">
-                <a:latin typeface="Courier" pitchFamily="2" charset="0"/>
-              </a:rPr>
-            </a:br>
-            <a:r>
-              <a:rPr lang="de-DE" sz="1000" dirty="0">
-                <a:latin typeface="Courier" pitchFamily="2" charset="0"/>
-              </a:rPr>
-              <a:t>2019-08-08 17:15:46.270000+02:00  wdc04-05.HMC1  Audit     TRSF_FAIL   678              Remote </a:t>
-            </a:r>
-            <a:r>
-              <a:rPr lang="de-DE" sz="1000" dirty="0" err="1">
-                <a:latin typeface="Courier" pitchFamily="2" charset="0"/>
-              </a:rPr>
-              <a:t>support</a:t>
-            </a:r>
-            <a:r>
-              <a:rPr lang="de-DE" sz="1000" dirty="0">
-                <a:latin typeface="Courier" pitchFamily="2" charset="0"/>
-              </a:rPr>
-              <a:t> </a:t>
-            </a:r>
-            <a:r>
-              <a:rPr lang="de-DE" sz="1000" dirty="0" err="1">
-                <a:latin typeface="Courier" pitchFamily="2" charset="0"/>
-              </a:rPr>
-              <a:t>call</a:t>
-            </a:r>
-            <a:r>
-              <a:rPr lang="de-DE" sz="1000" dirty="0">
-                <a:latin typeface="Courier" pitchFamily="2" charset="0"/>
-              </a:rPr>
-              <a:t> </a:t>
-            </a:r>
-            <a:r>
-              <a:rPr lang="de-DE" sz="1000" dirty="0" err="1">
-                <a:latin typeface="Courier" pitchFamily="2" charset="0"/>
-              </a:rPr>
-              <a:t>gener</a:t>
-            </a:r>
-            <a:r>
-              <a:rPr lang="de-DE" sz="1000" dirty="0">
-                <a:latin typeface="Courier" pitchFamily="2" charset="0"/>
-              </a:rPr>
-              <a:t>…</a:t>
-            </a:r>
-            <a:br>
-              <a:rPr lang="de-DE" sz="1000" dirty="0">
-                <a:latin typeface="Courier" pitchFamily="2" charset="0"/>
-              </a:rPr>
-            </a:br>
-            <a:r>
-              <a:rPr lang="de-DE" sz="1000" dirty="0">
-                <a:latin typeface="Courier" pitchFamily="2" charset="0"/>
-              </a:rPr>
-              <a:t>2019-08-08 17:15:56.550000+02:00  wdc04-05.HMC1  Security  WSA </a:t>
-            </a:r>
-            <a:r>
-              <a:rPr lang="de-DE" sz="1000" dirty="0" err="1">
-                <a:latin typeface="Courier" pitchFamily="2" charset="0"/>
-              </a:rPr>
-              <a:t>Logon</a:t>
-            </a:r>
-            <a:r>
-              <a:rPr lang="de-DE" sz="1000" dirty="0">
-                <a:latin typeface="Courier" pitchFamily="2" charset="0"/>
-              </a:rPr>
-              <a:t>  1941  </a:t>
-            </a:r>
-            <a:r>
-              <a:rPr lang="de-DE" sz="1000" dirty="0" err="1">
-                <a:latin typeface="Courier" pitchFamily="2" charset="0"/>
-              </a:rPr>
-              <a:t>zbcInstall</a:t>
-            </a:r>
-            <a:r>
-              <a:rPr lang="de-DE" sz="1000" dirty="0">
-                <a:latin typeface="Courier" pitchFamily="2" charset="0"/>
-              </a:rPr>
-              <a:t>  User </a:t>
-            </a:r>
-            <a:r>
-              <a:rPr lang="de-DE" sz="1000" dirty="0" err="1">
-                <a:latin typeface="Courier" pitchFamily="2" charset="0"/>
-              </a:rPr>
-              <a:t>zbcInstall</a:t>
-            </a:r>
-            <a:r>
-              <a:rPr lang="de-DE" sz="1000" dirty="0">
-                <a:latin typeface="Courier" pitchFamily="2" charset="0"/>
-              </a:rPr>
-              <a:t> </a:t>
-            </a:r>
-            <a:r>
-              <a:rPr lang="de-DE" sz="1000" dirty="0" err="1">
-                <a:latin typeface="Courier" pitchFamily="2" charset="0"/>
-              </a:rPr>
-              <a:t>has</a:t>
-            </a:r>
-            <a:r>
-              <a:rPr lang="de-DE" sz="1000" dirty="0">
-                <a:latin typeface="Courier" pitchFamily="2" charset="0"/>
-              </a:rPr>
-              <a:t> logge…</a:t>
-            </a:r>
-            <a:br>
-              <a:rPr lang="de-DE" sz="1000" dirty="0">
-                <a:latin typeface="Courier" pitchFamily="2" charset="0"/>
-              </a:rPr>
-            </a:br>
-            <a:r>
-              <a:rPr lang="de-DE" sz="1000" dirty="0">
-                <a:latin typeface="Courier" pitchFamily="2" charset="0"/>
-              </a:rPr>
-              <a:t>2019-08-08 17:15:56.840000+02:00  wdc04-05.HMC1  Security  WSA </a:t>
-            </a:r>
-            <a:r>
-              <a:rPr lang="de-DE" sz="1000" dirty="0" err="1">
-                <a:latin typeface="Courier" pitchFamily="2" charset="0"/>
-              </a:rPr>
-              <a:t>Logoff</a:t>
-            </a:r>
-            <a:r>
-              <a:rPr lang="de-DE" sz="1000" dirty="0">
-                <a:latin typeface="Courier" pitchFamily="2" charset="0"/>
-              </a:rPr>
-              <a:t> 1942  </a:t>
-            </a:r>
-            <a:r>
-              <a:rPr lang="de-DE" sz="1000" dirty="0" err="1">
-                <a:latin typeface="Courier" pitchFamily="2" charset="0"/>
-              </a:rPr>
-              <a:t>zbcInstall</a:t>
-            </a:r>
-            <a:r>
-              <a:rPr lang="de-DE" sz="1000" dirty="0">
-                <a:latin typeface="Courier" pitchFamily="2" charset="0"/>
-              </a:rPr>
-              <a:t>  User </a:t>
-            </a:r>
-            <a:r>
-              <a:rPr lang="de-DE" sz="1000" dirty="0" err="1">
-                <a:latin typeface="Courier" pitchFamily="2" charset="0"/>
-              </a:rPr>
-              <a:t>zbcInstall</a:t>
-            </a:r>
-            <a:r>
-              <a:rPr lang="de-DE" sz="1000" dirty="0">
-                <a:latin typeface="Courier" pitchFamily="2" charset="0"/>
-              </a:rPr>
-              <a:t> </a:t>
-            </a:r>
-            <a:r>
-              <a:rPr lang="de-DE" sz="1000" dirty="0" err="1">
-                <a:latin typeface="Courier" pitchFamily="2" charset="0"/>
-              </a:rPr>
-              <a:t>has</a:t>
-            </a:r>
-            <a:r>
-              <a:rPr lang="de-DE" sz="1000" dirty="0">
-                <a:latin typeface="Courier" pitchFamily="2" charset="0"/>
-              </a:rPr>
-              <a:t> logge…</a:t>
-            </a:r>
-            <a:br>
-              <a:rPr lang="de-DE" sz="1000" dirty="0">
-                <a:latin typeface="Courier" pitchFamily="2" charset="0"/>
-              </a:rPr>
-            </a:br>
-            <a:r>
-              <a:rPr lang="de-DE" sz="1000" dirty="0">
-                <a:latin typeface="Courier" pitchFamily="2" charset="0"/>
-              </a:rPr>
-              <a:t>^C---------------------------------------------------------------------------------------------------------------…</a:t>
-            </a:r>
-            <a:br>
-              <a:rPr lang="de-DE" sz="1000" dirty="0">
-                <a:latin typeface="Courier" pitchFamily="2" charset="0"/>
-              </a:rPr>
-            </a:br>
-            <a:r>
-              <a:rPr lang="de-DE" sz="1000" dirty="0" err="1">
-                <a:latin typeface="Courier" pitchFamily="2" charset="0"/>
-              </a:rPr>
-              <a:t>Stopping</a:t>
-            </a:r>
-            <a:r>
-              <a:rPr lang="de-DE" sz="1000" dirty="0">
-                <a:latin typeface="Courier" pitchFamily="2" charset="0"/>
-              </a:rPr>
-              <a:t> </a:t>
-            </a:r>
-            <a:r>
-              <a:rPr lang="de-DE" sz="1000" dirty="0" err="1">
-                <a:latin typeface="Courier" pitchFamily="2" charset="0"/>
-              </a:rPr>
-              <a:t>to</a:t>
-            </a:r>
-            <a:r>
-              <a:rPr lang="de-DE" sz="1000" dirty="0">
-                <a:latin typeface="Courier" pitchFamily="2" charset="0"/>
-              </a:rPr>
-              <a:t> </a:t>
-            </a:r>
-            <a:r>
-              <a:rPr lang="de-DE" sz="1000" dirty="0" err="1">
-                <a:latin typeface="Courier" pitchFamily="2" charset="0"/>
-              </a:rPr>
-              <a:t>wait</a:t>
-            </a:r>
-            <a:r>
-              <a:rPr lang="de-DE" sz="1000" dirty="0">
-                <a:latin typeface="Courier" pitchFamily="2" charset="0"/>
-              </a:rPr>
-              <a:t> </a:t>
-            </a:r>
-            <a:r>
-              <a:rPr lang="de-DE" sz="1000" dirty="0" err="1">
-                <a:latin typeface="Courier" pitchFamily="2" charset="0"/>
-              </a:rPr>
-              <a:t>for</a:t>
-            </a:r>
-            <a:r>
-              <a:rPr lang="de-DE" sz="1000" dirty="0">
-                <a:latin typeface="Courier" pitchFamily="2" charset="0"/>
-              </a:rPr>
-              <a:t> </a:t>
-            </a:r>
-            <a:r>
-              <a:rPr lang="de-DE" sz="1000" dirty="0" err="1">
-                <a:latin typeface="Courier" pitchFamily="2" charset="0"/>
-              </a:rPr>
-              <a:t>future</a:t>
-            </a:r>
-            <a:r>
-              <a:rPr lang="de-DE" sz="1000" dirty="0">
-                <a:latin typeface="Courier" pitchFamily="2" charset="0"/>
-              </a:rPr>
-              <a:t> log </a:t>
-            </a:r>
-            <a:r>
-              <a:rPr lang="de-DE" sz="1000" dirty="0" err="1">
-                <a:latin typeface="Courier" pitchFamily="2" charset="0"/>
-              </a:rPr>
-              <a:t>entries</a:t>
-            </a:r>
-            <a:br>
-              <a:rPr lang="de-DE" sz="1000" dirty="0">
-                <a:latin typeface="Courier" pitchFamily="2" charset="0"/>
-              </a:rPr>
-            </a:br>
-            <a:r>
-              <a:rPr lang="de-DE" sz="1000" dirty="0" err="1">
-                <a:latin typeface="Courier" pitchFamily="2" charset="0"/>
-              </a:rPr>
-              <a:t>Closing</a:t>
-            </a:r>
-            <a:r>
-              <a:rPr lang="de-DE" sz="1000" dirty="0">
-                <a:latin typeface="Courier" pitchFamily="2" charset="0"/>
-              </a:rPr>
-              <a:t> </a:t>
-            </a:r>
-            <a:r>
-              <a:rPr lang="de-DE" sz="1000" dirty="0" err="1">
-                <a:latin typeface="Courier" pitchFamily="2" charset="0"/>
-              </a:rPr>
-              <a:t>notification</a:t>
-            </a:r>
-            <a:r>
-              <a:rPr lang="de-DE" sz="1000" dirty="0">
-                <a:latin typeface="Courier" pitchFamily="2" charset="0"/>
-              </a:rPr>
-              <a:t> </a:t>
-            </a:r>
-            <a:r>
-              <a:rPr lang="de-DE" sz="1000" dirty="0" err="1">
-                <a:latin typeface="Courier" pitchFamily="2" charset="0"/>
-              </a:rPr>
-              <a:t>receiver</a:t>
-            </a:r>
-            <a:br>
-              <a:rPr lang="de-DE" sz="1000" dirty="0">
-                <a:latin typeface="Courier" pitchFamily="2" charset="0"/>
-              </a:rPr>
-            </a:br>
-            <a:r>
-              <a:rPr lang="de-DE" sz="1000" dirty="0" err="1">
-                <a:latin typeface="Courier" pitchFamily="2" charset="0"/>
-              </a:rPr>
-              <a:t>Logging</a:t>
-            </a:r>
-            <a:r>
-              <a:rPr lang="de-DE" sz="1000" dirty="0">
-                <a:latin typeface="Courier" pitchFamily="2" charset="0"/>
-              </a:rPr>
-              <a:t> off</a:t>
+              <a:t> W…</a:t>
             </a:r>
             <a:br>
               <a:rPr lang="de-DE" sz="1000" dirty="0">

--- a/IBM_Z_HMC_Log_Forwarder.pptx
+++ b/IBM_Z_HMC_Log_Forwarder.pptx
@@ -5,7 +5,7 @@
     <p:sldMasterId id="2147483669" r:id="rId1"/>
   </p:sldMasterIdLst>
   <p:notesMasterIdLst>
-    <p:notesMasterId r:id="rId11"/>
+    <p:notesMasterId r:id="rId13"/>
   </p:notesMasterIdLst>
   <p:sldIdLst>
     <p:sldId id="256" r:id="rId2"/>
@@ -17,6 +17,8 @@
     <p:sldId id="986" r:id="rId8"/>
     <p:sldId id="984" r:id="rId9"/>
     <p:sldId id="985" r:id="rId10"/>
+    <p:sldId id="987" r:id="rId11"/>
+    <p:sldId id="988" r:id="rId12"/>
   </p:sldIdLst>
   <p:sldSz cx="9144000" cy="5715000" type="screen16x10"/>
   <p:notesSz cx="6858000" cy="9144000"/>
@@ -1631,12 +1633,1730 @@
             </a:br>
             <a:r>
               <a:rPr lang="de-DE" sz="1300" dirty="0"/>
-              <a:t>2019-08-13</a:t>
+              <a:t>2019-08-15</a:t>
             </a:r>
           </a:p>
         </p:txBody>
       </p:sp>
     </p:spTree>
+  </p:cSld>
+  <p:clrMapOvr>
+    <a:masterClrMapping/>
+  </p:clrMapOvr>
+</p:sld>
+</file>
+
+<file path=ppt/slides/slide10.xml><?xml version="1.0" encoding="utf-8"?>
+<p:sld xmlns:a="http://schemas.openxmlformats.org/drawingml/2006/main" xmlns:r="http://schemas.openxmlformats.org/officeDocument/2006/relationships" xmlns:p="http://schemas.openxmlformats.org/presentationml/2006/main">
+  <p:cSld>
+    <p:spTree>
+      <p:nvGrpSpPr>
+        <p:cNvPr id="1" name=""/>
+        <p:cNvGrpSpPr/>
+        <p:nvPr/>
+      </p:nvGrpSpPr>
+      <p:grpSpPr>
+        <a:xfrm>
+          <a:off x="0" y="0"/>
+          <a:ext cx="0" cy="0"/>
+          <a:chOff x="0" y="0"/>
+          <a:chExt cx="0" cy="0"/>
+        </a:xfrm>
+      </p:grpSpPr>
+      <p:sp>
+        <p:nvSpPr>
+          <p:cNvPr id="2" name="Title 1">
+            <a:extLst>
+              <a:ext uri="{FF2B5EF4-FFF2-40B4-BE49-F238E27FC236}">
+                <a16:creationId xmlns:a16="http://schemas.microsoft.com/office/drawing/2014/main" id="{53FCEA50-75E5-6740-A1DB-5AC3A2BB12F2}"/>
+              </a:ext>
+            </a:extLst>
+          </p:cNvPr>
+          <p:cNvSpPr>
+            <a:spLocks noGrp="1"/>
+          </p:cNvSpPr>
+          <p:nvPr>
+            <p:ph type="title"/>
+          </p:nvPr>
+        </p:nvSpPr>
+        <p:spPr/>
+        <p:txBody>
+          <a:bodyPr>
+            <a:normAutofit fontScale="90000"/>
+          </a:bodyPr>
+          <a:lstStyle/>
+          <a:p>
+            <a:pPr algn="ctr"/>
+            <a:r>
+              <a:rPr lang="en-US" spc="-1" dirty="0">
+                <a:solidFill>
+                  <a:srgbClr val="000099"/>
+                </a:solidFill>
+              </a:rPr>
+              <a:t>Log message formats</a:t>
+            </a:r>
+            <a:endParaRPr lang="de-DE" sz="2400" b="1" dirty="0"/>
+          </a:p>
+        </p:txBody>
+      </p:sp>
+      <p:sp>
+        <p:nvSpPr>
+          <p:cNvPr id="3" name="Text Placeholder 2">
+            <a:extLst>
+              <a:ext uri="{FF2B5EF4-FFF2-40B4-BE49-F238E27FC236}">
+                <a16:creationId xmlns:a16="http://schemas.microsoft.com/office/drawing/2014/main" id="{8D2DC10C-EC13-E244-8A8A-3271E75E2BF0}"/>
+              </a:ext>
+            </a:extLst>
+          </p:cNvPr>
+          <p:cNvSpPr>
+            <a:spLocks noGrp="1"/>
+          </p:cNvSpPr>
+          <p:nvPr>
+            <p:ph type="body" sz="quarter" idx="10"/>
+          </p:nvPr>
+        </p:nvSpPr>
+        <p:spPr>
+          <a:xfrm>
+            <a:off x="128187" y="863126"/>
+            <a:ext cx="8844896" cy="4606182"/>
+          </a:xfrm>
+        </p:spPr>
+        <p:txBody>
+          <a:bodyPr wrap="none" tIns="46800">
+            <a:noAutofit/>
+          </a:bodyPr>
+          <a:lstStyle/>
+          <a:p>
+            <a:pPr>
+              <a:lnSpc>
+                <a:spcPct val="100000"/>
+              </a:lnSpc>
+            </a:pPr>
+            <a:r>
+              <a:rPr lang="de-DE" sz="1000" b="1" dirty="0"/>
+              <a:t>RFC3164 </a:t>
+            </a:r>
+            <a:r>
+              <a:rPr lang="de-DE" sz="1000" b="1" dirty="0" err="1"/>
+              <a:t>format</a:t>
+            </a:r>
+            <a:r>
+              <a:rPr lang="de-DE" sz="1000" b="1" dirty="0"/>
+              <a:t> (aka BSD style </a:t>
+            </a:r>
+            <a:r>
+              <a:rPr lang="de-DE" sz="1000" b="1" dirty="0" err="1"/>
+              <a:t>syslog</a:t>
+            </a:r>
+            <a:r>
+              <a:rPr lang="de-DE" sz="1000" b="1" dirty="0"/>
+              <a:t>):</a:t>
+            </a:r>
+            <a:br>
+              <a:rPr lang="de-DE" sz="1000" dirty="0"/>
+            </a:br>
+            <a:br>
+              <a:rPr lang="de-DE" sz="1000" dirty="0"/>
+            </a:br>
+            <a:r>
+              <a:rPr lang="de-DE" sz="1000" dirty="0" err="1"/>
+              <a:t>Config</a:t>
+            </a:r>
+            <a:r>
+              <a:rPr lang="de-DE" sz="1000" dirty="0"/>
+              <a:t>:</a:t>
+            </a:r>
+            <a:br>
+              <a:rPr lang="de-DE" sz="1000" dirty="0">
+                <a:latin typeface="Courier" pitchFamily="2" charset="0"/>
+              </a:rPr>
+            </a:br>
+            <a:r>
+              <a:rPr lang="de-DE" sz="1000" dirty="0">
+                <a:latin typeface="Courier" pitchFamily="2" charset="0"/>
+              </a:rPr>
+              <a:t>  </a:t>
+            </a:r>
+            <a:r>
+              <a:rPr lang="de-DE" sz="1000" dirty="0" err="1">
+                <a:latin typeface="Courier" pitchFamily="2" charset="0"/>
+              </a:rPr>
+              <a:t>format</a:t>
+            </a:r>
+            <a:r>
+              <a:rPr lang="de-DE" sz="1000" dirty="0">
+                <a:latin typeface="Courier" pitchFamily="2" charset="0"/>
+              </a:rPr>
+              <a:t>: '&lt;14&gt;{time} {</a:t>
+            </a:r>
+            <a:r>
+              <a:rPr lang="de-DE" sz="1000" dirty="0" err="1">
+                <a:latin typeface="Courier" pitchFamily="2" charset="0"/>
+              </a:rPr>
+              <a:t>label</a:t>
+            </a:r>
+            <a:r>
+              <a:rPr lang="de-DE" sz="1000" dirty="0">
+                <a:latin typeface="Courier" pitchFamily="2" charset="0"/>
+              </a:rPr>
+              <a:t>} {log}: {</a:t>
+            </a:r>
+            <a:r>
+              <a:rPr lang="de-DE" sz="1000" dirty="0" err="1">
+                <a:latin typeface="Courier" pitchFamily="2" charset="0"/>
+              </a:rPr>
+              <a:t>id</a:t>
+            </a:r>
+            <a:r>
+              <a:rPr lang="de-DE" sz="1000" dirty="0">
+                <a:latin typeface="Courier" pitchFamily="2" charset="0"/>
+              </a:rPr>
+              <a:t>} {</a:t>
+            </a:r>
+            <a:r>
+              <a:rPr lang="de-DE" sz="1000" dirty="0" err="1">
+                <a:latin typeface="Courier" pitchFamily="2" charset="0"/>
+              </a:rPr>
+              <a:t>user</a:t>
+            </a:r>
+            <a:r>
+              <a:rPr lang="de-DE" sz="1000" dirty="0">
+                <a:latin typeface="Courier" pitchFamily="2" charset="0"/>
+              </a:rPr>
+              <a:t>} {</a:t>
+            </a:r>
+            <a:r>
+              <a:rPr lang="de-DE" sz="1000" dirty="0" err="1">
+                <a:latin typeface="Courier" pitchFamily="2" charset="0"/>
+              </a:rPr>
+              <a:t>msg</a:t>
+            </a:r>
+            <a:r>
+              <a:rPr lang="de-DE" sz="1000" dirty="0">
+                <a:latin typeface="Courier" pitchFamily="2" charset="0"/>
+              </a:rPr>
+              <a:t>}'</a:t>
+            </a:r>
+            <a:br>
+              <a:rPr lang="de-DE" sz="1000" dirty="0">
+                <a:latin typeface="Courier" pitchFamily="2" charset="0"/>
+              </a:rPr>
+            </a:br>
+            <a:r>
+              <a:rPr lang="de-DE" sz="1000" dirty="0">
+                <a:latin typeface="Courier" pitchFamily="2" charset="0"/>
+              </a:rPr>
+              <a:t>  </a:t>
+            </a:r>
+            <a:r>
+              <a:rPr lang="de-DE" sz="1000" dirty="0" err="1">
+                <a:latin typeface="Courier" pitchFamily="2" charset="0"/>
+              </a:rPr>
+              <a:t>time_format</a:t>
+            </a:r>
+            <a:r>
+              <a:rPr lang="de-DE" sz="1000" dirty="0">
+                <a:latin typeface="Courier" pitchFamily="2" charset="0"/>
+              </a:rPr>
+              <a:t>: '%b %d %H:%M:%S'</a:t>
+            </a:r>
+            <a:br>
+              <a:rPr lang="de-DE" sz="1000" dirty="0">
+                <a:latin typeface="Courier" pitchFamily="2" charset="0"/>
+              </a:rPr>
+            </a:br>
+            <a:br>
+              <a:rPr lang="de-DE" sz="1000" dirty="0">
+                <a:latin typeface="Courier" pitchFamily="2" charset="0"/>
+              </a:rPr>
+            </a:br>
+            <a:r>
+              <a:rPr lang="de-DE" sz="1000" dirty="0" err="1"/>
+              <a:t>Example</a:t>
+            </a:r>
+            <a:r>
+              <a:rPr lang="de-DE" sz="1000" dirty="0"/>
+              <a:t> log </a:t>
+            </a:r>
+            <a:r>
+              <a:rPr lang="de-DE" sz="1000" dirty="0" err="1"/>
+              <a:t>message</a:t>
+            </a:r>
+            <a:r>
+              <a:rPr lang="de-DE" sz="1000" dirty="0"/>
+              <a:t>:</a:t>
+            </a:r>
+            <a:br>
+              <a:rPr lang="de-DE" sz="1000" dirty="0"/>
+            </a:br>
+            <a:r>
+              <a:rPr lang="de-DE" sz="1000" dirty="0">
+                <a:latin typeface="Courier" pitchFamily="2" charset="0"/>
+              </a:rPr>
+              <a:t>  &lt;14&gt;Aug 15 10:23:04 dal13-01-hmc1 </a:t>
+            </a:r>
+            <a:r>
+              <a:rPr lang="de-DE" sz="1000" dirty="0" err="1">
+                <a:latin typeface="Courier" pitchFamily="2" charset="0"/>
+              </a:rPr>
+              <a:t>security</a:t>
+            </a:r>
+            <a:r>
+              <a:rPr lang="de-DE" sz="1000" dirty="0">
+                <a:latin typeface="Courier" pitchFamily="2" charset="0"/>
+              </a:rPr>
+              <a:t>: 1942 </a:t>
+            </a:r>
+            <a:r>
+              <a:rPr lang="de-DE" sz="1000" dirty="0" err="1">
+                <a:latin typeface="Courier" pitchFamily="2" charset="0"/>
+              </a:rPr>
+              <a:t>zaasmoni</a:t>
+            </a:r>
+            <a:r>
+              <a:rPr lang="de-DE" sz="1000" dirty="0">
+                <a:latin typeface="Courier" pitchFamily="2" charset="0"/>
+              </a:rPr>
+              <a:t> User </a:t>
+            </a:r>
+            <a:r>
+              <a:rPr lang="de-DE" sz="1000" dirty="0" err="1">
+                <a:latin typeface="Courier" pitchFamily="2" charset="0"/>
+              </a:rPr>
+              <a:t>zaasmoni</a:t>
+            </a:r>
+            <a:r>
+              <a:rPr lang="de-DE" sz="1000" dirty="0">
+                <a:latin typeface="Courier" pitchFamily="2" charset="0"/>
+              </a:rPr>
+              <a:t> </a:t>
+            </a:r>
+            <a:r>
+              <a:rPr lang="de-DE" sz="1000" dirty="0" err="1">
+                <a:latin typeface="Courier" pitchFamily="2" charset="0"/>
+              </a:rPr>
+              <a:t>has</a:t>
+            </a:r>
+            <a:r>
+              <a:rPr lang="de-DE" sz="1000" dirty="0">
+                <a:latin typeface="Courier" pitchFamily="2" charset="0"/>
+              </a:rPr>
+              <a:t> </a:t>
+            </a:r>
+            <a:r>
+              <a:rPr lang="de-DE" sz="1000" dirty="0" err="1">
+                <a:latin typeface="Courier" pitchFamily="2" charset="0"/>
+              </a:rPr>
+              <a:t>logged</a:t>
+            </a:r>
+            <a:r>
+              <a:rPr lang="de-DE" sz="1000" dirty="0">
+                <a:latin typeface="Courier" pitchFamily="2" charset="0"/>
+              </a:rPr>
+              <a:t> off </a:t>
+            </a:r>
+            <a:r>
+              <a:rPr lang="de-DE" sz="1000" dirty="0" err="1">
+                <a:latin typeface="Courier" pitchFamily="2" charset="0"/>
+              </a:rPr>
+              <a:t>from</a:t>
+            </a:r>
+            <a:r>
+              <a:rPr lang="de-DE" sz="1000" dirty="0">
+                <a:latin typeface="Courier" pitchFamily="2" charset="0"/>
+              </a:rPr>
+              <a:t> Web …</a:t>
+            </a:r>
+          </a:p>
+          <a:p>
+            <a:pPr>
+              <a:lnSpc>
+                <a:spcPct val="100000"/>
+              </a:lnSpc>
+            </a:pPr>
+            <a:r>
+              <a:rPr lang="de-DE" sz="1000" b="1" dirty="0"/>
+              <a:t>RFC5424 </a:t>
+            </a:r>
+            <a:r>
+              <a:rPr lang="de-DE" sz="1000" b="1" dirty="0" err="1"/>
+              <a:t>format</a:t>
+            </a:r>
+            <a:r>
+              <a:rPr lang="de-DE" sz="1000" b="1" dirty="0"/>
+              <a:t>:</a:t>
+            </a:r>
+            <a:br>
+              <a:rPr lang="de-DE" sz="1000" b="1" dirty="0"/>
+            </a:br>
+            <a:br>
+              <a:rPr lang="de-DE" sz="1000" dirty="0"/>
+            </a:br>
+            <a:r>
+              <a:rPr lang="de-DE" sz="1000" dirty="0" err="1"/>
+              <a:t>Config</a:t>
+            </a:r>
+            <a:r>
+              <a:rPr lang="de-DE" sz="1000" dirty="0"/>
+              <a:t>:</a:t>
+            </a:r>
+            <a:br>
+              <a:rPr lang="de-DE" sz="1000" dirty="0">
+                <a:latin typeface="Courier" pitchFamily="2" charset="0"/>
+              </a:rPr>
+            </a:br>
+            <a:r>
+              <a:rPr lang="de-DE" sz="1000" dirty="0">
+                <a:latin typeface="Courier" pitchFamily="2" charset="0"/>
+              </a:rPr>
+              <a:t>  </a:t>
+            </a:r>
+            <a:r>
+              <a:rPr lang="de-DE" sz="1000" dirty="0" err="1">
+                <a:latin typeface="Courier" pitchFamily="2" charset="0"/>
+              </a:rPr>
+              <a:t>format</a:t>
+            </a:r>
+            <a:r>
+              <a:rPr lang="de-DE" sz="1000" dirty="0">
+                <a:latin typeface="Courier" pitchFamily="2" charset="0"/>
+              </a:rPr>
+              <a:t>: '&lt;14&gt; 1 {time} {</a:t>
+            </a:r>
+            <a:r>
+              <a:rPr lang="de-DE" sz="1000" dirty="0" err="1">
+                <a:latin typeface="Courier" pitchFamily="2" charset="0"/>
+              </a:rPr>
+              <a:t>label</a:t>
+            </a:r>
+            <a:r>
+              <a:rPr lang="de-DE" sz="1000" dirty="0">
+                <a:latin typeface="Courier" pitchFamily="2" charset="0"/>
+              </a:rPr>
+              <a:t>} HMC - {</a:t>
+            </a:r>
+            <a:r>
+              <a:rPr lang="de-DE" sz="1000" dirty="0" err="1">
+                <a:latin typeface="Courier" pitchFamily="2" charset="0"/>
+              </a:rPr>
+              <a:t>id</a:t>
+            </a:r>
+            <a:r>
+              <a:rPr lang="de-DE" sz="1000" dirty="0">
+                <a:latin typeface="Courier" pitchFamily="2" charset="0"/>
+              </a:rPr>
+              <a:t>} [</a:t>
+            </a:r>
+            <a:r>
+              <a:rPr lang="de-DE" sz="1000" dirty="0" err="1">
+                <a:latin typeface="Courier" pitchFamily="2" charset="0"/>
+              </a:rPr>
+              <a:t>cat</a:t>
+            </a:r>
+            <a:r>
+              <a:rPr lang="de-DE" sz="1000" dirty="0">
+                <a:latin typeface="Courier" pitchFamily="2" charset="0"/>
+              </a:rPr>
+              <a:t>="{log}" </a:t>
+            </a:r>
+            <a:r>
+              <a:rPr lang="de-DE" sz="1000" dirty="0" err="1">
+                <a:latin typeface="Courier" pitchFamily="2" charset="0"/>
+              </a:rPr>
+              <a:t>usrName</a:t>
+            </a:r>
+            <a:r>
+              <a:rPr lang="de-DE" sz="1000" dirty="0">
+                <a:latin typeface="Courier" pitchFamily="2" charset="0"/>
+              </a:rPr>
+              <a:t>="{</a:t>
+            </a:r>
+            <a:r>
+              <a:rPr lang="de-DE" sz="1000" dirty="0" err="1">
+                <a:latin typeface="Courier" pitchFamily="2" charset="0"/>
+              </a:rPr>
+              <a:t>user</a:t>
+            </a:r>
+            <a:r>
+              <a:rPr lang="de-DE" sz="1000" dirty="0">
+                <a:latin typeface="Courier" pitchFamily="2" charset="0"/>
+              </a:rPr>
+              <a:t>}"] {</a:t>
+            </a:r>
+            <a:r>
+              <a:rPr lang="de-DE" sz="1000" dirty="0" err="1">
+                <a:latin typeface="Courier" pitchFamily="2" charset="0"/>
+              </a:rPr>
+              <a:t>msg</a:t>
+            </a:r>
+            <a:r>
+              <a:rPr lang="de-DE" sz="1000" dirty="0">
+                <a:latin typeface="Courier" pitchFamily="2" charset="0"/>
+              </a:rPr>
+              <a:t>}'</a:t>
+            </a:r>
+            <a:br>
+              <a:rPr lang="de-DE" sz="1000" dirty="0">
+                <a:latin typeface="Courier" pitchFamily="2" charset="0"/>
+              </a:rPr>
+            </a:br>
+            <a:r>
+              <a:rPr lang="de-DE" sz="1000" dirty="0">
+                <a:latin typeface="Courier" pitchFamily="2" charset="0"/>
+              </a:rPr>
+              <a:t>  </a:t>
+            </a:r>
+            <a:r>
+              <a:rPr lang="de-DE" sz="1000" dirty="0" err="1">
+                <a:latin typeface="Courier" pitchFamily="2" charset="0"/>
+              </a:rPr>
+              <a:t>time_format</a:t>
+            </a:r>
+            <a:r>
+              <a:rPr lang="de-DE" sz="1000" dirty="0">
+                <a:latin typeface="Courier" pitchFamily="2" charset="0"/>
+              </a:rPr>
+              <a:t>: '%b %d %H:%M:%S'</a:t>
+            </a:r>
+            <a:br>
+              <a:rPr lang="de-DE" sz="1000" dirty="0">
+                <a:latin typeface="Courier" pitchFamily="2" charset="0"/>
+              </a:rPr>
+            </a:br>
+            <a:br>
+              <a:rPr lang="de-DE" sz="1000" dirty="0">
+                <a:latin typeface="Courier" pitchFamily="2" charset="0"/>
+              </a:rPr>
+            </a:br>
+            <a:r>
+              <a:rPr lang="de-DE" sz="1000" dirty="0" err="1"/>
+              <a:t>Example</a:t>
+            </a:r>
+            <a:r>
+              <a:rPr lang="de-DE" sz="1000" dirty="0"/>
+              <a:t> log </a:t>
+            </a:r>
+            <a:r>
+              <a:rPr lang="de-DE" sz="1000" dirty="0" err="1"/>
+              <a:t>message</a:t>
+            </a:r>
+            <a:r>
+              <a:rPr lang="de-DE" sz="1000" dirty="0"/>
+              <a:t>:</a:t>
+            </a:r>
+            <a:br>
+              <a:rPr lang="de-DE" sz="1000" dirty="0"/>
+            </a:br>
+            <a:r>
+              <a:rPr lang="de-DE" sz="1000" dirty="0">
+                <a:latin typeface="Courier" pitchFamily="2" charset="0"/>
+              </a:rPr>
+              <a:t>  &lt;14&gt; 1 Aug 15 10:23:04 dal13-01-hmc1 HMC - 1942 [</a:t>
+            </a:r>
+            <a:r>
+              <a:rPr lang="de-DE" sz="1000" dirty="0" err="1">
+                <a:latin typeface="Courier" pitchFamily="2" charset="0"/>
+              </a:rPr>
+              <a:t>cat</a:t>
+            </a:r>
+            <a:r>
+              <a:rPr lang="de-DE" sz="1000" dirty="0">
+                <a:latin typeface="Courier" pitchFamily="2" charset="0"/>
+              </a:rPr>
+              <a:t>="</a:t>
+            </a:r>
+            <a:r>
+              <a:rPr lang="de-DE" sz="1000" dirty="0" err="1">
+                <a:latin typeface="Courier" pitchFamily="2" charset="0"/>
+              </a:rPr>
+              <a:t>security</a:t>
+            </a:r>
+            <a:r>
+              <a:rPr lang="de-DE" sz="1000" dirty="0">
+                <a:latin typeface="Courier" pitchFamily="2" charset="0"/>
+              </a:rPr>
+              <a:t>" </a:t>
+            </a:r>
+            <a:r>
+              <a:rPr lang="de-DE" sz="1000" dirty="0" err="1">
+                <a:latin typeface="Courier" pitchFamily="2" charset="0"/>
+              </a:rPr>
+              <a:t>usrName</a:t>
+            </a:r>
+            <a:r>
+              <a:rPr lang="de-DE" sz="1000" dirty="0">
+                <a:latin typeface="Courier" pitchFamily="2" charset="0"/>
+              </a:rPr>
+              <a:t>="</a:t>
+            </a:r>
+            <a:r>
+              <a:rPr lang="de-DE" sz="1000" dirty="0" err="1">
+                <a:latin typeface="Courier" pitchFamily="2" charset="0"/>
+              </a:rPr>
+              <a:t>zaasmoni</a:t>
+            </a:r>
+            <a:r>
+              <a:rPr lang="de-DE" sz="1000" dirty="0">
+                <a:latin typeface="Courier" pitchFamily="2" charset="0"/>
+              </a:rPr>
+              <a:t>"] User </a:t>
+            </a:r>
+            <a:r>
+              <a:rPr lang="de-DE" sz="1000" dirty="0" err="1">
+                <a:latin typeface="Courier" pitchFamily="2" charset="0"/>
+              </a:rPr>
+              <a:t>zaasmoni</a:t>
+            </a:r>
+            <a:br>
+              <a:rPr lang="de-DE" sz="1000" dirty="0">
+                <a:latin typeface="Courier" pitchFamily="2" charset="0"/>
+              </a:rPr>
+            </a:br>
+            <a:r>
+              <a:rPr lang="de-DE" sz="1000" dirty="0">
+                <a:latin typeface="Courier" pitchFamily="2" charset="0"/>
+              </a:rPr>
+              <a:t>    </a:t>
+            </a:r>
+            <a:r>
+              <a:rPr lang="de-DE" sz="1000" dirty="0" err="1">
+                <a:latin typeface="Courier" pitchFamily="2" charset="0"/>
+              </a:rPr>
+              <a:t>has</a:t>
+            </a:r>
+            <a:r>
+              <a:rPr lang="de-DE" sz="1000" dirty="0">
+                <a:latin typeface="Courier" pitchFamily="2" charset="0"/>
+              </a:rPr>
+              <a:t> </a:t>
+            </a:r>
+            <a:r>
+              <a:rPr lang="de-DE" sz="1000" dirty="0" err="1">
+                <a:latin typeface="Courier" pitchFamily="2" charset="0"/>
+              </a:rPr>
+              <a:t>logged</a:t>
+            </a:r>
+            <a:r>
+              <a:rPr lang="de-DE" sz="1000" dirty="0">
+                <a:latin typeface="Courier" pitchFamily="2" charset="0"/>
+              </a:rPr>
+              <a:t> off </a:t>
+            </a:r>
+            <a:r>
+              <a:rPr lang="de-DE" sz="1000" dirty="0" err="1">
+                <a:latin typeface="Courier" pitchFamily="2" charset="0"/>
+              </a:rPr>
+              <a:t>from</a:t>
+            </a:r>
+            <a:r>
+              <a:rPr lang="de-DE" sz="1000" dirty="0">
+                <a:latin typeface="Courier" pitchFamily="2" charset="0"/>
+              </a:rPr>
+              <a:t> Web …</a:t>
+            </a:r>
+          </a:p>
+          <a:p>
+            <a:pPr>
+              <a:lnSpc>
+                <a:spcPct val="100000"/>
+              </a:lnSpc>
+            </a:pPr>
+            <a:r>
+              <a:rPr lang="de-DE" sz="1000" b="1" dirty="0" err="1"/>
+              <a:t>QRadar</a:t>
+            </a:r>
+            <a:r>
+              <a:rPr lang="de-DE" sz="1000" b="1" dirty="0"/>
+              <a:t> LEEF </a:t>
+            </a:r>
+            <a:r>
+              <a:rPr lang="de-DE" sz="1000" b="1" dirty="0" err="1"/>
+              <a:t>format</a:t>
+            </a:r>
+            <a:r>
+              <a:rPr lang="de-DE" sz="1000" b="1" dirty="0"/>
+              <a:t>:</a:t>
+            </a:r>
+            <a:br>
+              <a:rPr lang="de-DE" sz="1000" b="1" dirty="0"/>
+            </a:br>
+            <a:br>
+              <a:rPr lang="de-DE" sz="1000" dirty="0"/>
+            </a:br>
+            <a:r>
+              <a:rPr lang="de-DE" sz="1000" dirty="0" err="1"/>
+              <a:t>Config</a:t>
+            </a:r>
+            <a:r>
+              <a:rPr lang="de-DE" sz="1000" dirty="0"/>
+              <a:t>:</a:t>
+            </a:r>
+            <a:br>
+              <a:rPr lang="de-DE" sz="1000" dirty="0">
+                <a:latin typeface="Courier" pitchFamily="2" charset="0"/>
+              </a:rPr>
+            </a:br>
+            <a:r>
+              <a:rPr lang="de-DE" sz="1000" dirty="0">
+                <a:latin typeface="Courier" pitchFamily="2" charset="0"/>
+              </a:rPr>
+              <a:t>  </a:t>
+            </a:r>
+            <a:r>
+              <a:rPr lang="de-DE" sz="1000" dirty="0" err="1">
+                <a:latin typeface="Courier" pitchFamily="2" charset="0"/>
+              </a:rPr>
+              <a:t>format</a:t>
+            </a:r>
+            <a:r>
+              <a:rPr lang="de-DE" sz="1000" dirty="0">
+                <a:latin typeface="Courier" pitchFamily="2" charset="0"/>
+              </a:rPr>
+              <a:t>: '{time} {</a:t>
+            </a:r>
+            <a:r>
+              <a:rPr lang="de-DE" sz="1000" dirty="0" err="1">
+                <a:latin typeface="Courier" pitchFamily="2" charset="0"/>
+              </a:rPr>
+              <a:t>label</a:t>
+            </a:r>
+            <a:r>
+              <a:rPr lang="de-DE" sz="1000" dirty="0">
+                <a:latin typeface="Courier" pitchFamily="2" charset="0"/>
+              </a:rPr>
+              <a:t>} LEEF:1.0|IBM|HMC|2.14.1|{</a:t>
+            </a:r>
+            <a:r>
+              <a:rPr lang="de-DE" sz="1000" dirty="0" err="1">
+                <a:latin typeface="Courier" pitchFamily="2" charset="0"/>
+              </a:rPr>
+              <a:t>id</a:t>
+            </a:r>
+            <a:r>
+              <a:rPr lang="de-DE" sz="1000" dirty="0">
+                <a:latin typeface="Courier" pitchFamily="2" charset="0"/>
+              </a:rPr>
+              <a:t>}|</a:t>
+            </a:r>
+            <a:r>
+              <a:rPr lang="de-DE" sz="1000" dirty="0" err="1">
+                <a:latin typeface="Courier" pitchFamily="2" charset="0"/>
+              </a:rPr>
+              <a:t>cat</a:t>
+            </a:r>
+            <a:r>
+              <a:rPr lang="de-DE" sz="1000" dirty="0">
+                <a:latin typeface="Courier" pitchFamily="2" charset="0"/>
+              </a:rPr>
+              <a:t>={log}\</a:t>
+            </a:r>
+            <a:r>
+              <a:rPr lang="de-DE" sz="1000" dirty="0" err="1">
+                <a:latin typeface="Courier" pitchFamily="2" charset="0"/>
+              </a:rPr>
+              <a:t>tdevTime</a:t>
+            </a:r>
+            <a:r>
+              <a:rPr lang="de-DE" sz="1000" dirty="0">
+                <a:latin typeface="Courier" pitchFamily="2" charset="0"/>
+              </a:rPr>
+              <a:t>={time}\t</a:t>
+            </a:r>
+            <a:br>
+              <a:rPr lang="de-DE" sz="1000" dirty="0">
+                <a:latin typeface="Courier" pitchFamily="2" charset="0"/>
+              </a:rPr>
+            </a:br>
+            <a:r>
+              <a:rPr lang="de-DE" sz="1000" dirty="0">
+                <a:latin typeface="Courier" pitchFamily="2" charset="0"/>
+              </a:rPr>
+              <a:t>           </a:t>
+            </a:r>
+            <a:r>
+              <a:rPr lang="de-DE" sz="1000" dirty="0" err="1">
+                <a:latin typeface="Courier" pitchFamily="2" charset="0"/>
+              </a:rPr>
+              <a:t>devTimeFormat</a:t>
+            </a:r>
+            <a:r>
+              <a:rPr lang="de-DE" sz="1000" dirty="0">
+                <a:latin typeface="Courier" pitchFamily="2" charset="0"/>
+              </a:rPr>
+              <a:t>=MMM </a:t>
+            </a:r>
+            <a:r>
+              <a:rPr lang="de-DE" sz="1000" dirty="0" err="1">
+                <a:latin typeface="Courier" pitchFamily="2" charset="0"/>
+              </a:rPr>
+              <a:t>dd</a:t>
+            </a:r>
+            <a:r>
+              <a:rPr lang="de-DE" sz="1000" dirty="0">
+                <a:latin typeface="Courier" pitchFamily="2" charset="0"/>
+              </a:rPr>
+              <a:t> </a:t>
+            </a:r>
+            <a:r>
+              <a:rPr lang="de-DE" sz="1000" dirty="0" err="1">
+                <a:latin typeface="Courier" pitchFamily="2" charset="0"/>
+              </a:rPr>
+              <a:t>yyyy</a:t>
+            </a:r>
+            <a:r>
+              <a:rPr lang="de-DE" sz="1000" dirty="0">
+                <a:latin typeface="Courier" pitchFamily="2" charset="0"/>
+              </a:rPr>
+              <a:t> </a:t>
+            </a:r>
+            <a:r>
+              <a:rPr lang="de-DE" sz="1000" dirty="0" err="1">
+                <a:latin typeface="Courier" pitchFamily="2" charset="0"/>
+              </a:rPr>
+              <a:t>HH:mm:ss</a:t>
+            </a:r>
+            <a:r>
+              <a:rPr lang="de-DE" sz="1000" dirty="0">
+                <a:latin typeface="Courier" pitchFamily="2" charset="0"/>
+              </a:rPr>
+              <a:t>\</a:t>
+            </a:r>
+            <a:r>
+              <a:rPr lang="de-DE" sz="1000" dirty="0" err="1">
+                <a:latin typeface="Courier" pitchFamily="2" charset="0"/>
+              </a:rPr>
+              <a:t>tusrName</a:t>
+            </a:r>
+            <a:r>
+              <a:rPr lang="de-DE" sz="1000" dirty="0">
+                <a:latin typeface="Courier" pitchFamily="2" charset="0"/>
+              </a:rPr>
+              <a:t>={</a:t>
+            </a:r>
+            <a:r>
+              <a:rPr lang="de-DE" sz="1000" dirty="0" err="1">
+                <a:latin typeface="Courier" pitchFamily="2" charset="0"/>
+              </a:rPr>
+              <a:t>user</a:t>
+            </a:r>
+            <a:r>
+              <a:rPr lang="de-DE" sz="1000" dirty="0">
+                <a:latin typeface="Courier" pitchFamily="2" charset="0"/>
+              </a:rPr>
+              <a:t>}\t{</a:t>
+            </a:r>
+            <a:r>
+              <a:rPr lang="de-DE" sz="1000" dirty="0" err="1">
+                <a:latin typeface="Courier" pitchFamily="2" charset="0"/>
+              </a:rPr>
+              <a:t>msg</a:t>
+            </a:r>
+            <a:r>
+              <a:rPr lang="de-DE" sz="1000" dirty="0">
+                <a:latin typeface="Courier" pitchFamily="2" charset="0"/>
+              </a:rPr>
+              <a:t>}'</a:t>
+            </a:r>
+            <a:br>
+              <a:rPr lang="de-DE" sz="1000" dirty="0">
+                <a:latin typeface="Courier" pitchFamily="2" charset="0"/>
+              </a:rPr>
+            </a:br>
+            <a:r>
+              <a:rPr lang="de-DE" sz="1000" dirty="0">
+                <a:latin typeface="Courier" pitchFamily="2" charset="0"/>
+              </a:rPr>
+              <a:t>  </a:t>
+            </a:r>
+            <a:r>
+              <a:rPr lang="de-DE" sz="1000" dirty="0" err="1">
+                <a:latin typeface="Courier" pitchFamily="2" charset="0"/>
+              </a:rPr>
+              <a:t>time_format</a:t>
+            </a:r>
+            <a:r>
+              <a:rPr lang="de-DE" sz="1000" dirty="0">
+                <a:latin typeface="Courier" pitchFamily="2" charset="0"/>
+              </a:rPr>
+              <a:t>: '%b %d %Y %H:%M:%S'</a:t>
+            </a:r>
+            <a:br>
+              <a:rPr lang="de-DE" sz="1000" dirty="0">
+                <a:latin typeface="Courier" pitchFamily="2" charset="0"/>
+              </a:rPr>
+            </a:br>
+            <a:br>
+              <a:rPr lang="de-DE" sz="1000" dirty="0">
+                <a:latin typeface="Courier" pitchFamily="2" charset="0"/>
+              </a:rPr>
+            </a:br>
+            <a:r>
+              <a:rPr lang="de-DE" sz="1000" dirty="0" err="1"/>
+              <a:t>Example</a:t>
+            </a:r>
+            <a:r>
+              <a:rPr lang="de-DE" sz="1000" dirty="0"/>
+              <a:t> log </a:t>
+            </a:r>
+            <a:r>
+              <a:rPr lang="de-DE" sz="1000" dirty="0" err="1"/>
+              <a:t>message</a:t>
+            </a:r>
+            <a:r>
+              <a:rPr lang="de-DE" sz="1000" dirty="0"/>
+              <a:t>:</a:t>
+            </a:r>
+            <a:br>
+              <a:rPr lang="de-DE" sz="1000" dirty="0"/>
+            </a:br>
+            <a:r>
+              <a:rPr lang="de-DE" sz="1000" dirty="0">
+                <a:latin typeface="Courier" pitchFamily="2" charset="0"/>
+              </a:rPr>
+              <a:t>  2019-08-15 10:23:04 dal13-01-hmc1 LEF:1.0|IBM|HMC|2.14.1|1942|cat=</a:t>
+            </a:r>
+            <a:r>
+              <a:rPr lang="de-DE" sz="1000" dirty="0" err="1">
+                <a:latin typeface="Courier" pitchFamily="2" charset="0"/>
+              </a:rPr>
+              <a:t>security</a:t>
+            </a:r>
+            <a:r>
+              <a:rPr lang="de-DE" sz="1000" dirty="0">
+                <a:latin typeface="Courier" pitchFamily="2" charset="0"/>
+              </a:rPr>
+              <a:t>\t</a:t>
+            </a:r>
+            <a:br>
+              <a:rPr lang="de-DE" sz="1000" dirty="0">
+                <a:latin typeface="Courier" pitchFamily="2" charset="0"/>
+              </a:rPr>
+            </a:br>
+            <a:r>
+              <a:rPr lang="de-DE" sz="1000" dirty="0">
+                <a:latin typeface="Courier" pitchFamily="2" charset="0"/>
+              </a:rPr>
+              <a:t>    </a:t>
+            </a:r>
+            <a:r>
+              <a:rPr lang="de-DE" sz="1000" dirty="0" err="1">
+                <a:latin typeface="Courier" pitchFamily="2" charset="0"/>
+              </a:rPr>
+              <a:t>devTime</a:t>
+            </a:r>
+            <a:r>
+              <a:rPr lang="de-DE" sz="1000" dirty="0">
+                <a:latin typeface="Courier" pitchFamily="2" charset="0"/>
+              </a:rPr>
+              <a:t>=Aug 15 2018 10:23:04\</a:t>
+            </a:r>
+            <a:r>
+              <a:rPr lang="de-DE" sz="1000" dirty="0" err="1">
+                <a:latin typeface="Courier" pitchFamily="2" charset="0"/>
+              </a:rPr>
+              <a:t>tdevTimeFormat</a:t>
+            </a:r>
+            <a:r>
+              <a:rPr lang="de-DE" sz="1000" dirty="0">
+                <a:latin typeface="Courier" pitchFamily="2" charset="0"/>
+              </a:rPr>
+              <a:t>=MMM </a:t>
+            </a:r>
+            <a:r>
+              <a:rPr lang="de-DE" sz="1000" dirty="0" err="1">
+                <a:latin typeface="Courier" pitchFamily="2" charset="0"/>
+              </a:rPr>
+              <a:t>dd</a:t>
+            </a:r>
+            <a:r>
+              <a:rPr lang="de-DE" sz="1000" dirty="0">
+                <a:latin typeface="Courier" pitchFamily="2" charset="0"/>
+              </a:rPr>
+              <a:t> </a:t>
+            </a:r>
+            <a:r>
+              <a:rPr lang="de-DE" sz="1000" dirty="0" err="1">
+                <a:latin typeface="Courier" pitchFamily="2" charset="0"/>
+              </a:rPr>
+              <a:t>yyyy</a:t>
+            </a:r>
+            <a:r>
+              <a:rPr lang="de-DE" sz="1000" dirty="0">
+                <a:latin typeface="Courier" pitchFamily="2" charset="0"/>
+              </a:rPr>
+              <a:t> </a:t>
+            </a:r>
+            <a:r>
+              <a:rPr lang="de-DE" sz="1000" dirty="0" err="1">
+                <a:latin typeface="Courier" pitchFamily="2" charset="0"/>
+              </a:rPr>
+              <a:t>HH:mm:ss</a:t>
+            </a:r>
+            <a:r>
+              <a:rPr lang="de-DE" sz="1000" dirty="0">
+                <a:latin typeface="Courier" pitchFamily="2" charset="0"/>
+              </a:rPr>
+              <a:t>\t</a:t>
+            </a:r>
+            <a:br>
+              <a:rPr lang="de-DE" sz="1000" dirty="0">
+                <a:latin typeface="Courier" pitchFamily="2" charset="0"/>
+              </a:rPr>
+            </a:br>
+            <a:r>
+              <a:rPr lang="de-DE" sz="1000" dirty="0">
+                <a:latin typeface="Courier" pitchFamily="2" charset="0"/>
+              </a:rPr>
+              <a:t>    </a:t>
+            </a:r>
+            <a:r>
+              <a:rPr lang="de-DE" sz="1000" dirty="0" err="1">
+                <a:latin typeface="Courier" pitchFamily="2" charset="0"/>
+              </a:rPr>
+              <a:t>usrName</a:t>
+            </a:r>
+            <a:r>
+              <a:rPr lang="de-DE" sz="1000" dirty="0">
+                <a:latin typeface="Courier" pitchFamily="2" charset="0"/>
+              </a:rPr>
+              <a:t>=</a:t>
+            </a:r>
+            <a:r>
+              <a:rPr lang="de-DE" sz="1000" dirty="0" err="1">
+                <a:latin typeface="Courier" pitchFamily="2" charset="0"/>
+              </a:rPr>
+              <a:t>zaasmoni</a:t>
+            </a:r>
+            <a:r>
+              <a:rPr lang="de-DE" sz="1000" dirty="0">
+                <a:latin typeface="Courier" pitchFamily="2" charset="0"/>
+              </a:rPr>
+              <a:t>\</a:t>
+            </a:r>
+            <a:r>
+              <a:rPr lang="de-DE" sz="1000" dirty="0" err="1">
+                <a:latin typeface="Courier" pitchFamily="2" charset="0"/>
+              </a:rPr>
+              <a:t>tUser</a:t>
+            </a:r>
+            <a:r>
+              <a:rPr lang="de-DE" sz="1000" dirty="0">
+                <a:latin typeface="Courier" pitchFamily="2" charset="0"/>
+              </a:rPr>
+              <a:t> </a:t>
+            </a:r>
+            <a:r>
+              <a:rPr lang="de-DE" sz="1000" dirty="0" err="1">
+                <a:latin typeface="Courier" pitchFamily="2" charset="0"/>
+              </a:rPr>
+              <a:t>zaasmoni</a:t>
+            </a:r>
+            <a:r>
+              <a:rPr lang="de-DE" sz="1000" dirty="0">
+                <a:latin typeface="Courier" pitchFamily="2" charset="0"/>
+              </a:rPr>
+              <a:t> </a:t>
+            </a:r>
+            <a:r>
+              <a:rPr lang="de-DE" sz="1000" dirty="0" err="1">
+                <a:latin typeface="Courier" pitchFamily="2" charset="0"/>
+              </a:rPr>
+              <a:t>has</a:t>
+            </a:r>
+            <a:r>
+              <a:rPr lang="de-DE" sz="1000" dirty="0">
+                <a:latin typeface="Courier" pitchFamily="2" charset="0"/>
+              </a:rPr>
+              <a:t> </a:t>
+            </a:r>
+            <a:r>
+              <a:rPr lang="de-DE" sz="1000" dirty="0" err="1">
+                <a:latin typeface="Courier" pitchFamily="2" charset="0"/>
+              </a:rPr>
+              <a:t>logged</a:t>
+            </a:r>
+            <a:r>
+              <a:rPr lang="de-DE" sz="1000" dirty="0">
+                <a:latin typeface="Courier" pitchFamily="2" charset="0"/>
+              </a:rPr>
+              <a:t> off </a:t>
+            </a:r>
+            <a:r>
+              <a:rPr lang="de-DE" sz="1000" dirty="0" err="1">
+                <a:latin typeface="Courier" pitchFamily="2" charset="0"/>
+              </a:rPr>
+              <a:t>from</a:t>
+            </a:r>
+            <a:r>
+              <a:rPr lang="de-DE" sz="1000" dirty="0">
+                <a:latin typeface="Courier" pitchFamily="2" charset="0"/>
+              </a:rPr>
+              <a:t> Web …</a:t>
+            </a:r>
+          </a:p>
+        </p:txBody>
+      </p:sp>
+    </p:spTree>
+    <p:extLst>
+      <p:ext uri="{BB962C8B-B14F-4D97-AF65-F5344CB8AC3E}">
+        <p14:creationId xmlns:p14="http://schemas.microsoft.com/office/powerpoint/2010/main" val="12205009"/>
+      </p:ext>
+    </p:extLst>
+  </p:cSld>
+  <p:clrMapOvr>
+    <a:masterClrMapping/>
+  </p:clrMapOvr>
+</p:sld>
+</file>
+
+<file path=ppt/slides/slide11.xml><?xml version="1.0" encoding="utf-8"?>
+<p:sld xmlns:a="http://schemas.openxmlformats.org/drawingml/2006/main" xmlns:r="http://schemas.openxmlformats.org/officeDocument/2006/relationships" xmlns:p="http://schemas.openxmlformats.org/presentationml/2006/main">
+  <p:cSld>
+    <p:spTree>
+      <p:nvGrpSpPr>
+        <p:cNvPr id="1" name=""/>
+        <p:cNvGrpSpPr/>
+        <p:nvPr/>
+      </p:nvGrpSpPr>
+      <p:grpSpPr>
+        <a:xfrm>
+          <a:off x="0" y="0"/>
+          <a:ext cx="0" cy="0"/>
+          <a:chOff x="0" y="0"/>
+          <a:chExt cx="0" cy="0"/>
+        </a:xfrm>
+      </p:grpSpPr>
+      <p:sp>
+        <p:nvSpPr>
+          <p:cNvPr id="2" name="Title 1">
+            <a:extLst>
+              <a:ext uri="{FF2B5EF4-FFF2-40B4-BE49-F238E27FC236}">
+                <a16:creationId xmlns:a16="http://schemas.microsoft.com/office/drawing/2014/main" id="{53FCEA50-75E5-6740-A1DB-5AC3A2BB12F2}"/>
+              </a:ext>
+            </a:extLst>
+          </p:cNvPr>
+          <p:cNvSpPr>
+            <a:spLocks noGrp="1"/>
+          </p:cNvSpPr>
+          <p:nvPr>
+            <p:ph type="title"/>
+          </p:nvPr>
+        </p:nvSpPr>
+        <p:spPr/>
+        <p:txBody>
+          <a:bodyPr>
+            <a:normAutofit fontScale="90000"/>
+          </a:bodyPr>
+          <a:lstStyle/>
+          <a:p>
+            <a:pPr algn="ctr"/>
+            <a:r>
+              <a:rPr lang="en-US" spc="-1" dirty="0">
+                <a:solidFill>
+                  <a:srgbClr val="000099"/>
+                </a:solidFill>
+              </a:rPr>
+              <a:t>IBM </a:t>
+            </a:r>
+            <a:r>
+              <a:rPr lang="en-US" spc="-1" dirty="0" err="1">
+                <a:solidFill>
+                  <a:srgbClr val="000099"/>
+                </a:solidFill>
+              </a:rPr>
+              <a:t>QRadar</a:t>
+            </a:r>
+            <a:r>
+              <a:rPr lang="en-US" spc="-1" dirty="0">
+                <a:solidFill>
+                  <a:srgbClr val="000099"/>
+                </a:solidFill>
+              </a:rPr>
+              <a:t> service</a:t>
+            </a:r>
+            <a:endParaRPr lang="de-DE" sz="2400" b="1" dirty="0"/>
+          </a:p>
+        </p:txBody>
+      </p:sp>
+      <p:sp>
+        <p:nvSpPr>
+          <p:cNvPr id="4" name="Text Placeholder 3">
+            <a:extLst>
+              <a:ext uri="{FF2B5EF4-FFF2-40B4-BE49-F238E27FC236}">
+                <a16:creationId xmlns:a16="http://schemas.microsoft.com/office/drawing/2014/main" id="{CC32E075-076C-BA4E-A591-B1559E4146C5}"/>
+              </a:ext>
+            </a:extLst>
+          </p:cNvPr>
+          <p:cNvSpPr>
+            <a:spLocks noGrp="1"/>
+          </p:cNvSpPr>
+          <p:nvPr>
+            <p:ph type="body" sz="quarter" idx="10"/>
+          </p:nvPr>
+        </p:nvSpPr>
+        <p:spPr/>
+        <p:txBody>
+          <a:bodyPr/>
+          <a:lstStyle/>
+          <a:p>
+            <a:r>
+              <a:rPr lang="de-DE" dirty="0" err="1"/>
+              <a:t>Supported</a:t>
+            </a:r>
+            <a:r>
+              <a:rPr lang="de-DE" dirty="0"/>
+              <a:t> </a:t>
+            </a:r>
+            <a:r>
+              <a:rPr lang="de-DE" dirty="0" err="1"/>
+              <a:t>formats</a:t>
+            </a:r>
+            <a:r>
+              <a:rPr lang="de-DE" dirty="0"/>
+              <a:t> </a:t>
+            </a:r>
+            <a:r>
+              <a:rPr lang="de-DE" dirty="0" err="1"/>
+              <a:t>of</a:t>
+            </a:r>
+            <a:r>
+              <a:rPr lang="de-DE" dirty="0"/>
+              <a:t> </a:t>
+            </a:r>
+            <a:r>
+              <a:rPr lang="de-DE" dirty="0" err="1"/>
+              <a:t>incoming</a:t>
+            </a:r>
+            <a:r>
+              <a:rPr lang="de-DE" dirty="0"/>
+              <a:t> log </a:t>
+            </a:r>
+            <a:r>
+              <a:rPr lang="de-DE" dirty="0" err="1"/>
+              <a:t>messages</a:t>
+            </a:r>
+            <a:r>
+              <a:rPr lang="de-DE" dirty="0"/>
+              <a:t>:</a:t>
+            </a:r>
+          </a:p>
+          <a:p>
+            <a:pPr lvl="1"/>
+            <a:r>
+              <a:rPr lang="de-DE" dirty="0"/>
+              <a:t>RFC3164, RFC5424 </a:t>
+            </a:r>
+            <a:r>
+              <a:rPr lang="de-DE" dirty="0" err="1"/>
+              <a:t>syslog</a:t>
+            </a:r>
+            <a:r>
+              <a:rPr lang="de-DE" dirty="0"/>
+              <a:t> </a:t>
+            </a:r>
+            <a:r>
+              <a:rPr lang="de-DE" dirty="0" err="1"/>
+              <a:t>formats</a:t>
+            </a:r>
+            <a:r>
+              <a:rPr lang="de-DE" dirty="0"/>
+              <a:t> (</a:t>
+            </a:r>
+            <a:r>
+              <a:rPr lang="de-DE" dirty="0" err="1"/>
+              <a:t>with</a:t>
+            </a:r>
+            <a:r>
+              <a:rPr lang="de-DE" dirty="0"/>
+              <a:t> </a:t>
+            </a:r>
+            <a:r>
+              <a:rPr lang="de-DE" dirty="0" err="1"/>
+              <a:t>deviations</a:t>
+            </a:r>
+            <a:r>
+              <a:rPr lang="de-DE" dirty="0"/>
+              <a:t>)</a:t>
+            </a:r>
+          </a:p>
+          <a:p>
+            <a:pPr lvl="1"/>
+            <a:r>
+              <a:rPr lang="de-DE" dirty="0" err="1"/>
+              <a:t>QRadar</a:t>
+            </a:r>
+            <a:r>
+              <a:rPr lang="de-DE" dirty="0"/>
+              <a:t> LEEF </a:t>
+            </a:r>
+            <a:r>
+              <a:rPr lang="de-DE" dirty="0" err="1"/>
+              <a:t>format</a:t>
+            </a:r>
+            <a:endParaRPr lang="de-DE" dirty="0"/>
+          </a:p>
+          <a:p>
+            <a:r>
+              <a:rPr lang="de-DE" dirty="0" err="1"/>
+              <a:t>QRadar</a:t>
+            </a:r>
+            <a:r>
+              <a:rPr lang="de-DE" dirty="0"/>
+              <a:t> </a:t>
+            </a:r>
+            <a:r>
+              <a:rPr lang="de-DE" dirty="0" err="1"/>
+              <a:t>needs</a:t>
+            </a:r>
+            <a:r>
+              <a:rPr lang="de-DE" dirty="0"/>
+              <a:t> a DSM </a:t>
+            </a:r>
+            <a:r>
+              <a:rPr lang="de-DE" dirty="0" err="1"/>
+              <a:t>parser</a:t>
+            </a:r>
+            <a:r>
+              <a:rPr lang="de-DE" dirty="0"/>
+              <a:t> </a:t>
+            </a:r>
+            <a:r>
+              <a:rPr lang="de-DE" dirty="0" err="1"/>
+              <a:t>for</a:t>
+            </a:r>
+            <a:r>
+              <a:rPr lang="de-DE" dirty="0"/>
+              <a:t> </a:t>
+            </a:r>
+            <a:r>
+              <a:rPr lang="de-DE" dirty="0" err="1"/>
+              <a:t>the</a:t>
+            </a:r>
+            <a:r>
+              <a:rPr lang="de-DE" dirty="0"/>
+              <a:t> log </a:t>
+            </a:r>
+            <a:r>
+              <a:rPr lang="de-DE" dirty="0" err="1"/>
+              <a:t>source</a:t>
+            </a:r>
+            <a:endParaRPr lang="de-DE" dirty="0"/>
+          </a:p>
+          <a:p>
+            <a:pPr lvl="1"/>
+            <a:r>
+              <a:rPr lang="de-DE" dirty="0" err="1"/>
+              <a:t>Without</a:t>
+            </a:r>
+            <a:r>
+              <a:rPr lang="de-DE" dirty="0"/>
+              <a:t> a DSM </a:t>
+            </a:r>
+            <a:r>
+              <a:rPr lang="de-DE" dirty="0" err="1"/>
+              <a:t>parser</a:t>
+            </a:r>
+            <a:r>
+              <a:rPr lang="de-DE" dirty="0"/>
+              <a:t>, </a:t>
+            </a:r>
+            <a:r>
+              <a:rPr lang="de-DE" dirty="0" err="1"/>
+              <a:t>the</a:t>
+            </a:r>
+            <a:r>
+              <a:rPr lang="de-DE" dirty="0"/>
+              <a:t> log </a:t>
+            </a:r>
+            <a:r>
+              <a:rPr lang="de-DE" dirty="0" err="1"/>
+              <a:t>message</a:t>
+            </a:r>
+            <a:r>
+              <a:rPr lang="de-DE" dirty="0"/>
+              <a:t> </a:t>
+            </a:r>
+            <a:r>
+              <a:rPr lang="de-DE" dirty="0" err="1"/>
+              <a:t>is</a:t>
+            </a:r>
+            <a:r>
+              <a:rPr lang="de-DE" dirty="0"/>
+              <a:t> </a:t>
+            </a:r>
+            <a:r>
+              <a:rPr lang="de-DE" dirty="0" err="1"/>
+              <a:t>handled</a:t>
+            </a:r>
+            <a:r>
+              <a:rPr lang="de-DE" dirty="0"/>
+              <a:t> </a:t>
+            </a:r>
+            <a:r>
+              <a:rPr lang="de-DE" dirty="0" err="1"/>
+              <a:t>by</a:t>
+            </a:r>
+            <a:r>
+              <a:rPr lang="de-DE" dirty="0"/>
+              <a:t> </a:t>
+            </a:r>
+            <a:r>
+              <a:rPr lang="de-DE" dirty="0" err="1"/>
+              <a:t>the</a:t>
+            </a:r>
+            <a:r>
+              <a:rPr lang="de-DE" dirty="0"/>
+              <a:t> </a:t>
+            </a:r>
+            <a:r>
+              <a:rPr lang="de-DE" dirty="0" err="1"/>
+              <a:t>generic</a:t>
+            </a:r>
+            <a:r>
+              <a:rPr lang="de-DE" dirty="0"/>
+              <a:t> DSM </a:t>
+            </a:r>
+            <a:r>
+              <a:rPr lang="de-DE" dirty="0" err="1"/>
+              <a:t>parser</a:t>
+            </a:r>
+            <a:r>
+              <a:rPr lang="de-DE" dirty="0"/>
+              <a:t>, </a:t>
+            </a:r>
+            <a:r>
+              <a:rPr lang="de-DE" dirty="0" err="1"/>
+              <a:t>which</a:t>
+            </a:r>
+            <a:r>
+              <a:rPr lang="de-DE" dirty="0"/>
+              <a:t> </a:t>
+            </a:r>
+            <a:r>
+              <a:rPr lang="de-DE" dirty="0" err="1"/>
+              <a:t>treats</a:t>
+            </a:r>
+            <a:r>
+              <a:rPr lang="de-DE" dirty="0"/>
+              <a:t> </a:t>
+            </a:r>
+            <a:r>
+              <a:rPr lang="de-DE" dirty="0" err="1"/>
+              <a:t>the</a:t>
+            </a:r>
+            <a:r>
+              <a:rPr lang="de-DE" dirty="0"/>
+              <a:t> </a:t>
+            </a:r>
+            <a:r>
+              <a:rPr lang="de-DE" dirty="0" err="1"/>
+              <a:t>entire</a:t>
+            </a:r>
+            <a:r>
+              <a:rPr lang="de-DE" dirty="0"/>
+              <a:t> log </a:t>
+            </a:r>
+            <a:r>
+              <a:rPr lang="de-DE" dirty="0" err="1"/>
+              <a:t>message</a:t>
+            </a:r>
+            <a:r>
+              <a:rPr lang="de-DE" dirty="0"/>
+              <a:t> </a:t>
+            </a:r>
+            <a:r>
+              <a:rPr lang="de-DE" dirty="0" err="1"/>
+              <a:t>as</a:t>
+            </a:r>
+            <a:r>
+              <a:rPr lang="de-DE" dirty="0"/>
+              <a:t> </a:t>
+            </a:r>
+            <a:r>
+              <a:rPr lang="de-DE" dirty="0" err="1"/>
+              <a:t>text</a:t>
+            </a:r>
+            <a:endParaRPr lang="de-DE" dirty="0"/>
+          </a:p>
+          <a:p>
+            <a:r>
+              <a:rPr lang="de-DE" dirty="0" err="1"/>
+              <a:t>Possible</a:t>
+            </a:r>
+            <a:r>
+              <a:rPr lang="de-DE" dirty="0"/>
+              <a:t> </a:t>
+            </a:r>
+            <a:r>
+              <a:rPr lang="de-DE" dirty="0" err="1"/>
+              <a:t>staging</a:t>
+            </a:r>
+            <a:r>
+              <a:rPr lang="de-DE" dirty="0"/>
+              <a:t>:</a:t>
+            </a:r>
+          </a:p>
+          <a:p>
+            <a:pPr lvl="1"/>
+            <a:r>
+              <a:rPr lang="de-DE" dirty="0"/>
+              <a:t>Stage 0: </a:t>
+            </a:r>
+            <a:r>
+              <a:rPr lang="de-DE" dirty="0" err="1"/>
+              <a:t>Generic</a:t>
+            </a:r>
+            <a:r>
+              <a:rPr lang="de-DE" dirty="0"/>
+              <a:t> DSM </a:t>
+            </a:r>
+            <a:r>
+              <a:rPr lang="de-DE" dirty="0" err="1"/>
+              <a:t>parser</a:t>
+            </a:r>
+            <a:endParaRPr lang="de-DE" dirty="0"/>
+          </a:p>
+          <a:p>
+            <a:pPr lvl="1"/>
+            <a:r>
+              <a:rPr lang="de-DE" dirty="0"/>
+              <a:t>Stage 1: XML </a:t>
+            </a:r>
+            <a:r>
+              <a:rPr lang="de-DE" dirty="0" err="1"/>
+              <a:t>defined</a:t>
+            </a:r>
+            <a:r>
+              <a:rPr lang="de-DE" dirty="0"/>
+              <a:t> </a:t>
+            </a:r>
+            <a:r>
+              <a:rPr lang="de-DE" dirty="0" err="1"/>
+              <a:t>parsing</a:t>
+            </a:r>
+            <a:r>
+              <a:rPr lang="de-DE" dirty="0"/>
+              <a:t> </a:t>
+            </a:r>
+            <a:r>
+              <a:rPr lang="de-DE" dirty="0" err="1"/>
+              <a:t>rules</a:t>
+            </a:r>
+            <a:r>
+              <a:rPr lang="de-DE" dirty="0"/>
+              <a:t> </a:t>
+            </a:r>
+            <a:r>
+              <a:rPr lang="de-DE" dirty="0" err="1"/>
+              <a:t>for</a:t>
+            </a:r>
+            <a:r>
+              <a:rPr lang="de-DE" dirty="0"/>
+              <a:t> </a:t>
+            </a:r>
+            <a:r>
+              <a:rPr lang="de-DE" dirty="0" err="1"/>
+              <a:t>generic</a:t>
+            </a:r>
+            <a:r>
+              <a:rPr lang="de-DE" dirty="0"/>
+              <a:t> DSM </a:t>
+            </a:r>
+            <a:r>
+              <a:rPr lang="de-DE" dirty="0" err="1"/>
+              <a:t>parser</a:t>
+            </a:r>
+            <a:endParaRPr lang="de-DE" dirty="0"/>
+          </a:p>
+          <a:p>
+            <a:pPr lvl="1"/>
+            <a:r>
+              <a:rPr lang="de-DE" dirty="0"/>
+              <a:t>Stage 2: </a:t>
+            </a:r>
+            <a:r>
+              <a:rPr lang="de-DE" dirty="0" err="1"/>
+              <a:t>Specific</a:t>
+            </a:r>
+            <a:r>
+              <a:rPr lang="de-DE" dirty="0"/>
+              <a:t> DSM </a:t>
+            </a:r>
+            <a:r>
+              <a:rPr lang="de-DE" dirty="0" err="1"/>
+              <a:t>parser</a:t>
+            </a:r>
+            <a:r>
+              <a:rPr lang="de-DE" dirty="0"/>
+              <a:t> </a:t>
+            </a:r>
+            <a:r>
+              <a:rPr lang="de-DE" dirty="0" err="1"/>
+              <a:t>for</a:t>
+            </a:r>
+            <a:r>
+              <a:rPr lang="de-DE" dirty="0"/>
+              <a:t> HMC, </a:t>
+            </a:r>
+            <a:r>
+              <a:rPr lang="de-DE" dirty="0" err="1"/>
+              <a:t>and</a:t>
+            </a:r>
+            <a:r>
+              <a:rPr lang="de-DE" dirty="0"/>
+              <a:t> HMC </a:t>
+            </a:r>
+            <a:r>
+              <a:rPr lang="de-DE" dirty="0" err="1"/>
+              <a:t>messages</a:t>
+            </a:r>
+            <a:r>
+              <a:rPr lang="de-DE" dirty="0"/>
+              <a:t> in </a:t>
+            </a:r>
+            <a:r>
+              <a:rPr lang="de-DE" dirty="0" err="1"/>
+              <a:t>QRadar</a:t>
+            </a:r>
+            <a:r>
+              <a:rPr lang="de-DE" dirty="0"/>
+              <a:t> </a:t>
+            </a:r>
+            <a:r>
+              <a:rPr lang="de-DE" dirty="0" err="1"/>
+              <a:t>message</a:t>
+            </a:r>
+            <a:r>
+              <a:rPr lang="de-DE" dirty="0"/>
+              <a:t> </a:t>
+            </a:r>
+            <a:r>
+              <a:rPr lang="de-DE" dirty="0" err="1"/>
+              <a:t>inventory</a:t>
+            </a:r>
+            <a:endParaRPr lang="de-DE" dirty="0"/>
+          </a:p>
+          <a:p>
+            <a:pPr lvl="1"/>
+            <a:r>
+              <a:rPr lang="de-DE" dirty="0" err="1"/>
+              <a:t>Only</a:t>
+            </a:r>
+            <a:r>
+              <a:rPr lang="de-DE" dirty="0"/>
+              <a:t> </a:t>
+            </a:r>
+            <a:r>
+              <a:rPr lang="de-DE" dirty="0" err="1"/>
+              <a:t>stage</a:t>
+            </a:r>
+            <a:r>
+              <a:rPr lang="de-DE" dirty="0"/>
+              <a:t> 2 </a:t>
+            </a:r>
+            <a:r>
+              <a:rPr lang="de-DE" dirty="0" err="1"/>
+              <a:t>allows</a:t>
+            </a:r>
+            <a:r>
+              <a:rPr lang="de-DE" dirty="0"/>
+              <a:t> </a:t>
+            </a:r>
+            <a:r>
+              <a:rPr lang="de-DE" dirty="0" err="1"/>
+              <a:t>recognizing</a:t>
+            </a:r>
+            <a:r>
+              <a:rPr lang="de-DE" dirty="0"/>
+              <a:t> </a:t>
+            </a:r>
+            <a:r>
+              <a:rPr lang="de-DE" dirty="0" err="1"/>
+              <a:t>specific</a:t>
+            </a:r>
+            <a:r>
+              <a:rPr lang="de-DE" dirty="0"/>
+              <a:t> </a:t>
+            </a:r>
+            <a:r>
+              <a:rPr lang="de-DE" dirty="0" err="1"/>
+              <a:t>messages</a:t>
+            </a:r>
+            <a:r>
+              <a:rPr lang="de-DE" dirty="0"/>
+              <a:t> </a:t>
+            </a:r>
+            <a:r>
+              <a:rPr lang="de-DE" dirty="0" err="1"/>
+              <a:t>and</a:t>
+            </a:r>
+            <a:r>
+              <a:rPr lang="de-DE" dirty="0"/>
+              <a:t> </a:t>
+            </a:r>
+            <a:r>
+              <a:rPr lang="de-DE" dirty="0" err="1"/>
+              <a:t>their</a:t>
+            </a:r>
+            <a:r>
+              <a:rPr lang="de-DE" dirty="0"/>
+              <a:t> </a:t>
+            </a:r>
+            <a:r>
+              <a:rPr lang="de-DE" dirty="0" err="1"/>
+              <a:t>parameters</a:t>
+            </a:r>
+            <a:r>
+              <a:rPr lang="de-DE" dirty="0"/>
+              <a:t>, e.g. </a:t>
+            </a:r>
+            <a:r>
+              <a:rPr lang="de-DE" dirty="0" err="1"/>
+              <a:t>alerting</a:t>
+            </a:r>
+            <a:r>
+              <a:rPr lang="de-DE" dirty="0"/>
+              <a:t> </a:t>
+            </a:r>
+            <a:r>
+              <a:rPr lang="de-DE" dirty="0" err="1"/>
+              <a:t>based</a:t>
+            </a:r>
+            <a:r>
+              <a:rPr lang="de-DE" dirty="0"/>
+              <a:t> on invalid </a:t>
+            </a:r>
+            <a:r>
+              <a:rPr lang="de-DE" dirty="0" err="1"/>
+              <a:t>login</a:t>
+            </a:r>
+            <a:r>
+              <a:rPr lang="de-DE" dirty="0"/>
+              <a:t> </a:t>
+            </a:r>
+            <a:r>
+              <a:rPr lang="de-DE" dirty="0" err="1"/>
+              <a:t>attempt</a:t>
+            </a:r>
+            <a:r>
+              <a:rPr lang="de-DE" dirty="0"/>
+              <a:t>.</a:t>
+            </a:r>
+          </a:p>
+          <a:p>
+            <a:endParaRPr lang="de-DE" dirty="0"/>
+          </a:p>
+          <a:p>
+            <a:endParaRPr lang="de-DE" dirty="0"/>
+          </a:p>
+        </p:txBody>
+      </p:sp>
+    </p:spTree>
+    <p:extLst>
+      <p:ext uri="{BB962C8B-B14F-4D97-AF65-F5344CB8AC3E}">
+        <p14:creationId xmlns:p14="http://schemas.microsoft.com/office/powerpoint/2010/main" val="3367114614"/>
+      </p:ext>
+    </p:extLst>
   </p:cSld>
   <p:clrMapOvr>
     <a:masterClrMapping/>
@@ -2939,28 +4659,24 @@
           <a:p>
             <a:pPr algn="ctr"/>
             <a:r>
-              <a:rPr lang="en-US" spc="-1" dirty="0" err="1">
-                <a:solidFill>
-                  <a:srgbClr val="000099"/>
-                </a:solidFill>
-              </a:rPr>
-              <a:t>z</a:t>
-            </a:r>
-            <a:r>
-              <a:rPr lang="en-US" sz="2400" b="1" spc="-1" dirty="0" err="1">
-                <a:solidFill>
-                  <a:srgbClr val="000099"/>
-                </a:solidFill>
-              </a:rPr>
-              <a:t>hmc_log_forwarder</a:t>
-            </a:r>
-            <a:r>
-              <a:rPr lang="en-US" sz="2400" b="1" spc="-1" dirty="0">
-                <a:solidFill>
-                  <a:srgbClr val="000099"/>
-                </a:solidFill>
-              </a:rPr>
-              <a:t> program</a:t>
+              <a:rPr lang="de-DE" dirty="0" err="1"/>
+              <a:t>Availability</a:t>
+            </a:r>
+            <a:r>
+              <a:rPr lang="de-DE" dirty="0"/>
+              <a:t> </a:t>
+            </a:r>
+            <a:r>
+              <a:rPr lang="de-DE" dirty="0" err="1"/>
+              <a:t>and</a:t>
+            </a:r>
+            <a:r>
+              <a:rPr lang="de-DE" dirty="0"/>
+              <a:t> </a:t>
+            </a:r>
+            <a:r>
+              <a:rPr lang="de-DE" dirty="0" err="1"/>
+              <a:t>Functionality</a:t>
             </a:r>
             <a:endParaRPr lang="de-DE" sz="2400" b="1" dirty="0"/>
           </a:p>
@@ -3160,7 +4876,7 @@
             </a:pPr>
             <a:r>
               <a:rPr lang="en-US" spc="-1" dirty="0"/>
-              <a:t>Supports selecting a destination: </a:t>
+              <a:t>Supports selecting one or more destinations: </a:t>
             </a:r>
             <a:r>
               <a:rPr lang="en-US" spc="-1" dirty="0" err="1"/>
@@ -3168,7 +4884,7 @@
             </a:r>
             <a:r>
               <a:rPr lang="en-US" spc="-1" dirty="0"/>
-              <a:t>, syslog (local and remote)</a:t>
+              <a:t>, stderr, syslog</a:t>
             </a:r>
           </a:p>
           <a:p>
@@ -3185,7 +4901,7 @@
             </a:pPr>
             <a:r>
               <a:rPr lang="en-US" spc="-1" dirty="0"/>
-              <a:t>Note: The remote syslog destination is used for </a:t>
+              <a:t>Note: A remote syslog server is used for </a:t>
             </a:r>
             <a:r>
               <a:rPr lang="en-US" spc="-1" dirty="0" err="1"/>
@@ -3301,7 +5017,7 @@
                   <a:srgbClr val="000099"/>
                 </a:solidFill>
               </a:rPr>
-              <a:t> help</a:t>
+              <a:t>  command</a:t>
             </a:r>
             <a:endParaRPr lang="de-DE" sz="2400" b="1" dirty="0"/>
           </a:p>
@@ -3435,7 +5151,7 @@
               <a:rPr lang="de-DE" sz="1100" dirty="0">
                 <a:latin typeface="Courier" pitchFamily="2" charset="0"/>
               </a:rPr>
-              <a:t>  -h, --</a:t>
+              <a:t>  -h, --</a:t>
             </a:r>
             <a:r>
               <a:rPr lang="de-DE" sz="1100" dirty="0" err="1">
@@ -3447,7 +5163,7 @@
               <a:rPr lang="de-DE" sz="1100" dirty="0">
                 <a:latin typeface="Courier" pitchFamily="2" charset="0"/>
               </a:rPr>
-              <a:t>            Show </a:t>
+              <a:t>            Show </a:t>
             </a:r>
             <a:r>
               <a:rPr lang="de-DE" sz="1100" dirty="0" err="1">
@@ -3518,19 +5234,7 @@
               <a:rPr lang="de-DE" sz="1100" dirty="0">
                 <a:latin typeface="Courier" pitchFamily="2" charset="0"/>
               </a:rPr>
-              <a:t>  --</a:t>
-            </a:r>
-            <a:r>
-              <a:rPr lang="de-DE" sz="1100" dirty="0" err="1">
-                <a:latin typeface="Courier" pitchFamily="2" charset="0"/>
-              </a:rPr>
-              <a:t>help-config</a:t>
-            </a:r>
-            <a:r>
-              <a:rPr lang="de-DE" sz="1100" dirty="0">
-                <a:latin typeface="Courier" pitchFamily="2" charset="0"/>
-              </a:rPr>
-              <a:t>         Show a </a:t>
+              <a:t>  --</a:t>
             </a:r>
             <a:r>
               <a:rPr lang="de-DE" sz="1100" dirty="0" err="1">
@@ -3542,7 +5246,174 @@
               <a:rPr lang="de-DE" sz="1100" dirty="0">
                 <a:latin typeface="Courier" pitchFamily="2" charset="0"/>
               </a:rPr>
-              <a:t> </a:t>
+              <a:t>-</a:t>
+            </a:r>
+            <a:r>
+              <a:rPr lang="de-DE" sz="1100" dirty="0" err="1">
+                <a:latin typeface="Courier" pitchFamily="2" charset="0"/>
+              </a:rPr>
+              <a:t>config</a:t>
+            </a:r>
+            <a:r>
+              <a:rPr lang="de-DE" sz="1100" dirty="0">
+                <a:latin typeface="Courier" pitchFamily="2" charset="0"/>
+              </a:rPr>
+              <a:t>-file    Show </a:t>
+            </a:r>
+            <a:r>
+              <a:rPr lang="de-DE" sz="1100" dirty="0" err="1">
+                <a:latin typeface="Courier" pitchFamily="2" charset="0"/>
+              </a:rPr>
+              <a:t>help</a:t>
+            </a:r>
+            <a:r>
+              <a:rPr lang="de-DE" sz="1100" dirty="0">
+                <a:latin typeface="Courier" pitchFamily="2" charset="0"/>
+              </a:rPr>
+              <a:t> </a:t>
+            </a:r>
+            <a:r>
+              <a:rPr lang="de-DE" sz="1100" dirty="0" err="1">
+                <a:latin typeface="Courier" pitchFamily="2" charset="0"/>
+              </a:rPr>
+              <a:t>about</a:t>
+            </a:r>
+            <a:r>
+              <a:rPr lang="de-DE" sz="1100" dirty="0">
+                <a:latin typeface="Courier" pitchFamily="2" charset="0"/>
+              </a:rPr>
+              <a:t> </a:t>
+            </a:r>
+            <a:r>
+              <a:rPr lang="de-DE" sz="1100" dirty="0" err="1">
+                <a:latin typeface="Courier" pitchFamily="2" charset="0"/>
+              </a:rPr>
+              <a:t>the</a:t>
+            </a:r>
+            <a:r>
+              <a:rPr lang="de-DE" sz="1100" dirty="0">
+                <a:latin typeface="Courier" pitchFamily="2" charset="0"/>
+              </a:rPr>
+              <a:t> </a:t>
+            </a:r>
+            <a:r>
+              <a:rPr lang="de-DE" sz="1100" dirty="0" err="1">
+                <a:latin typeface="Courier" pitchFamily="2" charset="0"/>
+              </a:rPr>
+              <a:t>config</a:t>
+            </a:r>
+            <a:r>
+              <a:rPr lang="de-DE" sz="1100" dirty="0">
+                <a:latin typeface="Courier" pitchFamily="2" charset="0"/>
+              </a:rPr>
+              <a:t> </a:t>
+            </a:r>
+            <a:r>
+              <a:rPr lang="de-DE" sz="1100" dirty="0" err="1">
+                <a:latin typeface="Courier" pitchFamily="2" charset="0"/>
+              </a:rPr>
+              <a:t>file</a:t>
+            </a:r>
+            <a:r>
+              <a:rPr lang="de-DE" sz="1100" dirty="0">
+                <a:latin typeface="Courier" pitchFamily="2" charset="0"/>
+              </a:rPr>
+              <a:t> </a:t>
+            </a:r>
+            <a:r>
+              <a:rPr lang="de-DE" sz="1100" dirty="0" err="1">
+                <a:latin typeface="Courier" pitchFamily="2" charset="0"/>
+              </a:rPr>
+              <a:t>format</a:t>
+            </a:r>
+            <a:r>
+              <a:rPr lang="de-DE" sz="1100" dirty="0">
+                <a:latin typeface="Courier" pitchFamily="2" charset="0"/>
+              </a:rPr>
+              <a:t> </a:t>
+            </a:r>
+            <a:r>
+              <a:rPr lang="de-DE" sz="1100" dirty="0" err="1">
+                <a:latin typeface="Courier" pitchFamily="2" charset="0"/>
+              </a:rPr>
+              <a:t>and</a:t>
+            </a:r>
+            <a:r>
+              <a:rPr lang="de-DE" sz="1100" dirty="0">
+                <a:latin typeface="Courier" pitchFamily="2" charset="0"/>
+              </a:rPr>
+              <a:t> </a:t>
+            </a:r>
+            <a:r>
+              <a:rPr lang="de-DE" sz="1100" dirty="0" err="1">
+                <a:latin typeface="Courier" pitchFamily="2" charset="0"/>
+              </a:rPr>
+              <a:t>exit</a:t>
+            </a:r>
+            <a:r>
+              <a:rPr lang="de-DE" sz="1100" dirty="0">
+                <a:latin typeface="Courier" pitchFamily="2" charset="0"/>
+              </a:rPr>
+              <a:t>.</a:t>
+            </a:r>
+            <a:br>
+              <a:rPr lang="de-DE" sz="1100" dirty="0">
+                <a:latin typeface="Courier" pitchFamily="2" charset="0"/>
+              </a:rPr>
+            </a:br>
+            <a:r>
+              <a:rPr lang="de-DE" sz="1100" dirty="0">
+                <a:latin typeface="Courier" pitchFamily="2" charset="0"/>
+              </a:rPr>
+              <a:t>  --</a:t>
+            </a:r>
+            <a:r>
+              <a:rPr lang="de-DE" sz="1100" dirty="0" err="1">
+                <a:latin typeface="Courier" pitchFamily="2" charset="0"/>
+              </a:rPr>
+              <a:t>help</a:t>
+            </a:r>
+            <a:r>
+              <a:rPr lang="de-DE" sz="1100" dirty="0">
+                <a:latin typeface="Courier" pitchFamily="2" charset="0"/>
+              </a:rPr>
+              <a:t>-log-format     Show </a:t>
+            </a:r>
+            <a:r>
+              <a:rPr lang="de-DE" sz="1100" dirty="0" err="1">
+                <a:latin typeface="Courier" pitchFamily="2" charset="0"/>
+              </a:rPr>
+              <a:t>help</a:t>
+            </a:r>
+            <a:r>
+              <a:rPr lang="de-DE" sz="1100" dirty="0">
+                <a:latin typeface="Courier" pitchFamily="2" charset="0"/>
+              </a:rPr>
+              <a:t> </a:t>
+            </a:r>
+            <a:r>
+              <a:rPr lang="de-DE" sz="1100" dirty="0" err="1">
+                <a:latin typeface="Courier" pitchFamily="2" charset="0"/>
+              </a:rPr>
+              <a:t>about</a:t>
+            </a:r>
+            <a:r>
+              <a:rPr lang="de-DE" sz="1100" dirty="0">
+                <a:latin typeface="Courier" pitchFamily="2" charset="0"/>
+              </a:rPr>
+              <a:t> </a:t>
+            </a:r>
+            <a:r>
+              <a:rPr lang="de-DE" sz="1100" dirty="0" err="1">
+                <a:latin typeface="Courier" pitchFamily="2" charset="0"/>
+              </a:rPr>
+              <a:t>the</a:t>
+            </a:r>
+            <a:r>
+              <a:rPr lang="de-DE" sz="1100" dirty="0">
+                <a:latin typeface="Courier" pitchFamily="2" charset="0"/>
+              </a:rPr>
+              <a:t> log </a:t>
             </a:r>
             <a:r>
               <a:rPr lang="de-DE" sz="1100" dirty="0" err="1">
@@ -3560,6 +5431,77 @@
               <a:rPr lang="de-DE" sz="1100" dirty="0" err="1">
                 <a:latin typeface="Courier" pitchFamily="2" charset="0"/>
               </a:rPr>
+              <a:t>formatting</a:t>
+            </a:r>
+            <a:r>
+              <a:rPr lang="de-DE" sz="1100" dirty="0">
+                <a:latin typeface="Courier" pitchFamily="2" charset="0"/>
+              </a:rPr>
+              <a:t> </a:t>
+            </a:r>
+            <a:r>
+              <a:rPr lang="de-DE" sz="1100" dirty="0" err="1">
+                <a:latin typeface="Courier" pitchFamily="2" charset="0"/>
+              </a:rPr>
+              <a:t>and</a:t>
+            </a:r>
+            <a:r>
+              <a:rPr lang="de-DE" sz="1100" dirty="0">
+                <a:latin typeface="Courier" pitchFamily="2" charset="0"/>
+              </a:rPr>
+              <a:t> </a:t>
+            </a:r>
+            <a:r>
+              <a:rPr lang="de-DE" sz="1100" dirty="0" err="1">
+                <a:latin typeface="Courier" pitchFamily="2" charset="0"/>
+              </a:rPr>
+              <a:t>exit</a:t>
+            </a:r>
+            <a:r>
+              <a:rPr lang="de-DE" sz="1100" dirty="0">
+                <a:latin typeface="Courier" pitchFamily="2" charset="0"/>
+              </a:rPr>
+              <a:t>.</a:t>
+            </a:r>
+            <a:br>
+              <a:rPr lang="de-DE" sz="1100" dirty="0">
+                <a:latin typeface="Courier" pitchFamily="2" charset="0"/>
+              </a:rPr>
+            </a:br>
+            <a:r>
+              <a:rPr lang="de-DE" sz="1100" dirty="0">
+                <a:latin typeface="Courier" pitchFamily="2" charset="0"/>
+              </a:rPr>
+              <a:t>  --</a:t>
+            </a:r>
+            <a:r>
+              <a:rPr lang="de-DE" sz="1100" dirty="0" err="1">
+                <a:latin typeface="Courier" pitchFamily="2" charset="0"/>
+              </a:rPr>
+              <a:t>help</a:t>
+            </a:r>
+            <a:r>
+              <a:rPr lang="de-DE" sz="1100" dirty="0">
+                <a:latin typeface="Courier" pitchFamily="2" charset="0"/>
+              </a:rPr>
+              <a:t>-time-format    Show </a:t>
+            </a:r>
+            <a:r>
+              <a:rPr lang="de-DE" sz="1100" dirty="0" err="1">
+                <a:latin typeface="Courier" pitchFamily="2" charset="0"/>
+              </a:rPr>
+              <a:t>help</a:t>
+            </a:r>
+            <a:r>
+              <a:rPr lang="de-DE" sz="1100" dirty="0">
+                <a:latin typeface="Courier" pitchFamily="2" charset="0"/>
+              </a:rPr>
+              <a:t> </a:t>
+            </a:r>
+            <a:r>
+              <a:rPr lang="de-DE" sz="1100" dirty="0" err="1">
+                <a:latin typeface="Courier" pitchFamily="2" charset="0"/>
+              </a:rPr>
               <a:t>about</a:t>
             </a:r>
             <a:r>
@@ -3578,7 +5520,295 @@
               <a:rPr lang="de-DE" sz="1100" dirty="0">
                 <a:latin typeface="Courier" pitchFamily="2" charset="0"/>
               </a:rPr>
-              <a:t> </a:t>
+              <a:t> time </a:t>
+            </a:r>
+            <a:r>
+              <a:rPr lang="de-DE" sz="1100" dirty="0" err="1">
+                <a:latin typeface="Courier" pitchFamily="2" charset="0"/>
+              </a:rPr>
+              <a:t>field</a:t>
+            </a:r>
+            <a:r>
+              <a:rPr lang="de-DE" sz="1100" dirty="0">
+                <a:latin typeface="Courier" pitchFamily="2" charset="0"/>
+              </a:rPr>
+              <a:t> </a:t>
+            </a:r>
+            <a:r>
+              <a:rPr lang="de-DE" sz="1100" dirty="0" err="1">
+                <a:latin typeface="Courier" pitchFamily="2" charset="0"/>
+              </a:rPr>
+              <a:t>formatting</a:t>
+            </a:r>
+            <a:r>
+              <a:rPr lang="de-DE" sz="1100" dirty="0">
+                <a:latin typeface="Courier" pitchFamily="2" charset="0"/>
+              </a:rPr>
+              <a:t> </a:t>
+            </a:r>
+            <a:r>
+              <a:rPr lang="de-DE" sz="1100" dirty="0" err="1">
+                <a:latin typeface="Courier" pitchFamily="2" charset="0"/>
+              </a:rPr>
+              <a:t>and</a:t>
+            </a:r>
+            <a:r>
+              <a:rPr lang="de-DE" sz="1100" dirty="0">
+                <a:latin typeface="Courier" pitchFamily="2" charset="0"/>
+              </a:rPr>
+              <a:t> </a:t>
+            </a:r>
+            <a:r>
+              <a:rPr lang="de-DE" sz="1100" dirty="0" err="1">
+                <a:latin typeface="Courier" pitchFamily="2" charset="0"/>
+              </a:rPr>
+              <a:t>exit</a:t>
+            </a:r>
+            <a:r>
+              <a:rPr lang="de-DE" sz="1100" dirty="0">
+                <a:latin typeface="Courier" pitchFamily="2" charset="0"/>
+              </a:rPr>
+              <a:t>.</a:t>
+            </a:r>
+            <a:br>
+              <a:rPr lang="de-DE" sz="1100" dirty="0">
+                <a:latin typeface="Courier" pitchFamily="2" charset="0"/>
+              </a:rPr>
+            </a:br>
+            <a:r>
+              <a:rPr lang="de-DE" sz="1100" dirty="0">
+                <a:latin typeface="Courier" pitchFamily="2" charset="0"/>
+              </a:rPr>
+              <a:t>  --version             Show </a:t>
+            </a:r>
+            <a:r>
+              <a:rPr lang="de-DE" sz="1100" dirty="0" err="1">
+                <a:latin typeface="Courier" pitchFamily="2" charset="0"/>
+              </a:rPr>
+              <a:t>the</a:t>
+            </a:r>
+            <a:r>
+              <a:rPr lang="de-DE" sz="1100" dirty="0">
+                <a:latin typeface="Courier" pitchFamily="2" charset="0"/>
+              </a:rPr>
+              <a:t> </a:t>
+            </a:r>
+            <a:r>
+              <a:rPr lang="de-DE" sz="1100" dirty="0" err="1">
+                <a:latin typeface="Courier" pitchFamily="2" charset="0"/>
+              </a:rPr>
+              <a:t>version</a:t>
+            </a:r>
+            <a:r>
+              <a:rPr lang="de-DE" sz="1100" dirty="0">
+                <a:latin typeface="Courier" pitchFamily="2" charset="0"/>
+              </a:rPr>
+              <a:t> </a:t>
+            </a:r>
+            <a:r>
+              <a:rPr lang="de-DE" sz="1100" dirty="0" err="1">
+                <a:latin typeface="Courier" pitchFamily="2" charset="0"/>
+              </a:rPr>
+              <a:t>number</a:t>
+            </a:r>
+            <a:r>
+              <a:rPr lang="de-DE" sz="1100" dirty="0">
+                <a:latin typeface="Courier" pitchFamily="2" charset="0"/>
+              </a:rPr>
+              <a:t> </a:t>
+            </a:r>
+            <a:r>
+              <a:rPr lang="de-DE" sz="1100" dirty="0" err="1">
+                <a:latin typeface="Courier" pitchFamily="2" charset="0"/>
+              </a:rPr>
+              <a:t>of</a:t>
+            </a:r>
+            <a:r>
+              <a:rPr lang="de-DE" sz="1100" dirty="0">
+                <a:latin typeface="Courier" pitchFamily="2" charset="0"/>
+              </a:rPr>
+              <a:t> </a:t>
+            </a:r>
+            <a:r>
+              <a:rPr lang="de-DE" sz="1100" dirty="0" err="1">
+                <a:latin typeface="Courier" pitchFamily="2" charset="0"/>
+              </a:rPr>
+              <a:t>this</a:t>
+            </a:r>
+            <a:r>
+              <a:rPr lang="de-DE" sz="1100" dirty="0">
+                <a:latin typeface="Courier" pitchFamily="2" charset="0"/>
+              </a:rPr>
+              <a:t> </a:t>
+            </a:r>
+            <a:r>
+              <a:rPr lang="de-DE" sz="1100" dirty="0" err="1">
+                <a:latin typeface="Courier" pitchFamily="2" charset="0"/>
+              </a:rPr>
+              <a:t>program</a:t>
+            </a:r>
+            <a:r>
+              <a:rPr lang="de-DE" sz="1100" dirty="0">
+                <a:latin typeface="Courier" pitchFamily="2" charset="0"/>
+              </a:rPr>
+              <a:t> </a:t>
+            </a:r>
+            <a:r>
+              <a:rPr lang="de-DE" sz="1100" dirty="0" err="1">
+                <a:latin typeface="Courier" pitchFamily="2" charset="0"/>
+              </a:rPr>
+              <a:t>and</a:t>
+            </a:r>
+            <a:r>
+              <a:rPr lang="de-DE" sz="1100" dirty="0">
+                <a:latin typeface="Courier" pitchFamily="2" charset="0"/>
+              </a:rPr>
+              <a:t> </a:t>
+            </a:r>
+            <a:r>
+              <a:rPr lang="de-DE" sz="1100" dirty="0" err="1">
+                <a:latin typeface="Courier" pitchFamily="2" charset="0"/>
+              </a:rPr>
+              <a:t>exit</a:t>
+            </a:r>
+            <a:r>
+              <a:rPr lang="de-DE" sz="1100" dirty="0">
+                <a:latin typeface="Courier" pitchFamily="2" charset="0"/>
+              </a:rPr>
+              <a:t>.</a:t>
+            </a:r>
+            <a:br>
+              <a:rPr lang="de-DE" sz="1100" dirty="0">
+                <a:latin typeface="Courier" pitchFamily="2" charset="0"/>
+              </a:rPr>
+            </a:br>
+            <a:r>
+              <a:rPr lang="de-DE" sz="1100" dirty="0">
+                <a:latin typeface="Courier" pitchFamily="2" charset="0"/>
+              </a:rPr>
+              <a:t>  --</a:t>
+            </a:r>
+            <a:r>
+              <a:rPr lang="de-DE" sz="1100" dirty="0" err="1">
+                <a:latin typeface="Courier" pitchFamily="2" charset="0"/>
+              </a:rPr>
+              <a:t>debug</a:t>
+            </a:r>
+            <a:r>
+              <a:rPr lang="de-DE" sz="1100" dirty="0">
+                <a:latin typeface="Courier" pitchFamily="2" charset="0"/>
+              </a:rPr>
+              <a:t>               Show </a:t>
+            </a:r>
+            <a:r>
+              <a:rPr lang="de-DE" sz="1100" dirty="0" err="1">
+                <a:latin typeface="Courier" pitchFamily="2" charset="0"/>
+              </a:rPr>
+              <a:t>debug</a:t>
+            </a:r>
+            <a:r>
+              <a:rPr lang="de-DE" sz="1100" dirty="0">
+                <a:latin typeface="Courier" pitchFamily="2" charset="0"/>
+              </a:rPr>
+              <a:t> </a:t>
+            </a:r>
+            <a:r>
+              <a:rPr lang="de-DE" sz="1100" dirty="0" err="1">
+                <a:latin typeface="Courier" pitchFamily="2" charset="0"/>
+              </a:rPr>
+              <a:t>self-logged</a:t>
+            </a:r>
+            <a:r>
+              <a:rPr lang="de-DE" sz="1100" dirty="0">
+                <a:latin typeface="Courier" pitchFamily="2" charset="0"/>
+              </a:rPr>
+              <a:t> </a:t>
+            </a:r>
+            <a:r>
+              <a:rPr lang="de-DE" sz="1100" dirty="0" err="1">
+                <a:latin typeface="Courier" pitchFamily="2" charset="0"/>
+              </a:rPr>
+              <a:t>messages</a:t>
+            </a:r>
+            <a:r>
+              <a:rPr lang="de-DE" sz="1100" dirty="0">
+                <a:latin typeface="Courier" pitchFamily="2" charset="0"/>
+              </a:rPr>
+              <a:t> (</a:t>
+            </a:r>
+            <a:r>
+              <a:rPr lang="de-DE" sz="1100" dirty="0" err="1">
+                <a:latin typeface="Courier" pitchFamily="2" charset="0"/>
+              </a:rPr>
+              <a:t>if</a:t>
+            </a:r>
+            <a:r>
+              <a:rPr lang="de-DE" sz="1100" dirty="0">
+                <a:latin typeface="Courier" pitchFamily="2" charset="0"/>
+              </a:rPr>
+              <a:t> </a:t>
+            </a:r>
+            <a:r>
+              <a:rPr lang="de-DE" sz="1100" dirty="0" err="1">
+                <a:latin typeface="Courier" pitchFamily="2" charset="0"/>
+              </a:rPr>
+              <a:t>any</a:t>
+            </a:r>
+            <a:r>
+              <a:rPr lang="de-DE" sz="1100" dirty="0">
+                <a:latin typeface="Courier" pitchFamily="2" charset="0"/>
+              </a:rPr>
+              <a:t>).</a:t>
+            </a:r>
+            <a:br>
+              <a:rPr lang="de-DE" sz="1100" dirty="0">
+                <a:latin typeface="Courier" pitchFamily="2" charset="0"/>
+              </a:rPr>
+            </a:br>
+            <a:br>
+              <a:rPr lang="de-DE" sz="1100" dirty="0">
+                <a:latin typeface="Courier" pitchFamily="2" charset="0"/>
+              </a:rPr>
+            </a:br>
+            <a:r>
+              <a:rPr lang="de-DE" sz="1100" dirty="0" err="1">
+                <a:latin typeface="Courier" pitchFamily="2" charset="0"/>
+              </a:rPr>
+              <a:t>Config</a:t>
+            </a:r>
+            <a:r>
+              <a:rPr lang="de-DE" sz="1100" dirty="0">
+                <a:latin typeface="Courier" pitchFamily="2" charset="0"/>
+              </a:rPr>
+              <a:t> </a:t>
+            </a:r>
+            <a:r>
+              <a:rPr lang="de-DE" sz="1100" dirty="0" err="1">
+                <a:latin typeface="Courier" pitchFamily="2" charset="0"/>
+              </a:rPr>
+              <a:t>options</a:t>
+            </a:r>
+            <a:r>
+              <a:rPr lang="de-DE" sz="1100" dirty="0">
+                <a:latin typeface="Courier" pitchFamily="2" charset="0"/>
+              </a:rPr>
+              <a:t>:</a:t>
+            </a:r>
+            <a:br>
+              <a:rPr lang="de-DE" sz="1100" dirty="0">
+                <a:latin typeface="Courier" pitchFamily="2" charset="0"/>
+              </a:rPr>
+            </a:br>
+            <a:br>
+              <a:rPr lang="de-DE" sz="1100" dirty="0">
+                <a:latin typeface="Courier" pitchFamily="2" charset="0"/>
+              </a:rPr>
+            </a:br>
+            <a:r>
+              <a:rPr lang="de-DE" sz="1100" dirty="0">
+                <a:latin typeface="Courier" pitchFamily="2" charset="0"/>
+              </a:rPr>
+              <a:t>  -c,--</a:t>
             </a:r>
             <a:r>
               <a:rPr lang="de-DE" sz="1100" dirty="0" err="1">
@@ -3590,90 +5820,85 @@
               <a:rPr lang="de-DE" sz="1100" dirty="0">
                 <a:latin typeface="Courier" pitchFamily="2" charset="0"/>
               </a:rPr>
-              <a:t> </a:t>
-            </a:r>
-            <a:r>
-              <a:rPr lang="de-DE" sz="1100" dirty="0" err="1">
-                <a:latin typeface="Courier" pitchFamily="2" charset="0"/>
-              </a:rPr>
-              <a:t>parameters</a:t>
-            </a:r>
-            <a:br>
-              <a:rPr lang="de-DE" sz="1100" dirty="0">
-                <a:latin typeface="Courier" pitchFamily="2" charset="0"/>
-              </a:rPr>
-            </a:br>
-            <a:r>
-              <a:rPr lang="de-DE" sz="1100" dirty="0">
-                <a:latin typeface="Courier" pitchFamily="2" charset="0"/>
-              </a:rPr>
-              <a:t>                        (</a:t>
-            </a:r>
-            <a:r>
-              <a:rPr lang="de-DE" sz="1100" dirty="0" err="1">
-                <a:latin typeface="Courier" pitchFamily="2" charset="0"/>
-              </a:rPr>
-              <a:t>including</a:t>
-            </a:r>
-            <a:r>
-              <a:rPr lang="de-DE" sz="1100" dirty="0">
-                <a:latin typeface="Courier" pitchFamily="2" charset="0"/>
-              </a:rPr>
-              <a:t> </a:t>
-            </a:r>
-            <a:r>
-              <a:rPr lang="de-DE" sz="1100" dirty="0" err="1">
-                <a:latin typeface="Courier" pitchFamily="2" charset="0"/>
-              </a:rPr>
-              <a:t>optionality</a:t>
-            </a:r>
-            <a:r>
-              <a:rPr lang="de-DE" sz="1100" dirty="0">
-                <a:latin typeface="Courier" pitchFamily="2" charset="0"/>
-              </a:rPr>
-              <a:t> </a:t>
-            </a:r>
-            <a:r>
-              <a:rPr lang="de-DE" sz="1100" dirty="0" err="1">
-                <a:latin typeface="Courier" pitchFamily="2" charset="0"/>
-              </a:rPr>
-              <a:t>and</a:t>
-            </a:r>
-            <a:r>
-              <a:rPr lang="de-DE" sz="1100" dirty="0">
-                <a:latin typeface="Courier" pitchFamily="2" charset="0"/>
-              </a:rPr>
-              <a:t> </a:t>
-            </a:r>
-            <a:r>
-              <a:rPr lang="de-DE" sz="1100" dirty="0" err="1">
-                <a:latin typeface="Courier" pitchFamily="2" charset="0"/>
-              </a:rPr>
-              <a:t>defaults</a:t>
-            </a:r>
-            <a:r>
-              <a:rPr lang="de-DE" sz="1100" dirty="0">
-                <a:latin typeface="Courier" pitchFamily="2" charset="0"/>
-              </a:rPr>
-              <a:t>) </a:t>
-            </a:r>
-            <a:r>
-              <a:rPr lang="de-DE" sz="1100" dirty="0" err="1">
-                <a:latin typeface="Courier" pitchFamily="2" charset="0"/>
-              </a:rPr>
-              <a:t>and</a:t>
-            </a:r>
-            <a:r>
-              <a:rPr lang="de-DE" sz="1100" dirty="0">
-                <a:latin typeface="Courier" pitchFamily="2" charset="0"/>
-              </a:rPr>
-              <a:t> </a:t>
-            </a:r>
-            <a:r>
-              <a:rPr lang="de-DE" sz="1100" dirty="0" err="1">
-                <a:latin typeface="Courier" pitchFamily="2" charset="0"/>
-              </a:rPr>
-              <a:t>exit</a:t>
+              <a:t>-file CONFIGFILE    File </a:t>
+            </a:r>
+            <a:r>
+              <a:rPr lang="de-DE" sz="1100" dirty="0" err="1">
+                <a:latin typeface="Courier" pitchFamily="2" charset="0"/>
+              </a:rPr>
+              <a:t>path</a:t>
+            </a:r>
+            <a:r>
+              <a:rPr lang="de-DE" sz="1100" dirty="0">
+                <a:latin typeface="Courier" pitchFamily="2" charset="0"/>
+              </a:rPr>
+              <a:t> </a:t>
+            </a:r>
+            <a:r>
+              <a:rPr lang="de-DE" sz="1100" dirty="0" err="1">
+                <a:latin typeface="Courier" pitchFamily="2" charset="0"/>
+              </a:rPr>
+              <a:t>of</a:t>
+            </a:r>
+            <a:r>
+              <a:rPr lang="de-DE" sz="1100" dirty="0">
+                <a:latin typeface="Courier" pitchFamily="2" charset="0"/>
+              </a:rPr>
+              <a:t> </a:t>
+            </a:r>
+            <a:r>
+              <a:rPr lang="de-DE" sz="1100" dirty="0" err="1">
+                <a:latin typeface="Courier" pitchFamily="2" charset="0"/>
+              </a:rPr>
+              <a:t>the</a:t>
+            </a:r>
+            <a:r>
+              <a:rPr lang="de-DE" sz="1100" dirty="0">
+                <a:latin typeface="Courier" pitchFamily="2" charset="0"/>
+              </a:rPr>
+              <a:t> </a:t>
+            </a:r>
+            <a:r>
+              <a:rPr lang="de-DE" sz="1100" dirty="0" err="1">
+                <a:latin typeface="Courier" pitchFamily="2" charset="0"/>
+              </a:rPr>
+              <a:t>config</a:t>
+            </a:r>
+            <a:r>
+              <a:rPr lang="de-DE" sz="1100" dirty="0">
+                <a:latin typeface="Courier" pitchFamily="2" charset="0"/>
+              </a:rPr>
+              <a:t> </a:t>
+            </a:r>
+            <a:r>
+              <a:rPr lang="de-DE" sz="1100" dirty="0" err="1">
+                <a:latin typeface="Courier" pitchFamily="2" charset="0"/>
+              </a:rPr>
+              <a:t>file</a:t>
+            </a:r>
+            <a:r>
+              <a:rPr lang="de-DE" sz="1100" dirty="0">
+                <a:latin typeface="Courier" pitchFamily="2" charset="0"/>
+              </a:rPr>
+              <a:t> </a:t>
+            </a:r>
+            <a:r>
+              <a:rPr lang="de-DE" sz="1100" dirty="0" err="1">
+                <a:latin typeface="Courier" pitchFamily="2" charset="0"/>
+              </a:rPr>
+              <a:t>to</a:t>
+            </a:r>
+            <a:r>
+              <a:rPr lang="de-DE" sz="1100" dirty="0">
+                <a:latin typeface="Courier" pitchFamily="2" charset="0"/>
+              </a:rPr>
+              <a:t> </a:t>
+            </a:r>
+            <a:r>
+              <a:rPr lang="de-DE" sz="1100" dirty="0" err="1">
+                <a:latin typeface="Courier" pitchFamily="2" charset="0"/>
+              </a:rPr>
+              <a:t>use</a:t>
             </a:r>
             <a:r>
               <a:rPr lang="de-DE" sz="1100" dirty="0">
@@ -3681,637 +5906,6 @@
               </a:rPr>
               <a:t>.</a:t>
             </a:r>
-            <a:br>
-              <a:rPr lang="de-DE" sz="1100" dirty="0">
-                <a:latin typeface="Courier" pitchFamily="2" charset="0"/>
-              </a:rPr>
-            </a:br>
-            <a:r>
-              <a:rPr lang="de-DE" sz="1100" dirty="0">
-                <a:latin typeface="Courier" pitchFamily="2" charset="0"/>
-              </a:rPr>
-              <a:t>  --</a:t>
-            </a:r>
-            <a:r>
-              <a:rPr lang="de-DE" sz="1100" dirty="0" err="1">
-                <a:latin typeface="Courier" pitchFamily="2" charset="0"/>
-              </a:rPr>
-              <a:t>help</a:t>
-            </a:r>
-            <a:r>
-              <a:rPr lang="de-DE" sz="1100" dirty="0">
-                <a:latin typeface="Courier" pitchFamily="2" charset="0"/>
-              </a:rPr>
-              <a:t>-</a:t>
-            </a:r>
-            <a:r>
-              <a:rPr lang="de-DE" sz="1100" dirty="0" err="1">
-                <a:latin typeface="Courier" pitchFamily="2" charset="0"/>
-              </a:rPr>
-              <a:t>config</a:t>
-            </a:r>
-            <a:r>
-              <a:rPr lang="de-DE" sz="1100" dirty="0">
-                <a:latin typeface="Courier" pitchFamily="2" charset="0"/>
-              </a:rPr>
-              <a:t>-file    Show a </a:t>
-            </a:r>
-            <a:r>
-              <a:rPr lang="de-DE" sz="1100" dirty="0" err="1">
-                <a:latin typeface="Courier" pitchFamily="2" charset="0"/>
-              </a:rPr>
-              <a:t>help</a:t>
-            </a:r>
-            <a:r>
-              <a:rPr lang="de-DE" sz="1100" dirty="0">
-                <a:latin typeface="Courier" pitchFamily="2" charset="0"/>
-              </a:rPr>
-              <a:t> </a:t>
-            </a:r>
-            <a:r>
-              <a:rPr lang="de-DE" sz="1100" dirty="0" err="1">
-                <a:latin typeface="Courier" pitchFamily="2" charset="0"/>
-              </a:rPr>
-              <a:t>message</a:t>
-            </a:r>
-            <a:r>
-              <a:rPr lang="de-DE" sz="1100" dirty="0">
-                <a:latin typeface="Courier" pitchFamily="2" charset="0"/>
-              </a:rPr>
-              <a:t> </a:t>
-            </a:r>
-            <a:r>
-              <a:rPr lang="de-DE" sz="1100" dirty="0" err="1">
-                <a:latin typeface="Courier" pitchFamily="2" charset="0"/>
-              </a:rPr>
-              <a:t>about</a:t>
-            </a:r>
-            <a:r>
-              <a:rPr lang="de-DE" sz="1100" dirty="0">
-                <a:latin typeface="Courier" pitchFamily="2" charset="0"/>
-              </a:rPr>
-              <a:t> </a:t>
-            </a:r>
-            <a:r>
-              <a:rPr lang="de-DE" sz="1100" dirty="0" err="1">
-                <a:latin typeface="Courier" pitchFamily="2" charset="0"/>
-              </a:rPr>
-              <a:t>the</a:t>
-            </a:r>
-            <a:r>
-              <a:rPr lang="de-DE" sz="1100" dirty="0">
-                <a:latin typeface="Courier" pitchFamily="2" charset="0"/>
-              </a:rPr>
-              <a:t> </a:t>
-            </a:r>
-            <a:r>
-              <a:rPr lang="de-DE" sz="1100" dirty="0" err="1">
-                <a:latin typeface="Courier" pitchFamily="2" charset="0"/>
-              </a:rPr>
-              <a:t>config</a:t>
-            </a:r>
-            <a:r>
-              <a:rPr lang="de-DE" sz="1100" dirty="0">
-                <a:latin typeface="Courier" pitchFamily="2" charset="0"/>
-              </a:rPr>
-              <a:t> </a:t>
-            </a:r>
-            <a:r>
-              <a:rPr lang="de-DE" sz="1100" dirty="0" err="1">
-                <a:latin typeface="Courier" pitchFamily="2" charset="0"/>
-              </a:rPr>
-              <a:t>file</a:t>
-            </a:r>
-            <a:r>
-              <a:rPr lang="de-DE" sz="1100" dirty="0">
-                <a:latin typeface="Courier" pitchFamily="2" charset="0"/>
-              </a:rPr>
-              <a:t> </a:t>
-            </a:r>
-            <a:r>
-              <a:rPr lang="de-DE" sz="1100" dirty="0" err="1">
-                <a:latin typeface="Courier" pitchFamily="2" charset="0"/>
-              </a:rPr>
-              <a:t>format</a:t>
-            </a:r>
-            <a:r>
-              <a:rPr lang="de-DE" sz="1100" dirty="0">
-                <a:latin typeface="Courier" pitchFamily="2" charset="0"/>
-              </a:rPr>
-              <a:t> </a:t>
-            </a:r>
-            <a:r>
-              <a:rPr lang="de-DE" sz="1100" dirty="0" err="1">
-                <a:latin typeface="Courier" pitchFamily="2" charset="0"/>
-              </a:rPr>
-              <a:t>and</a:t>
-            </a:r>
-            <a:br>
-              <a:rPr lang="de-DE" sz="1100" dirty="0">
-                <a:latin typeface="Courier" pitchFamily="2" charset="0"/>
-              </a:rPr>
-            </a:br>
-            <a:r>
-              <a:rPr lang="de-DE" sz="1100" dirty="0">
-                <a:latin typeface="Courier" pitchFamily="2" charset="0"/>
-              </a:rPr>
-              <a:t>                        </a:t>
-            </a:r>
-            <a:r>
-              <a:rPr lang="de-DE" sz="1100" dirty="0" err="1">
-                <a:latin typeface="Courier" pitchFamily="2" charset="0"/>
-              </a:rPr>
-              <a:t>exit</a:t>
-            </a:r>
-            <a:r>
-              <a:rPr lang="de-DE" sz="1100" dirty="0">
-                <a:latin typeface="Courier" pitchFamily="2" charset="0"/>
-              </a:rPr>
-              <a:t>.</a:t>
-            </a:r>
-            <a:br>
-              <a:rPr lang="de-DE" sz="1100" dirty="0">
-                <a:latin typeface="Courier" pitchFamily="2" charset="0"/>
-              </a:rPr>
-            </a:br>
-            <a:r>
-              <a:rPr lang="de-DE" sz="1100" dirty="0">
-                <a:latin typeface="Courier" pitchFamily="2" charset="0"/>
-              </a:rPr>
-              <a:t>  --</a:t>
-            </a:r>
-            <a:r>
-              <a:rPr lang="de-DE" sz="1100" dirty="0" err="1">
-                <a:latin typeface="Courier" pitchFamily="2" charset="0"/>
-              </a:rPr>
-              <a:t>help</a:t>
-            </a:r>
-            <a:r>
-              <a:rPr lang="de-DE" sz="1100" dirty="0">
-                <a:latin typeface="Courier" pitchFamily="2" charset="0"/>
-              </a:rPr>
-              <a:t>-output-format  Show a </a:t>
-            </a:r>
-            <a:r>
-              <a:rPr lang="de-DE" sz="1100" dirty="0" err="1">
-                <a:latin typeface="Courier" pitchFamily="2" charset="0"/>
-              </a:rPr>
-              <a:t>help</a:t>
-            </a:r>
-            <a:r>
-              <a:rPr lang="de-DE" sz="1100" dirty="0">
-                <a:latin typeface="Courier" pitchFamily="2" charset="0"/>
-              </a:rPr>
-              <a:t> </a:t>
-            </a:r>
-            <a:r>
-              <a:rPr lang="de-DE" sz="1100" dirty="0" err="1">
-                <a:latin typeface="Courier" pitchFamily="2" charset="0"/>
-              </a:rPr>
-              <a:t>message</a:t>
-            </a:r>
-            <a:r>
-              <a:rPr lang="de-DE" sz="1100" dirty="0">
-                <a:latin typeface="Courier" pitchFamily="2" charset="0"/>
-              </a:rPr>
-              <a:t> </a:t>
-            </a:r>
-            <a:r>
-              <a:rPr lang="de-DE" sz="1100" dirty="0" err="1">
-                <a:latin typeface="Courier" pitchFamily="2" charset="0"/>
-              </a:rPr>
-              <a:t>about</a:t>
-            </a:r>
-            <a:r>
-              <a:rPr lang="de-DE" sz="1100" dirty="0">
-                <a:latin typeface="Courier" pitchFamily="2" charset="0"/>
-              </a:rPr>
-              <a:t> </a:t>
-            </a:r>
-            <a:r>
-              <a:rPr lang="de-DE" sz="1100" dirty="0" err="1">
-                <a:latin typeface="Courier" pitchFamily="2" charset="0"/>
-              </a:rPr>
-              <a:t>the</a:t>
-            </a:r>
-            <a:r>
-              <a:rPr lang="de-DE" sz="1100" dirty="0">
-                <a:latin typeface="Courier" pitchFamily="2" charset="0"/>
-              </a:rPr>
-              <a:t> </a:t>
-            </a:r>
-            <a:r>
-              <a:rPr lang="de-DE" sz="1100" dirty="0" err="1">
-                <a:latin typeface="Courier" pitchFamily="2" charset="0"/>
-              </a:rPr>
-              <a:t>output</a:t>
-            </a:r>
-            <a:r>
-              <a:rPr lang="de-DE" sz="1100" dirty="0">
-                <a:latin typeface="Courier" pitchFamily="2" charset="0"/>
-              </a:rPr>
-              <a:t> </a:t>
-            </a:r>
-            <a:r>
-              <a:rPr lang="de-DE" sz="1100" dirty="0" err="1">
-                <a:latin typeface="Courier" pitchFamily="2" charset="0"/>
-              </a:rPr>
-              <a:t>formatting</a:t>
-            </a:r>
-            <a:r>
-              <a:rPr lang="de-DE" sz="1100" dirty="0">
-                <a:latin typeface="Courier" pitchFamily="2" charset="0"/>
-              </a:rPr>
-              <a:t> </a:t>
-            </a:r>
-            <a:r>
-              <a:rPr lang="de-DE" sz="1100" dirty="0" err="1">
-                <a:latin typeface="Courier" pitchFamily="2" charset="0"/>
-              </a:rPr>
-              <a:t>and</a:t>
-            </a:r>
-            <a:br>
-              <a:rPr lang="de-DE" sz="1100" dirty="0">
-                <a:latin typeface="Courier" pitchFamily="2" charset="0"/>
-              </a:rPr>
-            </a:br>
-            <a:r>
-              <a:rPr lang="de-DE" sz="1100" dirty="0">
-                <a:latin typeface="Courier" pitchFamily="2" charset="0"/>
-              </a:rPr>
-              <a:t>                        </a:t>
-            </a:r>
-            <a:r>
-              <a:rPr lang="de-DE" sz="1100" dirty="0" err="1">
-                <a:latin typeface="Courier" pitchFamily="2" charset="0"/>
-              </a:rPr>
-              <a:t>exit</a:t>
-            </a:r>
-            <a:r>
-              <a:rPr lang="de-DE" sz="1100" dirty="0">
-                <a:latin typeface="Courier" pitchFamily="2" charset="0"/>
-              </a:rPr>
-              <a:t>.</a:t>
-            </a:r>
-            <a:br>
-              <a:rPr lang="de-DE" sz="1100" dirty="0">
-                <a:latin typeface="Courier" pitchFamily="2" charset="0"/>
-              </a:rPr>
-            </a:br>
-            <a:r>
-              <a:rPr lang="de-DE" sz="1100" dirty="0">
-                <a:latin typeface="Courier" pitchFamily="2" charset="0"/>
-              </a:rPr>
-              <a:t>  --version             Show </a:t>
-            </a:r>
-            <a:r>
-              <a:rPr lang="de-DE" sz="1100" dirty="0" err="1">
-                <a:latin typeface="Courier" pitchFamily="2" charset="0"/>
-              </a:rPr>
-              <a:t>the</a:t>
-            </a:r>
-            <a:r>
-              <a:rPr lang="de-DE" sz="1100" dirty="0">
-                <a:latin typeface="Courier" pitchFamily="2" charset="0"/>
-              </a:rPr>
-              <a:t> </a:t>
-            </a:r>
-            <a:r>
-              <a:rPr lang="de-DE" sz="1100" dirty="0" err="1">
-                <a:latin typeface="Courier" pitchFamily="2" charset="0"/>
-              </a:rPr>
-              <a:t>version</a:t>
-            </a:r>
-            <a:r>
-              <a:rPr lang="de-DE" sz="1100" dirty="0">
-                <a:latin typeface="Courier" pitchFamily="2" charset="0"/>
-              </a:rPr>
-              <a:t> </a:t>
-            </a:r>
-            <a:r>
-              <a:rPr lang="de-DE" sz="1100" dirty="0" err="1">
-                <a:latin typeface="Courier" pitchFamily="2" charset="0"/>
-              </a:rPr>
-              <a:t>number</a:t>
-            </a:r>
-            <a:r>
-              <a:rPr lang="de-DE" sz="1100" dirty="0">
-                <a:latin typeface="Courier" pitchFamily="2" charset="0"/>
-              </a:rPr>
-              <a:t> </a:t>
-            </a:r>
-            <a:r>
-              <a:rPr lang="de-DE" sz="1100" dirty="0" err="1">
-                <a:latin typeface="Courier" pitchFamily="2" charset="0"/>
-              </a:rPr>
-              <a:t>of</a:t>
-            </a:r>
-            <a:r>
-              <a:rPr lang="de-DE" sz="1100" dirty="0">
-                <a:latin typeface="Courier" pitchFamily="2" charset="0"/>
-              </a:rPr>
-              <a:t> </a:t>
-            </a:r>
-            <a:r>
-              <a:rPr lang="de-DE" sz="1100" dirty="0" err="1">
-                <a:latin typeface="Courier" pitchFamily="2" charset="0"/>
-              </a:rPr>
-              <a:t>this</a:t>
-            </a:r>
-            <a:r>
-              <a:rPr lang="de-DE" sz="1100" dirty="0">
-                <a:latin typeface="Courier" pitchFamily="2" charset="0"/>
-              </a:rPr>
-              <a:t> </a:t>
-            </a:r>
-            <a:r>
-              <a:rPr lang="de-DE" sz="1100" dirty="0" err="1">
-                <a:latin typeface="Courier" pitchFamily="2" charset="0"/>
-              </a:rPr>
-              <a:t>program</a:t>
-            </a:r>
-            <a:r>
-              <a:rPr lang="de-DE" sz="1100" dirty="0">
-                <a:latin typeface="Courier" pitchFamily="2" charset="0"/>
-              </a:rPr>
-              <a:t> </a:t>
-            </a:r>
-            <a:r>
-              <a:rPr lang="de-DE" sz="1100" dirty="0" err="1">
-                <a:latin typeface="Courier" pitchFamily="2" charset="0"/>
-              </a:rPr>
-              <a:t>and</a:t>
-            </a:r>
-            <a:r>
-              <a:rPr lang="de-DE" sz="1100" dirty="0">
-                <a:latin typeface="Courier" pitchFamily="2" charset="0"/>
-              </a:rPr>
-              <a:t> </a:t>
-            </a:r>
-            <a:r>
-              <a:rPr lang="de-DE" sz="1100" dirty="0" err="1">
-                <a:latin typeface="Courier" pitchFamily="2" charset="0"/>
-              </a:rPr>
-              <a:t>exit</a:t>
-            </a:r>
-            <a:r>
-              <a:rPr lang="de-DE" sz="1100" dirty="0">
-                <a:latin typeface="Courier" pitchFamily="2" charset="0"/>
-              </a:rPr>
-              <a:t>.</a:t>
-            </a:r>
-            <a:br>
-              <a:rPr lang="de-DE" sz="1100" dirty="0">
-                <a:latin typeface="Courier" pitchFamily="2" charset="0"/>
-              </a:rPr>
-            </a:br>
-            <a:r>
-              <a:rPr lang="de-DE" sz="1100" dirty="0">
-                <a:latin typeface="Courier" pitchFamily="2" charset="0"/>
-              </a:rPr>
-              <a:t>  --verbose             Show additional </a:t>
-            </a:r>
-            <a:r>
-              <a:rPr lang="de-DE" sz="1100" dirty="0" err="1">
-                <a:latin typeface="Courier" pitchFamily="2" charset="0"/>
-              </a:rPr>
-              <a:t>information</a:t>
-            </a:r>
-            <a:r>
-              <a:rPr lang="de-DE" sz="1100" dirty="0">
-                <a:latin typeface="Courier" pitchFamily="2" charset="0"/>
-              </a:rPr>
-              <a:t>.</a:t>
-            </a:r>
-            <a:br>
-              <a:rPr lang="de-DE" sz="1100" dirty="0">
-                <a:latin typeface="Courier" pitchFamily="2" charset="0"/>
-              </a:rPr>
-            </a:br>
-            <a:br>
-              <a:rPr lang="de-DE" sz="1100" dirty="0">
-                <a:latin typeface="Courier" pitchFamily="2" charset="0"/>
-              </a:rPr>
-            </a:br>
-            <a:r>
-              <a:rPr lang="de-DE" sz="1100" dirty="0" err="1">
-                <a:latin typeface="Courier" pitchFamily="2" charset="0"/>
-              </a:rPr>
-              <a:t>Config</a:t>
-            </a:r>
-            <a:r>
-              <a:rPr lang="de-DE" sz="1100" dirty="0">
-                <a:latin typeface="Courier" pitchFamily="2" charset="0"/>
-              </a:rPr>
-              <a:t> </a:t>
-            </a:r>
-            <a:r>
-              <a:rPr lang="de-DE" sz="1100" dirty="0" err="1">
-                <a:latin typeface="Courier" pitchFamily="2" charset="0"/>
-              </a:rPr>
-              <a:t>options</a:t>
-            </a:r>
-            <a:r>
-              <a:rPr lang="de-DE" sz="1100" dirty="0">
-                <a:latin typeface="Courier" pitchFamily="2" charset="0"/>
-              </a:rPr>
-              <a:t>:</a:t>
-            </a:r>
-            <a:br>
-              <a:rPr lang="de-DE" sz="1100" dirty="0">
-                <a:latin typeface="Courier" pitchFamily="2" charset="0"/>
-              </a:rPr>
-            </a:br>
-            <a:br>
-              <a:rPr lang="de-DE" sz="1100" dirty="0">
-                <a:latin typeface="Courier" pitchFamily="2" charset="0"/>
-              </a:rPr>
-            </a:br>
-            <a:r>
-              <a:rPr lang="de-DE" sz="1100" dirty="0">
-                <a:latin typeface="Courier" pitchFamily="2" charset="0"/>
-              </a:rPr>
-              <a:t>  -c CONFIGFILE, --</a:t>
-            </a:r>
-            <a:r>
-              <a:rPr lang="de-DE" sz="1100" dirty="0" err="1">
-                <a:latin typeface="Courier" pitchFamily="2" charset="0"/>
-              </a:rPr>
-              <a:t>config</a:t>
-            </a:r>
-            <a:r>
-              <a:rPr lang="de-DE" sz="1100" dirty="0">
-                <a:latin typeface="Courier" pitchFamily="2" charset="0"/>
-              </a:rPr>
-              <a:t>-file CONFIGFILE</a:t>
-            </a:r>
-            <a:br>
-              <a:rPr lang="de-DE" sz="1100" dirty="0">
-                <a:latin typeface="Courier" pitchFamily="2" charset="0"/>
-              </a:rPr>
-            </a:br>
-            <a:r>
-              <a:rPr lang="de-DE" sz="1100" dirty="0">
-                <a:latin typeface="Courier" pitchFamily="2" charset="0"/>
-              </a:rPr>
-              <a:t>                        File </a:t>
-            </a:r>
-            <a:r>
-              <a:rPr lang="de-DE" sz="1100" dirty="0" err="1">
-                <a:latin typeface="Courier" pitchFamily="2" charset="0"/>
-              </a:rPr>
-              <a:t>path</a:t>
-            </a:r>
-            <a:r>
-              <a:rPr lang="de-DE" sz="1100" dirty="0">
-                <a:latin typeface="Courier" pitchFamily="2" charset="0"/>
-              </a:rPr>
-              <a:t> </a:t>
-            </a:r>
-            <a:r>
-              <a:rPr lang="de-DE" sz="1100" dirty="0" err="1">
-                <a:latin typeface="Courier" pitchFamily="2" charset="0"/>
-              </a:rPr>
-              <a:t>of</a:t>
-            </a:r>
-            <a:r>
-              <a:rPr lang="de-DE" sz="1100" dirty="0">
-                <a:latin typeface="Courier" pitchFamily="2" charset="0"/>
-              </a:rPr>
-              <a:t> </a:t>
-            </a:r>
-            <a:r>
-              <a:rPr lang="de-DE" sz="1100" dirty="0" err="1">
-                <a:latin typeface="Courier" pitchFamily="2" charset="0"/>
-              </a:rPr>
-              <a:t>the</a:t>
-            </a:r>
-            <a:r>
-              <a:rPr lang="de-DE" sz="1100" dirty="0">
-                <a:latin typeface="Courier" pitchFamily="2" charset="0"/>
-              </a:rPr>
-              <a:t> </a:t>
-            </a:r>
-            <a:r>
-              <a:rPr lang="de-DE" sz="1100" dirty="0" err="1">
-                <a:latin typeface="Courier" pitchFamily="2" charset="0"/>
-              </a:rPr>
-              <a:t>config</a:t>
-            </a:r>
-            <a:r>
-              <a:rPr lang="de-DE" sz="1100" dirty="0">
-                <a:latin typeface="Courier" pitchFamily="2" charset="0"/>
-              </a:rPr>
-              <a:t> </a:t>
-            </a:r>
-            <a:r>
-              <a:rPr lang="de-DE" sz="1100" dirty="0" err="1">
-                <a:latin typeface="Courier" pitchFamily="2" charset="0"/>
-              </a:rPr>
-              <a:t>file</a:t>
-            </a:r>
-            <a:r>
-              <a:rPr lang="de-DE" sz="1100" dirty="0">
-                <a:latin typeface="Courier" pitchFamily="2" charset="0"/>
-              </a:rPr>
-              <a:t> </a:t>
-            </a:r>
-            <a:r>
-              <a:rPr lang="de-DE" sz="1100" dirty="0" err="1">
-                <a:latin typeface="Courier" pitchFamily="2" charset="0"/>
-              </a:rPr>
-              <a:t>to</a:t>
-            </a:r>
-            <a:r>
-              <a:rPr lang="de-DE" sz="1100" dirty="0">
-                <a:latin typeface="Courier" pitchFamily="2" charset="0"/>
-              </a:rPr>
-              <a:t> </a:t>
-            </a:r>
-            <a:r>
-              <a:rPr lang="de-DE" sz="1100" dirty="0" err="1">
-                <a:latin typeface="Courier" pitchFamily="2" charset="0"/>
-              </a:rPr>
-              <a:t>use</a:t>
-            </a:r>
-            <a:r>
-              <a:rPr lang="de-DE" sz="1100" dirty="0">
-                <a:latin typeface="Courier" pitchFamily="2" charset="0"/>
-              </a:rPr>
-              <a:t>. Default: </a:t>
-            </a:r>
-            <a:r>
-              <a:rPr lang="de-DE" sz="1100" dirty="0" err="1">
-                <a:latin typeface="Courier" pitchFamily="2" charset="0"/>
-              </a:rPr>
-              <a:t>No</a:t>
-            </a:r>
-            <a:br>
-              <a:rPr lang="de-DE" sz="1100" dirty="0">
-                <a:latin typeface="Courier" pitchFamily="2" charset="0"/>
-              </a:rPr>
-            </a:br>
-            <a:r>
-              <a:rPr lang="de-DE" sz="1100" dirty="0">
-                <a:latin typeface="Courier" pitchFamily="2" charset="0"/>
-              </a:rPr>
-              <a:t>                        </a:t>
-            </a:r>
-            <a:r>
-              <a:rPr lang="de-DE" sz="1100" dirty="0" err="1">
-                <a:latin typeface="Courier" pitchFamily="2" charset="0"/>
-              </a:rPr>
-              <a:t>config</a:t>
-            </a:r>
-            <a:r>
-              <a:rPr lang="de-DE" sz="1100" dirty="0">
-                <a:latin typeface="Courier" pitchFamily="2" charset="0"/>
-              </a:rPr>
-              <a:t> </a:t>
-            </a:r>
-            <a:r>
-              <a:rPr lang="de-DE" sz="1100" dirty="0" err="1">
-                <a:latin typeface="Courier" pitchFamily="2" charset="0"/>
-              </a:rPr>
-              <a:t>file</a:t>
-            </a:r>
-            <a:r>
-              <a:rPr lang="de-DE" sz="1100" dirty="0">
-                <a:latin typeface="Courier" pitchFamily="2" charset="0"/>
-              </a:rPr>
-              <a:t>.</a:t>
-            </a:r>
-            <a:br>
-              <a:rPr lang="de-DE" sz="1100" dirty="0">
-                <a:latin typeface="Courier" pitchFamily="2" charset="0"/>
-              </a:rPr>
-            </a:br>
-            <a:br>
-              <a:rPr lang="en-US" sz="1100" spc="-1" dirty="0">
-                <a:latin typeface="Courier" pitchFamily="2" charset="0"/>
-              </a:rPr>
-            </a:br>
-            <a:r>
-              <a:rPr lang="en-US" sz="1100" spc="-1" dirty="0">
-                <a:latin typeface="Courier" pitchFamily="2" charset="0"/>
-              </a:rPr>
-              <a:t>  . . . More options for overriding config </a:t>
-            </a:r>
-            <a:r>
-              <a:rPr lang="en-US" sz="1100" spc="-1" dirty="0" err="1">
-                <a:latin typeface="Courier" pitchFamily="2" charset="0"/>
-              </a:rPr>
-              <a:t>parms</a:t>
-            </a:r>
-            <a:r>
-              <a:rPr lang="en-US" sz="1100" spc="-1" dirty="0">
-                <a:latin typeface="Courier" pitchFamily="2" charset="0"/>
-              </a:rPr>
-              <a:t> in config file</a:t>
-            </a:r>
-            <a:endParaRPr lang="de-DE" sz="1100" dirty="0">
-              <a:latin typeface="Courier" pitchFamily="2" charset="0"/>
-            </a:endParaRPr>
           </a:p>
         </p:txBody>
       </p:sp>
@@ -4375,7 +5969,7 @@
                   <a:srgbClr val="000099"/>
                 </a:solidFill>
               </a:rPr>
-              <a:t>Config file</a:t>
+              <a:t>Config file (1)</a:t>
             </a:r>
             <a:endParaRPr lang="de-DE" sz="2400" b="1" dirty="0"/>
           </a:p>
@@ -4785,49 +6379,332 @@
               <a:rPr lang="de-DE" sz="1100" dirty="0">
                 <a:latin typeface="Courier" pitchFamily="2" charset="0"/>
               </a:rPr>
+              <a:t># Time </a:t>
+            </a:r>
+            <a:r>
+              <a:rPr lang="de-DE" sz="1100" dirty="0" err="1">
+                <a:latin typeface="Courier" pitchFamily="2" charset="0"/>
+              </a:rPr>
+              <a:t>range</a:t>
+            </a:r>
+            <a:r>
+              <a:rPr lang="de-DE" sz="1100" dirty="0">
+                <a:latin typeface="Courier" pitchFamily="2" charset="0"/>
+              </a:rPr>
+              <a:t> </a:t>
+            </a:r>
+            <a:r>
+              <a:rPr lang="de-DE" sz="1100" dirty="0" err="1">
+                <a:latin typeface="Courier" pitchFamily="2" charset="0"/>
+              </a:rPr>
+              <a:t>for</a:t>
+            </a:r>
+            <a:r>
+              <a:rPr lang="de-DE" sz="1100" dirty="0">
+                <a:latin typeface="Courier" pitchFamily="2" charset="0"/>
+              </a:rPr>
+              <a:t> log </a:t>
+            </a:r>
+            <a:r>
+              <a:rPr lang="de-DE" sz="1100" dirty="0" err="1">
+                <a:latin typeface="Courier" pitchFamily="2" charset="0"/>
+              </a:rPr>
+              <a:t>entries</a:t>
+            </a:r>
+            <a:r>
+              <a:rPr lang="de-DE" sz="1100" dirty="0">
+                <a:latin typeface="Courier" pitchFamily="2" charset="0"/>
+              </a:rPr>
+              <a:t> </a:t>
+            </a:r>
+            <a:r>
+              <a:rPr lang="de-DE" sz="1100" dirty="0" err="1">
+                <a:latin typeface="Courier" pitchFamily="2" charset="0"/>
+              </a:rPr>
+              <a:t>to</a:t>
+            </a:r>
+            <a:r>
+              <a:rPr lang="de-DE" sz="1100" dirty="0">
+                <a:latin typeface="Courier" pitchFamily="2" charset="0"/>
+              </a:rPr>
+              <a:t> </a:t>
+            </a:r>
+            <a:r>
+              <a:rPr lang="de-DE" sz="1100" dirty="0" err="1">
+                <a:latin typeface="Courier" pitchFamily="2" charset="0"/>
+              </a:rPr>
+              <a:t>collect</a:t>
+            </a:r>
+            <a:r>
+              <a:rPr lang="de-DE" sz="1100" dirty="0">
+                <a:latin typeface="Courier" pitchFamily="2" charset="0"/>
+              </a:rPr>
+              <a:t>:</a:t>
+            </a:r>
+            <a:br>
+              <a:rPr lang="de-DE" sz="1100" dirty="0">
+                <a:latin typeface="Courier" pitchFamily="2" charset="0"/>
+              </a:rPr>
+            </a:br>
+            <a:br>
+              <a:rPr lang="de-DE" sz="1100" dirty="0">
+                <a:latin typeface="Courier" pitchFamily="2" charset="0"/>
+              </a:rPr>
+            </a:br>
+            <a:r>
+              <a:rPr lang="de-DE" sz="1100" dirty="0" err="1">
+                <a:latin typeface="Courier" pitchFamily="2" charset="0"/>
+              </a:rPr>
+              <a:t>since</a:t>
+            </a:r>
+            <a:r>
+              <a:rPr lang="de-DE" sz="1100" dirty="0">
+                <a:latin typeface="Courier" pitchFamily="2" charset="0"/>
+              </a:rPr>
+              <a:t>: </a:t>
+            </a:r>
+            <a:r>
+              <a:rPr lang="de-DE" sz="1100" dirty="0" err="1">
+                <a:latin typeface="Courier" pitchFamily="2" charset="0"/>
+              </a:rPr>
+              <a:t>now</a:t>
+            </a:r>
+            <a:r>
+              <a:rPr lang="de-DE" sz="1100" dirty="0">
+                <a:latin typeface="Courier" pitchFamily="2" charset="0"/>
+              </a:rPr>
+              <a:t>                 # </a:t>
+            </a:r>
+            <a:r>
+              <a:rPr lang="de-DE" sz="1100" dirty="0" err="1">
+                <a:latin typeface="Courier" pitchFamily="2" charset="0"/>
+              </a:rPr>
+              <a:t>Include</a:t>
+            </a:r>
+            <a:r>
+              <a:rPr lang="de-DE" sz="1100" dirty="0">
+                <a:latin typeface="Courier" pitchFamily="2" charset="0"/>
+              </a:rPr>
+              <a:t> </a:t>
+            </a:r>
+            <a:r>
+              <a:rPr lang="de-DE" sz="1100" dirty="0" err="1">
+                <a:latin typeface="Courier" pitchFamily="2" charset="0"/>
+              </a:rPr>
+              <a:t>past</a:t>
+            </a:r>
+            <a:r>
+              <a:rPr lang="de-DE" sz="1100" dirty="0">
+                <a:latin typeface="Courier" pitchFamily="2" charset="0"/>
+              </a:rPr>
+              <a:t> log </a:t>
+            </a:r>
+            <a:r>
+              <a:rPr lang="de-DE" sz="1100" dirty="0" err="1">
+                <a:latin typeface="Courier" pitchFamily="2" charset="0"/>
+              </a:rPr>
+              <a:t>entries</a:t>
+            </a:r>
+            <a:r>
+              <a:rPr lang="de-DE" sz="1100" dirty="0">
+                <a:latin typeface="Courier" pitchFamily="2" charset="0"/>
+              </a:rPr>
+              <a:t> </a:t>
+            </a:r>
+            <a:r>
+              <a:rPr lang="de-DE" sz="1100" dirty="0" err="1">
+                <a:latin typeface="Courier" pitchFamily="2" charset="0"/>
+              </a:rPr>
+              <a:t>since</a:t>
+            </a:r>
+            <a:r>
+              <a:rPr lang="de-DE" sz="1100" dirty="0">
+                <a:latin typeface="Courier" pitchFamily="2" charset="0"/>
+              </a:rPr>
+              <a:t> </a:t>
+            </a:r>
+            <a:r>
+              <a:rPr lang="de-DE" sz="1100" dirty="0" err="1">
+                <a:latin typeface="Courier" pitchFamily="2" charset="0"/>
+              </a:rPr>
+              <a:t>when</a:t>
+            </a:r>
+            <a:r>
+              <a:rPr lang="de-DE" sz="1100" dirty="0">
+                <a:latin typeface="Courier" pitchFamily="2" charset="0"/>
+              </a:rPr>
+              <a:t>: all, </a:t>
+            </a:r>
+            <a:r>
+              <a:rPr lang="de-DE" sz="1100" dirty="0" err="1">
+                <a:latin typeface="Courier" pitchFamily="2" charset="0"/>
+              </a:rPr>
+              <a:t>now</a:t>
+            </a:r>
+            <a:r>
+              <a:rPr lang="de-DE" sz="1100" dirty="0">
+                <a:latin typeface="Courier" pitchFamily="2" charset="0"/>
+              </a:rPr>
+              <a:t>, </a:t>
+            </a:r>
+            <a:r>
+              <a:rPr lang="de-DE" sz="1100" dirty="0" err="1">
+                <a:latin typeface="Courier" pitchFamily="2" charset="0"/>
+              </a:rPr>
+              <a:t>date&amp;time</a:t>
+            </a:r>
+            <a:r>
+              <a:rPr lang="de-DE" sz="1100" dirty="0">
+                <a:latin typeface="Courier" pitchFamily="2" charset="0"/>
+              </a:rPr>
+              <a:t> </a:t>
+            </a:r>
+            <a:r>
+              <a:rPr lang="de-DE" sz="1100" dirty="0" err="1">
+                <a:latin typeface="Courier" pitchFamily="2" charset="0"/>
+              </a:rPr>
+              <a:t>string</a:t>
+            </a:r>
+            <a:br>
+              <a:rPr lang="de-DE" sz="1100" dirty="0">
+                <a:latin typeface="Courier" pitchFamily="2" charset="0"/>
+              </a:rPr>
+            </a:br>
+            <a:r>
+              <a:rPr lang="de-DE" sz="1100" dirty="0" err="1">
+                <a:latin typeface="Courier" pitchFamily="2" charset="0"/>
+              </a:rPr>
+              <a:t>future</a:t>
+            </a:r>
+            <a:r>
+              <a:rPr lang="de-DE" sz="1100" dirty="0">
+                <a:latin typeface="Courier" pitchFamily="2" charset="0"/>
+              </a:rPr>
+              <a:t>: </a:t>
+            </a:r>
+            <a:r>
+              <a:rPr lang="de-DE" sz="1100" dirty="0" err="1">
+                <a:latin typeface="Courier" pitchFamily="2" charset="0"/>
+              </a:rPr>
+              <a:t>true</a:t>
+            </a:r>
+            <a:r>
+              <a:rPr lang="de-DE" sz="1100" dirty="0">
+                <a:latin typeface="Courier" pitchFamily="2" charset="0"/>
+              </a:rPr>
+              <a:t>               # </a:t>
+            </a:r>
+            <a:r>
+              <a:rPr lang="de-DE" sz="1100" dirty="0" err="1">
+                <a:latin typeface="Courier" pitchFamily="2" charset="0"/>
+              </a:rPr>
+              <a:t>Wait</a:t>
+            </a:r>
+            <a:r>
+              <a:rPr lang="de-DE" sz="1100" dirty="0">
+                <a:latin typeface="Courier" pitchFamily="2" charset="0"/>
+              </a:rPr>
+              <a:t> </a:t>
+            </a:r>
+            <a:r>
+              <a:rPr lang="de-DE" sz="1100" dirty="0" err="1">
+                <a:latin typeface="Courier" pitchFamily="2" charset="0"/>
+              </a:rPr>
+              <a:t>for</a:t>
+            </a:r>
+            <a:r>
+              <a:rPr lang="de-DE" sz="1100" dirty="0">
+                <a:latin typeface="Courier" pitchFamily="2" charset="0"/>
+              </a:rPr>
+              <a:t> </a:t>
+            </a:r>
+            <a:r>
+              <a:rPr lang="de-DE" sz="1100" dirty="0" err="1">
+                <a:latin typeface="Courier" pitchFamily="2" charset="0"/>
+              </a:rPr>
+              <a:t>future</a:t>
+            </a:r>
+            <a:r>
+              <a:rPr lang="de-DE" sz="1100" dirty="0">
+                <a:latin typeface="Courier" pitchFamily="2" charset="0"/>
+              </a:rPr>
+              <a:t> log </a:t>
+            </a:r>
+            <a:r>
+              <a:rPr lang="de-DE" sz="1100" dirty="0" err="1">
+                <a:latin typeface="Courier" pitchFamily="2" charset="0"/>
+              </a:rPr>
+              <a:t>entries</a:t>
+            </a:r>
+            <a:br>
+              <a:rPr lang="de-DE" sz="1100" dirty="0">
+                <a:latin typeface="Courier" pitchFamily="2" charset="0"/>
+              </a:rPr>
+            </a:br>
+            <a:br>
+              <a:rPr lang="de-DE" sz="1100" dirty="0">
+                <a:latin typeface="Courier" pitchFamily="2" charset="0"/>
+              </a:rPr>
+            </a:br>
+            <a:r>
+              <a:rPr lang="de-DE" sz="1100" dirty="0">
+                <a:latin typeface="Courier" pitchFamily="2" charset="0"/>
+              </a:rPr>
               <a:t># </a:t>
             </a:r>
             <a:r>
               <a:rPr lang="de-DE" sz="1100" dirty="0" err="1">
                 <a:latin typeface="Courier" pitchFamily="2" charset="0"/>
               </a:rPr>
-              <a:t>Which</a:t>
-            </a:r>
-            <a:r>
-              <a:rPr lang="de-DE" sz="1100" dirty="0">
-                <a:latin typeface="Courier" pitchFamily="2" charset="0"/>
-              </a:rPr>
-              <a:t> log </a:t>
-            </a:r>
-            <a:r>
-              <a:rPr lang="de-DE" sz="1100" dirty="0" err="1">
-                <a:latin typeface="Courier" pitchFamily="2" charset="0"/>
-              </a:rPr>
-              <a:t>entries</a:t>
-            </a:r>
-            <a:r>
-              <a:rPr lang="de-DE" sz="1100" dirty="0">
-                <a:latin typeface="Courier" pitchFamily="2" charset="0"/>
-              </a:rPr>
-              <a:t> </a:t>
-            </a:r>
-            <a:r>
-              <a:rPr lang="de-DE" sz="1100" dirty="0" err="1">
-                <a:latin typeface="Courier" pitchFamily="2" charset="0"/>
-              </a:rPr>
-              <a:t>to</a:t>
-            </a:r>
-            <a:r>
-              <a:rPr lang="de-DE" sz="1100" dirty="0">
-                <a:latin typeface="Courier" pitchFamily="2" charset="0"/>
-              </a:rPr>
-              <a:t> </a:t>
-            </a:r>
-            <a:r>
-              <a:rPr lang="de-DE" sz="1100" dirty="0" err="1">
-                <a:latin typeface="Courier" pitchFamily="2" charset="0"/>
-              </a:rPr>
-              <a:t>collect</a:t>
+              <a:t>Logging</a:t>
+            </a:r>
+            <a:r>
+              <a:rPr lang="de-DE" sz="1100" dirty="0">
+                <a:latin typeface="Courier" pitchFamily="2" charset="0"/>
+              </a:rPr>
+              <a:t> </a:t>
+            </a:r>
+            <a:r>
+              <a:rPr lang="de-DE" sz="1100" dirty="0" err="1">
+                <a:latin typeface="Courier" pitchFamily="2" charset="0"/>
+              </a:rPr>
+              <a:t>for</a:t>
+            </a:r>
+            <a:r>
+              <a:rPr lang="de-DE" sz="1100" dirty="0">
+                <a:latin typeface="Courier" pitchFamily="2" charset="0"/>
+              </a:rPr>
+              <a:t> </a:t>
+            </a:r>
+            <a:r>
+              <a:rPr lang="de-DE" sz="1100" dirty="0" err="1">
+                <a:latin typeface="Courier" pitchFamily="2" charset="0"/>
+              </a:rPr>
+              <a:t>the</a:t>
+            </a:r>
+            <a:r>
+              <a:rPr lang="de-DE" sz="1100" dirty="0">
+                <a:latin typeface="Courier" pitchFamily="2" charset="0"/>
+              </a:rPr>
+              <a:t> </a:t>
+            </a:r>
+            <a:r>
+              <a:rPr lang="de-DE" sz="1100" dirty="0" err="1">
+                <a:latin typeface="Courier" pitchFamily="2" charset="0"/>
+              </a:rPr>
+              <a:t>program</a:t>
+            </a:r>
+            <a:r>
+              <a:rPr lang="de-DE" sz="1100" dirty="0">
+                <a:latin typeface="Courier" pitchFamily="2" charset="0"/>
+              </a:rPr>
+              <a:t> </a:t>
+            </a:r>
+            <a:r>
+              <a:rPr lang="de-DE" sz="1100" dirty="0" err="1">
+                <a:latin typeface="Courier" pitchFamily="2" charset="0"/>
+              </a:rPr>
+              <a:t>itself</a:t>
             </a:r>
             <a:r>
               <a:rPr lang="de-DE" sz="1100" dirty="0">
@@ -4849,19 +6726,31 @@
               <a:rPr lang="de-DE" sz="1100" dirty="0" err="1">
                 <a:latin typeface="Courier" pitchFamily="2" charset="0"/>
               </a:rPr>
-              <a:t>logs</a:t>
-            </a:r>
-            <a:r>
-              <a:rPr lang="de-DE" sz="1100" dirty="0">
-                <a:latin typeface="Courier" pitchFamily="2" charset="0"/>
-              </a:rPr>
-              <a:t>: [</a:t>
-            </a:r>
-            <a:r>
-              <a:rPr lang="de-DE" sz="1100" dirty="0" err="1">
-                <a:latin typeface="Courier" pitchFamily="2" charset="0"/>
-              </a:rPr>
-              <a:t>security</a:t>
+              <a:t>selflog_dest</a:t>
+            </a:r>
+            <a:r>
+              <a:rPr lang="de-DE" sz="1100" dirty="0">
+                <a:latin typeface="Courier" pitchFamily="2" charset="0"/>
+              </a:rPr>
+              <a:t>: </a:t>
+            </a:r>
+            <a:r>
+              <a:rPr lang="de-DE" sz="1100" dirty="0" err="1">
+                <a:latin typeface="Courier" pitchFamily="2" charset="0"/>
+              </a:rPr>
+              <a:t>stdout</a:t>
+            </a:r>
+            <a:r>
+              <a:rPr lang="de-DE" sz="1100" dirty="0">
+                <a:latin typeface="Courier" pitchFamily="2" charset="0"/>
+              </a:rPr>
+              <a:t>                          # Destination (</a:t>
+            </a:r>
+            <a:r>
+              <a:rPr lang="de-DE" sz="1100" dirty="0" err="1">
+                <a:latin typeface="Courier" pitchFamily="2" charset="0"/>
+              </a:rPr>
+              <a:t>stdout</a:t>
             </a:r>
             <a:r>
               <a:rPr lang="de-DE" sz="1100" dirty="0">
@@ -4873,13 +6762,131 @@
               <a:rPr lang="de-DE" sz="1100" dirty="0" err="1">
                 <a:latin typeface="Courier" pitchFamily="2" charset="0"/>
               </a:rPr>
-              <a:t>audit</a:t>
-            </a:r>
-            <a:r>
-              <a:rPr lang="de-DE" sz="1100" dirty="0">
-                <a:latin typeface="Courier" pitchFamily="2" charset="0"/>
-              </a:rPr>
-              <a:t>]    # List </a:t>
+              <a:t>stderr</a:t>
+            </a:r>
+            <a:r>
+              <a:rPr lang="de-DE" sz="1100" dirty="0">
+                <a:latin typeface="Courier" pitchFamily="2" charset="0"/>
+              </a:rPr>
+              <a:t>)</a:t>
+            </a:r>
+            <a:br>
+              <a:rPr lang="de-DE" sz="1100" dirty="0">
+                <a:latin typeface="Courier" pitchFamily="2" charset="0"/>
+              </a:rPr>
+            </a:br>
+            <a:r>
+              <a:rPr lang="de-DE" sz="1100" dirty="0" err="1">
+                <a:latin typeface="Courier" pitchFamily="2" charset="0"/>
+              </a:rPr>
+              <a:t>selflog_format</a:t>
+            </a:r>
+            <a:r>
+              <a:rPr lang="de-DE" sz="1100" dirty="0">
+                <a:latin typeface="Courier" pitchFamily="2" charset="0"/>
+              </a:rPr>
+              <a:t>: '%(</a:t>
+            </a:r>
+            <a:r>
+              <a:rPr lang="de-DE" sz="1100" dirty="0" err="1">
+                <a:latin typeface="Courier" pitchFamily="2" charset="0"/>
+              </a:rPr>
+              <a:t>levelname</a:t>
+            </a:r>
+            <a:r>
+              <a:rPr lang="de-DE" sz="1100" dirty="0">
+                <a:latin typeface="Courier" pitchFamily="2" charset="0"/>
+              </a:rPr>
+              <a:t>)s: %(</a:t>
+            </a:r>
+            <a:r>
+              <a:rPr lang="de-DE" sz="1100" dirty="0" err="1">
+                <a:latin typeface="Courier" pitchFamily="2" charset="0"/>
+              </a:rPr>
+              <a:t>message</a:t>
+            </a:r>
+            <a:r>
+              <a:rPr lang="de-DE" sz="1100" dirty="0">
+                <a:latin typeface="Courier" pitchFamily="2" charset="0"/>
+              </a:rPr>
+              <a:t>)</a:t>
+            </a:r>
+            <a:r>
+              <a:rPr lang="de-DE" sz="1100" dirty="0" err="1">
+                <a:latin typeface="Courier" pitchFamily="2" charset="0"/>
+              </a:rPr>
+              <a:t>s'</a:t>
+            </a:r>
+            <a:r>
+              <a:rPr lang="de-DE" sz="1100" dirty="0">
+                <a:latin typeface="Courier" pitchFamily="2" charset="0"/>
+              </a:rPr>
+              <a:t>  # Log </a:t>
+            </a:r>
+            <a:r>
+              <a:rPr lang="de-DE" sz="1100" dirty="0" err="1">
+                <a:latin typeface="Courier" pitchFamily="2" charset="0"/>
+              </a:rPr>
+              <a:t>message</a:t>
+            </a:r>
+            <a:r>
+              <a:rPr lang="de-DE" sz="1100" dirty="0">
+                <a:latin typeface="Courier" pitchFamily="2" charset="0"/>
+              </a:rPr>
+              <a:t> </a:t>
+            </a:r>
+            <a:r>
+              <a:rPr lang="de-DE" sz="1100" dirty="0" err="1">
+                <a:latin typeface="Courier" pitchFamily="2" charset="0"/>
+              </a:rPr>
+              <a:t>format</a:t>
+            </a:r>
+            <a:r>
+              <a:rPr lang="de-DE" sz="1100" dirty="0">
+                <a:latin typeface="Courier" pitchFamily="2" charset="0"/>
+              </a:rPr>
+              <a:t> (Python </a:t>
+            </a:r>
+            <a:r>
+              <a:rPr lang="de-DE" sz="1100" dirty="0" err="1">
+                <a:latin typeface="Courier" pitchFamily="2" charset="0"/>
+              </a:rPr>
+              <a:t>logging</a:t>
+            </a:r>
+            <a:r>
+              <a:rPr lang="de-DE" sz="1100" dirty="0">
+                <a:latin typeface="Courier" pitchFamily="2" charset="0"/>
+              </a:rPr>
+              <a:t> </a:t>
+            </a:r>
+            <a:r>
+              <a:rPr lang="de-DE" sz="1100" dirty="0" err="1">
+                <a:latin typeface="Courier" pitchFamily="2" charset="0"/>
+              </a:rPr>
+              <a:t>placeholders</a:t>
+            </a:r>
+            <a:r>
+              <a:rPr lang="de-DE" sz="1100" dirty="0">
+                <a:latin typeface="Courier" pitchFamily="2" charset="0"/>
+              </a:rPr>
+              <a:t>)</a:t>
+            </a:r>
+            <a:br>
+              <a:rPr lang="de-DE" sz="1100" dirty="0">
+                <a:latin typeface="Courier" pitchFamily="2" charset="0"/>
+              </a:rPr>
+            </a:br>
+            <a:r>
+              <a:rPr lang="de-DE" sz="1100" dirty="0" err="1">
+                <a:latin typeface="Courier" pitchFamily="2" charset="0"/>
+              </a:rPr>
+              <a:t>selflog_time_format</a:t>
+            </a:r>
+            <a:r>
+              <a:rPr lang="de-DE" sz="1100" dirty="0">
+                <a:latin typeface="Courier" pitchFamily="2" charset="0"/>
+              </a:rPr>
+              <a:t>: '%Y-%m-%d %H:%M:%S'      # Format </a:t>
             </a:r>
             <a:r>
               <a:rPr lang="de-DE" sz="1100" dirty="0" err="1">
@@ -4891,664 +6898,43 @@
               <a:rPr lang="de-DE" sz="1100" dirty="0">
                 <a:latin typeface="Courier" pitchFamily="2" charset="0"/>
               </a:rPr>
-              <a:t> log </a:t>
-            </a:r>
-            <a:r>
-              <a:rPr lang="de-DE" sz="1100" dirty="0" err="1">
-                <a:latin typeface="Courier" pitchFamily="2" charset="0"/>
-              </a:rPr>
-              <a:t>types</a:t>
-            </a:r>
-            <a:r>
-              <a:rPr lang="de-DE" sz="1100" dirty="0">
-                <a:latin typeface="Courier" pitchFamily="2" charset="0"/>
-              </a:rPr>
-              <a:t> </a:t>
-            </a:r>
-            <a:r>
-              <a:rPr lang="de-DE" sz="1100" dirty="0" err="1">
-                <a:latin typeface="Courier" pitchFamily="2" charset="0"/>
-              </a:rPr>
-              <a:t>to</a:t>
-            </a:r>
-            <a:r>
-              <a:rPr lang="de-DE" sz="1100" dirty="0">
-                <a:latin typeface="Courier" pitchFamily="2" charset="0"/>
-              </a:rPr>
-              <a:t> </a:t>
-            </a:r>
-            <a:r>
-              <a:rPr lang="de-DE" sz="1100" dirty="0" err="1">
-                <a:latin typeface="Courier" pitchFamily="2" charset="0"/>
-              </a:rPr>
-              <a:t>include</a:t>
-            </a:r>
-            <a:br>
-              <a:rPr lang="de-DE" sz="1100" dirty="0">
-                <a:latin typeface="Courier" pitchFamily="2" charset="0"/>
-              </a:rPr>
-            </a:br>
-            <a:r>
-              <a:rPr lang="de-DE" sz="1100" dirty="0" err="1">
-                <a:latin typeface="Courier" pitchFamily="2" charset="0"/>
-              </a:rPr>
-              <a:t>since</a:t>
-            </a:r>
-            <a:r>
-              <a:rPr lang="de-DE" sz="1100" dirty="0">
-                <a:latin typeface="Courier" pitchFamily="2" charset="0"/>
-              </a:rPr>
-              <a:t>: </a:t>
-            </a:r>
-            <a:r>
-              <a:rPr lang="de-DE" sz="1100" dirty="0" err="1">
-                <a:latin typeface="Courier" pitchFamily="2" charset="0"/>
-              </a:rPr>
-              <a:t>now</a:t>
-            </a:r>
-            <a:r>
-              <a:rPr lang="de-DE" sz="1100" dirty="0">
-                <a:latin typeface="Courier" pitchFamily="2" charset="0"/>
-              </a:rPr>
-              <a:t>                 # </a:t>
-            </a:r>
-            <a:r>
-              <a:rPr lang="de-DE" sz="1100" dirty="0" err="1">
-                <a:latin typeface="Courier" pitchFamily="2" charset="0"/>
-              </a:rPr>
-              <a:t>Include</a:t>
-            </a:r>
-            <a:r>
-              <a:rPr lang="de-DE" sz="1100" dirty="0">
-                <a:latin typeface="Courier" pitchFamily="2" charset="0"/>
-              </a:rPr>
-              <a:t> </a:t>
-            </a:r>
-            <a:r>
-              <a:rPr lang="de-DE" sz="1100" dirty="0" err="1">
-                <a:latin typeface="Courier" pitchFamily="2" charset="0"/>
-              </a:rPr>
-              <a:t>past</a:t>
-            </a:r>
-            <a:r>
-              <a:rPr lang="de-DE" sz="1100" dirty="0">
-                <a:latin typeface="Courier" pitchFamily="2" charset="0"/>
-              </a:rPr>
-              <a:t> log </a:t>
-            </a:r>
-            <a:r>
-              <a:rPr lang="de-DE" sz="1100" dirty="0" err="1">
-                <a:latin typeface="Courier" pitchFamily="2" charset="0"/>
-              </a:rPr>
-              <a:t>entries</a:t>
-            </a:r>
-            <a:r>
-              <a:rPr lang="de-DE" sz="1100" dirty="0">
-                <a:latin typeface="Courier" pitchFamily="2" charset="0"/>
-              </a:rPr>
-              <a:t> </a:t>
-            </a:r>
-            <a:r>
-              <a:rPr lang="de-DE" sz="1100" dirty="0" err="1">
-                <a:latin typeface="Courier" pitchFamily="2" charset="0"/>
-              </a:rPr>
-              <a:t>since</a:t>
-            </a:r>
-            <a:r>
-              <a:rPr lang="de-DE" sz="1100" dirty="0">
-                <a:latin typeface="Courier" pitchFamily="2" charset="0"/>
-              </a:rPr>
-              <a:t> </a:t>
-            </a:r>
-            <a:r>
-              <a:rPr lang="de-DE" sz="1100" dirty="0" err="1">
-                <a:latin typeface="Courier" pitchFamily="2" charset="0"/>
-              </a:rPr>
-              <a:t>when</a:t>
-            </a:r>
-            <a:r>
-              <a:rPr lang="de-DE" sz="1100" dirty="0">
-                <a:latin typeface="Courier" pitchFamily="2" charset="0"/>
-              </a:rPr>
-              <a:t>: all, </a:t>
-            </a:r>
-            <a:r>
-              <a:rPr lang="de-DE" sz="1100" dirty="0" err="1">
-                <a:latin typeface="Courier" pitchFamily="2" charset="0"/>
-              </a:rPr>
-              <a:t>now</a:t>
-            </a:r>
-            <a:r>
-              <a:rPr lang="de-DE" sz="1100" dirty="0">
-                <a:latin typeface="Courier" pitchFamily="2" charset="0"/>
-              </a:rPr>
-              <a:t>, </a:t>
-            </a:r>
-            <a:r>
-              <a:rPr lang="de-DE" sz="1100" dirty="0" err="1">
-                <a:latin typeface="Courier" pitchFamily="2" charset="0"/>
-              </a:rPr>
-              <a:t>date&amp;time</a:t>
-            </a:r>
-            <a:r>
-              <a:rPr lang="de-DE" sz="1100" dirty="0">
-                <a:latin typeface="Courier" pitchFamily="2" charset="0"/>
-              </a:rPr>
-              <a:t> </a:t>
-            </a:r>
-            <a:r>
-              <a:rPr lang="de-DE" sz="1100" dirty="0" err="1">
-                <a:latin typeface="Courier" pitchFamily="2" charset="0"/>
-              </a:rPr>
-              <a:t>string</a:t>
-            </a:r>
-            <a:br>
-              <a:rPr lang="de-DE" sz="1100" dirty="0">
-                <a:latin typeface="Courier" pitchFamily="2" charset="0"/>
-              </a:rPr>
-            </a:br>
-            <a:r>
-              <a:rPr lang="de-DE" sz="1100" dirty="0" err="1">
-                <a:latin typeface="Courier" pitchFamily="2" charset="0"/>
-              </a:rPr>
-              <a:t>future</a:t>
-            </a:r>
-            <a:r>
-              <a:rPr lang="de-DE" sz="1100" dirty="0">
-                <a:latin typeface="Courier" pitchFamily="2" charset="0"/>
-              </a:rPr>
-              <a:t>: </a:t>
-            </a:r>
-            <a:r>
-              <a:rPr lang="de-DE" sz="1100" dirty="0" err="1">
-                <a:latin typeface="Courier" pitchFamily="2" charset="0"/>
-              </a:rPr>
-              <a:t>true</a:t>
-            </a:r>
-            <a:r>
-              <a:rPr lang="de-DE" sz="1100" dirty="0">
-                <a:latin typeface="Courier" pitchFamily="2" charset="0"/>
-              </a:rPr>
-              <a:t>               # </a:t>
-            </a:r>
-            <a:r>
-              <a:rPr lang="de-DE" sz="1100" dirty="0" err="1">
-                <a:latin typeface="Courier" pitchFamily="2" charset="0"/>
-              </a:rPr>
-              <a:t>Wait</a:t>
-            </a:r>
-            <a:r>
-              <a:rPr lang="de-DE" sz="1100" dirty="0">
-                <a:latin typeface="Courier" pitchFamily="2" charset="0"/>
-              </a:rPr>
-              <a:t> </a:t>
-            </a:r>
-            <a:r>
-              <a:rPr lang="de-DE" sz="1100" dirty="0" err="1">
-                <a:latin typeface="Courier" pitchFamily="2" charset="0"/>
-              </a:rPr>
-              <a:t>for</a:t>
-            </a:r>
-            <a:r>
-              <a:rPr lang="de-DE" sz="1100" dirty="0">
-                <a:latin typeface="Courier" pitchFamily="2" charset="0"/>
-              </a:rPr>
-              <a:t> </a:t>
-            </a:r>
-            <a:r>
-              <a:rPr lang="de-DE" sz="1100" dirty="0" err="1">
-                <a:latin typeface="Courier" pitchFamily="2" charset="0"/>
-              </a:rPr>
-              <a:t>future</a:t>
-            </a:r>
-            <a:r>
-              <a:rPr lang="de-DE" sz="1100" dirty="0">
-                <a:latin typeface="Courier" pitchFamily="2" charset="0"/>
-              </a:rPr>
-              <a:t> log </a:t>
-            </a:r>
-            <a:r>
-              <a:rPr lang="de-DE" sz="1100" dirty="0" err="1">
-                <a:latin typeface="Courier" pitchFamily="2" charset="0"/>
-              </a:rPr>
-              <a:t>entries</a:t>
-            </a:r>
-            <a:br>
-              <a:rPr lang="de-DE" sz="1100" dirty="0">
-                <a:latin typeface="Courier" pitchFamily="2" charset="0"/>
-              </a:rPr>
-            </a:br>
-            <a:br>
-              <a:rPr lang="de-DE" sz="1100" dirty="0">
-                <a:latin typeface="Courier" pitchFamily="2" charset="0"/>
-              </a:rPr>
-            </a:br>
-            <a:r>
-              <a:rPr lang="de-DE" sz="1100" dirty="0">
-                <a:latin typeface="Courier" pitchFamily="2" charset="0"/>
-              </a:rPr>
-              <a:t># </a:t>
-            </a:r>
-            <a:r>
-              <a:rPr lang="de-DE" sz="1100" dirty="0" err="1">
-                <a:latin typeface="Courier" pitchFamily="2" charset="0"/>
-              </a:rPr>
-              <a:t>Where</a:t>
-            </a:r>
-            <a:r>
-              <a:rPr lang="de-DE" sz="1100" dirty="0">
-                <a:latin typeface="Courier" pitchFamily="2" charset="0"/>
-              </a:rPr>
-              <a:t> </a:t>
-            </a:r>
-            <a:r>
-              <a:rPr lang="de-DE" sz="1100" dirty="0" err="1">
-                <a:latin typeface="Courier" pitchFamily="2" charset="0"/>
-              </a:rPr>
-              <a:t>to</a:t>
-            </a:r>
-            <a:r>
-              <a:rPr lang="de-DE" sz="1100" dirty="0">
-                <a:latin typeface="Courier" pitchFamily="2" charset="0"/>
-              </a:rPr>
-              <a:t> </a:t>
-            </a:r>
-            <a:r>
-              <a:rPr lang="de-DE" sz="1100" dirty="0" err="1">
-                <a:latin typeface="Courier" pitchFamily="2" charset="0"/>
-              </a:rPr>
-              <a:t>forward</a:t>
-            </a:r>
-            <a:r>
-              <a:rPr lang="de-DE" sz="1100" dirty="0">
-                <a:latin typeface="Courier" pitchFamily="2" charset="0"/>
-              </a:rPr>
-              <a:t> </a:t>
-            </a:r>
-            <a:r>
-              <a:rPr lang="de-DE" sz="1100" dirty="0" err="1">
-                <a:latin typeface="Courier" pitchFamily="2" charset="0"/>
-              </a:rPr>
-              <a:t>the</a:t>
-            </a:r>
-            <a:r>
-              <a:rPr lang="de-DE" sz="1100" dirty="0">
-                <a:latin typeface="Courier" pitchFamily="2" charset="0"/>
-              </a:rPr>
-              <a:t> log </a:t>
-            </a:r>
-            <a:r>
-              <a:rPr lang="de-DE" sz="1100" dirty="0" err="1">
-                <a:latin typeface="Courier" pitchFamily="2" charset="0"/>
-              </a:rPr>
-              <a:t>entries</a:t>
-            </a:r>
-            <a:r>
-              <a:rPr lang="de-DE" sz="1100" dirty="0">
-                <a:latin typeface="Courier" pitchFamily="2" charset="0"/>
-              </a:rPr>
-              <a:t> </a:t>
-            </a:r>
-            <a:r>
-              <a:rPr lang="de-DE" sz="1100" dirty="0" err="1">
-                <a:latin typeface="Courier" pitchFamily="2" charset="0"/>
-              </a:rPr>
-              <a:t>to</a:t>
-            </a:r>
-            <a:r>
-              <a:rPr lang="de-DE" sz="1100" dirty="0">
-                <a:latin typeface="Courier" pitchFamily="2" charset="0"/>
-              </a:rPr>
-              <a:t>:</a:t>
-            </a:r>
-            <a:br>
-              <a:rPr lang="de-DE" sz="1100" dirty="0">
-                <a:latin typeface="Courier" pitchFamily="2" charset="0"/>
-              </a:rPr>
-            </a:br>
-            <a:br>
-              <a:rPr lang="de-DE" sz="1100" dirty="0">
-                <a:latin typeface="Courier" pitchFamily="2" charset="0"/>
-              </a:rPr>
-            </a:br>
-            <a:r>
-              <a:rPr lang="de-DE" sz="1100" dirty="0" err="1">
-                <a:latin typeface="Courier" pitchFamily="2" charset="0"/>
-              </a:rPr>
-              <a:t>dest</a:t>
-            </a:r>
-            <a:r>
-              <a:rPr lang="de-DE" sz="1100" dirty="0">
-                <a:latin typeface="Courier" pitchFamily="2" charset="0"/>
-              </a:rPr>
-              <a:t>: </a:t>
-            </a:r>
-            <a:r>
-              <a:rPr lang="de-DE" sz="1100" dirty="0" err="1">
-                <a:latin typeface="Courier" pitchFamily="2" charset="0"/>
-              </a:rPr>
-              <a:t>syslog</a:t>
-            </a:r>
-            <a:r>
-              <a:rPr lang="de-DE" sz="1100" dirty="0">
-                <a:latin typeface="Courier" pitchFamily="2" charset="0"/>
-              </a:rPr>
-              <a:t>               # Destination </a:t>
-            </a:r>
-            <a:r>
-              <a:rPr lang="de-DE" sz="1100" dirty="0" err="1">
-                <a:latin typeface="Courier" pitchFamily="2" charset="0"/>
-              </a:rPr>
-              <a:t>for</a:t>
-            </a:r>
-            <a:r>
-              <a:rPr lang="de-DE" sz="1100" dirty="0">
-                <a:latin typeface="Courier" pitchFamily="2" charset="0"/>
-              </a:rPr>
-              <a:t> </a:t>
-            </a:r>
-            <a:r>
-              <a:rPr lang="de-DE" sz="1100" dirty="0" err="1">
-                <a:latin typeface="Courier" pitchFamily="2" charset="0"/>
-              </a:rPr>
-              <a:t>the</a:t>
-            </a:r>
-            <a:r>
-              <a:rPr lang="de-DE" sz="1100" dirty="0">
-                <a:latin typeface="Courier" pitchFamily="2" charset="0"/>
-              </a:rPr>
-              <a:t> log </a:t>
-            </a:r>
-            <a:r>
-              <a:rPr lang="de-DE" sz="1100" dirty="0" err="1">
-                <a:latin typeface="Courier" pitchFamily="2" charset="0"/>
-              </a:rPr>
-              <a:t>entries</a:t>
-            </a:r>
-            <a:r>
-              <a:rPr lang="de-DE" sz="1100" dirty="0">
-                <a:latin typeface="Courier" pitchFamily="2" charset="0"/>
-              </a:rPr>
-              <a:t>: </a:t>
-            </a:r>
-            <a:r>
-              <a:rPr lang="de-DE" sz="1100" dirty="0" err="1">
-                <a:latin typeface="Courier" pitchFamily="2" charset="0"/>
-              </a:rPr>
-              <a:t>stdout</a:t>
-            </a:r>
-            <a:r>
-              <a:rPr lang="de-DE" sz="1100" dirty="0">
-                <a:latin typeface="Courier" pitchFamily="2" charset="0"/>
-              </a:rPr>
-              <a:t>, </a:t>
-            </a:r>
-            <a:r>
-              <a:rPr lang="de-DE" sz="1100" dirty="0" err="1">
-                <a:latin typeface="Courier" pitchFamily="2" charset="0"/>
-              </a:rPr>
-              <a:t>syslog</a:t>
-            </a:r>
-            <a:br>
-              <a:rPr lang="de-DE" sz="1100" dirty="0">
-                <a:latin typeface="Courier" pitchFamily="2" charset="0"/>
-              </a:rPr>
-            </a:br>
-            <a:r>
-              <a:rPr lang="de-DE" sz="1100" dirty="0" err="1">
-                <a:latin typeface="Courier" pitchFamily="2" charset="0"/>
-              </a:rPr>
-              <a:t>syslog_host</a:t>
-            </a:r>
-            <a:r>
-              <a:rPr lang="de-DE" sz="1100" dirty="0">
-                <a:latin typeface="Courier" pitchFamily="2" charset="0"/>
-              </a:rPr>
-              <a:t>: 10.11.12.14   # IP </a:t>
-            </a:r>
-            <a:r>
-              <a:rPr lang="de-DE" sz="1100" dirty="0" err="1">
-                <a:latin typeface="Courier" pitchFamily="2" charset="0"/>
-              </a:rPr>
-              <a:t>address</a:t>
-            </a:r>
-            <a:r>
-              <a:rPr lang="de-DE" sz="1100" dirty="0">
-                <a:latin typeface="Courier" pitchFamily="2" charset="0"/>
-              </a:rPr>
-              <a:t> </a:t>
-            </a:r>
-            <a:r>
-              <a:rPr lang="de-DE" sz="1100" dirty="0" err="1">
-                <a:latin typeface="Courier" pitchFamily="2" charset="0"/>
-              </a:rPr>
-              <a:t>or</a:t>
-            </a:r>
-            <a:r>
-              <a:rPr lang="de-DE" sz="1100" dirty="0">
-                <a:latin typeface="Courier" pitchFamily="2" charset="0"/>
-              </a:rPr>
-              <a:t> </a:t>
-            </a:r>
-            <a:r>
-              <a:rPr lang="de-DE" sz="1100" dirty="0" err="1">
-                <a:latin typeface="Courier" pitchFamily="2" charset="0"/>
-              </a:rPr>
-              <a:t>hostname</a:t>
-            </a:r>
-            <a:r>
-              <a:rPr lang="de-DE" sz="1100" dirty="0">
-                <a:latin typeface="Courier" pitchFamily="2" charset="0"/>
-              </a:rPr>
-              <a:t> </a:t>
-            </a:r>
-            <a:r>
-              <a:rPr lang="de-DE" sz="1100" dirty="0" err="1">
-                <a:latin typeface="Courier" pitchFamily="2" charset="0"/>
-              </a:rPr>
-              <a:t>of</a:t>
-            </a:r>
-            <a:r>
-              <a:rPr lang="de-DE" sz="1100" dirty="0">
-                <a:latin typeface="Courier" pitchFamily="2" charset="0"/>
-              </a:rPr>
-              <a:t> remote </a:t>
-            </a:r>
-            <a:r>
-              <a:rPr lang="de-DE" sz="1100" dirty="0" err="1">
-                <a:latin typeface="Courier" pitchFamily="2" charset="0"/>
-              </a:rPr>
-              <a:t>syslog</a:t>
-            </a:r>
-            <a:r>
-              <a:rPr lang="de-DE" sz="1100" dirty="0">
-                <a:latin typeface="Courier" pitchFamily="2" charset="0"/>
-              </a:rPr>
-              <a:t> </a:t>
-            </a:r>
-            <a:r>
-              <a:rPr lang="de-DE" sz="1100" dirty="0" err="1">
-                <a:latin typeface="Courier" pitchFamily="2" charset="0"/>
-              </a:rPr>
-              <a:t>server</a:t>
-            </a:r>
-            <a:br>
-              <a:rPr lang="de-DE" sz="1100" dirty="0">
-                <a:latin typeface="Courier" pitchFamily="2" charset="0"/>
-              </a:rPr>
-            </a:br>
-            <a:r>
-              <a:rPr lang="de-DE" sz="1100" dirty="0" err="1">
-                <a:latin typeface="Courier" pitchFamily="2" charset="0"/>
-              </a:rPr>
-              <a:t>syslog_port</a:t>
-            </a:r>
-            <a:r>
-              <a:rPr lang="de-DE" sz="1100" dirty="0">
-                <a:latin typeface="Courier" pitchFamily="2" charset="0"/>
-              </a:rPr>
-              <a:t>: 514           # Port </a:t>
-            </a:r>
-            <a:r>
-              <a:rPr lang="de-DE" sz="1100" dirty="0" err="1">
-                <a:latin typeface="Courier" pitchFamily="2" charset="0"/>
-              </a:rPr>
-              <a:t>number</a:t>
-            </a:r>
-            <a:r>
-              <a:rPr lang="de-DE" sz="1100" dirty="0">
-                <a:latin typeface="Courier" pitchFamily="2" charset="0"/>
-              </a:rPr>
-              <a:t> </a:t>
-            </a:r>
-            <a:r>
-              <a:rPr lang="de-DE" sz="1100" dirty="0" err="1">
-                <a:latin typeface="Courier" pitchFamily="2" charset="0"/>
-              </a:rPr>
-              <a:t>of</a:t>
-            </a:r>
-            <a:r>
-              <a:rPr lang="de-DE" sz="1100" dirty="0">
-                <a:latin typeface="Courier" pitchFamily="2" charset="0"/>
-              </a:rPr>
-              <a:t> remote </a:t>
-            </a:r>
-            <a:r>
-              <a:rPr lang="de-DE" sz="1100" dirty="0" err="1">
-                <a:latin typeface="Courier" pitchFamily="2" charset="0"/>
-              </a:rPr>
-              <a:t>syslog</a:t>
-            </a:r>
-            <a:r>
-              <a:rPr lang="de-DE" sz="1100" dirty="0">
-                <a:latin typeface="Courier" pitchFamily="2" charset="0"/>
-              </a:rPr>
-              <a:t> </a:t>
-            </a:r>
-            <a:r>
-              <a:rPr lang="de-DE" sz="1100" dirty="0" err="1">
-                <a:latin typeface="Courier" pitchFamily="2" charset="0"/>
-              </a:rPr>
-              <a:t>server</a:t>
-            </a:r>
-            <a:br>
-              <a:rPr lang="de-DE" sz="1100" dirty="0">
-                <a:latin typeface="Courier" pitchFamily="2" charset="0"/>
-              </a:rPr>
-            </a:br>
-            <a:r>
-              <a:rPr lang="de-DE" sz="1100" dirty="0" err="1">
-                <a:latin typeface="Courier" pitchFamily="2" charset="0"/>
-              </a:rPr>
-              <a:t>syslog_porttype</a:t>
-            </a:r>
-            <a:r>
-              <a:rPr lang="de-DE" sz="1100" dirty="0">
-                <a:latin typeface="Courier" pitchFamily="2" charset="0"/>
-              </a:rPr>
-              <a:t>: </a:t>
-            </a:r>
-            <a:r>
-              <a:rPr lang="de-DE" sz="1100" dirty="0" err="1">
-                <a:latin typeface="Courier" pitchFamily="2" charset="0"/>
-              </a:rPr>
-              <a:t>udp</a:t>
-            </a:r>
-            <a:r>
-              <a:rPr lang="de-DE" sz="1100" dirty="0">
-                <a:latin typeface="Courier" pitchFamily="2" charset="0"/>
-              </a:rPr>
-              <a:t>       # Port type </a:t>
-            </a:r>
-            <a:r>
-              <a:rPr lang="de-DE" sz="1100" dirty="0" err="1">
-                <a:latin typeface="Courier" pitchFamily="2" charset="0"/>
-              </a:rPr>
-              <a:t>of</a:t>
-            </a:r>
-            <a:r>
-              <a:rPr lang="de-DE" sz="1100" dirty="0">
-                <a:latin typeface="Courier" pitchFamily="2" charset="0"/>
-              </a:rPr>
-              <a:t> remote </a:t>
-            </a:r>
-            <a:r>
-              <a:rPr lang="de-DE" sz="1100" dirty="0" err="1">
-                <a:latin typeface="Courier" pitchFamily="2" charset="0"/>
-              </a:rPr>
-              <a:t>syslog</a:t>
-            </a:r>
-            <a:r>
-              <a:rPr lang="de-DE" sz="1100" dirty="0">
-                <a:latin typeface="Courier" pitchFamily="2" charset="0"/>
-              </a:rPr>
-              <a:t> </a:t>
-            </a:r>
-            <a:r>
-              <a:rPr lang="de-DE" sz="1100" dirty="0" err="1">
-                <a:latin typeface="Courier" pitchFamily="2" charset="0"/>
-              </a:rPr>
-              <a:t>server</a:t>
-            </a:r>
-            <a:br>
-              <a:rPr lang="de-DE" sz="1100" dirty="0">
-                <a:latin typeface="Courier" pitchFamily="2" charset="0"/>
-              </a:rPr>
-            </a:br>
-            <a:r>
-              <a:rPr lang="de-DE" sz="1100" dirty="0" err="1">
-                <a:latin typeface="Courier" pitchFamily="2" charset="0"/>
-              </a:rPr>
-              <a:t>syslog_facility</a:t>
-            </a:r>
-            <a:r>
-              <a:rPr lang="de-DE" sz="1100" dirty="0">
-                <a:latin typeface="Courier" pitchFamily="2" charset="0"/>
-              </a:rPr>
-              <a:t>: </a:t>
-            </a:r>
-            <a:r>
-              <a:rPr lang="de-DE" sz="1100" dirty="0" err="1">
-                <a:latin typeface="Courier" pitchFamily="2" charset="0"/>
-              </a:rPr>
-              <a:t>user</a:t>
-            </a:r>
-            <a:r>
-              <a:rPr lang="de-DE" sz="1100" dirty="0">
-                <a:latin typeface="Courier" pitchFamily="2" charset="0"/>
-              </a:rPr>
-              <a:t>      # </a:t>
-            </a:r>
-            <a:r>
-              <a:rPr lang="de-DE" sz="1100" dirty="0" err="1">
-                <a:latin typeface="Courier" pitchFamily="2" charset="0"/>
-              </a:rPr>
-              <a:t>Syslog</a:t>
-            </a:r>
-            <a:r>
-              <a:rPr lang="de-DE" sz="1100" dirty="0">
-                <a:latin typeface="Courier" pitchFamily="2" charset="0"/>
-              </a:rPr>
-              <a:t> </a:t>
-            </a:r>
-            <a:r>
-              <a:rPr lang="de-DE" sz="1100" dirty="0" err="1">
-                <a:latin typeface="Courier" pitchFamily="2" charset="0"/>
-              </a:rPr>
-              <a:t>facility</a:t>
-            </a:r>
-            <a:r>
-              <a:rPr lang="de-DE" sz="1100" dirty="0">
-                <a:latin typeface="Courier" pitchFamily="2" charset="0"/>
-              </a:rPr>
-              <a:t> </a:t>
-            </a:r>
-            <a:r>
-              <a:rPr lang="de-DE" sz="1100" dirty="0" err="1">
-                <a:latin typeface="Courier" pitchFamily="2" charset="0"/>
-              </a:rPr>
-              <a:t>name</a:t>
-            </a:r>
+              <a:t> '</a:t>
+            </a:r>
+            <a:r>
+              <a:rPr lang="de-DE" sz="1100" dirty="0" err="1">
+                <a:latin typeface="Courier" pitchFamily="2" charset="0"/>
+              </a:rPr>
+              <a:t>asctime</a:t>
+            </a:r>
+            <a:r>
+              <a:rPr lang="de-DE" sz="1100" dirty="0">
+                <a:latin typeface="Courier" pitchFamily="2" charset="0"/>
+              </a:rPr>
+              <a:t>' </a:t>
+            </a:r>
+            <a:r>
+              <a:rPr lang="de-DE" sz="1100" dirty="0" err="1">
+                <a:latin typeface="Courier" pitchFamily="2" charset="0"/>
+              </a:rPr>
+              <a:t>field</a:t>
+            </a:r>
+            <a:r>
+              <a:rPr lang="de-DE" sz="1100" dirty="0">
+                <a:latin typeface="Courier" pitchFamily="2" charset="0"/>
+              </a:rPr>
+              <a:t> in log </a:t>
+            </a:r>
+            <a:r>
+              <a:rPr lang="de-DE" sz="1100" dirty="0" err="1">
+                <a:latin typeface="Courier" pitchFamily="2" charset="0"/>
+              </a:rPr>
+              <a:t>message</a:t>
+            </a:r>
+            <a:br>
+              <a:rPr lang="de-DE" sz="1100" dirty="0">
+                <a:latin typeface="Courier" pitchFamily="2" charset="0"/>
+              </a:rPr>
+            </a:br>
             <a:endParaRPr lang="de-DE" sz="1100" dirty="0">
               <a:latin typeface="Courier" pitchFamily="2" charset="0"/>
             </a:endParaRPr>
@@ -5640,7 +7026,7 @@
         <p:spPr>
           <a:xfrm>
             <a:off x="457200" y="930442"/>
-            <a:ext cx="8329749" cy="4468873"/>
+            <a:ext cx="8456064" cy="4468873"/>
           </a:xfrm>
         </p:spPr>
         <p:txBody>
@@ -5659,7 +7045,7 @@
               <a:rPr lang="de-DE" sz="1100" dirty="0">
                 <a:latin typeface="Courier" pitchFamily="2" charset="0"/>
               </a:rPr>
-              <a:t># Format </a:t>
+              <a:t># List </a:t>
             </a:r>
             <a:r>
               <a:rPr lang="de-DE" sz="1100" dirty="0" err="1">
@@ -5677,36 +7063,786 @@
               <a:rPr lang="de-DE" sz="1100" dirty="0" err="1">
                 <a:latin typeface="Courier" pitchFamily="2" charset="0"/>
               </a:rPr>
+              <a:t>forwardings</a:t>
+            </a:r>
+            <a:r>
+              <a:rPr lang="de-DE" sz="1100" dirty="0">
+                <a:latin typeface="Courier" pitchFamily="2" charset="0"/>
+              </a:rPr>
+              <a:t>.</a:t>
+            </a:r>
+            <a:br>
+              <a:rPr lang="de-DE" sz="1100" dirty="0">
+                <a:latin typeface="Courier" pitchFamily="2" charset="0"/>
+              </a:rPr>
+            </a:br>
+            <a:r>
+              <a:rPr lang="de-DE" sz="1100" dirty="0">
+                <a:latin typeface="Courier" pitchFamily="2" charset="0"/>
+              </a:rPr>
+              <a:t># A log </a:t>
+            </a:r>
+            <a:r>
+              <a:rPr lang="de-DE" sz="1100" dirty="0" err="1">
+                <a:latin typeface="Courier" pitchFamily="2" charset="0"/>
+              </a:rPr>
+              <a:t>forwarding</a:t>
+            </a:r>
+            <a:r>
+              <a:rPr lang="de-DE" sz="1100" dirty="0">
+                <a:latin typeface="Courier" pitchFamily="2" charset="0"/>
+              </a:rPr>
+              <a:t> </a:t>
+            </a:r>
+            <a:r>
+              <a:rPr lang="de-DE" sz="1100" dirty="0" err="1">
+                <a:latin typeface="Courier" pitchFamily="2" charset="0"/>
+              </a:rPr>
+              <a:t>defines</a:t>
+            </a:r>
+            <a:r>
+              <a:rPr lang="de-DE" sz="1100" dirty="0">
+                <a:latin typeface="Courier" pitchFamily="2" charset="0"/>
+              </a:rPr>
+              <a:t> a </a:t>
+            </a:r>
+            <a:r>
+              <a:rPr lang="de-DE" sz="1100" dirty="0" err="1">
+                <a:latin typeface="Courier" pitchFamily="2" charset="0"/>
+              </a:rPr>
+              <a:t>set</a:t>
+            </a:r>
+            <a:r>
+              <a:rPr lang="de-DE" sz="1100" dirty="0">
+                <a:latin typeface="Courier" pitchFamily="2" charset="0"/>
+              </a:rPr>
+              <a:t> </a:t>
+            </a:r>
+            <a:r>
+              <a:rPr lang="de-DE" sz="1100" dirty="0" err="1">
+                <a:latin typeface="Courier" pitchFamily="2" charset="0"/>
+              </a:rPr>
+              <a:t>of</a:t>
+            </a:r>
+            <a:r>
+              <a:rPr lang="de-DE" sz="1100" dirty="0">
+                <a:latin typeface="Courier" pitchFamily="2" charset="0"/>
+              </a:rPr>
+              <a:t> </a:t>
+            </a:r>
+            <a:r>
+              <a:rPr lang="de-DE" sz="1100" dirty="0" err="1">
+                <a:latin typeface="Courier" pitchFamily="2" charset="0"/>
+              </a:rPr>
+              <a:t>logs</a:t>
+            </a:r>
+            <a:r>
+              <a:rPr lang="de-DE" sz="1100" dirty="0">
+                <a:latin typeface="Courier" pitchFamily="2" charset="0"/>
+              </a:rPr>
+              <a:t> </a:t>
+            </a:r>
+            <a:r>
+              <a:rPr lang="de-DE" sz="1100" dirty="0" err="1">
+                <a:latin typeface="Courier" pitchFamily="2" charset="0"/>
+              </a:rPr>
+              <a:t>to</a:t>
+            </a:r>
+            <a:r>
+              <a:rPr lang="de-DE" sz="1100" dirty="0">
+                <a:latin typeface="Courier" pitchFamily="2" charset="0"/>
+              </a:rPr>
+              <a:t> </a:t>
+            </a:r>
+            <a:r>
+              <a:rPr lang="de-DE" sz="1100" dirty="0" err="1">
+                <a:latin typeface="Courier" pitchFamily="2" charset="0"/>
+              </a:rPr>
+              <a:t>collect</a:t>
+            </a:r>
+            <a:r>
+              <a:rPr lang="de-DE" sz="1100" dirty="0">
+                <a:latin typeface="Courier" pitchFamily="2" charset="0"/>
+              </a:rPr>
+              <a:t> </a:t>
+            </a:r>
+            <a:r>
+              <a:rPr lang="de-DE" sz="1100" dirty="0" err="1">
+                <a:latin typeface="Courier" pitchFamily="2" charset="0"/>
+              </a:rPr>
+              <a:t>and</a:t>
+            </a:r>
+            <a:r>
+              <a:rPr lang="de-DE" sz="1100" dirty="0">
+                <a:latin typeface="Courier" pitchFamily="2" charset="0"/>
+              </a:rPr>
+              <a:t> a </a:t>
+            </a:r>
+            <a:r>
+              <a:rPr lang="de-DE" sz="1100" dirty="0" err="1">
+                <a:latin typeface="Courier" pitchFamily="2" charset="0"/>
+              </a:rPr>
+              <a:t>destination</a:t>
+            </a:r>
+            <a:r>
+              <a:rPr lang="de-DE" sz="1100" dirty="0">
+                <a:latin typeface="Courier" pitchFamily="2" charset="0"/>
+              </a:rPr>
+              <a:t> </a:t>
+            </a:r>
+            <a:r>
+              <a:rPr lang="de-DE" sz="1100" dirty="0" err="1">
+                <a:latin typeface="Courier" pitchFamily="2" charset="0"/>
+              </a:rPr>
+              <a:t>to</a:t>
+            </a:r>
+            <a:r>
+              <a:rPr lang="de-DE" sz="1100" dirty="0">
+                <a:latin typeface="Courier" pitchFamily="2" charset="0"/>
+              </a:rPr>
+              <a:t> </a:t>
+            </a:r>
+            <a:r>
+              <a:rPr lang="de-DE" sz="1100" dirty="0" err="1">
+                <a:latin typeface="Courier" pitchFamily="2" charset="0"/>
+              </a:rPr>
+              <a:t>forward</a:t>
+            </a:r>
+            <a:r>
+              <a:rPr lang="de-DE" sz="1100" dirty="0">
+                <a:latin typeface="Courier" pitchFamily="2" charset="0"/>
+              </a:rPr>
+              <a:t> </a:t>
+            </a:r>
+            <a:r>
+              <a:rPr lang="de-DE" sz="1100" dirty="0" err="1">
+                <a:latin typeface="Courier" pitchFamily="2" charset="0"/>
+              </a:rPr>
+              <a:t>them</a:t>
+            </a:r>
+            <a:r>
+              <a:rPr lang="de-DE" sz="1100" dirty="0">
+                <a:latin typeface="Courier" pitchFamily="2" charset="0"/>
+              </a:rPr>
+              <a:t> </a:t>
+            </a:r>
+            <a:r>
+              <a:rPr lang="de-DE" sz="1100" dirty="0" err="1">
+                <a:latin typeface="Courier" pitchFamily="2" charset="0"/>
+              </a:rPr>
+              <a:t>to</a:t>
+            </a:r>
+            <a:r>
+              <a:rPr lang="de-DE" sz="1100" dirty="0">
+                <a:latin typeface="Courier" pitchFamily="2" charset="0"/>
+              </a:rPr>
+              <a:t>.</a:t>
+            </a:r>
+            <a:br>
+              <a:rPr lang="de-DE" sz="1100" dirty="0">
+                <a:latin typeface="Courier" pitchFamily="2" charset="0"/>
+              </a:rPr>
+            </a:br>
+            <a:br>
+              <a:rPr lang="de-DE" sz="1100" dirty="0">
+                <a:latin typeface="Courier" pitchFamily="2" charset="0"/>
+              </a:rPr>
+            </a:br>
+            <a:r>
+              <a:rPr lang="de-DE" sz="1100" dirty="0" err="1">
+                <a:latin typeface="Courier" pitchFamily="2" charset="0"/>
+              </a:rPr>
+              <a:t>forwardings</a:t>
+            </a:r>
+            <a:r>
+              <a:rPr lang="de-DE" sz="1100" dirty="0">
+                <a:latin typeface="Courier" pitchFamily="2" charset="0"/>
+              </a:rPr>
+              <a:t>:</a:t>
+            </a:r>
+            <a:br>
+              <a:rPr lang="de-DE" sz="1100" dirty="0">
+                <a:latin typeface="Courier" pitchFamily="2" charset="0"/>
+              </a:rPr>
+            </a:br>
+            <a:br>
+              <a:rPr lang="de-DE" sz="1100" dirty="0">
+                <a:latin typeface="Courier" pitchFamily="2" charset="0"/>
+              </a:rPr>
+            </a:br>
+            <a:r>
+              <a:rPr lang="de-DE" sz="1100" dirty="0">
+                <a:latin typeface="Courier" pitchFamily="2" charset="0"/>
+              </a:rPr>
+              <a:t>- </a:t>
+            </a:r>
+            <a:r>
+              <a:rPr lang="de-DE" sz="1100" dirty="0" err="1">
+                <a:latin typeface="Courier" pitchFamily="2" charset="0"/>
+              </a:rPr>
+              <a:t>name</a:t>
+            </a:r>
+            <a:r>
+              <a:rPr lang="de-DE" sz="1100" dirty="0">
+                <a:latin typeface="Courier" pitchFamily="2" charset="0"/>
+              </a:rPr>
+              <a:t>: </a:t>
+            </a:r>
+            <a:r>
+              <a:rPr lang="de-DE" sz="1100" dirty="0" err="1">
+                <a:latin typeface="Courier" pitchFamily="2" charset="0"/>
+              </a:rPr>
+              <a:t>Example</a:t>
+            </a:r>
+            <a:r>
+              <a:rPr lang="de-DE" sz="1100" dirty="0">
+                <a:latin typeface="Courier" pitchFamily="2" charset="0"/>
+              </a:rPr>
+              <a:t> </a:t>
+            </a:r>
+            <a:r>
+              <a:rPr lang="de-DE" sz="1100" dirty="0" err="1">
+                <a:latin typeface="Courier" pitchFamily="2" charset="0"/>
+              </a:rPr>
+              <a:t>forwarding</a:t>
+            </a:r>
+            <a:r>
+              <a:rPr lang="de-DE" sz="1100" dirty="0">
+                <a:latin typeface="Courier" pitchFamily="2" charset="0"/>
+              </a:rPr>
+              <a:t>   # Name </a:t>
+            </a:r>
+            <a:r>
+              <a:rPr lang="de-DE" sz="1100" dirty="0" err="1">
+                <a:latin typeface="Courier" pitchFamily="2" charset="0"/>
+              </a:rPr>
+              <a:t>of</a:t>
+            </a:r>
+            <a:r>
+              <a:rPr lang="de-DE" sz="1100" dirty="0">
+                <a:latin typeface="Courier" pitchFamily="2" charset="0"/>
+              </a:rPr>
+              <a:t> </a:t>
+            </a:r>
+            <a:r>
+              <a:rPr lang="de-DE" sz="1100" dirty="0" err="1">
+                <a:latin typeface="Courier" pitchFamily="2" charset="0"/>
+              </a:rPr>
+              <a:t>the</a:t>
+            </a:r>
+            <a:r>
+              <a:rPr lang="de-DE" sz="1100" dirty="0">
+                <a:latin typeface="Courier" pitchFamily="2" charset="0"/>
+              </a:rPr>
+              <a:t> </a:t>
+            </a:r>
+            <a:r>
+              <a:rPr lang="de-DE" sz="1100" dirty="0" err="1">
+                <a:latin typeface="Courier" pitchFamily="2" charset="0"/>
+              </a:rPr>
+              <a:t>forwarding</a:t>
+            </a:r>
+            <a:br>
+              <a:rPr lang="de-DE" sz="1100" dirty="0">
+                <a:latin typeface="Courier" pitchFamily="2" charset="0"/>
+              </a:rPr>
+            </a:br>
+            <a:r>
+              <a:rPr lang="de-DE" sz="1100" dirty="0">
+                <a:latin typeface="Courier" pitchFamily="2" charset="0"/>
+              </a:rPr>
+              <a:t>  </a:t>
+            </a:r>
+            <a:r>
+              <a:rPr lang="de-DE" sz="1100" dirty="0" err="1">
+                <a:latin typeface="Courier" pitchFamily="2" charset="0"/>
+              </a:rPr>
+              <a:t>logs</a:t>
+            </a:r>
+            <a:r>
+              <a:rPr lang="de-DE" sz="1100" dirty="0">
+                <a:latin typeface="Courier" pitchFamily="2" charset="0"/>
+              </a:rPr>
+              <a:t>: [</a:t>
+            </a:r>
+            <a:r>
+              <a:rPr lang="de-DE" sz="1100" dirty="0" err="1">
+                <a:latin typeface="Courier" pitchFamily="2" charset="0"/>
+              </a:rPr>
+              <a:t>security</a:t>
+            </a:r>
+            <a:r>
+              <a:rPr lang="de-DE" sz="1100" dirty="0">
+                <a:latin typeface="Courier" pitchFamily="2" charset="0"/>
+              </a:rPr>
+              <a:t>, </a:t>
+            </a:r>
+            <a:r>
+              <a:rPr lang="de-DE" sz="1100" dirty="0" err="1">
+                <a:latin typeface="Courier" pitchFamily="2" charset="0"/>
+              </a:rPr>
+              <a:t>audit</a:t>
+            </a:r>
+            <a:r>
+              <a:rPr lang="de-DE" sz="1100" dirty="0">
+                <a:latin typeface="Courier" pitchFamily="2" charset="0"/>
+              </a:rPr>
+              <a:t>]    # List </a:t>
+            </a:r>
+            <a:r>
+              <a:rPr lang="de-DE" sz="1100" dirty="0" err="1">
+                <a:latin typeface="Courier" pitchFamily="2" charset="0"/>
+              </a:rPr>
+              <a:t>of</a:t>
+            </a:r>
+            <a:r>
+              <a:rPr lang="de-DE" sz="1100" dirty="0">
+                <a:latin typeface="Courier" pitchFamily="2" charset="0"/>
+              </a:rPr>
+              <a:t> log </a:t>
+            </a:r>
+            <a:r>
+              <a:rPr lang="de-DE" sz="1100" dirty="0" err="1">
+                <a:latin typeface="Courier" pitchFamily="2" charset="0"/>
+              </a:rPr>
+              <a:t>types</a:t>
+            </a:r>
+            <a:r>
+              <a:rPr lang="de-DE" sz="1100" dirty="0">
+                <a:latin typeface="Courier" pitchFamily="2" charset="0"/>
+              </a:rPr>
+              <a:t> </a:t>
+            </a:r>
+            <a:r>
+              <a:rPr lang="de-DE" sz="1100" dirty="0" err="1">
+                <a:latin typeface="Courier" pitchFamily="2" charset="0"/>
+              </a:rPr>
+              <a:t>to</a:t>
+            </a:r>
+            <a:r>
+              <a:rPr lang="de-DE" sz="1100" dirty="0">
+                <a:latin typeface="Courier" pitchFamily="2" charset="0"/>
+              </a:rPr>
+              <a:t> </a:t>
+            </a:r>
+            <a:r>
+              <a:rPr lang="de-DE" sz="1100" dirty="0" err="1">
+                <a:latin typeface="Courier" pitchFamily="2" charset="0"/>
+              </a:rPr>
+              <a:t>include</a:t>
+            </a:r>
+            <a:br>
+              <a:rPr lang="de-DE" sz="1100" dirty="0">
+                <a:latin typeface="Courier" pitchFamily="2" charset="0"/>
+              </a:rPr>
+            </a:br>
+            <a:r>
+              <a:rPr lang="de-DE" sz="1100" dirty="0">
+                <a:latin typeface="Courier" pitchFamily="2" charset="0"/>
+              </a:rPr>
+              <a:t>  </a:t>
+            </a:r>
+            <a:r>
+              <a:rPr lang="de-DE" sz="1100" dirty="0" err="1">
+                <a:latin typeface="Courier" pitchFamily="2" charset="0"/>
+              </a:rPr>
+              <a:t>dest</a:t>
+            </a:r>
+            <a:r>
+              <a:rPr lang="de-DE" sz="1100" dirty="0">
+                <a:latin typeface="Courier" pitchFamily="2" charset="0"/>
+              </a:rPr>
+              <a:t>: </a:t>
+            </a:r>
+            <a:r>
+              <a:rPr lang="de-DE" sz="1100" dirty="0" err="1">
+                <a:latin typeface="Courier" pitchFamily="2" charset="0"/>
+              </a:rPr>
+              <a:t>syslog</a:t>
+            </a:r>
+            <a:r>
+              <a:rPr lang="de-DE" sz="1100" dirty="0">
+                <a:latin typeface="Courier" pitchFamily="2" charset="0"/>
+              </a:rPr>
+              <a:t>               # Destination </a:t>
+            </a:r>
+            <a:r>
+              <a:rPr lang="de-DE" sz="1100" dirty="0" err="1">
+                <a:latin typeface="Courier" pitchFamily="2" charset="0"/>
+              </a:rPr>
+              <a:t>for</a:t>
+            </a:r>
+            <a:r>
+              <a:rPr lang="de-DE" sz="1100" dirty="0">
+                <a:latin typeface="Courier" pitchFamily="2" charset="0"/>
+              </a:rPr>
+              <a:t> </a:t>
+            </a:r>
+            <a:r>
+              <a:rPr lang="de-DE" sz="1100" dirty="0" err="1">
+                <a:latin typeface="Courier" pitchFamily="2" charset="0"/>
+              </a:rPr>
+              <a:t>the</a:t>
+            </a:r>
+            <a:r>
+              <a:rPr lang="de-DE" sz="1100" dirty="0">
+                <a:latin typeface="Courier" pitchFamily="2" charset="0"/>
+              </a:rPr>
+              <a:t> log </a:t>
+            </a:r>
+            <a:r>
+              <a:rPr lang="de-DE" sz="1100" dirty="0" err="1">
+                <a:latin typeface="Courier" pitchFamily="2" charset="0"/>
+              </a:rPr>
               <a:t>entries</a:t>
             </a:r>
             <a:r>
               <a:rPr lang="de-DE" sz="1100" dirty="0">
                 <a:latin typeface="Courier" pitchFamily="2" charset="0"/>
               </a:rPr>
-              <a:t> in </a:t>
-            </a:r>
-            <a:r>
-              <a:rPr lang="de-DE" sz="1100" dirty="0" err="1">
-                <a:latin typeface="Courier" pitchFamily="2" charset="0"/>
-              </a:rPr>
-              <a:t>output</a:t>
-            </a:r>
-            <a:r>
-              <a:rPr lang="de-DE" sz="1100" dirty="0">
-                <a:latin typeface="Courier" pitchFamily="2" charset="0"/>
-              </a:rPr>
-              <a:t>:</a:t>
-            </a:r>
-            <a:br>
-              <a:rPr lang="de-DE" sz="1100" dirty="0">
-                <a:latin typeface="Courier" pitchFamily="2" charset="0"/>
-              </a:rPr>
-            </a:br>
-            <a:br>
-              <a:rPr lang="de-DE" sz="1100" dirty="0">
-                <a:latin typeface="Courier" pitchFamily="2" charset="0"/>
-              </a:rPr>
-            </a:br>
+              <a:t>: </a:t>
+            </a:r>
+            <a:r>
+              <a:rPr lang="de-DE" sz="1100" dirty="0" err="1">
+                <a:latin typeface="Courier" pitchFamily="2" charset="0"/>
+              </a:rPr>
+              <a:t>stdout</a:t>
+            </a:r>
+            <a:r>
+              <a:rPr lang="de-DE" sz="1100" dirty="0">
+                <a:latin typeface="Courier" pitchFamily="2" charset="0"/>
+              </a:rPr>
+              <a:t>, </a:t>
+            </a:r>
+            <a:r>
+              <a:rPr lang="de-DE" sz="1100" dirty="0" err="1">
+                <a:latin typeface="Courier" pitchFamily="2" charset="0"/>
+              </a:rPr>
+              <a:t>stderr</a:t>
+            </a:r>
+            <a:r>
+              <a:rPr lang="de-DE" sz="1100" dirty="0">
+                <a:latin typeface="Courier" pitchFamily="2" charset="0"/>
+              </a:rPr>
+              <a:t>, </a:t>
+            </a:r>
+            <a:r>
+              <a:rPr lang="de-DE" sz="1100" dirty="0" err="1">
+                <a:latin typeface="Courier" pitchFamily="2" charset="0"/>
+              </a:rPr>
+              <a:t>syslog</a:t>
+            </a:r>
+            <a:br>
+              <a:rPr lang="de-DE" sz="1100" dirty="0">
+                <a:latin typeface="Courier" pitchFamily="2" charset="0"/>
+              </a:rPr>
+            </a:br>
+            <a:br>
+              <a:rPr lang="de-DE" sz="1100" dirty="0">
+                <a:latin typeface="Courier" pitchFamily="2" charset="0"/>
+              </a:rPr>
+            </a:br>
+            <a:r>
+              <a:rPr lang="de-DE" sz="1100" dirty="0">
+                <a:latin typeface="Courier" pitchFamily="2" charset="0"/>
+              </a:rPr>
+              <a:t>  </a:t>
+            </a:r>
+            <a:r>
+              <a:rPr lang="de-DE" sz="1100" dirty="0" err="1">
+                <a:latin typeface="Courier" pitchFamily="2" charset="0"/>
+              </a:rPr>
+              <a:t>syslog_host</a:t>
+            </a:r>
+            <a:r>
+              <a:rPr lang="de-DE" sz="1100" dirty="0">
+                <a:latin typeface="Courier" pitchFamily="2" charset="0"/>
+              </a:rPr>
+              <a:t>: 10.11.12.14   # IP </a:t>
+            </a:r>
+            <a:r>
+              <a:rPr lang="de-DE" sz="1100" dirty="0" err="1">
+                <a:latin typeface="Courier" pitchFamily="2" charset="0"/>
+              </a:rPr>
+              <a:t>address</a:t>
+            </a:r>
+            <a:r>
+              <a:rPr lang="de-DE" sz="1100" dirty="0">
+                <a:latin typeface="Courier" pitchFamily="2" charset="0"/>
+              </a:rPr>
+              <a:t> </a:t>
+            </a:r>
+            <a:r>
+              <a:rPr lang="de-DE" sz="1100" dirty="0" err="1">
+                <a:latin typeface="Courier" pitchFamily="2" charset="0"/>
+              </a:rPr>
+              <a:t>or</a:t>
+            </a:r>
+            <a:r>
+              <a:rPr lang="de-DE" sz="1100" dirty="0">
+                <a:latin typeface="Courier" pitchFamily="2" charset="0"/>
+              </a:rPr>
+              <a:t> </a:t>
+            </a:r>
+            <a:r>
+              <a:rPr lang="de-DE" sz="1100" dirty="0" err="1">
+                <a:latin typeface="Courier" pitchFamily="2" charset="0"/>
+              </a:rPr>
+              <a:t>hostname</a:t>
+            </a:r>
+            <a:r>
+              <a:rPr lang="de-DE" sz="1100" dirty="0">
+                <a:latin typeface="Courier" pitchFamily="2" charset="0"/>
+              </a:rPr>
+              <a:t> </a:t>
+            </a:r>
+            <a:r>
+              <a:rPr lang="de-DE" sz="1100" dirty="0" err="1">
+                <a:latin typeface="Courier" pitchFamily="2" charset="0"/>
+              </a:rPr>
+              <a:t>of</a:t>
+            </a:r>
+            <a:r>
+              <a:rPr lang="de-DE" sz="1100" dirty="0">
+                <a:latin typeface="Courier" pitchFamily="2" charset="0"/>
+              </a:rPr>
+              <a:t> remote </a:t>
+            </a:r>
+            <a:r>
+              <a:rPr lang="de-DE" sz="1100" dirty="0" err="1">
+                <a:latin typeface="Courier" pitchFamily="2" charset="0"/>
+              </a:rPr>
+              <a:t>syslog</a:t>
+            </a:r>
+            <a:r>
+              <a:rPr lang="de-DE" sz="1100" dirty="0">
+                <a:latin typeface="Courier" pitchFamily="2" charset="0"/>
+              </a:rPr>
+              <a:t> </a:t>
+            </a:r>
+            <a:r>
+              <a:rPr lang="de-DE" sz="1100" dirty="0" err="1">
+                <a:latin typeface="Courier" pitchFamily="2" charset="0"/>
+              </a:rPr>
+              <a:t>server</a:t>
+            </a:r>
+            <a:br>
+              <a:rPr lang="de-DE" sz="1100" dirty="0">
+                <a:latin typeface="Courier" pitchFamily="2" charset="0"/>
+              </a:rPr>
+            </a:br>
+            <a:r>
+              <a:rPr lang="de-DE" sz="1100" dirty="0">
+                <a:latin typeface="Courier" pitchFamily="2" charset="0"/>
+              </a:rPr>
+              <a:t>  </a:t>
+            </a:r>
+            <a:r>
+              <a:rPr lang="de-DE" sz="1100" dirty="0" err="1">
+                <a:latin typeface="Courier" pitchFamily="2" charset="0"/>
+              </a:rPr>
+              <a:t>syslog_port</a:t>
+            </a:r>
+            <a:r>
+              <a:rPr lang="de-DE" sz="1100" dirty="0">
+                <a:latin typeface="Courier" pitchFamily="2" charset="0"/>
+              </a:rPr>
+              <a:t>: 514           # Port </a:t>
+            </a:r>
+            <a:r>
+              <a:rPr lang="de-DE" sz="1100" dirty="0" err="1">
+                <a:latin typeface="Courier" pitchFamily="2" charset="0"/>
+              </a:rPr>
+              <a:t>number</a:t>
+            </a:r>
+            <a:r>
+              <a:rPr lang="de-DE" sz="1100" dirty="0">
+                <a:latin typeface="Courier" pitchFamily="2" charset="0"/>
+              </a:rPr>
+              <a:t> </a:t>
+            </a:r>
+            <a:r>
+              <a:rPr lang="de-DE" sz="1100" dirty="0" err="1">
+                <a:latin typeface="Courier" pitchFamily="2" charset="0"/>
+              </a:rPr>
+              <a:t>of</a:t>
+            </a:r>
+            <a:r>
+              <a:rPr lang="de-DE" sz="1100" dirty="0">
+                <a:latin typeface="Courier" pitchFamily="2" charset="0"/>
+              </a:rPr>
+              <a:t> remote </a:t>
+            </a:r>
+            <a:r>
+              <a:rPr lang="de-DE" sz="1100" dirty="0" err="1">
+                <a:latin typeface="Courier" pitchFamily="2" charset="0"/>
+              </a:rPr>
+              <a:t>syslog</a:t>
+            </a:r>
+            <a:r>
+              <a:rPr lang="de-DE" sz="1100" dirty="0">
+                <a:latin typeface="Courier" pitchFamily="2" charset="0"/>
+              </a:rPr>
+              <a:t> </a:t>
+            </a:r>
+            <a:r>
+              <a:rPr lang="de-DE" sz="1100" dirty="0" err="1">
+                <a:latin typeface="Courier" pitchFamily="2" charset="0"/>
+              </a:rPr>
+              <a:t>server</a:t>
+            </a:r>
+            <a:br>
+              <a:rPr lang="de-DE" sz="1100" dirty="0">
+                <a:latin typeface="Courier" pitchFamily="2" charset="0"/>
+              </a:rPr>
+            </a:br>
+            <a:r>
+              <a:rPr lang="de-DE" sz="1100" dirty="0">
+                <a:latin typeface="Courier" pitchFamily="2" charset="0"/>
+              </a:rPr>
+              <a:t>  </a:t>
+            </a:r>
+            <a:r>
+              <a:rPr lang="de-DE" sz="1100" dirty="0" err="1">
+                <a:latin typeface="Courier" pitchFamily="2" charset="0"/>
+              </a:rPr>
+              <a:t>syslog_porttype</a:t>
+            </a:r>
+            <a:r>
+              <a:rPr lang="de-DE" sz="1100" dirty="0">
+                <a:latin typeface="Courier" pitchFamily="2" charset="0"/>
+              </a:rPr>
+              <a:t>: </a:t>
+            </a:r>
+            <a:r>
+              <a:rPr lang="de-DE" sz="1100" dirty="0" err="1">
+                <a:latin typeface="Courier" pitchFamily="2" charset="0"/>
+              </a:rPr>
+              <a:t>udp</a:t>
+            </a:r>
+            <a:r>
+              <a:rPr lang="de-DE" sz="1100" dirty="0">
+                <a:latin typeface="Courier" pitchFamily="2" charset="0"/>
+              </a:rPr>
+              <a:t>       # Port type </a:t>
+            </a:r>
+            <a:r>
+              <a:rPr lang="de-DE" sz="1100" dirty="0" err="1">
+                <a:latin typeface="Courier" pitchFamily="2" charset="0"/>
+              </a:rPr>
+              <a:t>of</a:t>
+            </a:r>
+            <a:r>
+              <a:rPr lang="de-DE" sz="1100" dirty="0">
+                <a:latin typeface="Courier" pitchFamily="2" charset="0"/>
+              </a:rPr>
+              <a:t> remote </a:t>
+            </a:r>
+            <a:r>
+              <a:rPr lang="de-DE" sz="1100" dirty="0" err="1">
+                <a:latin typeface="Courier" pitchFamily="2" charset="0"/>
+              </a:rPr>
+              <a:t>syslog</a:t>
+            </a:r>
+            <a:r>
+              <a:rPr lang="de-DE" sz="1100" dirty="0">
+                <a:latin typeface="Courier" pitchFamily="2" charset="0"/>
+              </a:rPr>
+              <a:t> </a:t>
+            </a:r>
+            <a:r>
+              <a:rPr lang="de-DE" sz="1100" dirty="0" err="1">
+                <a:latin typeface="Courier" pitchFamily="2" charset="0"/>
+              </a:rPr>
+              <a:t>server</a:t>
+            </a:r>
+            <a:br>
+              <a:rPr lang="de-DE" sz="1100" dirty="0">
+                <a:latin typeface="Courier" pitchFamily="2" charset="0"/>
+              </a:rPr>
+            </a:br>
+            <a:r>
+              <a:rPr lang="de-DE" sz="1100" dirty="0">
+                <a:latin typeface="Courier" pitchFamily="2" charset="0"/>
+              </a:rPr>
+              <a:t>  </a:t>
+            </a:r>
+            <a:r>
+              <a:rPr lang="de-DE" sz="1100" dirty="0" err="1">
+                <a:latin typeface="Courier" pitchFamily="2" charset="0"/>
+              </a:rPr>
+              <a:t>syslog_facility</a:t>
+            </a:r>
+            <a:r>
+              <a:rPr lang="de-DE" sz="1100" dirty="0">
+                <a:latin typeface="Courier" pitchFamily="2" charset="0"/>
+              </a:rPr>
+              <a:t>: </a:t>
+            </a:r>
+            <a:r>
+              <a:rPr lang="de-DE" sz="1100" dirty="0" err="1">
+                <a:latin typeface="Courier" pitchFamily="2" charset="0"/>
+              </a:rPr>
+              <a:t>user</a:t>
+            </a:r>
+            <a:r>
+              <a:rPr lang="de-DE" sz="1100" dirty="0">
+                <a:latin typeface="Courier" pitchFamily="2" charset="0"/>
+              </a:rPr>
+              <a:t>      # </a:t>
+            </a:r>
+            <a:r>
+              <a:rPr lang="de-DE" sz="1100" dirty="0" err="1">
+                <a:latin typeface="Courier" pitchFamily="2" charset="0"/>
+              </a:rPr>
+              <a:t>Syslog</a:t>
+            </a:r>
+            <a:r>
+              <a:rPr lang="de-DE" sz="1100" dirty="0">
+                <a:latin typeface="Courier" pitchFamily="2" charset="0"/>
+              </a:rPr>
+              <a:t> </a:t>
+            </a:r>
+            <a:r>
+              <a:rPr lang="de-DE" sz="1100" dirty="0" err="1">
+                <a:latin typeface="Courier" pitchFamily="2" charset="0"/>
+              </a:rPr>
+              <a:t>facility</a:t>
+            </a:r>
+            <a:r>
+              <a:rPr lang="de-DE" sz="1100" dirty="0">
+                <a:latin typeface="Courier" pitchFamily="2" charset="0"/>
+              </a:rPr>
+              <a:t> </a:t>
+            </a:r>
+            <a:r>
+              <a:rPr lang="de-DE" sz="1100" dirty="0" err="1">
+                <a:latin typeface="Courier" pitchFamily="2" charset="0"/>
+              </a:rPr>
+              <a:t>name</a:t>
+            </a:r>
+            <a:r>
+              <a:rPr lang="de-DE" sz="1100" dirty="0">
+                <a:latin typeface="Courier" pitchFamily="2" charset="0"/>
+              </a:rPr>
+              <a:t> </a:t>
+            </a:r>
+            <a:br>
+              <a:rPr lang="de-DE" sz="1100" dirty="0">
+                <a:latin typeface="Courier" pitchFamily="2" charset="0"/>
+              </a:rPr>
+            </a:br>
+            <a:br>
+              <a:rPr lang="de-DE" sz="1100" dirty="0">
+                <a:latin typeface="Courier" pitchFamily="2" charset="0"/>
+              </a:rPr>
+            </a:br>
+            <a:r>
+              <a:rPr lang="de-DE" sz="1100" dirty="0">
+                <a:latin typeface="Courier" pitchFamily="2" charset="0"/>
+              </a:rPr>
+              <a:t>  </a:t>
+            </a:r>
             <a:r>
               <a:rPr lang="de-DE" sz="1100" dirty="0" err="1">
                 <a:latin typeface="Courier" pitchFamily="2" charset="0"/>
@@ -5729,7 +7865,7 @@
               <a:rPr lang="de-DE" sz="1100" dirty="0">
                 <a:latin typeface="Courier" pitchFamily="2" charset="0"/>
               </a:rPr>
-              <a:t>} {type:8} {name:12} {</a:t>
+              <a:t>} {log:8} {name:12} {</a:t>
             </a:r>
             <a:r>
               <a:rPr lang="de-DE" sz="1100" dirty="0" err="1">
@@ -5753,13 +7889,37 @@
               <a:rPr lang="de-DE" sz="1100" dirty="0">
                 <a:latin typeface="Courier" pitchFamily="2" charset="0"/>
               </a:rPr>
-              <a:t>}'</a:t>
-            </a:r>
-            <a:br>
-              <a:rPr lang="de-DE" sz="1100" dirty="0">
-                <a:latin typeface="Courier" pitchFamily="2" charset="0"/>
-              </a:rPr>
-            </a:br>
+              <a:t>}'  # Log </a:t>
+            </a:r>
+            <a:r>
+              <a:rPr lang="de-DE" sz="1100" dirty="0" err="1">
+                <a:latin typeface="Courier" pitchFamily="2" charset="0"/>
+              </a:rPr>
+              <a:t>message</a:t>
+            </a:r>
+            <a:r>
+              <a:rPr lang="de-DE" sz="1100" dirty="0">
+                <a:latin typeface="Courier" pitchFamily="2" charset="0"/>
+              </a:rPr>
+              <a:t> </a:t>
+            </a:r>
+            <a:r>
+              <a:rPr lang="de-DE" sz="1100" dirty="0" err="1">
+                <a:latin typeface="Courier" pitchFamily="2" charset="0"/>
+              </a:rPr>
+              <a:t>format</a:t>
+            </a:r>
+            <a:br>
+              <a:rPr lang="de-DE" sz="1100" dirty="0">
+                <a:latin typeface="Courier" pitchFamily="2" charset="0"/>
+              </a:rPr>
+            </a:br>
+            <a:r>
+              <a:rPr lang="de-DE" sz="1100" dirty="0">
+                <a:latin typeface="Courier" pitchFamily="2" charset="0"/>
+              </a:rPr>
+              <a:t>  </a:t>
+            </a:r>
             <a:r>
               <a:rPr lang="de-DE" sz="1100" dirty="0" err="1">
                 <a:latin typeface="Courier" pitchFamily="2" charset="0"/>
@@ -5782,7 +7942,7 @@
               <a:rPr lang="de-DE" sz="1100" dirty="0">
                 <a:latin typeface="Courier" pitchFamily="2" charset="0"/>
               </a:rPr>
-              <a:t>‘    # Format </a:t>
+              <a:t>'                                  # Format </a:t>
             </a:r>
             <a:r>
               <a:rPr lang="de-DE" sz="1100" dirty="0" err="1">
@@ -5795,324 +7955,6 @@
                 <a:latin typeface="Courier" pitchFamily="2" charset="0"/>
               </a:rPr>
               <a:t> 'time' </a:t>
-            </a:r>
-            <a:r>
-              <a:rPr lang="de-DE" sz="1100" dirty="0" err="1">
-                <a:latin typeface="Courier" pitchFamily="2" charset="0"/>
-              </a:rPr>
-              <a:t>output</a:t>
-            </a:r>
-            <a:r>
-              <a:rPr lang="de-DE" sz="1100" dirty="0">
-                <a:latin typeface="Courier" pitchFamily="2" charset="0"/>
-              </a:rPr>
-              <a:t> </a:t>
-            </a:r>
-            <a:r>
-              <a:rPr lang="de-DE" sz="1100" dirty="0" err="1">
-                <a:latin typeface="Courier" pitchFamily="2" charset="0"/>
-              </a:rPr>
-              <a:t>field</a:t>
-            </a:r>
-            <a:br>
-              <a:rPr lang="de-DE" sz="1100" dirty="0">
-                <a:latin typeface="Courier" pitchFamily="2" charset="0"/>
-              </a:rPr>
-            </a:br>
-            <a:br>
-              <a:rPr lang="de-DE" sz="1100" dirty="0">
-                <a:latin typeface="Courier" pitchFamily="2" charset="0"/>
-              </a:rPr>
-            </a:br>
-            <a:r>
-              <a:rPr lang="de-DE" sz="1100" dirty="0">
-                <a:latin typeface="Courier" pitchFamily="2" charset="0"/>
-              </a:rPr>
-              <a:t># </a:t>
-            </a:r>
-            <a:r>
-              <a:rPr lang="de-DE" sz="1100" dirty="0" err="1">
-                <a:latin typeface="Courier" pitchFamily="2" charset="0"/>
-              </a:rPr>
-              <a:t>Self-logging</a:t>
-            </a:r>
-            <a:r>
-              <a:rPr lang="de-DE" sz="1100" dirty="0">
-                <a:latin typeface="Courier" pitchFamily="2" charset="0"/>
-              </a:rPr>
-              <a:t> (log </a:t>
-            </a:r>
-            <a:r>
-              <a:rPr lang="de-DE" sz="1100" dirty="0" err="1">
-                <a:latin typeface="Courier" pitchFamily="2" charset="0"/>
-              </a:rPr>
-              <a:t>messages</a:t>
-            </a:r>
-            <a:r>
-              <a:rPr lang="de-DE" sz="1100" dirty="0">
-                <a:latin typeface="Courier" pitchFamily="2" charset="0"/>
-              </a:rPr>
-              <a:t> </a:t>
-            </a:r>
-            <a:r>
-              <a:rPr lang="de-DE" sz="1100" dirty="0" err="1">
-                <a:latin typeface="Courier" pitchFamily="2" charset="0"/>
-              </a:rPr>
-              <a:t>produced</a:t>
-            </a:r>
-            <a:r>
-              <a:rPr lang="de-DE" sz="1100" dirty="0">
-                <a:latin typeface="Courier" pitchFamily="2" charset="0"/>
-              </a:rPr>
-              <a:t> </a:t>
-            </a:r>
-            <a:r>
-              <a:rPr lang="de-DE" sz="1100" dirty="0" err="1">
-                <a:latin typeface="Courier" pitchFamily="2" charset="0"/>
-              </a:rPr>
-              <a:t>by</a:t>
-            </a:r>
-            <a:r>
-              <a:rPr lang="de-DE" sz="1100" dirty="0">
-                <a:latin typeface="Courier" pitchFamily="2" charset="0"/>
-              </a:rPr>
-              <a:t> </a:t>
-            </a:r>
-            <a:r>
-              <a:rPr lang="de-DE" sz="1100" dirty="0" err="1">
-                <a:latin typeface="Courier" pitchFamily="2" charset="0"/>
-              </a:rPr>
-              <a:t>the</a:t>
-            </a:r>
-            <a:r>
-              <a:rPr lang="de-DE" sz="1100" dirty="0">
-                <a:latin typeface="Courier" pitchFamily="2" charset="0"/>
-              </a:rPr>
-              <a:t> </a:t>
-            </a:r>
-            <a:r>
-              <a:rPr lang="de-DE" sz="1100" dirty="0" err="1">
-                <a:latin typeface="Courier" pitchFamily="2" charset="0"/>
-              </a:rPr>
-              <a:t>program</a:t>
-            </a:r>
-            <a:r>
-              <a:rPr lang="de-DE" sz="1100" dirty="0">
-                <a:latin typeface="Courier" pitchFamily="2" charset="0"/>
-              </a:rPr>
-              <a:t> </a:t>
-            </a:r>
-            <a:r>
-              <a:rPr lang="de-DE" sz="1100" dirty="0" err="1">
-                <a:latin typeface="Courier" pitchFamily="2" charset="0"/>
-              </a:rPr>
-              <a:t>itself</a:t>
-            </a:r>
-            <a:r>
-              <a:rPr lang="de-DE" sz="1100" dirty="0">
-                <a:latin typeface="Courier" pitchFamily="2" charset="0"/>
-              </a:rPr>
-              <a:t>):</a:t>
-            </a:r>
-            <a:br>
-              <a:rPr lang="de-DE" sz="1100" dirty="0">
-                <a:latin typeface="Courier" pitchFamily="2" charset="0"/>
-              </a:rPr>
-            </a:br>
-            <a:br>
-              <a:rPr lang="de-DE" sz="1100" dirty="0">
-                <a:latin typeface="Courier" pitchFamily="2" charset="0"/>
-              </a:rPr>
-            </a:br>
-            <a:r>
-              <a:rPr lang="de-DE" sz="1100" dirty="0" err="1">
-                <a:latin typeface="Courier" pitchFamily="2" charset="0"/>
-              </a:rPr>
-              <a:t>selflog_dest</a:t>
-            </a:r>
-            <a:r>
-              <a:rPr lang="de-DE" sz="1100" dirty="0">
-                <a:latin typeface="Courier" pitchFamily="2" charset="0"/>
-              </a:rPr>
-              <a:t>: </a:t>
-            </a:r>
-            <a:r>
-              <a:rPr lang="de-DE" sz="1100" dirty="0" err="1">
-                <a:latin typeface="Courier" pitchFamily="2" charset="0"/>
-              </a:rPr>
-              <a:t>stdout</a:t>
-            </a:r>
-            <a:r>
-              <a:rPr lang="de-DE" sz="1100" dirty="0">
-                <a:latin typeface="Courier" pitchFamily="2" charset="0"/>
-              </a:rPr>
-              <a:t>                           # Destination (</a:t>
-            </a:r>
-            <a:r>
-              <a:rPr lang="de-DE" sz="1100" dirty="0" err="1">
-                <a:latin typeface="Courier" pitchFamily="2" charset="0"/>
-              </a:rPr>
-              <a:t>stdout</a:t>
-            </a:r>
-            <a:r>
-              <a:rPr lang="de-DE" sz="1100" dirty="0">
-                <a:latin typeface="Courier" pitchFamily="2" charset="0"/>
-              </a:rPr>
-              <a:t>, </a:t>
-            </a:r>
-            <a:r>
-              <a:rPr lang="de-DE" sz="1100" dirty="0" err="1">
-                <a:latin typeface="Courier" pitchFamily="2" charset="0"/>
-              </a:rPr>
-              <a:t>stderr</a:t>
-            </a:r>
-            <a:r>
-              <a:rPr lang="de-DE" sz="1100" dirty="0">
-                <a:latin typeface="Courier" pitchFamily="2" charset="0"/>
-              </a:rPr>
-              <a:t>)</a:t>
-            </a:r>
-            <a:br>
-              <a:rPr lang="de-DE" sz="1100" dirty="0">
-                <a:latin typeface="Courier" pitchFamily="2" charset="0"/>
-              </a:rPr>
-            </a:br>
-            <a:r>
-              <a:rPr lang="de-DE" sz="1100" dirty="0" err="1">
-                <a:latin typeface="Courier" pitchFamily="2" charset="0"/>
-              </a:rPr>
-              <a:t>selflog_format</a:t>
-            </a:r>
-            <a:r>
-              <a:rPr lang="de-DE" sz="1100" dirty="0">
-                <a:latin typeface="Courier" pitchFamily="2" charset="0"/>
-              </a:rPr>
-              <a:t>: '%(</a:t>
-            </a:r>
-            <a:r>
-              <a:rPr lang="de-DE" sz="1100" dirty="0" err="1">
-                <a:latin typeface="Courier" pitchFamily="2" charset="0"/>
-              </a:rPr>
-              <a:t>levelname</a:t>
-            </a:r>
-            <a:r>
-              <a:rPr lang="de-DE" sz="1100" dirty="0">
-                <a:latin typeface="Courier" pitchFamily="2" charset="0"/>
-              </a:rPr>
-              <a:t>)s: %(</a:t>
-            </a:r>
-            <a:r>
-              <a:rPr lang="de-DE" sz="1100" dirty="0" err="1">
-                <a:latin typeface="Courier" pitchFamily="2" charset="0"/>
-              </a:rPr>
-              <a:t>message</a:t>
-            </a:r>
-            <a:r>
-              <a:rPr lang="de-DE" sz="1100" dirty="0">
-                <a:latin typeface="Courier" pitchFamily="2" charset="0"/>
-              </a:rPr>
-              <a:t>)</a:t>
-            </a:r>
-            <a:r>
-              <a:rPr lang="de-DE" sz="1100" dirty="0" err="1">
-                <a:latin typeface="Courier" pitchFamily="2" charset="0"/>
-              </a:rPr>
-              <a:t>s'</a:t>
-            </a:r>
-            <a:r>
-              <a:rPr lang="de-DE" sz="1100" dirty="0">
-                <a:latin typeface="Courier" pitchFamily="2" charset="0"/>
-              </a:rPr>
-              <a:t>   # Message </a:t>
-            </a:r>
-            <a:r>
-              <a:rPr lang="de-DE" sz="1100" dirty="0" err="1">
-                <a:latin typeface="Courier" pitchFamily="2" charset="0"/>
-              </a:rPr>
-              <a:t>format</a:t>
-            </a:r>
-            <a:r>
-              <a:rPr lang="de-DE" sz="1100" dirty="0">
-                <a:latin typeface="Courier" pitchFamily="2" charset="0"/>
-              </a:rPr>
-              <a:t> (Python </a:t>
-            </a:r>
-            <a:r>
-              <a:rPr lang="de-DE" sz="1100" dirty="0" err="1">
-                <a:latin typeface="Courier" pitchFamily="2" charset="0"/>
-              </a:rPr>
-              <a:t>logging</a:t>
-            </a:r>
-            <a:r>
-              <a:rPr lang="de-DE" sz="1100" dirty="0">
-                <a:latin typeface="Courier" pitchFamily="2" charset="0"/>
-              </a:rPr>
-              <a:t> </a:t>
-            </a:r>
-            <a:r>
-              <a:rPr lang="de-DE" sz="1100" dirty="0" err="1">
-                <a:latin typeface="Courier" pitchFamily="2" charset="0"/>
-              </a:rPr>
-              <a:t>placeholders</a:t>
-            </a:r>
-            <a:r>
-              <a:rPr lang="de-DE" sz="1100" dirty="0">
-                <a:latin typeface="Courier" pitchFamily="2" charset="0"/>
-              </a:rPr>
-              <a:t>)</a:t>
-            </a:r>
-            <a:br>
-              <a:rPr lang="de-DE" sz="1100" dirty="0">
-                <a:latin typeface="Courier" pitchFamily="2" charset="0"/>
-              </a:rPr>
-            </a:br>
-            <a:r>
-              <a:rPr lang="de-DE" sz="1100" dirty="0" err="1">
-                <a:latin typeface="Courier" pitchFamily="2" charset="0"/>
-              </a:rPr>
-              <a:t>selflog_time_format</a:t>
-            </a:r>
-            <a:r>
-              <a:rPr lang="de-DE" sz="1100" dirty="0">
-                <a:latin typeface="Courier" pitchFamily="2" charset="0"/>
-              </a:rPr>
-              <a:t>: '%Y-%m-%d %H:%M:%S.%</a:t>
-            </a:r>
-            <a:r>
-              <a:rPr lang="de-DE" sz="1100" dirty="0" err="1">
-                <a:latin typeface="Courier" pitchFamily="2" charset="0"/>
-              </a:rPr>
-              <a:t>f%z</a:t>
-            </a:r>
-            <a:r>
-              <a:rPr lang="de-DE" sz="1100" dirty="0">
-                <a:latin typeface="Courier" pitchFamily="2" charset="0"/>
-              </a:rPr>
-              <a:t>'  # Format </a:t>
-            </a:r>
-            <a:r>
-              <a:rPr lang="de-DE" sz="1100" dirty="0" err="1">
-                <a:latin typeface="Courier" pitchFamily="2" charset="0"/>
-              </a:rPr>
-              <a:t>for</a:t>
-            </a:r>
-            <a:r>
-              <a:rPr lang="de-DE" sz="1100" dirty="0">
-                <a:latin typeface="Courier" pitchFamily="2" charset="0"/>
-              </a:rPr>
-              <a:t> '</a:t>
-            </a:r>
-            <a:r>
-              <a:rPr lang="de-DE" sz="1100" dirty="0" err="1">
-                <a:latin typeface="Courier" pitchFamily="2" charset="0"/>
-              </a:rPr>
-              <a:t>asctime</a:t>
-            </a:r>
-            <a:r>
-              <a:rPr lang="de-DE" sz="1100" dirty="0">
-                <a:latin typeface="Courier" pitchFamily="2" charset="0"/>
-              </a:rPr>
-              <a:t>' </a:t>
             </a:r>
             <a:r>
               <a:rPr lang="de-DE" sz="1100" dirty="0" err="1">
@@ -6191,7 +8033,7 @@
                   <a:srgbClr val="000099"/>
                 </a:solidFill>
               </a:rPr>
-              <a:t>Output fields</a:t>
+              <a:t>Log message format</a:t>
             </a:r>
             <a:endParaRPr lang="de-DE" sz="2400" b="1" dirty="0"/>
           </a:p>
@@ -6237,31 +8079,7 @@
             </a:r>
             <a:r>
               <a:rPr lang="de-DE" sz="1200" dirty="0"/>
-              <a:t> (</a:t>
-            </a:r>
-            <a:r>
-              <a:rPr lang="de-DE" sz="1200" dirty="0" err="1"/>
-              <a:t>config</a:t>
-            </a:r>
-            <a:r>
-              <a:rPr lang="de-DE" sz="1200" dirty="0"/>
-              <a:t> </a:t>
-            </a:r>
-            <a:r>
-              <a:rPr lang="de-DE" sz="1200" dirty="0" err="1"/>
-              <a:t>file</a:t>
-            </a:r>
-            <a:r>
-              <a:rPr lang="de-DE" sz="1200" dirty="0"/>
-              <a:t> </a:t>
-            </a:r>
-            <a:r>
-              <a:rPr lang="de-DE" sz="1200" dirty="0" err="1"/>
-              <a:t>syntax</a:t>
-            </a:r>
-            <a:r>
-              <a:rPr lang="de-DE" sz="1200" dirty="0"/>
-              <a:t>):</a:t>
+              <a:t>:</a:t>
             </a:r>
             <a:br>
               <a:rPr lang="de-DE" sz="1100" dirty="0">
@@ -6301,7 +8119,7 @@
               <a:rPr lang="de-DE" sz="1100" dirty="0">
                 <a:latin typeface="Courier" pitchFamily="2" charset="0"/>
               </a:rPr>
-              <a:t>} {type:8} {name:12} {</a:t>
+              <a:t>} {log:8} {name:12} {</a:t>
             </a:r>
             <a:r>
               <a:rPr lang="de-DE" sz="1100" dirty="0" err="1">
@@ -6493,11 +8311,27 @@
               <a:rPr lang="de-DE" sz="1200" dirty="0">
                 <a:latin typeface="Courier" pitchFamily="2" charset="0"/>
               </a:rPr>
-              <a:t>type</a:t>
+              <a:t>log</a:t>
             </a:r>
             <a:r>
               <a:rPr lang="de-DE" sz="1200" dirty="0"/>
-              <a:t>:     Log type: Security, Audit.</a:t>
+              <a:t>:       HMC Log: </a:t>
+            </a:r>
+            <a:r>
+              <a:rPr lang="de-DE" sz="1200" dirty="0" err="1"/>
+              <a:t>security</a:t>
+            </a:r>
+            <a:r>
+              <a:rPr lang="de-DE" sz="1200" dirty="0"/>
+              <a:t>, </a:t>
+            </a:r>
+            <a:r>
+              <a:rPr lang="de-DE" sz="1200" dirty="0" err="1"/>
+              <a:t>audit</a:t>
+            </a:r>
+            <a:r>
+              <a:rPr lang="de-DE" sz="1200" dirty="0"/>
+              <a:t>.</a:t>
             </a:r>
             <a:br>
               <a:rPr lang="de-DE" sz="1200" dirty="0"/>
@@ -7077,7 +8911,90 @@
               <a:rPr lang="de-DE" sz="1000" dirty="0">
                 <a:latin typeface="Courier" pitchFamily="2" charset="0"/>
               </a:rPr>
-              <a:t> INFO Logs: </a:t>
+              <a:t> INFO </a:t>
+            </a:r>
+            <a:r>
+              <a:rPr lang="de-DE" sz="1000" dirty="0" err="1">
+                <a:latin typeface="Courier" pitchFamily="2" charset="0"/>
+              </a:rPr>
+              <a:t>Since</a:t>
+            </a:r>
+            <a:r>
+              <a:rPr lang="de-DE" sz="1000" dirty="0">
+                <a:latin typeface="Courier" pitchFamily="2" charset="0"/>
+              </a:rPr>
+              <a:t>: </a:t>
+            </a:r>
+            <a:r>
+              <a:rPr lang="de-DE" sz="1000" dirty="0" err="1">
+                <a:latin typeface="Courier" pitchFamily="2" charset="0"/>
+              </a:rPr>
+              <a:t>now</a:t>
+            </a:r>
+            <a:r>
+              <a:rPr lang="de-DE" sz="1000" dirty="0">
+                <a:latin typeface="Courier" pitchFamily="2" charset="0"/>
+              </a:rPr>
+              <a:t> (2019-08-13 …), Future: True</a:t>
+            </a:r>
+            <a:br>
+              <a:rPr lang="de-DE" sz="1000" dirty="0">
+                <a:latin typeface="Courier" pitchFamily="2" charset="0"/>
+              </a:rPr>
+            </a:br>
+            <a:r>
+              <a:rPr lang="de-DE" sz="1000" dirty="0">
+                <a:latin typeface="Courier" pitchFamily="2" charset="0"/>
+              </a:rPr>
+              <a:t>2019-08-13 09:28:37 </a:t>
+            </a:r>
+            <a:r>
+              <a:rPr lang="de-DE" sz="1000" dirty="0" err="1">
+                <a:latin typeface="Courier" pitchFamily="2" charset="0"/>
+              </a:rPr>
+              <a:t>zhmc_log_forwarder</a:t>
+            </a:r>
+            <a:r>
+              <a:rPr lang="de-DE" sz="1000" dirty="0">
+                <a:latin typeface="Courier" pitchFamily="2" charset="0"/>
+              </a:rPr>
+              <a:t> INFO </a:t>
+            </a:r>
+            <a:r>
+              <a:rPr lang="de-DE" sz="1000" dirty="0" err="1">
+                <a:latin typeface="Courier" pitchFamily="2" charset="0"/>
+              </a:rPr>
+              <a:t>Forwarding</a:t>
+            </a:r>
+            <a:r>
+              <a:rPr lang="de-DE" sz="1000" dirty="0">
+                <a:latin typeface="Courier" pitchFamily="2" charset="0"/>
+              </a:rPr>
+              <a:t>: '</a:t>
+            </a:r>
+            <a:r>
+              <a:rPr lang="de-DE" sz="1000" dirty="0" err="1">
+                <a:latin typeface="Courier" pitchFamily="2" charset="0"/>
+              </a:rPr>
+              <a:t>Testing</a:t>
+            </a:r>
+            <a:r>
+              <a:rPr lang="de-DE" sz="1000" dirty="0">
+                <a:latin typeface="Courier" pitchFamily="2" charset="0"/>
+              </a:rPr>
+              <a:t> RFC5424 </a:t>
+            </a:r>
+            <a:r>
+              <a:rPr lang="de-DE" sz="1000" dirty="0" err="1">
+                <a:latin typeface="Courier" pitchFamily="2" charset="0"/>
+              </a:rPr>
+              <a:t>format</a:t>
+            </a:r>
+            <a:r>
+              <a:rPr lang="de-DE" sz="1000" dirty="0">
+                <a:latin typeface="Courier" pitchFamily="2" charset="0"/>
+              </a:rPr>
+              <a:t>'; Logs: </a:t>
             </a:r>
             <a:r>
               <a:rPr lang="de-DE" sz="1000" dirty="0" err="1">
@@ -7101,13 +9018,155 @@
               <a:rPr lang="de-DE" sz="1000" dirty="0">
                 <a:latin typeface="Courier" pitchFamily="2" charset="0"/>
               </a:rPr>
+              <a:t>;</a:t>
+            </a:r>
+            <a:br>
+              <a:rPr lang="de-DE" sz="1000" dirty="0">
+                <a:latin typeface="Courier" pitchFamily="2" charset="0"/>
+              </a:rPr>
+            </a:br>
+            <a:r>
+              <a:rPr lang="de-DE" sz="1000" dirty="0">
+                <a:latin typeface="Courier" pitchFamily="2" charset="0"/>
+              </a:rPr>
+              <a:t>                                            Destination: </a:t>
+            </a:r>
+            <a:r>
+              <a:rPr lang="de-DE" sz="1000" dirty="0" err="1">
+                <a:latin typeface="Courier" pitchFamily="2" charset="0"/>
+              </a:rPr>
+              <a:t>syslog</a:t>
+            </a:r>
+            <a:r>
+              <a:rPr lang="de-DE" sz="1000" dirty="0">
+                <a:latin typeface="Courier" pitchFamily="2" charset="0"/>
+              </a:rPr>
+              <a:t> (</a:t>
+            </a:r>
+            <a:r>
+              <a:rPr lang="de-DE" sz="1000" dirty="0" err="1">
+                <a:latin typeface="Courier" pitchFamily="2" charset="0"/>
+              </a:rPr>
+              <a:t>server</a:t>
+            </a:r>
+            <a:r>
+              <a:rPr lang="de-DE" sz="1000" dirty="0">
+                <a:latin typeface="Courier" pitchFamily="2" charset="0"/>
+              </a:rPr>
+              <a:t> 10.74.145.195, </a:t>
+            </a:r>
+            <a:r>
+              <a:rPr lang="de-DE" sz="1000" dirty="0" err="1">
+                <a:latin typeface="Courier" pitchFamily="2" charset="0"/>
+              </a:rPr>
+              <a:t>port</a:t>
+            </a:r>
+            <a:r>
+              <a:rPr lang="de-DE" sz="1000" dirty="0">
+                <a:latin typeface="Courier" pitchFamily="2" charset="0"/>
+              </a:rPr>
+              <a:t> 514/</a:t>
+            </a:r>
+            <a:r>
+              <a:rPr lang="de-DE" sz="1000" dirty="0" err="1">
+                <a:latin typeface="Courier" pitchFamily="2" charset="0"/>
+              </a:rPr>
+              <a:t>tcp</a:t>
+            </a:r>
+            <a:r>
+              <a:rPr lang="de-DE" sz="1000" dirty="0">
+                <a:latin typeface="Courier" pitchFamily="2" charset="0"/>
+              </a:rPr>
               <a:t>, </a:t>
             </a:r>
             <a:r>
               <a:rPr lang="de-DE" sz="1000" dirty="0" err="1">
                 <a:latin typeface="Courier" pitchFamily="2" charset="0"/>
               </a:rPr>
-              <a:t>Since</a:t>
+              <a:t>facility</a:t>
+            </a:r>
+            <a:r>
+              <a:rPr lang="de-DE" sz="1000" dirty="0">
+                <a:latin typeface="Courier" pitchFamily="2" charset="0"/>
+              </a:rPr>
+              <a:t> </a:t>
+            </a:r>
+            <a:r>
+              <a:rPr lang="de-DE" sz="1000" dirty="0" err="1">
+                <a:latin typeface="Courier" pitchFamily="2" charset="0"/>
+              </a:rPr>
+              <a:t>user</a:t>
+            </a:r>
+            <a:r>
+              <a:rPr lang="de-DE" sz="1000" dirty="0">
+                <a:latin typeface="Courier" pitchFamily="2" charset="0"/>
+              </a:rPr>
+              <a:t>)</a:t>
+            </a:r>
+            <a:br>
+              <a:rPr lang="de-DE" sz="1000" dirty="0">
+                <a:latin typeface="Courier" pitchFamily="2" charset="0"/>
+              </a:rPr>
+            </a:br>
+            <a:r>
+              <a:rPr lang="de-DE" sz="1000" dirty="0">
+                <a:latin typeface="Courier" pitchFamily="2" charset="0"/>
+              </a:rPr>
+              <a:t>2019-08-13 09:28:37 </a:t>
+            </a:r>
+            <a:r>
+              <a:rPr lang="de-DE" sz="1000" dirty="0" err="1">
+                <a:latin typeface="Courier" pitchFamily="2" charset="0"/>
+              </a:rPr>
+              <a:t>zhmc_log_forwarder</a:t>
+            </a:r>
+            <a:r>
+              <a:rPr lang="de-DE" sz="1000" dirty="0">
+                <a:latin typeface="Courier" pitchFamily="2" charset="0"/>
+              </a:rPr>
+              <a:t> INFO </a:t>
+            </a:r>
+            <a:r>
+              <a:rPr lang="de-DE" sz="1000" dirty="0" err="1">
+                <a:latin typeface="Courier" pitchFamily="2" charset="0"/>
+              </a:rPr>
+              <a:t>Collecting</a:t>
+            </a:r>
+            <a:r>
+              <a:rPr lang="de-DE" sz="1000" dirty="0">
+                <a:latin typeface="Courier" pitchFamily="2" charset="0"/>
+              </a:rPr>
+              <a:t> </a:t>
+            </a:r>
+            <a:r>
+              <a:rPr lang="de-DE" sz="1000" dirty="0" err="1">
+                <a:latin typeface="Courier" pitchFamily="2" charset="0"/>
+              </a:rPr>
+              <a:t>these</a:t>
+            </a:r>
+            <a:r>
+              <a:rPr lang="de-DE" sz="1000" dirty="0">
+                <a:latin typeface="Courier" pitchFamily="2" charset="0"/>
+              </a:rPr>
+              <a:t> </a:t>
+            </a:r>
+            <a:r>
+              <a:rPr lang="de-DE" sz="1000" dirty="0" err="1">
+                <a:latin typeface="Courier" pitchFamily="2" charset="0"/>
+              </a:rPr>
+              <a:t>logs</a:t>
+            </a:r>
+            <a:r>
+              <a:rPr lang="de-DE" sz="1000" dirty="0">
+                <a:latin typeface="Courier" pitchFamily="2" charset="0"/>
+              </a:rPr>
+              <a:t> </a:t>
+            </a:r>
+            <a:r>
+              <a:rPr lang="de-DE" sz="1000" dirty="0" err="1">
+                <a:latin typeface="Courier" pitchFamily="2" charset="0"/>
+              </a:rPr>
+              <a:t>altogether</a:t>
             </a:r>
             <a:r>
               <a:rPr lang="de-DE" sz="1000" dirty="0">
@@ -7119,78 +9178,7 @@
               <a:rPr lang="de-DE" sz="1000" dirty="0" err="1">
                 <a:latin typeface="Courier" pitchFamily="2" charset="0"/>
               </a:rPr>
-              <a:t>now</a:t>
-            </a:r>
-            <a:r>
-              <a:rPr lang="de-DE" sz="1000" dirty="0">
-                <a:latin typeface="Courier" pitchFamily="2" charset="0"/>
-              </a:rPr>
-              <a:t> (2019-08-13 …), Future: True</a:t>
-            </a:r>
-            <a:br>
-              <a:rPr lang="de-DE" sz="1000" dirty="0">
-                <a:latin typeface="Courier" pitchFamily="2" charset="0"/>
-              </a:rPr>
-            </a:br>
-            <a:r>
-              <a:rPr lang="de-DE" sz="1000" dirty="0">
-                <a:latin typeface="Courier" pitchFamily="2" charset="0"/>
-              </a:rPr>
-              <a:t>2019-08-13 09:28:37 </a:t>
-            </a:r>
-            <a:r>
-              <a:rPr lang="de-DE" sz="1000" dirty="0" err="1">
-                <a:latin typeface="Courier" pitchFamily="2" charset="0"/>
-              </a:rPr>
-              <a:t>zhmc_log_forwarder</a:t>
-            </a:r>
-            <a:r>
-              <a:rPr lang="de-DE" sz="1000" dirty="0">
-                <a:latin typeface="Courier" pitchFamily="2" charset="0"/>
-              </a:rPr>
-              <a:t> INFO Destination: </a:t>
-            </a:r>
-            <a:r>
-              <a:rPr lang="de-DE" sz="1000" dirty="0" err="1">
-                <a:latin typeface="Courier" pitchFamily="2" charset="0"/>
-              </a:rPr>
-              <a:t>syslog</a:t>
-            </a:r>
-            <a:r>
-              <a:rPr lang="de-DE" sz="1000" dirty="0">
-                <a:latin typeface="Courier" pitchFamily="2" charset="0"/>
-              </a:rPr>
-              <a:t> (</a:t>
-            </a:r>
-            <a:r>
-              <a:rPr lang="de-DE" sz="1000" dirty="0" err="1">
-                <a:latin typeface="Courier" pitchFamily="2" charset="0"/>
-              </a:rPr>
-              <a:t>server</a:t>
-            </a:r>
-            <a:r>
-              <a:rPr lang="de-DE" sz="1000" dirty="0">
-                <a:latin typeface="Courier" pitchFamily="2" charset="0"/>
-              </a:rPr>
-              <a:t> 10.74.145.195, </a:t>
-            </a:r>
-            <a:r>
-              <a:rPr lang="de-DE" sz="1000" dirty="0" err="1">
-                <a:latin typeface="Courier" pitchFamily="2" charset="0"/>
-              </a:rPr>
-              <a:t>port</a:t>
-            </a:r>
-            <a:r>
-              <a:rPr lang="de-DE" sz="1000" dirty="0">
-                <a:latin typeface="Courier" pitchFamily="2" charset="0"/>
-              </a:rPr>
-              <a:t> 514/</a:t>
-            </a:r>
-            <a:r>
-              <a:rPr lang="de-DE" sz="1000" dirty="0" err="1">
-                <a:latin typeface="Courier" pitchFamily="2" charset="0"/>
-              </a:rPr>
-              <a:t>tcp</a:t>
+              <a:t>audit</a:t>
             </a:r>
             <a:r>
               <a:rPr lang="de-DE" sz="1000" dirty="0">
@@ -7202,25 +9190,7 @@
               <a:rPr lang="de-DE" sz="1000" dirty="0" err="1">
                 <a:latin typeface="Courier" pitchFamily="2" charset="0"/>
               </a:rPr>
-              <a:t>facility</a:t>
-            </a:r>
-            <a:r>
-              <a:rPr lang="de-DE" sz="1000" dirty="0">
-                <a:latin typeface="Courier" pitchFamily="2" charset="0"/>
-              </a:rPr>
-              <a:t> </a:t>
-            </a:r>
-            <a:r>
-              <a:rPr lang="de-DE" sz="1000" dirty="0" err="1">
-                <a:latin typeface="Courier" pitchFamily="2" charset="0"/>
-              </a:rPr>
-              <a:t>user</a:t>
-            </a:r>
-            <a:r>
-              <a:rPr lang="de-DE" sz="1000" dirty="0">
-                <a:latin typeface="Courier" pitchFamily="2" charset="0"/>
-              </a:rPr>
-              <a:t>)</a:t>
+              <a:t>security</a:t>
             </a:r>
             <a:br>
               <a:rPr lang="de-DE" sz="1000" dirty="0">
